--- a/boom overview.pptx
+++ b/boom overview.pptx
@@ -5,10 +5,10 @@
     <p:sldMasterId id="2147483649" r:id="rId1"/>
   </p:sldMasterIdLst>
   <p:notesMasterIdLst>
-    <p:notesMasterId r:id="rId30"/>
+    <p:notesMasterId r:id="rId31"/>
   </p:notesMasterIdLst>
   <p:handoutMasterIdLst>
-    <p:handoutMasterId r:id="rId31"/>
+    <p:handoutMasterId r:id="rId32"/>
   </p:handoutMasterIdLst>
   <p:sldIdLst>
     <p:sldId id="256" r:id="rId2"/>
@@ -29,16 +29,17 @@
     <p:sldId id="821" r:id="rId17"/>
     <p:sldId id="826" r:id="rId18"/>
     <p:sldId id="827" r:id="rId19"/>
-    <p:sldId id="828" r:id="rId20"/>
-    <p:sldId id="829" r:id="rId21"/>
-    <p:sldId id="830" r:id="rId22"/>
-    <p:sldId id="833" r:id="rId23"/>
-    <p:sldId id="831" r:id="rId24"/>
-    <p:sldId id="834" r:id="rId25"/>
-    <p:sldId id="832" r:id="rId26"/>
-    <p:sldId id="824" r:id="rId27"/>
-    <p:sldId id="825" r:id="rId28"/>
-    <p:sldId id="715" r:id="rId29"/>
+    <p:sldId id="835" r:id="rId20"/>
+    <p:sldId id="828" r:id="rId21"/>
+    <p:sldId id="829" r:id="rId22"/>
+    <p:sldId id="830" r:id="rId23"/>
+    <p:sldId id="833" r:id="rId24"/>
+    <p:sldId id="831" r:id="rId25"/>
+    <p:sldId id="834" r:id="rId26"/>
+    <p:sldId id="832" r:id="rId27"/>
+    <p:sldId id="824" r:id="rId28"/>
+    <p:sldId id="825" r:id="rId29"/>
+    <p:sldId id="715" r:id="rId30"/>
   </p:sldIdLst>
   <p:sldSz cx="9144000" cy="6858000" type="screen4x3"/>
   <p:notesSz cx="6858000" cy="9144000"/>
@@ -2528,7 +2529,98 @@
           <a:bodyPr/>
           <a:lstStyle/>
           <a:p>
-            <a:endParaRPr lang="zh-CN" altLang="en-US" dirty="0"/>
+            <a:r>
+              <a:rPr lang="en-US" altLang="zh-CN" dirty="0" smtClean="0"/>
+              <a:t>Issue</a:t>
+            </a:r>
+            <a:r>
+              <a:rPr lang="en-US" altLang="zh-CN" baseline="0" dirty="0" smtClean="0"/>
+              <a:t> window</a:t>
+            </a:r>
+            <a:r>
+              <a:rPr lang="zh-CN" altLang="en-US" baseline="0" dirty="0" smtClean="0"/>
+              <a:t>中保存还没有执行的微指令，微指令的操作数准备好，并且没有因为转移预测错误被取消时，会把</a:t>
+            </a:r>
+            <a:r>
+              <a:rPr lang="en-US" altLang="zh-CN" baseline="0" dirty="0" smtClean="0"/>
+              <a:t>request</a:t>
+            </a:r>
+            <a:r>
+              <a:rPr lang="zh-CN" altLang="en-US" baseline="0" dirty="0" smtClean="0"/>
+              <a:t>信号置为高，选择逻辑会在</a:t>
+            </a:r>
+            <a:r>
+              <a:rPr lang="en-US" altLang="zh-CN" baseline="0" dirty="0" smtClean="0"/>
+              <a:t>request</a:t>
+            </a:r>
+            <a:r>
+              <a:rPr lang="zh-CN" altLang="en-US" baseline="0" dirty="0" smtClean="0"/>
+              <a:t>信号有效的指令中选择进行发射</a:t>
+            </a:r>
+            <a:endParaRPr lang="en-US" altLang="zh-CN" baseline="0" dirty="0" smtClean="0"/>
+          </a:p>
+          <a:p>
+            <a:r>
+              <a:rPr lang="zh-CN" altLang="en-US" baseline="0" dirty="0" smtClean="0"/>
+              <a:t>所有类型的指令共用一个发射窗口</a:t>
+            </a:r>
+            <a:r>
+              <a:rPr lang="en-US" altLang="zh-CN" baseline="0" dirty="0" smtClean="0"/>
+              <a:t/>
+            </a:r>
+            <a:br>
+              <a:rPr lang="en-US" altLang="zh-CN" baseline="0" dirty="0" smtClean="0"/>
+            </a:br>
+            <a:r>
+              <a:rPr lang="zh-CN" altLang="en-US" baseline="0" dirty="0" smtClean="0"/>
+              <a:t>发射逻辑有多个端口，每个端口处理一类微指令，选择逻辑实际上是一系列固定的优先级</a:t>
+            </a:r>
+            <a:endParaRPr lang="en-US" altLang="zh-CN" baseline="0" dirty="0" smtClean="0"/>
+          </a:p>
+          <a:p>
+            <a:r>
+              <a:rPr lang="zh-CN" altLang="en-US" baseline="0" dirty="0" smtClean="0"/>
+              <a:t>功能单元无法使用时发射逻辑会取消掉</a:t>
+            </a:r>
+            <a:r>
+              <a:rPr lang="en-US" altLang="zh-CN" baseline="0" dirty="0" smtClean="0"/>
+              <a:t>request</a:t>
+            </a:r>
+            <a:r>
+              <a:rPr lang="zh-CN" altLang="en-US" baseline="0" dirty="0" smtClean="0"/>
+              <a:t>信号，等待</a:t>
+            </a:r>
+            <a:r>
+              <a:rPr lang="en-US" altLang="zh-CN" baseline="0" dirty="0" smtClean="0"/>
+              <a:t>wake-up</a:t>
+            </a:r>
+            <a:r>
+              <a:rPr lang="zh-CN" altLang="en-US" baseline="0" dirty="0" smtClean="0"/>
+              <a:t>重新开始发射指令</a:t>
+            </a:r>
+            <a:endParaRPr lang="en-US" altLang="zh-CN" baseline="0" dirty="0" smtClean="0"/>
+          </a:p>
+          <a:p>
+            <a:r>
+              <a:rPr lang="en-US" altLang="zh-CN" baseline="0" dirty="0" smtClean="0"/>
+              <a:t>wake-up</a:t>
+            </a:r>
+            <a:r>
+              <a:rPr lang="zh-CN" altLang="en-US" baseline="0" dirty="0" smtClean="0"/>
+              <a:t>分为两种，</a:t>
+            </a:r>
+            <a:r>
+              <a:rPr lang="en-US" altLang="zh-CN" baseline="0" dirty="0" smtClean="0"/>
+              <a:t>fast wake-up</a:t>
+            </a:r>
+            <a:r>
+              <a:rPr lang="zh-CN" altLang="en-US" baseline="0" dirty="0" smtClean="0"/>
+              <a:t>和</a:t>
+            </a:r>
+            <a:r>
+              <a:rPr lang="en-US" altLang="zh-CN" baseline="0" dirty="0" smtClean="0"/>
+              <a:t>slow wake-up</a:t>
+            </a:r>
           </a:p>
         </p:txBody>
       </p:sp>
@@ -2555,7 +2647,7 @@
               <a:pPr>
                 <a:defRPr/>
               </a:pPr>
-              <a:t>18</a:t>
+              <a:t>17</a:t>
             </a:fld>
             <a:endParaRPr lang="en-US" altLang="zh-CN"/>
           </a:p>
@@ -2564,7 +2656,7 @@
     </p:spTree>
     <p:extLst>
       <p:ext uri="{BB962C8B-B14F-4D97-AF65-F5344CB8AC3E}">
-        <p14:creationId xmlns:p14="http://schemas.microsoft.com/office/powerpoint/2010/main" val="2970442713"/>
+        <p14:creationId xmlns:p14="http://schemas.microsoft.com/office/powerpoint/2010/main" val="1370931827"/>
       </p:ext>
     </p:extLst>
   </p:cSld>
@@ -2618,6 +2710,22 @@
           <a:bodyPr/>
           <a:lstStyle/>
           <a:p>
+            <a:r>
+              <a:rPr lang="en-US" altLang="zh-CN" dirty="0" smtClean="0"/>
+              <a:t>Unordered</a:t>
+            </a:r>
+            <a:r>
+              <a:rPr lang="zh-CN" altLang="en-US" dirty="0" smtClean="0"/>
+              <a:t>：无法预测的分支指令会放在低优先级的位置上，直到</a:t>
+            </a:r>
+            <a:r>
+              <a:rPr lang="en-US" altLang="zh-CN" dirty="0" smtClean="0"/>
+              <a:t>ROB</a:t>
+            </a:r>
+            <a:r>
+              <a:rPr lang="zh-CN" altLang="en-US" dirty="0" smtClean="0"/>
+              <a:t>被填满，发射窗口开始收缩前，这个分支指令不会被发射</a:t>
+            </a:r>
             <a:endParaRPr lang="zh-CN" altLang="en-US" dirty="0"/>
           </a:p>
         </p:txBody>
@@ -2645,7 +2753,7 @@
               <a:pPr>
                 <a:defRPr/>
               </a:pPr>
-              <a:t>20</a:t>
+              <a:t>18</a:t>
             </a:fld>
             <a:endParaRPr lang="en-US" altLang="zh-CN"/>
           </a:p>
@@ -2654,7 +2762,7 @@
     </p:spTree>
     <p:extLst>
       <p:ext uri="{BB962C8B-B14F-4D97-AF65-F5344CB8AC3E}">
-        <p14:creationId xmlns:p14="http://schemas.microsoft.com/office/powerpoint/2010/main" val="3581643686"/>
+        <p14:creationId xmlns:p14="http://schemas.microsoft.com/office/powerpoint/2010/main" val="4153438707"/>
       </p:ext>
     </p:extLst>
   </p:cSld>
@@ -2735,7 +2843,7 @@
               <a:pPr>
                 <a:defRPr/>
               </a:pPr>
-              <a:t>22</a:t>
+              <a:t>19</a:t>
             </a:fld>
             <a:endParaRPr lang="en-US" altLang="zh-CN"/>
           </a:p>
@@ -2744,7 +2852,7 @@
     </p:spTree>
     <p:extLst>
       <p:ext uri="{BB962C8B-B14F-4D97-AF65-F5344CB8AC3E}">
-        <p14:creationId xmlns:p14="http://schemas.microsoft.com/office/powerpoint/2010/main" val="2166323481"/>
+        <p14:creationId xmlns:p14="http://schemas.microsoft.com/office/powerpoint/2010/main" val="2970442713"/>
       </p:ext>
     </p:extLst>
   </p:cSld>
@@ -2798,6 +2906,53 @@
           <a:bodyPr/>
           <a:lstStyle/>
           <a:p>
+            <a:r>
+              <a:rPr lang="en-US" altLang="zh-CN" dirty="0" smtClean="0"/>
+              <a:t>BOOM</a:t>
+            </a:r>
+            <a:r>
+              <a:rPr lang="zh-CN" altLang="en-US" dirty="0" smtClean="0"/>
+              <a:t>使用了</a:t>
+            </a:r>
+            <a:r>
+              <a:rPr lang="en-US" altLang="zh-CN" dirty="0" smtClean="0"/>
+              <a:t>Berkeley </a:t>
+            </a:r>
+            <a:r>
+              <a:rPr lang="en-US" altLang="zh-CN" dirty="0" err="1" smtClean="0"/>
+              <a:t>hardfloat</a:t>
+            </a:r>
+            <a:r>
+              <a:rPr lang="en-US" altLang="zh-CN" baseline="0" dirty="0" smtClean="0"/>
+              <a:t> floating point units</a:t>
+            </a:r>
+            <a:r>
+              <a:rPr lang="zh-CN" altLang="en-US" baseline="0" dirty="0" smtClean="0"/>
+              <a:t>，硬件浮点单元内部使用</a:t>
+            </a:r>
+            <a:r>
+              <a:rPr lang="en-US" altLang="zh-CN" baseline="0" dirty="0" smtClean="0"/>
+              <a:t>65</a:t>
+            </a:r>
+            <a:r>
+              <a:rPr lang="zh-CN" altLang="en-US" baseline="0" dirty="0" smtClean="0"/>
+              <a:t>位操作数，因此所有的寄存器都是</a:t>
+            </a:r>
+            <a:r>
+              <a:rPr lang="en-US" altLang="zh-CN" baseline="0" dirty="0" smtClean="0"/>
+              <a:t>65</a:t>
+            </a:r>
+            <a:r>
+              <a:rPr lang="zh-CN" altLang="en-US" baseline="0" dirty="0" smtClean="0"/>
+              <a:t>位</a:t>
+            </a:r>
+            <a:endParaRPr lang="en-US" altLang="zh-CN" baseline="0" dirty="0" smtClean="0"/>
+          </a:p>
+          <a:p>
+            <a:r>
+              <a:rPr lang="zh-CN" altLang="en-US" baseline="0" dirty="0" smtClean="0"/>
+              <a:t>假设</a:t>
+            </a:r>
             <a:endParaRPr lang="zh-CN" altLang="en-US" dirty="0"/>
           </a:p>
         </p:txBody>
@@ -2825,7 +2980,7 @@
               <a:pPr>
                 <a:defRPr/>
               </a:pPr>
-              <a:t>24</a:t>
+              <a:t>20</a:t>
             </a:fld>
             <a:endParaRPr lang="en-US" altLang="zh-CN"/>
           </a:p>
@@ -2834,7 +2989,97 @@
     </p:spTree>
     <p:extLst>
       <p:ext uri="{BB962C8B-B14F-4D97-AF65-F5344CB8AC3E}">
-        <p14:creationId xmlns:p14="http://schemas.microsoft.com/office/powerpoint/2010/main" val="2038081551"/>
+        <p14:creationId xmlns:p14="http://schemas.microsoft.com/office/powerpoint/2010/main" val="2500312059"/>
+      </p:ext>
+    </p:extLst>
+  </p:cSld>
+  <p:clrMapOvr>
+    <a:masterClrMapping/>
+  </p:clrMapOvr>
+</p:notes>
+</file>
+
+<file path=ppt/notesSlides/notesSlide19.xml><?xml version="1.0" encoding="utf-8"?>
+<p:notes xmlns:a="http://schemas.openxmlformats.org/drawingml/2006/main" xmlns:r="http://schemas.openxmlformats.org/officeDocument/2006/relationships" xmlns:p="http://schemas.openxmlformats.org/presentationml/2006/main">
+  <p:cSld>
+    <p:spTree>
+      <p:nvGrpSpPr>
+        <p:cNvPr id="1" name=""/>
+        <p:cNvGrpSpPr/>
+        <p:nvPr/>
+      </p:nvGrpSpPr>
+      <p:grpSpPr>
+        <a:xfrm>
+          <a:off x="0" y="0"/>
+          <a:ext cx="0" cy="0"/>
+          <a:chOff x="0" y="0"/>
+          <a:chExt cx="0" cy="0"/>
+        </a:xfrm>
+      </p:grpSpPr>
+      <p:sp>
+        <p:nvSpPr>
+          <p:cNvPr id="2" name="幻灯片图像占位符 1"/>
+          <p:cNvSpPr>
+            <a:spLocks noGrp="1" noRot="1" noChangeAspect="1"/>
+          </p:cNvSpPr>
+          <p:nvPr>
+            <p:ph type="sldImg"/>
+          </p:nvPr>
+        </p:nvSpPr>
+        <p:spPr/>
+      </p:sp>
+      <p:sp>
+        <p:nvSpPr>
+          <p:cNvPr id="3" name="备注占位符 2"/>
+          <p:cNvSpPr>
+            <a:spLocks noGrp="1"/>
+          </p:cNvSpPr>
+          <p:nvPr>
+            <p:ph type="body" idx="1"/>
+          </p:nvPr>
+        </p:nvSpPr>
+        <p:spPr/>
+        <p:txBody>
+          <a:bodyPr/>
+          <a:lstStyle/>
+          <a:p>
+            <a:endParaRPr lang="zh-CN" altLang="en-US" dirty="0"/>
+          </a:p>
+        </p:txBody>
+      </p:sp>
+      <p:sp>
+        <p:nvSpPr>
+          <p:cNvPr id="4" name="灯片编号占位符 3"/>
+          <p:cNvSpPr>
+            <a:spLocks noGrp="1"/>
+          </p:cNvSpPr>
+          <p:nvPr>
+            <p:ph type="sldNum" sz="quarter" idx="10"/>
+          </p:nvPr>
+        </p:nvSpPr>
+        <p:spPr/>
+        <p:txBody>
+          <a:bodyPr/>
+          <a:lstStyle/>
+          <a:p>
+            <a:pPr>
+              <a:defRPr/>
+            </a:pPr>
+            <a:fld id="{A1323B56-F179-4CBA-B162-C86E75DEA6B5}" type="slidenum">
+              <a:rPr lang="en-US" altLang="zh-CN" smtClean="0"/>
+              <a:pPr>
+                <a:defRPr/>
+              </a:pPr>
+              <a:t>21</a:t>
+            </a:fld>
+            <a:endParaRPr lang="en-US" altLang="zh-CN"/>
+          </a:p>
+        </p:txBody>
+      </p:sp>
+    </p:spTree>
+    <p:extLst>
+      <p:ext uri="{BB962C8B-B14F-4D97-AF65-F5344CB8AC3E}">
+        <p14:creationId xmlns:p14="http://schemas.microsoft.com/office/powerpoint/2010/main" val="3581643686"/>
       </p:ext>
     </p:extLst>
   </p:cSld>
@@ -2925,6 +3170,186 @@
     <p:extLst>
       <p:ext uri="{BB962C8B-B14F-4D97-AF65-F5344CB8AC3E}">
         <p14:creationId xmlns:p14="http://schemas.microsoft.com/office/powerpoint/2010/main" val="232098597"/>
+      </p:ext>
+    </p:extLst>
+  </p:cSld>
+  <p:clrMapOvr>
+    <a:masterClrMapping/>
+  </p:clrMapOvr>
+</p:notes>
+</file>
+
+<file path=ppt/notesSlides/notesSlide20.xml><?xml version="1.0" encoding="utf-8"?>
+<p:notes xmlns:a="http://schemas.openxmlformats.org/drawingml/2006/main" xmlns:r="http://schemas.openxmlformats.org/officeDocument/2006/relationships" xmlns:p="http://schemas.openxmlformats.org/presentationml/2006/main">
+  <p:cSld>
+    <p:spTree>
+      <p:nvGrpSpPr>
+        <p:cNvPr id="1" name=""/>
+        <p:cNvGrpSpPr/>
+        <p:nvPr/>
+      </p:nvGrpSpPr>
+      <p:grpSpPr>
+        <a:xfrm>
+          <a:off x="0" y="0"/>
+          <a:ext cx="0" cy="0"/>
+          <a:chOff x="0" y="0"/>
+          <a:chExt cx="0" cy="0"/>
+        </a:xfrm>
+      </p:grpSpPr>
+      <p:sp>
+        <p:nvSpPr>
+          <p:cNvPr id="2" name="幻灯片图像占位符 1"/>
+          <p:cNvSpPr>
+            <a:spLocks noGrp="1" noRot="1" noChangeAspect="1"/>
+          </p:cNvSpPr>
+          <p:nvPr>
+            <p:ph type="sldImg"/>
+          </p:nvPr>
+        </p:nvSpPr>
+        <p:spPr/>
+      </p:sp>
+      <p:sp>
+        <p:nvSpPr>
+          <p:cNvPr id="3" name="备注占位符 2"/>
+          <p:cNvSpPr>
+            <a:spLocks noGrp="1"/>
+          </p:cNvSpPr>
+          <p:nvPr>
+            <p:ph type="body" idx="1"/>
+          </p:nvPr>
+        </p:nvSpPr>
+        <p:spPr/>
+        <p:txBody>
+          <a:bodyPr/>
+          <a:lstStyle/>
+          <a:p>
+            <a:endParaRPr lang="zh-CN" altLang="en-US" dirty="0"/>
+          </a:p>
+        </p:txBody>
+      </p:sp>
+      <p:sp>
+        <p:nvSpPr>
+          <p:cNvPr id="4" name="灯片编号占位符 3"/>
+          <p:cNvSpPr>
+            <a:spLocks noGrp="1"/>
+          </p:cNvSpPr>
+          <p:nvPr>
+            <p:ph type="sldNum" sz="quarter" idx="10"/>
+          </p:nvPr>
+        </p:nvSpPr>
+        <p:spPr/>
+        <p:txBody>
+          <a:bodyPr/>
+          <a:lstStyle/>
+          <a:p>
+            <a:pPr>
+              <a:defRPr/>
+            </a:pPr>
+            <a:fld id="{A1323B56-F179-4CBA-B162-C86E75DEA6B5}" type="slidenum">
+              <a:rPr lang="en-US" altLang="zh-CN" smtClean="0"/>
+              <a:pPr>
+                <a:defRPr/>
+              </a:pPr>
+              <a:t>23</a:t>
+            </a:fld>
+            <a:endParaRPr lang="en-US" altLang="zh-CN"/>
+          </a:p>
+        </p:txBody>
+      </p:sp>
+    </p:spTree>
+    <p:extLst>
+      <p:ext uri="{BB962C8B-B14F-4D97-AF65-F5344CB8AC3E}">
+        <p14:creationId xmlns:p14="http://schemas.microsoft.com/office/powerpoint/2010/main" val="2166323481"/>
+      </p:ext>
+    </p:extLst>
+  </p:cSld>
+  <p:clrMapOvr>
+    <a:masterClrMapping/>
+  </p:clrMapOvr>
+</p:notes>
+</file>
+
+<file path=ppt/notesSlides/notesSlide21.xml><?xml version="1.0" encoding="utf-8"?>
+<p:notes xmlns:a="http://schemas.openxmlformats.org/drawingml/2006/main" xmlns:r="http://schemas.openxmlformats.org/officeDocument/2006/relationships" xmlns:p="http://schemas.openxmlformats.org/presentationml/2006/main">
+  <p:cSld>
+    <p:spTree>
+      <p:nvGrpSpPr>
+        <p:cNvPr id="1" name=""/>
+        <p:cNvGrpSpPr/>
+        <p:nvPr/>
+      </p:nvGrpSpPr>
+      <p:grpSpPr>
+        <a:xfrm>
+          <a:off x="0" y="0"/>
+          <a:ext cx="0" cy="0"/>
+          <a:chOff x="0" y="0"/>
+          <a:chExt cx="0" cy="0"/>
+        </a:xfrm>
+      </p:grpSpPr>
+      <p:sp>
+        <p:nvSpPr>
+          <p:cNvPr id="2" name="幻灯片图像占位符 1"/>
+          <p:cNvSpPr>
+            <a:spLocks noGrp="1" noRot="1" noChangeAspect="1"/>
+          </p:cNvSpPr>
+          <p:nvPr>
+            <p:ph type="sldImg"/>
+          </p:nvPr>
+        </p:nvSpPr>
+        <p:spPr/>
+      </p:sp>
+      <p:sp>
+        <p:nvSpPr>
+          <p:cNvPr id="3" name="备注占位符 2"/>
+          <p:cNvSpPr>
+            <a:spLocks noGrp="1"/>
+          </p:cNvSpPr>
+          <p:nvPr>
+            <p:ph type="body" idx="1"/>
+          </p:nvPr>
+        </p:nvSpPr>
+        <p:spPr/>
+        <p:txBody>
+          <a:bodyPr/>
+          <a:lstStyle/>
+          <a:p>
+            <a:endParaRPr lang="zh-CN" altLang="en-US" dirty="0"/>
+          </a:p>
+        </p:txBody>
+      </p:sp>
+      <p:sp>
+        <p:nvSpPr>
+          <p:cNvPr id="4" name="灯片编号占位符 3"/>
+          <p:cNvSpPr>
+            <a:spLocks noGrp="1"/>
+          </p:cNvSpPr>
+          <p:nvPr>
+            <p:ph type="sldNum" sz="quarter" idx="10"/>
+          </p:nvPr>
+        </p:nvSpPr>
+        <p:spPr/>
+        <p:txBody>
+          <a:bodyPr/>
+          <a:lstStyle/>
+          <a:p>
+            <a:pPr>
+              <a:defRPr/>
+            </a:pPr>
+            <a:fld id="{A1323B56-F179-4CBA-B162-C86E75DEA6B5}" type="slidenum">
+              <a:rPr lang="en-US" altLang="zh-CN" smtClean="0"/>
+              <a:pPr>
+                <a:defRPr/>
+              </a:pPr>
+              <a:t>25</a:t>
+            </a:fld>
+            <a:endParaRPr lang="en-US" altLang="zh-CN"/>
+          </a:p>
+        </p:txBody>
+      </p:sp>
+    </p:spTree>
+    <p:extLst>
+      <p:ext uri="{BB962C8B-B14F-4D97-AF65-F5344CB8AC3E}">
+        <p14:creationId xmlns:p14="http://schemas.microsoft.com/office/powerpoint/2010/main" val="2038081551"/>
       </p:ext>
     </p:extLst>
   </p:cSld>
@@ -8875,7 +9300,6 @@
               <a:rPr lang="en-US" altLang="zh-CN" sz="2400" dirty="0" smtClean="0"/>
               <a:t>ROB &amp; The Dispatch Stage </a:t>
             </a:r>
-            <a:endParaRPr lang="en-US" altLang="zh-CN" sz="2400" dirty="0" smtClean="0"/>
           </a:p>
           <a:p>
             <a:r>
@@ -8968,7 +9392,11 @@
           <a:p>
             <a:r>
               <a:rPr lang="en-US" altLang="zh-CN" dirty="0" smtClean="0"/>
-              <a:t>The Issue Slot</a:t>
+              <a:t>The Issue </a:t>
+            </a:r>
+            <a:r>
+              <a:rPr lang="en-US" altLang="zh-CN" dirty="0" smtClean="0"/>
+              <a:t>Unit</a:t>
             </a:r>
             <a:endParaRPr lang="zh-CN" altLang="en-US" dirty="0"/>
           </a:p>
@@ -8990,16 +9418,18 @@
           <a:lstStyle/>
           <a:p>
             <a:r>
-              <a:rPr lang="zh-CN" altLang="en-US" sz="2400" dirty="0" smtClean="0">
-                <a:latin typeface="Calibri (正文)"/>
-              </a:rPr>
-              <a:t>简单介绍</a:t>
-            </a:r>
-            <a:r>
               <a:rPr lang="en-US" altLang="zh-CN" sz="2400" dirty="0" smtClean="0">
                 <a:latin typeface="Calibri (正文)"/>
               </a:rPr>
-              <a:t>~~~</a:t>
+              <a:t>Issue window</a:t>
+            </a:r>
+          </a:p>
+          <a:p>
+            <a:r>
+              <a:rPr lang="en-US" altLang="zh-CN" sz="2400" dirty="0" smtClean="0">
+                <a:latin typeface="Calibri (正文)"/>
+              </a:rPr>
+              <a:t>Issue slot</a:t>
             </a:r>
             <a:endParaRPr lang="zh-CN" altLang="en-US" sz="2400" dirty="0">
               <a:latin typeface="Calibri (正文)"/>
@@ -9016,7 +9446,7 @@
           <p:nvPr/>
         </p:nvPicPr>
         <p:blipFill>
-          <a:blip r:embed="rId2"/>
+          <a:blip r:embed="rId3"/>
           <a:stretch>
             <a:fillRect/>
           </a:stretch>
@@ -9084,123 +9514,215 @@
           <a:lstStyle/>
           <a:p>
             <a:r>
-              <a:rPr lang="zh-CN" altLang="en-US" dirty="0" smtClean="0"/>
-              <a:t>主要内容</a:t>
+              <a:rPr lang="en-US" altLang="zh-CN" dirty="0" smtClean="0"/>
+              <a:t>The Issue Unit</a:t>
             </a:r>
             <a:endParaRPr lang="zh-CN" altLang="en-US" dirty="0"/>
           </a:p>
         </p:txBody>
       </p:sp>
-      <p:sp>
-        <p:nvSpPr>
-          <p:cNvPr id="3" name="内容占位符 2"/>
-          <p:cNvSpPr>
-            <a:spLocks noGrp="1"/>
-          </p:cNvSpPr>
-          <p:nvPr>
-            <p:ph idx="1"/>
-          </p:nvPr>
-        </p:nvSpPr>
-        <p:spPr/>
+      <mc:AlternateContent xmlns:mc="http://schemas.openxmlformats.org/markup-compatibility/2006">
+        <mc:Choice xmlns:a14="http://schemas.microsoft.com/office/drawing/2010/main" Requires="a14">
+          <p:sp>
+            <p:nvSpPr>
+              <p:cNvPr id="3" name="内容占位符 2"/>
+              <p:cNvSpPr>
+                <a:spLocks noGrp="1"/>
+              </p:cNvSpPr>
+              <p:nvPr>
+                <p:ph idx="1"/>
+              </p:nvPr>
+            </p:nvSpPr>
+            <p:spPr/>
+            <p:txBody>
+              <a:bodyPr/>
+              <a:lstStyle/>
+              <a:p>
+                <a:r>
+                  <a:rPr lang="en-US" altLang="zh-CN" dirty="0" smtClean="0"/>
+                  <a:t>Issue Logic</a:t>
+                </a:r>
+              </a:p>
+              <a:p>
+                <a:pPr lvl="1"/>
+                <a:r>
+                  <a:rPr lang="en-US" altLang="zh-CN" dirty="0" smtClean="0"/>
+                  <a:t>Un-ordered</a:t>
+                </a:r>
+              </a:p>
+              <a:p>
+                <a:pPr lvl="2"/>
+                <a:r>
+                  <a:rPr lang="zh-CN" altLang="en-US" dirty="0" smtClean="0"/>
+                  <a:t>逻辑与</a:t>
+                </a:r>
+                <a:r>
+                  <a:rPr lang="en-US" altLang="zh-CN" dirty="0" smtClean="0"/>
+                  <a:t>MIP R10K</a:t>
+                </a:r>
+                <a:r>
+                  <a:rPr lang="zh-CN" altLang="en-US" dirty="0" smtClean="0"/>
+                  <a:t>的发射逻辑类似</a:t>
+                </a:r>
+                <a14:m>
+                  <m:oMath xmlns:m="http://schemas.openxmlformats.org/officeDocument/2006/math">
+                    <m:r>
+                      <a:rPr lang="en-US" altLang="zh-CN" i="1" dirty="0" smtClean="0">
+                        <a:latin typeface="Cambria Math" panose="02040503050406030204" pitchFamily="18" charset="0"/>
+                      </a:rPr>
+                      <m:t>[1]</m:t>
+                    </m:r>
+                  </m:oMath>
+                </a14:m>
+                <a:endParaRPr lang="en-US" altLang="zh-CN" dirty="0" smtClean="0">
+                  <a:latin typeface="宋体" panose="02010600030101010101" pitchFamily="2" charset="-122"/>
+                  <a:ea typeface="宋体" panose="02010600030101010101" pitchFamily="2" charset="-122"/>
+                </a:endParaRPr>
+              </a:p>
+              <a:p>
+                <a:pPr lvl="2"/>
+                <a:r>
+                  <a:rPr lang="zh-CN" altLang="en-US" dirty="0" smtClean="0"/>
+                  <a:t>特定情境下性能可能非常差</a:t>
+                </a:r>
+                <a:endParaRPr lang="en-US" altLang="zh-CN" dirty="0" smtClean="0"/>
+              </a:p>
+              <a:p>
+                <a:pPr lvl="1"/>
+                <a:r>
+                  <a:rPr lang="en-US" altLang="zh-CN" dirty="0" smtClean="0"/>
+                  <a:t>Age-ordered</a:t>
+                </a:r>
+              </a:p>
+              <a:p>
+                <a:pPr lvl="2"/>
+                <a:r>
+                  <a:rPr lang="zh-CN" altLang="en-US" dirty="0" smtClean="0"/>
+                  <a:t>发射窗口中的指令会随时间提高优先级</a:t>
+                </a:r>
+                <a:endParaRPr lang="en-US" altLang="zh-CN" dirty="0" smtClean="0"/>
+              </a:p>
+              <a:p>
+                <a:pPr lvl="2"/>
+                <a:r>
+                  <a:rPr lang="zh-CN" altLang="en-US" dirty="0"/>
+                  <a:t>能效</a:t>
+                </a:r>
+                <a:r>
+                  <a:rPr lang="zh-CN" altLang="en-US" dirty="0" smtClean="0"/>
+                  <a:t>性较差</a:t>
+                </a:r>
+                <a:endParaRPr lang="zh-CN" altLang="en-US" dirty="0"/>
+              </a:p>
+            </p:txBody>
+          </p:sp>
+        </mc:Choice>
+        <mc:Fallback>
+          <p:sp>
+            <p:nvSpPr>
+              <p:cNvPr id="3" name="内容占位符 2"/>
+              <p:cNvSpPr>
+                <a:spLocks noGrp="1" noRot="1" noChangeAspect="1" noMove="1" noResize="1" noEditPoints="1" noAdjustHandles="1" noChangeArrowheads="1" noChangeShapeType="1" noTextEdit="1"/>
+              </p:cNvSpPr>
+              <p:nvPr>
+                <p:ph idx="1"/>
+              </p:nvPr>
+            </p:nvSpPr>
+            <p:spPr>
+              <a:blipFill rotWithShape="0">
+                <a:blip r:embed="rId3"/>
+                <a:stretch>
+                  <a:fillRect l="-1673" t="-1487"/>
+                </a:stretch>
+              </a:blipFill>
+            </p:spPr>
+            <p:txBody>
+              <a:bodyPr/>
+              <a:lstStyle/>
+              <a:p>
+                <a:r>
+                  <a:rPr lang="zh-CN" altLang="en-US">
+                    <a:noFill/>
+                  </a:rPr>
+                  <a:t> </a:t>
+                </a:r>
+              </a:p>
+            </p:txBody>
+          </p:sp>
+        </mc:Fallback>
+      </mc:AlternateContent>
+      <p:sp>
+        <p:nvSpPr>
+          <p:cNvPr id="4" name="文本框 3"/>
+          <p:cNvSpPr txBox="1"/>
+          <p:nvPr/>
+        </p:nvSpPr>
+        <p:spPr>
+          <a:xfrm>
+            <a:off x="395536" y="6093296"/>
+            <a:ext cx="8352928" cy="307777"/>
+          </a:xfrm>
+          <a:prstGeom prst="rect">
+            <a:avLst/>
+          </a:prstGeom>
+          <a:noFill/>
+        </p:spPr>
         <p:txBody>
-          <a:bodyPr/>
+          <a:bodyPr wrap="square" rtlCol="0">
+            <a:spAutoFit/>
+          </a:bodyPr>
           <a:lstStyle/>
           <a:p>
             <a:r>
-              <a:rPr lang="en-US" altLang="zh-CN" sz="2400" dirty="0" smtClean="0"/>
-              <a:t>Introduction &amp; Overview</a:t>
-            </a:r>
-          </a:p>
-          <a:p>
-            <a:r>
-              <a:rPr lang="en-US" altLang="zh-CN" sz="2400" dirty="0" smtClean="0"/>
-              <a:t>Instruction Fetch</a:t>
-            </a:r>
-            <a:endParaRPr lang="zh-CN" altLang="en-US" sz="2400" dirty="0"/>
-          </a:p>
-          <a:p>
-            <a:r>
-              <a:rPr lang="en-US" altLang="zh-CN" sz="2400" dirty="0"/>
-              <a:t>Unified Physical Register </a:t>
-            </a:r>
-            <a:r>
-              <a:rPr lang="en-US" altLang="zh-CN" sz="2400" dirty="0" smtClean="0"/>
-              <a:t>File</a:t>
-            </a:r>
-          </a:p>
-          <a:p>
-            <a:r>
-              <a:rPr lang="en-US" altLang="zh-CN" sz="2400" dirty="0" smtClean="0"/>
-              <a:t>The Decode Stage</a:t>
-            </a:r>
-          </a:p>
-          <a:p>
-            <a:r>
-              <a:rPr lang="en-US" altLang="zh-CN" sz="2400" dirty="0" smtClean="0"/>
-              <a:t>The Rename Stage</a:t>
-            </a:r>
-          </a:p>
-          <a:p>
-            <a:r>
-              <a:rPr lang="en-US" altLang="zh-CN" sz="2400" dirty="0" smtClean="0"/>
-              <a:t>ROB &amp; The Dispatch Stage </a:t>
-            </a:r>
-            <a:endParaRPr lang="en-US" altLang="zh-CN" sz="2400" dirty="0" smtClean="0"/>
-          </a:p>
-          <a:p>
-            <a:r>
-              <a:rPr lang="en-US" altLang="zh-CN" sz="2400" dirty="0"/>
-              <a:t>The Issue Unit</a:t>
-            </a:r>
-          </a:p>
-          <a:p>
-            <a:r>
-              <a:rPr lang="en-US" altLang="zh-CN" sz="2400" dirty="0">
+              <a:rPr lang="en-US" altLang="zh-CN" sz="1400" b="0" dirty="0" smtClean="0">
                 <a:solidFill>
-                  <a:srgbClr val="FF0000"/>
+                  <a:schemeClr val="tx1"/>
                 </a:solidFill>
               </a:rPr>
-              <a:t>The Register File and Bypass</a:t>
-            </a:r>
-          </a:p>
-          <a:p>
-            <a:r>
-              <a:rPr lang="en-US" altLang="zh-CN" sz="2400" dirty="0"/>
-              <a:t>The Execute Pipeline</a:t>
-            </a:r>
-          </a:p>
-          <a:p>
-            <a:r>
-              <a:rPr lang="en-US" altLang="zh-CN" sz="2400" dirty="0"/>
-              <a:t>The Load/Store Unit</a:t>
-            </a:r>
-          </a:p>
-          <a:p>
-            <a:r>
-              <a:rPr lang="zh-CN" altLang="en-US" sz="2400" dirty="0"/>
-              <a:t>后期工作安排</a:t>
-            </a:r>
-            <a:endParaRPr lang="en-US" altLang="zh-CN" sz="2400" dirty="0"/>
+              <a:t>[1] K</a:t>
+            </a:r>
+            <a:r>
+              <a:rPr lang="en-US" altLang="zh-CN" sz="1400" b="0" dirty="0">
+                <a:solidFill>
+                  <a:schemeClr val="tx1"/>
+                </a:solidFill>
+              </a:rPr>
+              <a:t>. Yeager. The MIPS R10000 Superscalar Microprocessor. IEEE Micro, 16(2):</a:t>
+            </a:r>
+            <a:r>
+              <a:rPr lang="en-US" altLang="zh-CN" sz="1400" b="0" dirty="0" smtClean="0">
+                <a:solidFill>
+                  <a:schemeClr val="tx1"/>
+                </a:solidFill>
+              </a:rPr>
+              <a:t>28-41</a:t>
+            </a:r>
+            <a:r>
+              <a:rPr lang="en-US" altLang="zh-CN" sz="1400" b="0" dirty="0">
+                <a:solidFill>
+                  <a:schemeClr val="tx1"/>
+                </a:solidFill>
+              </a:rPr>
+              <a:t>, 1996.</a:t>
+            </a:r>
+            <a:endParaRPr lang="zh-CN" altLang="en-US" sz="1400" dirty="0">
+              <a:solidFill>
+                <a:schemeClr val="tx1"/>
+              </a:solidFill>
+            </a:endParaRPr>
           </a:p>
         </p:txBody>
       </p:sp>
     </p:spTree>
     <p:extLst>
       <p:ext uri="{BB962C8B-B14F-4D97-AF65-F5344CB8AC3E}">
-        <p14:creationId xmlns:p14="http://schemas.microsoft.com/office/powerpoint/2010/main" val="180239790"/>
+        <p14:creationId xmlns:p14="http://schemas.microsoft.com/office/powerpoint/2010/main" val="4117977839"/>
       </p:ext>
     </p:extLst>
   </p:cSld>
   <p:clrMapOvr>
     <a:masterClrMapping/>
   </p:clrMapOvr>
-  <p:timing>
-    <p:tnLst>
-      <p:par>
-        <p:cTn id="1" dur="indefinite" restart="never" nodeType="tmRoot"/>
-      </p:par>
-    </p:tnLst>
-  </p:timing>
 </p:sld>
 </file>
 
@@ -9389,12 +9911,8 @@
           <a:lstStyle/>
           <a:p>
             <a:r>
-              <a:rPr lang="en-US" altLang="zh-CN" dirty="0"/>
-              <a:t>The Register File and </a:t>
-            </a:r>
-            <a:r>
-              <a:rPr lang="en-US" altLang="zh-CN" dirty="0" smtClean="0"/>
-              <a:t>Bypass</a:t>
+              <a:rPr lang="zh-CN" altLang="en-US" dirty="0" smtClean="0"/>
+              <a:t>主要内容</a:t>
             </a:r>
             <a:endParaRPr lang="zh-CN" altLang="en-US" dirty="0"/>
           </a:p>
@@ -9416,51 +9934,86 @@
           <a:lstStyle/>
           <a:p>
             <a:r>
-              <a:rPr lang="zh-CN" altLang="en-US" sz="2400" dirty="0" smtClean="0">
-                <a:latin typeface="Calibri (正文)"/>
-              </a:rPr>
-              <a:t>简单介绍</a:t>
-            </a:r>
-            <a:r>
-              <a:rPr lang="en-US" altLang="zh-CN" sz="2400" dirty="0" smtClean="0">
-                <a:latin typeface="Calibri (正文)"/>
-              </a:rPr>
-              <a:t>~~~</a:t>
-            </a:r>
-            <a:endParaRPr lang="zh-CN" altLang="en-US" sz="2400" dirty="0">
-              <a:latin typeface="Calibri (正文)"/>
-            </a:endParaRPr>
+              <a:rPr lang="en-US" altLang="zh-CN" sz="2400" dirty="0" smtClean="0"/>
+              <a:t>Introduction &amp; Overview</a:t>
+            </a:r>
+          </a:p>
+          <a:p>
+            <a:r>
+              <a:rPr lang="en-US" altLang="zh-CN" sz="2400" dirty="0" smtClean="0"/>
+              <a:t>Instruction Fetch</a:t>
+            </a:r>
+            <a:endParaRPr lang="zh-CN" altLang="en-US" sz="2400" dirty="0"/>
+          </a:p>
+          <a:p>
+            <a:r>
+              <a:rPr lang="en-US" altLang="zh-CN" sz="2400" dirty="0"/>
+              <a:t>Unified Physical Register </a:t>
+            </a:r>
+            <a:r>
+              <a:rPr lang="en-US" altLang="zh-CN" sz="2400" dirty="0" smtClean="0"/>
+              <a:t>File</a:t>
+            </a:r>
+          </a:p>
+          <a:p>
+            <a:r>
+              <a:rPr lang="en-US" altLang="zh-CN" sz="2400" dirty="0" smtClean="0"/>
+              <a:t>The Decode Stage</a:t>
+            </a:r>
+          </a:p>
+          <a:p>
+            <a:r>
+              <a:rPr lang="en-US" altLang="zh-CN" sz="2400" dirty="0" smtClean="0"/>
+              <a:t>The Rename Stage</a:t>
+            </a:r>
+          </a:p>
+          <a:p>
+            <a:r>
+              <a:rPr lang="en-US" altLang="zh-CN" sz="2400" dirty="0" smtClean="0"/>
+              <a:t>ROB &amp; The Dispatch Stage </a:t>
+            </a:r>
+          </a:p>
+          <a:p>
+            <a:r>
+              <a:rPr lang="en-US" altLang="zh-CN" sz="2400" dirty="0"/>
+              <a:t>The Issue Unit</a:t>
+            </a:r>
+          </a:p>
+          <a:p>
+            <a:r>
+              <a:rPr lang="en-US" altLang="zh-CN" sz="2400" dirty="0">
+                <a:solidFill>
+                  <a:srgbClr val="FF0000"/>
+                </a:solidFill>
+              </a:rPr>
+              <a:t>The Register File and Bypass</a:t>
+            </a:r>
+          </a:p>
+          <a:p>
+            <a:r>
+              <a:rPr lang="en-US" altLang="zh-CN" sz="2400" dirty="0"/>
+              <a:t>The Execute Pipeline</a:t>
+            </a:r>
+          </a:p>
+          <a:p>
+            <a:r>
+              <a:rPr lang="en-US" altLang="zh-CN" sz="2400" dirty="0"/>
+              <a:t>The Load/Store Unit</a:t>
+            </a:r>
+          </a:p>
+          <a:p>
+            <a:r>
+              <a:rPr lang="zh-CN" altLang="en-US" sz="2400" dirty="0"/>
+              <a:t>后期工作安排</a:t>
+            </a:r>
+            <a:endParaRPr lang="en-US" altLang="zh-CN" sz="2400" dirty="0"/>
           </a:p>
         </p:txBody>
       </p:sp>
-      <p:pic>
-        <p:nvPicPr>
-          <p:cNvPr id="4" name="图片 3"/>
-          <p:cNvPicPr>
-            <a:picLocks noChangeAspect="1"/>
-          </p:cNvPicPr>
-          <p:nvPr/>
-        </p:nvPicPr>
-        <p:blipFill>
-          <a:blip r:embed="rId2"/>
-          <a:stretch>
-            <a:fillRect/>
-          </a:stretch>
-        </p:blipFill>
-        <p:spPr>
-          <a:xfrm>
-            <a:off x="1133475" y="2276872"/>
-            <a:ext cx="6877050" cy="3486150"/>
-          </a:xfrm>
-          <a:prstGeom prst="rect">
-            <a:avLst/>
-          </a:prstGeom>
-        </p:spPr>
-      </p:pic>
     </p:spTree>
     <p:extLst>
       <p:ext uri="{BB962C8B-B14F-4D97-AF65-F5344CB8AC3E}">
-        <p14:creationId xmlns:p14="http://schemas.microsoft.com/office/powerpoint/2010/main" val="2099892906"/>
+        <p14:creationId xmlns:p14="http://schemas.microsoft.com/office/powerpoint/2010/main" val="180239790"/>
       </p:ext>
     </p:extLst>
   </p:cSld>
@@ -9510,8 +10063,12 @@
           <a:lstStyle/>
           <a:p>
             <a:r>
-              <a:rPr lang="zh-CN" altLang="en-US" dirty="0" smtClean="0"/>
-              <a:t>主要内容</a:t>
+              <a:rPr lang="en-US" altLang="zh-CN" dirty="0"/>
+              <a:t>The Register File and </a:t>
+            </a:r>
+            <a:r>
+              <a:rPr lang="en-US" altLang="zh-CN" dirty="0" smtClean="0"/>
+              <a:t>Bypass</a:t>
             </a:r>
             <a:endParaRPr lang="zh-CN" altLang="en-US" dirty="0"/>
           </a:p>
@@ -9533,92 +10090,816 @@
           <a:lstStyle/>
           <a:p>
             <a:r>
-              <a:rPr lang="en-US" altLang="zh-CN" sz="2400" dirty="0" smtClean="0"/>
-              <a:t>Introduction &amp; Overview</a:t>
-            </a:r>
-          </a:p>
-          <a:p>
-            <a:r>
-              <a:rPr lang="en-US" altLang="zh-CN" sz="2400" dirty="0" smtClean="0"/>
-              <a:t>Instruction Fetch</a:t>
-            </a:r>
-            <a:endParaRPr lang="zh-CN" altLang="en-US" sz="2400" dirty="0"/>
-          </a:p>
-          <a:p>
-            <a:r>
-              <a:rPr lang="en-US" altLang="zh-CN" sz="2400" dirty="0"/>
-              <a:t>Unified Physical Register </a:t>
-            </a:r>
-            <a:r>
-              <a:rPr lang="en-US" altLang="zh-CN" sz="2400" dirty="0" smtClean="0"/>
-              <a:t>File</a:t>
-            </a:r>
-          </a:p>
-          <a:p>
-            <a:r>
-              <a:rPr lang="en-US" altLang="zh-CN" sz="2400" dirty="0" smtClean="0"/>
-              <a:t>The Decode Stage</a:t>
-            </a:r>
-          </a:p>
-          <a:p>
-            <a:r>
-              <a:rPr lang="en-US" altLang="zh-CN" sz="2400" dirty="0" smtClean="0"/>
-              <a:t>The Rename Stage</a:t>
-            </a:r>
-          </a:p>
-          <a:p>
-            <a:r>
-              <a:rPr lang="en-US" altLang="zh-CN" sz="2400" dirty="0" smtClean="0"/>
-              <a:t>ROB &amp; The Dispatch Stage </a:t>
-            </a:r>
-            <a:endParaRPr lang="en-US" altLang="zh-CN" sz="2400" dirty="0" smtClean="0"/>
-          </a:p>
-          <a:p>
-            <a:r>
-              <a:rPr lang="en-US" altLang="zh-CN" sz="2400" dirty="0" smtClean="0"/>
-              <a:t>The Issue Unit</a:t>
-            </a:r>
-          </a:p>
-          <a:p>
-            <a:r>
-              <a:rPr lang="en-US" altLang="zh-CN" sz="2400" dirty="0" smtClean="0"/>
-              <a:t>The Register File and Bypass</a:t>
-            </a:r>
-          </a:p>
-          <a:p>
-            <a:r>
               <a:rPr lang="en-US" altLang="zh-CN" sz="2400" dirty="0" smtClean="0">
+                <a:latin typeface="Calibri (正文)"/>
+              </a:rPr>
+              <a:t>BOOM</a:t>
+            </a:r>
+            <a:r>
+              <a:rPr lang="zh-CN" altLang="en-US" sz="2400" dirty="0" smtClean="0">
+                <a:latin typeface="Calibri (正文)"/>
+              </a:rPr>
+              <a:t>使用统一的物理寄存器堆</a:t>
+            </a:r>
+            <a:endParaRPr lang="en-US" altLang="zh-CN" sz="2400" dirty="0" smtClean="0">
+              <a:latin typeface="Calibri (正文)"/>
+            </a:endParaRPr>
+          </a:p>
+          <a:p>
+            <a:pPr lvl="1"/>
+            <a:r>
+              <a:rPr lang="zh-CN" altLang="en-US" sz="2000" dirty="0" smtClean="0">
+                <a:latin typeface="Calibri (正文)"/>
+              </a:rPr>
+              <a:t>同时包含整数寄存器和浮点寄存器</a:t>
+            </a:r>
+            <a:endParaRPr lang="en-US" altLang="zh-CN" sz="2000" dirty="0" smtClean="0">
+              <a:latin typeface="Calibri (正文)"/>
+            </a:endParaRPr>
+          </a:p>
+          <a:p>
+            <a:pPr lvl="1"/>
+            <a:r>
+              <a:rPr lang="zh-CN" altLang="en-US" sz="2000" dirty="0" smtClean="0">
+                <a:latin typeface="Calibri (正文)"/>
+              </a:rPr>
+              <a:t>用映射表实现寄存器重命名</a:t>
+            </a:r>
+            <a:endParaRPr lang="en-US" altLang="zh-CN" sz="2000" dirty="0" smtClean="0">
+              <a:latin typeface="Calibri (正文)"/>
+            </a:endParaRPr>
+          </a:p>
+          <a:p>
+            <a:r>
+              <a:rPr lang="zh-CN" altLang="en-US" sz="2400" dirty="0">
+                <a:latin typeface="Calibri (正文)"/>
+              </a:rPr>
+              <a:t>读写</a:t>
+            </a:r>
+            <a:r>
+              <a:rPr lang="zh-CN" altLang="en-US" sz="2400" dirty="0" smtClean="0">
+                <a:latin typeface="Calibri (正文)"/>
+              </a:rPr>
+              <a:t>口数量</a:t>
+            </a:r>
+            <a:endParaRPr lang="en-US" altLang="zh-CN" sz="2400" dirty="0" smtClean="0">
+              <a:latin typeface="Calibri (正文)"/>
+            </a:endParaRPr>
+          </a:p>
+          <a:p>
+            <a:pPr lvl="1"/>
+            <a:r>
+              <a:rPr lang="zh-CN" altLang="en-US" sz="2000" dirty="0" smtClean="0">
+                <a:latin typeface="Calibri (正文)"/>
+              </a:rPr>
+              <a:t>能满足所有发射的指令</a:t>
+            </a:r>
+            <a:endParaRPr lang="en-US" altLang="zh-CN" sz="2000" dirty="0" smtClean="0">
+              <a:latin typeface="Calibri (正文)"/>
+            </a:endParaRPr>
+          </a:p>
+          <a:p>
+            <a:pPr lvl="1"/>
+            <a:r>
+              <a:rPr lang="zh-CN" altLang="en-US" sz="2000" dirty="0" smtClean="0">
+                <a:latin typeface="Calibri (正文)"/>
+              </a:rPr>
+              <a:t>读写口与发射逻辑的端口对应关系固定</a:t>
+            </a:r>
+            <a:endParaRPr lang="en-US" altLang="zh-CN" sz="2000" dirty="0" smtClean="0">
+              <a:latin typeface="Calibri (正文)"/>
+            </a:endParaRPr>
+          </a:p>
+          <a:p>
+            <a:pPr lvl="1"/>
+            <a:endParaRPr lang="en-US" altLang="zh-CN" sz="2400" dirty="0" smtClean="0">
+              <a:latin typeface="Calibri (正文)"/>
+            </a:endParaRPr>
+          </a:p>
+          <a:p>
+            <a:pPr lvl="1"/>
+            <a:endParaRPr lang="en-US" altLang="zh-CN" sz="2400" dirty="0">
+              <a:latin typeface="Calibri (正文)"/>
+            </a:endParaRPr>
+          </a:p>
+          <a:p>
+            <a:pPr lvl="1"/>
+            <a:endParaRPr lang="en-US" altLang="zh-CN" sz="2400" dirty="0" smtClean="0">
+              <a:latin typeface="Calibri (正文)"/>
+            </a:endParaRPr>
+          </a:p>
+          <a:p>
+            <a:pPr lvl="1"/>
+            <a:endParaRPr lang="en-US" altLang="zh-CN" sz="2400" dirty="0">
+              <a:latin typeface="Calibri (正文)"/>
+            </a:endParaRPr>
+          </a:p>
+          <a:p>
+            <a:pPr lvl="1"/>
+            <a:endParaRPr lang="en-US" altLang="zh-CN" sz="2400" dirty="0" smtClean="0">
+              <a:latin typeface="Calibri (正文)"/>
+            </a:endParaRPr>
+          </a:p>
+          <a:p>
+            <a:r>
+              <a:rPr lang="en-US" altLang="zh-CN" sz="2400" dirty="0">
+                <a:latin typeface="Calibri (正文)"/>
+              </a:rPr>
+              <a:t>Bypass</a:t>
+            </a:r>
+            <a:r>
+              <a:rPr lang="zh-CN" altLang="en-US" sz="2400" dirty="0" smtClean="0">
+                <a:latin typeface="Calibri (正文)"/>
+              </a:rPr>
+              <a:t>在</a:t>
+            </a:r>
+            <a:r>
+              <a:rPr lang="en-US" altLang="zh-CN" sz="2400" dirty="0" smtClean="0">
+                <a:latin typeface="Calibri (正文)"/>
+              </a:rPr>
+              <a:t>Register Read</a:t>
+            </a:r>
+            <a:r>
+              <a:rPr lang="zh-CN" altLang="en-US" sz="2400" dirty="0" smtClean="0">
+                <a:latin typeface="Calibri (正文)"/>
+              </a:rPr>
+              <a:t>阶段最后发生</a:t>
+            </a:r>
+            <a:endParaRPr lang="zh-CN" altLang="en-US" sz="2400" dirty="0">
+              <a:latin typeface="Calibri (正文)"/>
+            </a:endParaRPr>
+          </a:p>
+        </p:txBody>
+      </p:sp>
+      <p:sp>
+        <p:nvSpPr>
+          <p:cNvPr id="5" name="矩形 4"/>
+          <p:cNvSpPr/>
+          <p:nvPr/>
+        </p:nvSpPr>
+        <p:spPr bwMode="auto">
+          <a:xfrm>
+            <a:off x="1405159" y="3501008"/>
+            <a:ext cx="1582665" cy="1800200"/>
+          </a:xfrm>
+          <a:prstGeom prst="rect">
+            <a:avLst/>
+          </a:prstGeom>
+          <a:gradFill rotWithShape="1">
+            <a:gsLst>
+              <a:gs pos="0">
+                <a:schemeClr val="accent1"/>
+              </a:gs>
+              <a:gs pos="100000">
+                <a:schemeClr val="bg1">
+                  <a:alpha val="98000"/>
+                </a:schemeClr>
+              </a:gs>
+            </a:gsLst>
+            <a:lin ang="5400000" scaled="1"/>
+          </a:gradFill>
+          <a:ln w="25400" cap="flat" cmpd="sng" algn="ctr">
+            <a:solidFill>
+              <a:schemeClr val="tx1"/>
+            </a:solidFill>
+            <a:prstDash val="solid"/>
+            <a:round/>
+            <a:headEnd type="none" w="med" len="med"/>
+            <a:tailEnd type="none" w="med" len="med"/>
+          </a:ln>
+          <a:effectLst/>
+        </p:spPr>
+        <p:txBody>
+          <a:bodyPr vert="horz" wrap="square" lIns="0" tIns="0" rIns="0" bIns="0" numCol="1" rtlCol="0" anchor="ctr" anchorCtr="0" compatLnSpc="1">
+            <a:prstTxWarp prst="textNoShape">
+              <a:avLst/>
+            </a:prstTxWarp>
+            <a:noAutofit/>
+          </a:bodyPr>
+          <a:lstStyle/>
+          <a:p>
+            <a:pPr marL="0" marR="0" indent="0" algn="ctr" defTabSz="914400" rtl="0" eaLnBrk="0" fontAlgn="base" latinLnBrk="0" hangingPunct="0">
+              <a:lnSpc>
+                <a:spcPct val="100000"/>
+              </a:lnSpc>
+              <a:spcBef>
+                <a:spcPct val="0"/>
+              </a:spcBef>
+              <a:spcAft>
+                <a:spcPct val="0"/>
+              </a:spcAft>
+              <a:buClrTx/>
+              <a:buSzTx/>
+              <a:buFontTx/>
+              <a:buNone/>
+              <a:tabLst/>
+            </a:pPr>
+            <a:r>
+              <a:rPr kumimoji="0" lang="en-US" altLang="zh-CN" sz="1800" b="1" i="0" u="none" strike="noStrike" cap="none" normalizeH="0" baseline="0" dirty="0" smtClean="0">
+                <a:ln>
+                  <a:noFill/>
+                </a:ln>
                 <a:solidFill>
-                  <a:srgbClr val="FF0000"/>
+                  <a:schemeClr val="tx1"/>
                 </a:solidFill>
-              </a:rPr>
-              <a:t>The Execute Pipeline</a:t>
-            </a:r>
-          </a:p>
-          <a:p>
-            <a:r>
-              <a:rPr lang="en-US" altLang="zh-CN" sz="2400" dirty="0" smtClean="0"/>
-              <a:t>The Load/Store Unit</a:t>
-            </a:r>
-            <a:endParaRPr lang="en-US" altLang="zh-CN" sz="2400" dirty="0" smtClean="0"/>
-          </a:p>
-          <a:p>
-            <a:r>
-              <a:rPr lang="zh-CN" altLang="en-US" sz="2400" dirty="0"/>
-              <a:t>后期工作</a:t>
-            </a:r>
-            <a:r>
-              <a:rPr lang="zh-CN" altLang="en-US" sz="2400" dirty="0" smtClean="0"/>
-              <a:t>安排</a:t>
-            </a:r>
-            <a:endParaRPr lang="en-US" altLang="zh-CN" sz="2400" dirty="0"/>
+                <a:effectLst/>
+                <a:latin typeface="Arial" pitchFamily="34" charset="0"/>
+                <a:ea typeface="宋体" pitchFamily="2" charset="-122"/>
+              </a:rPr>
+              <a:t>REG</a:t>
+            </a:r>
+            <a:endParaRPr kumimoji="0" lang="zh-CN" altLang="en-US" sz="1800" b="1" i="0" u="none" strike="noStrike" cap="none" normalizeH="0" baseline="0" dirty="0" smtClean="0">
+              <a:ln>
+                <a:noFill/>
+              </a:ln>
+              <a:solidFill>
+                <a:schemeClr val="tx1"/>
+              </a:solidFill>
+              <a:effectLst/>
+              <a:latin typeface="Arial" pitchFamily="34" charset="0"/>
+              <a:ea typeface="宋体" pitchFamily="2" charset="-122"/>
+            </a:endParaRPr>
           </a:p>
         </p:txBody>
       </p:sp>
+      <p:sp>
+        <p:nvSpPr>
+          <p:cNvPr id="6" name="矩形 5"/>
+          <p:cNvSpPr/>
+          <p:nvPr/>
+        </p:nvSpPr>
+        <p:spPr bwMode="auto">
+          <a:xfrm>
+            <a:off x="4139952" y="3501008"/>
+            <a:ext cx="1440160" cy="648072"/>
+          </a:xfrm>
+          <a:prstGeom prst="rect">
+            <a:avLst/>
+          </a:prstGeom>
+          <a:gradFill rotWithShape="1">
+            <a:gsLst>
+              <a:gs pos="0">
+                <a:schemeClr val="accent1"/>
+              </a:gs>
+              <a:gs pos="100000">
+                <a:schemeClr val="bg1">
+                  <a:alpha val="98000"/>
+                </a:schemeClr>
+              </a:gs>
+            </a:gsLst>
+            <a:lin ang="5400000" scaled="1"/>
+          </a:gradFill>
+          <a:ln w="25400" cap="flat" cmpd="sng" algn="ctr">
+            <a:solidFill>
+              <a:schemeClr val="tx1"/>
+            </a:solidFill>
+            <a:prstDash val="solid"/>
+            <a:round/>
+            <a:headEnd type="none" w="med" len="med"/>
+            <a:tailEnd type="none" w="med" len="med"/>
+          </a:ln>
+          <a:effectLst/>
+        </p:spPr>
+        <p:txBody>
+          <a:bodyPr vert="horz" wrap="none" lIns="0" tIns="0" rIns="0" bIns="0" numCol="1" rtlCol="0" anchor="ctr" anchorCtr="0" compatLnSpc="1">
+            <a:prstTxWarp prst="textNoShape">
+              <a:avLst/>
+            </a:prstTxWarp>
+            <a:noAutofit/>
+          </a:bodyPr>
+          <a:lstStyle/>
+          <a:p>
+            <a:pPr marL="0" marR="0" indent="0" algn="ctr" defTabSz="914400" rtl="0" eaLnBrk="0" fontAlgn="base" latinLnBrk="0" hangingPunct="0">
+              <a:lnSpc>
+                <a:spcPct val="100000"/>
+              </a:lnSpc>
+              <a:spcBef>
+                <a:spcPct val="0"/>
+              </a:spcBef>
+              <a:spcAft>
+                <a:spcPct val="0"/>
+              </a:spcAft>
+              <a:buClrTx/>
+              <a:buSzTx/>
+              <a:buFontTx/>
+              <a:buNone/>
+              <a:tabLst/>
+            </a:pPr>
+            <a:r>
+              <a:rPr kumimoji="0" lang="en-US" altLang="zh-CN" sz="1800" b="1" i="0" u="none" strike="noStrike" cap="none" normalizeH="0" baseline="0" dirty="0" smtClean="0">
+                <a:ln>
+                  <a:noFill/>
+                </a:ln>
+                <a:solidFill>
+                  <a:schemeClr val="tx1"/>
+                </a:solidFill>
+                <a:effectLst/>
+                <a:latin typeface="Arial" pitchFamily="34" charset="0"/>
+                <a:ea typeface="宋体" pitchFamily="2" charset="-122"/>
+              </a:rPr>
+              <a:t>ALU</a:t>
+            </a:r>
+            <a:endParaRPr kumimoji="0" lang="zh-CN" altLang="en-US" sz="1800" b="1" i="0" u="none" strike="noStrike" cap="none" normalizeH="0" baseline="0" dirty="0" smtClean="0">
+              <a:ln>
+                <a:noFill/>
+              </a:ln>
+              <a:solidFill>
+                <a:schemeClr val="tx1"/>
+              </a:solidFill>
+              <a:effectLst/>
+              <a:latin typeface="Arial" pitchFamily="34" charset="0"/>
+              <a:ea typeface="宋体" pitchFamily="2" charset="-122"/>
+            </a:endParaRPr>
+          </a:p>
+        </p:txBody>
+      </p:sp>
+      <p:sp>
+        <p:nvSpPr>
+          <p:cNvPr id="7" name="矩形 6"/>
+          <p:cNvSpPr/>
+          <p:nvPr/>
+        </p:nvSpPr>
+        <p:spPr bwMode="auto">
+          <a:xfrm>
+            <a:off x="4139952" y="4293096"/>
+            <a:ext cx="1440160" cy="1006577"/>
+          </a:xfrm>
+          <a:prstGeom prst="rect">
+            <a:avLst/>
+          </a:prstGeom>
+          <a:gradFill rotWithShape="1">
+            <a:gsLst>
+              <a:gs pos="0">
+                <a:schemeClr val="accent1"/>
+              </a:gs>
+              <a:gs pos="100000">
+                <a:schemeClr val="bg1">
+                  <a:alpha val="98000"/>
+                </a:schemeClr>
+              </a:gs>
+            </a:gsLst>
+            <a:lin ang="5400000" scaled="1"/>
+          </a:gradFill>
+          <a:ln w="25400" cap="flat" cmpd="sng" algn="ctr">
+            <a:solidFill>
+              <a:schemeClr val="tx1"/>
+            </a:solidFill>
+            <a:prstDash val="solid"/>
+            <a:round/>
+            <a:headEnd type="none" w="med" len="med"/>
+            <a:tailEnd type="none" w="med" len="med"/>
+          </a:ln>
+          <a:effectLst/>
+        </p:spPr>
+        <p:txBody>
+          <a:bodyPr vert="horz" wrap="none" lIns="0" tIns="0" rIns="0" bIns="0" numCol="1" rtlCol="0" anchor="ctr" anchorCtr="0" compatLnSpc="1">
+            <a:prstTxWarp prst="textNoShape">
+              <a:avLst/>
+            </a:prstTxWarp>
+            <a:noAutofit/>
+          </a:bodyPr>
+          <a:lstStyle/>
+          <a:p>
+            <a:pPr marL="0" marR="0" indent="0" algn="ctr" defTabSz="914400" rtl="0" eaLnBrk="0" fontAlgn="base" latinLnBrk="0" hangingPunct="0">
+              <a:lnSpc>
+                <a:spcPct val="100000"/>
+              </a:lnSpc>
+              <a:spcBef>
+                <a:spcPct val="0"/>
+              </a:spcBef>
+              <a:spcAft>
+                <a:spcPct val="0"/>
+              </a:spcAft>
+              <a:buClrTx/>
+              <a:buSzTx/>
+              <a:buFontTx/>
+              <a:buNone/>
+              <a:tabLst/>
+            </a:pPr>
+            <a:r>
+              <a:rPr kumimoji="0" lang="en-US" altLang="zh-CN" sz="1800" b="1" i="0" u="none" strike="noStrike" cap="none" normalizeH="0" baseline="0" dirty="0" smtClean="0">
+                <a:ln>
+                  <a:noFill/>
+                </a:ln>
+                <a:solidFill>
+                  <a:schemeClr val="tx1"/>
+                </a:solidFill>
+                <a:effectLst/>
+                <a:latin typeface="Arial" pitchFamily="34" charset="0"/>
+                <a:ea typeface="宋体" pitchFamily="2" charset="-122"/>
+              </a:rPr>
+              <a:t>FPU</a:t>
+            </a:r>
+            <a:endParaRPr kumimoji="0" lang="zh-CN" altLang="en-US" sz="1800" b="1" i="0" u="none" strike="noStrike" cap="none" normalizeH="0" baseline="0" dirty="0" smtClean="0">
+              <a:ln>
+                <a:noFill/>
+              </a:ln>
+              <a:solidFill>
+                <a:schemeClr val="tx1"/>
+              </a:solidFill>
+              <a:effectLst/>
+              <a:latin typeface="Arial" pitchFamily="34" charset="0"/>
+              <a:ea typeface="宋体" pitchFamily="2" charset="-122"/>
+            </a:endParaRPr>
+          </a:p>
+        </p:txBody>
+      </p:sp>
+      <p:cxnSp>
+        <p:nvCxnSpPr>
+          <p:cNvPr id="9" name="直接箭头连接符 8"/>
+          <p:cNvCxnSpPr/>
+          <p:nvPr/>
+        </p:nvCxnSpPr>
+        <p:spPr bwMode="auto">
+          <a:xfrm>
+            <a:off x="2987824" y="3645024"/>
+            <a:ext cx="1152128" cy="0"/>
+          </a:xfrm>
+          <a:prstGeom prst="straightConnector1">
+            <a:avLst/>
+          </a:prstGeom>
+          <a:gradFill rotWithShape="1">
+            <a:gsLst>
+              <a:gs pos="0">
+                <a:schemeClr val="accent1"/>
+              </a:gs>
+              <a:gs pos="100000">
+                <a:schemeClr val="bg1">
+                  <a:alpha val="98000"/>
+                </a:schemeClr>
+              </a:gs>
+            </a:gsLst>
+            <a:lin ang="5400000" scaled="1"/>
+          </a:gradFill>
+          <a:ln w="57150" cap="flat" cmpd="sng" algn="ctr">
+            <a:solidFill>
+              <a:schemeClr val="tx1"/>
+            </a:solidFill>
+            <a:prstDash val="solid"/>
+            <a:round/>
+            <a:headEnd type="none" w="med" len="med"/>
+            <a:tailEnd type="triangle"/>
+          </a:ln>
+          <a:effectLst/>
+        </p:spPr>
+      </p:cxnSp>
+      <p:cxnSp>
+        <p:nvCxnSpPr>
+          <p:cNvPr id="10" name="直接箭头连接符 9"/>
+          <p:cNvCxnSpPr/>
+          <p:nvPr/>
+        </p:nvCxnSpPr>
+        <p:spPr bwMode="auto">
+          <a:xfrm>
+            <a:off x="2987824" y="3933056"/>
+            <a:ext cx="1152128" cy="0"/>
+          </a:xfrm>
+          <a:prstGeom prst="straightConnector1">
+            <a:avLst/>
+          </a:prstGeom>
+          <a:gradFill rotWithShape="1">
+            <a:gsLst>
+              <a:gs pos="0">
+                <a:schemeClr val="accent1"/>
+              </a:gs>
+              <a:gs pos="100000">
+                <a:schemeClr val="bg1">
+                  <a:alpha val="98000"/>
+                </a:schemeClr>
+              </a:gs>
+            </a:gsLst>
+            <a:lin ang="5400000" scaled="1"/>
+          </a:gradFill>
+          <a:ln w="57150" cap="flat" cmpd="sng" algn="ctr">
+            <a:solidFill>
+              <a:schemeClr val="tx1"/>
+            </a:solidFill>
+            <a:prstDash val="solid"/>
+            <a:round/>
+            <a:headEnd type="none" w="med" len="med"/>
+            <a:tailEnd type="triangle"/>
+          </a:ln>
+          <a:effectLst/>
+        </p:spPr>
+      </p:cxnSp>
+      <p:cxnSp>
+        <p:nvCxnSpPr>
+          <p:cNvPr id="11" name="直接箭头连接符 10"/>
+          <p:cNvCxnSpPr/>
+          <p:nvPr/>
+        </p:nvCxnSpPr>
+        <p:spPr bwMode="auto">
+          <a:xfrm>
+            <a:off x="2987824" y="4509120"/>
+            <a:ext cx="1152128" cy="0"/>
+          </a:xfrm>
+          <a:prstGeom prst="straightConnector1">
+            <a:avLst/>
+          </a:prstGeom>
+          <a:gradFill rotWithShape="1">
+            <a:gsLst>
+              <a:gs pos="0">
+                <a:schemeClr val="accent1"/>
+              </a:gs>
+              <a:gs pos="100000">
+                <a:schemeClr val="bg1">
+                  <a:alpha val="98000"/>
+                </a:schemeClr>
+              </a:gs>
+            </a:gsLst>
+            <a:lin ang="5400000" scaled="1"/>
+          </a:gradFill>
+          <a:ln w="57150" cap="flat" cmpd="sng" algn="ctr">
+            <a:solidFill>
+              <a:schemeClr val="tx1"/>
+            </a:solidFill>
+            <a:prstDash val="solid"/>
+            <a:round/>
+            <a:headEnd type="none" w="med" len="med"/>
+            <a:tailEnd type="triangle"/>
+          </a:ln>
+          <a:effectLst/>
+        </p:spPr>
+      </p:cxnSp>
+      <p:cxnSp>
+        <p:nvCxnSpPr>
+          <p:cNvPr id="12" name="直接箭头连接符 11"/>
+          <p:cNvCxnSpPr/>
+          <p:nvPr/>
+        </p:nvCxnSpPr>
+        <p:spPr bwMode="auto">
+          <a:xfrm>
+            <a:off x="2987824" y="4797152"/>
+            <a:ext cx="1152128" cy="0"/>
+          </a:xfrm>
+          <a:prstGeom prst="straightConnector1">
+            <a:avLst/>
+          </a:prstGeom>
+          <a:gradFill rotWithShape="1">
+            <a:gsLst>
+              <a:gs pos="0">
+                <a:schemeClr val="accent1"/>
+              </a:gs>
+              <a:gs pos="100000">
+                <a:schemeClr val="bg1">
+                  <a:alpha val="98000"/>
+                </a:schemeClr>
+              </a:gs>
+            </a:gsLst>
+            <a:lin ang="5400000" scaled="1"/>
+          </a:gradFill>
+          <a:ln w="57150" cap="flat" cmpd="sng" algn="ctr">
+            <a:solidFill>
+              <a:schemeClr val="tx1"/>
+            </a:solidFill>
+            <a:prstDash val="solid"/>
+            <a:round/>
+            <a:headEnd type="none" w="med" len="med"/>
+            <a:tailEnd type="triangle"/>
+          </a:ln>
+          <a:effectLst/>
+        </p:spPr>
+      </p:cxnSp>
+      <p:cxnSp>
+        <p:nvCxnSpPr>
+          <p:cNvPr id="13" name="直接箭头连接符 12"/>
+          <p:cNvCxnSpPr/>
+          <p:nvPr/>
+        </p:nvCxnSpPr>
+        <p:spPr bwMode="auto">
+          <a:xfrm>
+            <a:off x="2987824" y="5085184"/>
+            <a:ext cx="1152128" cy="0"/>
+          </a:xfrm>
+          <a:prstGeom prst="straightConnector1">
+            <a:avLst/>
+          </a:prstGeom>
+          <a:gradFill rotWithShape="1">
+            <a:gsLst>
+              <a:gs pos="0">
+                <a:schemeClr val="accent1"/>
+              </a:gs>
+              <a:gs pos="100000">
+                <a:schemeClr val="bg1">
+                  <a:alpha val="98000"/>
+                </a:schemeClr>
+              </a:gs>
+            </a:gsLst>
+            <a:lin ang="5400000" scaled="1"/>
+          </a:gradFill>
+          <a:ln w="57150" cap="flat" cmpd="sng" algn="ctr">
+            <a:solidFill>
+              <a:schemeClr val="tx1"/>
+            </a:solidFill>
+            <a:prstDash val="solid"/>
+            <a:round/>
+            <a:headEnd type="none" w="med" len="med"/>
+            <a:tailEnd type="triangle"/>
+          </a:ln>
+          <a:effectLst/>
+        </p:spPr>
+      </p:cxnSp>
+      <p:sp>
+        <p:nvSpPr>
+          <p:cNvPr id="14" name="矩形 13"/>
+          <p:cNvSpPr/>
+          <p:nvPr/>
+        </p:nvSpPr>
+        <p:spPr bwMode="auto">
+          <a:xfrm>
+            <a:off x="6588224" y="3499473"/>
+            <a:ext cx="1582665" cy="1800200"/>
+          </a:xfrm>
+          <a:prstGeom prst="rect">
+            <a:avLst/>
+          </a:prstGeom>
+          <a:gradFill rotWithShape="1">
+            <a:gsLst>
+              <a:gs pos="0">
+                <a:schemeClr val="accent1"/>
+              </a:gs>
+              <a:gs pos="100000">
+                <a:schemeClr val="bg1">
+                  <a:alpha val="98000"/>
+                </a:schemeClr>
+              </a:gs>
+            </a:gsLst>
+            <a:lin ang="5400000" scaled="1"/>
+          </a:gradFill>
+          <a:ln w="25400" cap="flat" cmpd="sng" algn="ctr">
+            <a:solidFill>
+              <a:schemeClr val="tx1"/>
+            </a:solidFill>
+            <a:prstDash val="solid"/>
+            <a:round/>
+            <a:headEnd type="none" w="med" len="med"/>
+            <a:tailEnd type="none" w="med" len="med"/>
+          </a:ln>
+          <a:effectLst/>
+        </p:spPr>
+        <p:txBody>
+          <a:bodyPr vert="horz" wrap="square" lIns="0" tIns="0" rIns="0" bIns="0" numCol="1" rtlCol="0" anchor="ctr" anchorCtr="0" compatLnSpc="1">
+            <a:prstTxWarp prst="textNoShape">
+              <a:avLst/>
+            </a:prstTxWarp>
+            <a:noAutofit/>
+          </a:bodyPr>
+          <a:lstStyle/>
+          <a:p>
+            <a:pPr marL="0" marR="0" indent="0" algn="ctr" defTabSz="914400" rtl="0" eaLnBrk="0" fontAlgn="base" latinLnBrk="0" hangingPunct="0">
+              <a:lnSpc>
+                <a:spcPct val="100000"/>
+              </a:lnSpc>
+              <a:spcBef>
+                <a:spcPct val="0"/>
+              </a:spcBef>
+              <a:spcAft>
+                <a:spcPct val="0"/>
+              </a:spcAft>
+              <a:buClrTx/>
+              <a:buSzTx/>
+              <a:buFontTx/>
+              <a:buNone/>
+              <a:tabLst/>
+            </a:pPr>
+            <a:r>
+              <a:rPr kumimoji="0" lang="en-US" altLang="zh-CN" sz="1800" b="1" i="0" u="none" strike="noStrike" cap="none" normalizeH="0" baseline="0" dirty="0" smtClean="0">
+                <a:ln>
+                  <a:noFill/>
+                </a:ln>
+                <a:solidFill>
+                  <a:schemeClr val="tx1"/>
+                </a:solidFill>
+                <a:effectLst/>
+                <a:latin typeface="Arial" pitchFamily="34" charset="0"/>
+                <a:ea typeface="宋体" pitchFamily="2" charset="-122"/>
+              </a:rPr>
+              <a:t>Issue</a:t>
+            </a:r>
+          </a:p>
+          <a:p>
+            <a:pPr marL="0" marR="0" indent="0" algn="ctr" defTabSz="914400" rtl="0" eaLnBrk="0" fontAlgn="base" latinLnBrk="0" hangingPunct="0">
+              <a:lnSpc>
+                <a:spcPct val="100000"/>
+              </a:lnSpc>
+              <a:spcBef>
+                <a:spcPct val="0"/>
+              </a:spcBef>
+              <a:spcAft>
+                <a:spcPct val="0"/>
+              </a:spcAft>
+              <a:buClrTx/>
+              <a:buSzTx/>
+              <a:buFontTx/>
+              <a:buNone/>
+              <a:tabLst/>
+            </a:pPr>
+            <a:r>
+              <a:rPr lang="en-US" altLang="zh-CN" dirty="0" smtClean="0">
+                <a:solidFill>
+                  <a:schemeClr val="tx1"/>
+                </a:solidFill>
+              </a:rPr>
+              <a:t>Logic</a:t>
+            </a:r>
+            <a:endParaRPr kumimoji="0" lang="zh-CN" altLang="en-US" sz="1800" b="1" i="0" u="none" strike="noStrike" cap="none" normalizeH="0" baseline="0" dirty="0" smtClean="0">
+              <a:ln>
+                <a:noFill/>
+              </a:ln>
+              <a:solidFill>
+                <a:schemeClr val="tx1"/>
+              </a:solidFill>
+              <a:effectLst/>
+              <a:latin typeface="Arial" pitchFamily="34" charset="0"/>
+              <a:ea typeface="宋体" pitchFamily="2" charset="-122"/>
+            </a:endParaRPr>
+          </a:p>
+        </p:txBody>
+      </p:sp>
+      <p:cxnSp>
+        <p:nvCxnSpPr>
+          <p:cNvPr id="15" name="直接箭头连接符 14"/>
+          <p:cNvCxnSpPr>
+            <a:endCxn id="6" idx="3"/>
+          </p:cNvCxnSpPr>
+          <p:nvPr/>
+        </p:nvCxnSpPr>
+        <p:spPr bwMode="auto">
+          <a:xfrm flipH="1">
+            <a:off x="5580112" y="3825044"/>
+            <a:ext cx="1008112" cy="0"/>
+          </a:xfrm>
+          <a:prstGeom prst="straightConnector1">
+            <a:avLst/>
+          </a:prstGeom>
+          <a:gradFill rotWithShape="1">
+            <a:gsLst>
+              <a:gs pos="0">
+                <a:schemeClr val="accent1"/>
+              </a:gs>
+              <a:gs pos="100000">
+                <a:schemeClr val="bg1">
+                  <a:alpha val="98000"/>
+                </a:schemeClr>
+              </a:gs>
+            </a:gsLst>
+            <a:lin ang="5400000" scaled="1"/>
+          </a:gradFill>
+          <a:ln w="57150" cap="flat" cmpd="sng" algn="ctr">
+            <a:solidFill>
+              <a:schemeClr val="tx1"/>
+            </a:solidFill>
+            <a:prstDash val="solid"/>
+            <a:round/>
+            <a:headEnd type="none" w="med" len="med"/>
+            <a:tailEnd type="triangle"/>
+          </a:ln>
+          <a:effectLst/>
+        </p:spPr>
+      </p:cxnSp>
+      <p:cxnSp>
+        <p:nvCxnSpPr>
+          <p:cNvPr id="20" name="直接箭头连接符 19"/>
+          <p:cNvCxnSpPr/>
+          <p:nvPr/>
+        </p:nvCxnSpPr>
+        <p:spPr bwMode="auto">
+          <a:xfrm flipH="1">
+            <a:off x="5580112" y="4796384"/>
+            <a:ext cx="1008112" cy="0"/>
+          </a:xfrm>
+          <a:prstGeom prst="straightConnector1">
+            <a:avLst/>
+          </a:prstGeom>
+          <a:gradFill rotWithShape="1">
+            <a:gsLst>
+              <a:gs pos="0">
+                <a:schemeClr val="accent1"/>
+              </a:gs>
+              <a:gs pos="100000">
+                <a:schemeClr val="bg1">
+                  <a:alpha val="98000"/>
+                </a:schemeClr>
+              </a:gs>
+            </a:gsLst>
+            <a:lin ang="5400000" scaled="1"/>
+          </a:gradFill>
+          <a:ln w="57150" cap="flat" cmpd="sng" algn="ctr">
+            <a:solidFill>
+              <a:schemeClr val="tx1"/>
+            </a:solidFill>
+            <a:prstDash val="solid"/>
+            <a:round/>
+            <a:headEnd type="none" w="med" len="med"/>
+            <a:tailEnd type="triangle"/>
+          </a:ln>
+          <a:effectLst/>
+        </p:spPr>
+      </p:cxnSp>
     </p:spTree>
     <p:extLst>
       <p:ext uri="{BB962C8B-B14F-4D97-AF65-F5344CB8AC3E}">
-        <p14:creationId xmlns:p14="http://schemas.microsoft.com/office/powerpoint/2010/main" val="268455510"/>
+        <p14:creationId xmlns:p14="http://schemas.microsoft.com/office/powerpoint/2010/main" val="2099892906"/>
       </p:ext>
     </p:extLst>
   </p:cSld>
@@ -9668,12 +10949,8 @@
           <a:lstStyle/>
           <a:p>
             <a:r>
-              <a:rPr lang="en-US" altLang="zh-CN" dirty="0"/>
-              <a:t>The Execute </a:t>
-            </a:r>
-            <a:r>
-              <a:rPr lang="en-US" altLang="zh-CN" dirty="0" smtClean="0"/>
-              <a:t>Pipeline</a:t>
+              <a:rPr lang="zh-CN" altLang="en-US" dirty="0" smtClean="0"/>
+              <a:t>主要内容</a:t>
             </a:r>
             <a:endParaRPr lang="zh-CN" altLang="en-US" dirty="0"/>
           </a:p>
@@ -9694,22 +10971,104 @@
           <a:bodyPr/>
           <a:lstStyle/>
           <a:p>
-            <a:endParaRPr lang="zh-CN" altLang="en-US" sz="2400" dirty="0">
-              <a:latin typeface="Calibri (正文)"/>
-            </a:endParaRPr>
+            <a:r>
+              <a:rPr lang="en-US" altLang="zh-CN" sz="2400" dirty="0" smtClean="0"/>
+              <a:t>Introduction &amp; Overview</a:t>
+            </a:r>
+          </a:p>
+          <a:p>
+            <a:r>
+              <a:rPr lang="en-US" altLang="zh-CN" sz="2400" dirty="0" smtClean="0"/>
+              <a:t>Instruction Fetch</a:t>
+            </a:r>
+            <a:endParaRPr lang="zh-CN" altLang="en-US" sz="2400" dirty="0"/>
+          </a:p>
+          <a:p>
+            <a:r>
+              <a:rPr lang="en-US" altLang="zh-CN" sz="2400" dirty="0"/>
+              <a:t>Unified Physical Register </a:t>
+            </a:r>
+            <a:r>
+              <a:rPr lang="en-US" altLang="zh-CN" sz="2400" dirty="0" smtClean="0"/>
+              <a:t>File</a:t>
+            </a:r>
+          </a:p>
+          <a:p>
+            <a:r>
+              <a:rPr lang="en-US" altLang="zh-CN" sz="2400" dirty="0" smtClean="0"/>
+              <a:t>The Decode Stage</a:t>
+            </a:r>
+          </a:p>
+          <a:p>
+            <a:r>
+              <a:rPr lang="en-US" altLang="zh-CN" sz="2400" dirty="0" smtClean="0"/>
+              <a:t>The Rename Stage</a:t>
+            </a:r>
+          </a:p>
+          <a:p>
+            <a:r>
+              <a:rPr lang="en-US" altLang="zh-CN" sz="2400" dirty="0" smtClean="0"/>
+              <a:t>ROB &amp; The Dispatch Stage </a:t>
+            </a:r>
+          </a:p>
+          <a:p>
+            <a:r>
+              <a:rPr lang="en-US" altLang="zh-CN" sz="2400" dirty="0" smtClean="0"/>
+              <a:t>The Issue Unit</a:t>
+            </a:r>
+          </a:p>
+          <a:p>
+            <a:r>
+              <a:rPr lang="en-US" altLang="zh-CN" sz="2400" dirty="0" smtClean="0"/>
+              <a:t>The Register File and Bypass</a:t>
+            </a:r>
+          </a:p>
+          <a:p>
+            <a:r>
+              <a:rPr lang="en-US" altLang="zh-CN" sz="2400" dirty="0" smtClean="0">
+                <a:solidFill>
+                  <a:srgbClr val="FF0000"/>
+                </a:solidFill>
+              </a:rPr>
+              <a:t>The Execute Pipeline</a:t>
+            </a:r>
+          </a:p>
+          <a:p>
+            <a:r>
+              <a:rPr lang="en-US" altLang="zh-CN" sz="2400" dirty="0" smtClean="0"/>
+              <a:t>The Load/Store Unit</a:t>
+            </a:r>
+          </a:p>
+          <a:p>
+            <a:r>
+              <a:rPr lang="zh-CN" altLang="en-US" sz="2400" dirty="0"/>
+              <a:t>后期工作</a:t>
+            </a:r>
+            <a:r>
+              <a:rPr lang="zh-CN" altLang="en-US" sz="2400" dirty="0" smtClean="0"/>
+              <a:t>安排</a:t>
+            </a:r>
+            <a:endParaRPr lang="en-US" altLang="zh-CN" sz="2400" dirty="0"/>
           </a:p>
         </p:txBody>
       </p:sp>
     </p:spTree>
     <p:extLst>
       <p:ext uri="{BB962C8B-B14F-4D97-AF65-F5344CB8AC3E}">
-        <p14:creationId xmlns:p14="http://schemas.microsoft.com/office/powerpoint/2010/main" val="1581037433"/>
+        <p14:creationId xmlns:p14="http://schemas.microsoft.com/office/powerpoint/2010/main" val="268455510"/>
       </p:ext>
     </p:extLst>
   </p:cSld>
   <p:clrMapOvr>
     <a:masterClrMapping/>
   </p:clrMapOvr>
+  <p:timing>
+    <p:tnLst>
+      <p:par>
+        <p:cTn id="1" dur="indefinite" restart="never" nodeType="tmRoot"/>
+      </p:par>
+    </p:tnLst>
+  </p:timing>
 </p:sld>
 </file>
 
@@ -9746,8 +11105,12 @@
           <a:lstStyle/>
           <a:p>
             <a:r>
-              <a:rPr lang="zh-CN" altLang="en-US" dirty="0" smtClean="0"/>
-              <a:t>主要内容</a:t>
+              <a:rPr lang="en-US" altLang="zh-CN" dirty="0"/>
+              <a:t>The Execute </a:t>
+            </a:r>
+            <a:r>
+              <a:rPr lang="en-US" altLang="zh-CN" dirty="0" smtClean="0"/>
+              <a:t>Pipeline</a:t>
             </a:r>
             <a:endParaRPr lang="zh-CN" altLang="en-US" dirty="0"/>
           </a:p>
@@ -9769,6 +11132,119 @@
           <a:lstStyle/>
           <a:p>
             <a:r>
+              <a:rPr lang="en-US" altLang="zh-CN" sz="2400" dirty="0" smtClean="0">
+                <a:latin typeface="Calibri (正文)"/>
+              </a:rPr>
+              <a:t>Execution Pipeline</a:t>
+            </a:r>
+          </a:p>
+          <a:p>
+            <a:r>
+              <a:rPr lang="en-US" altLang="zh-CN" sz="2400" dirty="0" smtClean="0">
+                <a:latin typeface="Calibri (正文)"/>
+              </a:rPr>
+              <a:t>Execution Unit</a:t>
+            </a:r>
+            <a:endParaRPr lang="en-US" altLang="zh-CN" sz="2400" dirty="0">
+              <a:latin typeface="Calibri (正文)"/>
+            </a:endParaRPr>
+          </a:p>
+          <a:p>
+            <a:r>
+              <a:rPr lang="en-US" altLang="zh-CN" sz="2400" dirty="0" smtClean="0">
+                <a:latin typeface="Calibri (正文)"/>
+              </a:rPr>
+              <a:t>EU</a:t>
+            </a:r>
+            <a:r>
+              <a:rPr lang="zh-CN" altLang="en-US" sz="2400" dirty="0" smtClean="0">
+                <a:latin typeface="Calibri (正文)"/>
+              </a:rPr>
+              <a:t>包含的</a:t>
+            </a:r>
+            <a:r>
+              <a:rPr lang="en-US" altLang="zh-CN" sz="2400" dirty="0" smtClean="0">
+                <a:latin typeface="Calibri (正文)"/>
+              </a:rPr>
+              <a:t>Function Unit</a:t>
+            </a:r>
+          </a:p>
+          <a:p>
+            <a:endParaRPr lang="zh-CN" altLang="en-US" sz="2400" dirty="0">
+              <a:latin typeface="Calibri (正文)"/>
+            </a:endParaRPr>
+          </a:p>
+        </p:txBody>
+      </p:sp>
+    </p:spTree>
+    <p:extLst>
+      <p:ext uri="{BB962C8B-B14F-4D97-AF65-F5344CB8AC3E}">
+        <p14:creationId xmlns:p14="http://schemas.microsoft.com/office/powerpoint/2010/main" val="1581037433"/>
+      </p:ext>
+    </p:extLst>
+  </p:cSld>
+  <p:clrMapOvr>
+    <a:masterClrMapping/>
+  </p:clrMapOvr>
+</p:sld>
+</file>
+
+<file path=ppt/slides/slide24.xml><?xml version="1.0" encoding="utf-8"?>
+<p:sld xmlns:a="http://schemas.openxmlformats.org/drawingml/2006/main" xmlns:r="http://schemas.openxmlformats.org/officeDocument/2006/relationships" xmlns:p="http://schemas.openxmlformats.org/presentationml/2006/main">
+  <p:cSld>
+    <p:spTree>
+      <p:nvGrpSpPr>
+        <p:cNvPr id="1" name=""/>
+        <p:cNvGrpSpPr/>
+        <p:nvPr/>
+      </p:nvGrpSpPr>
+      <p:grpSpPr>
+        <a:xfrm>
+          <a:off x="0" y="0"/>
+          <a:ext cx="0" cy="0"/>
+          <a:chOff x="0" y="0"/>
+          <a:chExt cx="0" cy="0"/>
+        </a:xfrm>
+      </p:grpSpPr>
+      <p:sp>
+        <p:nvSpPr>
+          <p:cNvPr id="2" name="标题 1"/>
+          <p:cNvSpPr>
+            <a:spLocks noGrp="1"/>
+          </p:cNvSpPr>
+          <p:nvPr>
+            <p:ph type="title"/>
+          </p:nvPr>
+        </p:nvSpPr>
+        <p:spPr/>
+        <p:txBody>
+          <a:bodyPr/>
+          <a:lstStyle/>
+          <a:p>
+            <a:r>
+              <a:rPr lang="zh-CN" altLang="en-US" dirty="0" smtClean="0"/>
+              <a:t>主要内容</a:t>
+            </a:r>
+            <a:endParaRPr lang="zh-CN" altLang="en-US" dirty="0"/>
+          </a:p>
+        </p:txBody>
+      </p:sp>
+      <p:sp>
+        <p:nvSpPr>
+          <p:cNvPr id="3" name="内容占位符 2"/>
+          <p:cNvSpPr>
+            <a:spLocks noGrp="1"/>
+          </p:cNvSpPr>
+          <p:nvPr>
+            <p:ph idx="1"/>
+          </p:nvPr>
+        </p:nvSpPr>
+        <p:spPr/>
+        <p:txBody>
+          <a:bodyPr/>
+          <a:lstStyle/>
+          <a:p>
+            <a:r>
               <a:rPr lang="en-US" altLang="zh-CN" sz="2400" dirty="0" smtClean="0"/>
               <a:t>Introduction &amp; Overview</a:t>
             </a:r>
@@ -9807,7 +11283,6 @@
               <a:rPr lang="en-US" altLang="zh-CN" sz="2400" dirty="0" smtClean="0"/>
               <a:t>ROB &amp; The Dispatch Stage </a:t>
             </a:r>
-            <a:endParaRPr lang="en-US" altLang="zh-CN" sz="2400" dirty="0" smtClean="0"/>
           </a:p>
           <a:p>
             <a:r>
@@ -9836,11 +11311,6 @@
               </a:rPr>
               <a:t>The Load/Store Unit</a:t>
             </a:r>
-            <a:endParaRPr lang="en-US" altLang="zh-CN" sz="2400" dirty="0" smtClean="0">
-              <a:solidFill>
-                <a:srgbClr val="FF0000"/>
-              </a:solidFill>
-            </a:endParaRPr>
           </a:p>
           <a:p>
             <a:r>
@@ -9875,84 +11345,6 @@
 </p:sld>
 </file>
 
-<file path=ppt/slides/slide24.xml><?xml version="1.0" encoding="utf-8"?>
-<p:sld xmlns:a="http://schemas.openxmlformats.org/drawingml/2006/main" xmlns:r="http://schemas.openxmlformats.org/officeDocument/2006/relationships" xmlns:p="http://schemas.openxmlformats.org/presentationml/2006/main">
-  <p:cSld>
-    <p:spTree>
-      <p:nvGrpSpPr>
-        <p:cNvPr id="1" name=""/>
-        <p:cNvGrpSpPr/>
-        <p:nvPr/>
-      </p:nvGrpSpPr>
-      <p:grpSpPr>
-        <a:xfrm>
-          <a:off x="0" y="0"/>
-          <a:ext cx="0" cy="0"/>
-          <a:chOff x="0" y="0"/>
-          <a:chExt cx="0" cy="0"/>
-        </a:xfrm>
-      </p:grpSpPr>
-      <p:sp>
-        <p:nvSpPr>
-          <p:cNvPr id="2" name="标题 1"/>
-          <p:cNvSpPr>
-            <a:spLocks noGrp="1"/>
-          </p:cNvSpPr>
-          <p:nvPr>
-            <p:ph type="title"/>
-          </p:nvPr>
-        </p:nvSpPr>
-        <p:spPr/>
-        <p:txBody>
-          <a:bodyPr/>
-          <a:lstStyle/>
-          <a:p>
-            <a:r>
-              <a:rPr lang="en-US" altLang="zh-CN" dirty="0"/>
-              <a:t>The Load/Store </a:t>
-            </a:r>
-            <a:r>
-              <a:rPr lang="en-US" altLang="zh-CN" dirty="0" smtClean="0"/>
-              <a:t>Unit</a:t>
-            </a:r>
-            <a:endParaRPr lang="zh-CN" altLang="en-US" dirty="0"/>
-          </a:p>
-        </p:txBody>
-      </p:sp>
-      <p:sp>
-        <p:nvSpPr>
-          <p:cNvPr id="3" name="内容占位符 2"/>
-          <p:cNvSpPr>
-            <a:spLocks noGrp="1"/>
-          </p:cNvSpPr>
-          <p:nvPr>
-            <p:ph idx="1"/>
-          </p:nvPr>
-        </p:nvSpPr>
-        <p:spPr/>
-        <p:txBody>
-          <a:bodyPr/>
-          <a:lstStyle/>
-          <a:p>
-            <a:endParaRPr lang="zh-CN" altLang="en-US" sz="2400" dirty="0">
-              <a:latin typeface="Calibri (正文)"/>
-            </a:endParaRPr>
-          </a:p>
-        </p:txBody>
-      </p:sp>
-    </p:spTree>
-    <p:extLst>
-      <p:ext uri="{BB962C8B-B14F-4D97-AF65-F5344CB8AC3E}">
-        <p14:creationId xmlns:p14="http://schemas.microsoft.com/office/powerpoint/2010/main" val="2642976620"/>
-      </p:ext>
-    </p:extLst>
-  </p:cSld>
-  <p:clrMapOvr>
-    <a:masterClrMapping/>
-  </p:clrMapOvr>
-</p:sld>
-</file>
-
 <file path=ppt/slides/slide25.xml><?xml version="1.0" encoding="utf-8"?>
 <p:sld xmlns:a="http://schemas.openxmlformats.org/drawingml/2006/main" xmlns:r="http://schemas.openxmlformats.org/officeDocument/2006/relationships" xmlns:p="http://schemas.openxmlformats.org/presentationml/2006/main">
   <p:cSld>
@@ -9986,8 +11378,12 @@
           <a:lstStyle/>
           <a:p>
             <a:r>
-              <a:rPr lang="zh-CN" altLang="en-US" dirty="0" smtClean="0"/>
-              <a:t>主要内容</a:t>
+              <a:rPr lang="en-US" altLang="zh-CN" dirty="0"/>
+              <a:t>The Load/Store </a:t>
+            </a:r>
+            <a:r>
+              <a:rPr lang="en-US" altLang="zh-CN" dirty="0" smtClean="0"/>
+              <a:t>Unit</a:t>
             </a:r>
             <a:endParaRPr lang="zh-CN" altLang="en-US" dirty="0"/>
           </a:p>
@@ -10009,6 +11405,194 @@
           <a:lstStyle/>
           <a:p>
             <a:r>
+              <a:rPr lang="zh-CN" altLang="en-US" sz="2400" dirty="0" smtClean="0">
+                <a:latin typeface="Calibri (正文)"/>
+              </a:rPr>
+              <a:t>三个队列</a:t>
+            </a:r>
+            <a:endParaRPr lang="en-US" altLang="zh-CN" sz="2400" dirty="0" smtClean="0">
+              <a:latin typeface="Calibri (正文)"/>
+            </a:endParaRPr>
+          </a:p>
+          <a:p>
+            <a:r>
+              <a:rPr lang="en-US" altLang="zh-CN" sz="2400" dirty="0" smtClean="0">
+                <a:latin typeface="Calibri (正文)"/>
+              </a:rPr>
+              <a:t>LAQ</a:t>
+            </a:r>
+            <a:r>
+              <a:rPr lang="zh-CN" altLang="en-US" sz="2400" dirty="0" smtClean="0">
+                <a:latin typeface="Calibri (正文)"/>
+              </a:rPr>
+              <a:t>位域</a:t>
+            </a:r>
+            <a:endParaRPr lang="en-US" altLang="zh-CN" sz="2400" dirty="0" smtClean="0">
+              <a:latin typeface="Calibri (正文)"/>
+            </a:endParaRPr>
+          </a:p>
+          <a:p>
+            <a:r>
+              <a:rPr lang="en-US" altLang="zh-CN" sz="2400" dirty="0" smtClean="0">
+                <a:latin typeface="Calibri (正文)"/>
+              </a:rPr>
+              <a:t>LSU </a:t>
+            </a:r>
+            <a:r>
+              <a:rPr lang="en-US" altLang="zh-CN" sz="2400" dirty="0" err="1" smtClean="0">
+                <a:latin typeface="Calibri (正文)"/>
+              </a:rPr>
+              <a:t>Behaviour</a:t>
+            </a:r>
+            <a:endParaRPr lang="en-US" altLang="zh-CN" sz="2400" dirty="0" smtClean="0">
+              <a:latin typeface="Calibri (正文)"/>
+            </a:endParaRPr>
+          </a:p>
+          <a:p>
+            <a:r>
+              <a:rPr lang="en-US" altLang="zh-CN" sz="2400" dirty="0" smtClean="0">
+                <a:latin typeface="Calibri (正文)"/>
+              </a:rPr>
+              <a:t>TLB miss</a:t>
+            </a:r>
+            <a:r>
+              <a:rPr lang="zh-CN" altLang="en-US" sz="2400" dirty="0" smtClean="0">
+                <a:latin typeface="Calibri (正文)"/>
+              </a:rPr>
+              <a:t>？</a:t>
+            </a:r>
+            <a:endParaRPr lang="en-US" altLang="zh-CN" sz="2400" dirty="0" smtClean="0">
+              <a:latin typeface="Calibri (正文)"/>
+            </a:endParaRPr>
+          </a:p>
+          <a:p>
+            <a:r>
+              <a:rPr lang="en-US" altLang="zh-CN" sz="2400" dirty="0" smtClean="0">
+                <a:latin typeface="Calibri (正文)"/>
+              </a:rPr>
+              <a:t>Bypass</a:t>
+            </a:r>
+            <a:r>
+              <a:rPr lang="zh-CN" altLang="en-US" sz="2400" dirty="0" smtClean="0">
+                <a:latin typeface="Calibri (正文)"/>
+              </a:rPr>
+              <a:t>？</a:t>
+            </a:r>
+            <a:endParaRPr lang="en-US" altLang="zh-CN" sz="2400" dirty="0" smtClean="0">
+              <a:latin typeface="Calibri (正文)"/>
+            </a:endParaRPr>
+          </a:p>
+          <a:p>
+            <a:r>
+              <a:rPr lang="en-US" altLang="zh-CN" sz="2400" dirty="0" smtClean="0">
+                <a:latin typeface="Calibri (正文)"/>
+              </a:rPr>
+              <a:t>Memory </a:t>
+            </a:r>
+            <a:r>
+              <a:rPr lang="en-US" altLang="zh-CN" sz="2400" dirty="0" err="1" smtClean="0">
+                <a:latin typeface="Calibri (正文)"/>
+              </a:rPr>
+              <a:t>Modle</a:t>
+            </a:r>
+            <a:endParaRPr lang="en-US" altLang="zh-CN" sz="2400" dirty="0" smtClean="0">
+              <a:latin typeface="Calibri (正文)"/>
+            </a:endParaRPr>
+          </a:p>
+          <a:p>
+            <a:r>
+              <a:rPr lang="en-US" altLang="zh-CN" sz="2400" dirty="0" smtClean="0">
+                <a:latin typeface="Calibri (正文)"/>
+              </a:rPr>
+              <a:t>Memory System &amp; </a:t>
+            </a:r>
+            <a:r>
+              <a:rPr lang="en-US" altLang="zh-CN" sz="2400" smtClean="0">
+                <a:latin typeface="Calibri (正文)"/>
+              </a:rPr>
+              <a:t>DCache</a:t>
+            </a:r>
+            <a:r>
+              <a:rPr lang="en-US" altLang="zh-CN" sz="2400" dirty="0" smtClean="0">
+                <a:latin typeface="Calibri (正文)"/>
+              </a:rPr>
+              <a:t> Shim</a:t>
+            </a:r>
+            <a:endParaRPr lang="zh-CN" altLang="en-US" sz="2400" dirty="0">
+              <a:latin typeface="Calibri (正文)"/>
+            </a:endParaRPr>
+          </a:p>
+        </p:txBody>
+      </p:sp>
+    </p:spTree>
+    <p:extLst>
+      <p:ext uri="{BB962C8B-B14F-4D97-AF65-F5344CB8AC3E}">
+        <p14:creationId xmlns:p14="http://schemas.microsoft.com/office/powerpoint/2010/main" val="2642976620"/>
+      </p:ext>
+    </p:extLst>
+  </p:cSld>
+  <p:clrMapOvr>
+    <a:masterClrMapping/>
+  </p:clrMapOvr>
+</p:sld>
+</file>
+
+<file path=ppt/slides/slide26.xml><?xml version="1.0" encoding="utf-8"?>
+<p:sld xmlns:a="http://schemas.openxmlformats.org/drawingml/2006/main" xmlns:r="http://schemas.openxmlformats.org/officeDocument/2006/relationships" xmlns:p="http://schemas.openxmlformats.org/presentationml/2006/main">
+  <p:cSld>
+    <p:spTree>
+      <p:nvGrpSpPr>
+        <p:cNvPr id="1" name=""/>
+        <p:cNvGrpSpPr/>
+        <p:nvPr/>
+      </p:nvGrpSpPr>
+      <p:grpSpPr>
+        <a:xfrm>
+          <a:off x="0" y="0"/>
+          <a:ext cx="0" cy="0"/>
+          <a:chOff x="0" y="0"/>
+          <a:chExt cx="0" cy="0"/>
+        </a:xfrm>
+      </p:grpSpPr>
+      <p:sp>
+        <p:nvSpPr>
+          <p:cNvPr id="2" name="标题 1"/>
+          <p:cNvSpPr>
+            <a:spLocks noGrp="1"/>
+          </p:cNvSpPr>
+          <p:nvPr>
+            <p:ph type="title"/>
+          </p:nvPr>
+        </p:nvSpPr>
+        <p:spPr/>
+        <p:txBody>
+          <a:bodyPr/>
+          <a:lstStyle/>
+          <a:p>
+            <a:r>
+              <a:rPr lang="zh-CN" altLang="en-US" dirty="0" smtClean="0"/>
+              <a:t>主要内容</a:t>
+            </a:r>
+            <a:endParaRPr lang="zh-CN" altLang="en-US" dirty="0"/>
+          </a:p>
+        </p:txBody>
+      </p:sp>
+      <p:sp>
+        <p:nvSpPr>
+          <p:cNvPr id="3" name="内容占位符 2"/>
+          <p:cNvSpPr>
+            <a:spLocks noGrp="1"/>
+          </p:cNvSpPr>
+          <p:nvPr>
+            <p:ph idx="1"/>
+          </p:nvPr>
+        </p:nvSpPr>
+        <p:spPr/>
+        <p:txBody>
+          <a:bodyPr/>
+          <a:lstStyle/>
+          <a:p>
+            <a:r>
               <a:rPr lang="en-US" altLang="zh-CN" sz="2400" dirty="0" smtClean="0"/>
               <a:t>Introduction &amp; Overview</a:t>
             </a:r>
@@ -10047,7 +11631,6 @@
               <a:rPr lang="en-US" altLang="zh-CN" sz="2400" dirty="0" smtClean="0"/>
               <a:t>ROB &amp; The Dispatch Stage </a:t>
             </a:r>
-            <a:endParaRPr lang="en-US" altLang="zh-CN" sz="2400" dirty="0" smtClean="0"/>
           </a:p>
           <a:p>
             <a:r>
@@ -10072,7 +11655,6 @@
               <a:rPr lang="en-US" altLang="zh-CN" sz="2400" dirty="0" smtClean="0"/>
               <a:t>The Load/Store Unit</a:t>
             </a:r>
-            <a:endParaRPr lang="en-US" altLang="zh-CN" sz="2400" dirty="0" smtClean="0"/>
           </a:p>
           <a:p>
             <a:r>
@@ -10119,7 +11701,7 @@
 </p:sld>
 </file>
 
-<file path=ppt/slides/slide26.xml><?xml version="1.0" encoding="utf-8"?>
+<file path=ppt/slides/slide27.xml><?xml version="1.0" encoding="utf-8"?>
 <p:sld xmlns:a="http://schemas.openxmlformats.org/drawingml/2006/main" xmlns:r="http://schemas.openxmlformats.org/officeDocument/2006/relationships" xmlns:p="http://schemas.openxmlformats.org/presentationml/2006/main">
   <p:cSld>
     <p:spTree>
@@ -11614,7 +13196,7 @@
 </p:sld>
 </file>
 
-<file path=ppt/slides/slide27.xml><?xml version="1.0" encoding="utf-8"?>
+<file path=ppt/slides/slide28.xml><?xml version="1.0" encoding="utf-8"?>
 <p:sld xmlns:a="http://schemas.openxmlformats.org/drawingml/2006/main" xmlns:r="http://schemas.openxmlformats.org/officeDocument/2006/relationships" xmlns:p="http://schemas.openxmlformats.org/presentationml/2006/main">
   <p:cSld>
     <p:spTree>
@@ -11768,7 +13350,7 @@
 </p:sld>
 </file>
 
-<file path=ppt/slides/slide28.xml><?xml version="1.0" encoding="utf-8"?>
+<file path=ppt/slides/slide29.xml><?xml version="1.0" encoding="utf-8"?>
 <p:sld xmlns:a="http://schemas.openxmlformats.org/drawingml/2006/main" xmlns:r="http://schemas.openxmlformats.org/officeDocument/2006/relationships" xmlns:p="http://schemas.openxmlformats.org/presentationml/2006/main">
   <p:cSld>
     <p:spTree>

--- a/boom overview.pptx
+++ b/boom overview.pptx
@@ -5,10 +5,10 @@
     <p:sldMasterId id="2147483649" r:id="rId1"/>
   </p:sldMasterIdLst>
   <p:notesMasterIdLst>
-    <p:notesMasterId r:id="rId31"/>
+    <p:notesMasterId r:id="rId39"/>
   </p:notesMasterIdLst>
   <p:handoutMasterIdLst>
-    <p:handoutMasterId r:id="rId32"/>
+    <p:handoutMasterId r:id="rId40"/>
   </p:handoutMasterIdLst>
   <p:sldIdLst>
     <p:sldId id="256" r:id="rId2"/>
@@ -34,12 +34,20 @@
     <p:sldId id="829" r:id="rId22"/>
     <p:sldId id="830" r:id="rId23"/>
     <p:sldId id="833" r:id="rId24"/>
-    <p:sldId id="831" r:id="rId25"/>
-    <p:sldId id="834" r:id="rId26"/>
-    <p:sldId id="832" r:id="rId27"/>
-    <p:sldId id="824" r:id="rId28"/>
-    <p:sldId id="825" r:id="rId29"/>
-    <p:sldId id="715" r:id="rId30"/>
+    <p:sldId id="836" r:id="rId25"/>
+    <p:sldId id="837" r:id="rId26"/>
+    <p:sldId id="838" r:id="rId27"/>
+    <p:sldId id="831" r:id="rId28"/>
+    <p:sldId id="834" r:id="rId29"/>
+    <p:sldId id="839" r:id="rId30"/>
+    <p:sldId id="840" r:id="rId31"/>
+    <p:sldId id="841" r:id="rId32"/>
+    <p:sldId id="843" r:id="rId33"/>
+    <p:sldId id="844" r:id="rId34"/>
+    <p:sldId id="832" r:id="rId35"/>
+    <p:sldId id="824" r:id="rId36"/>
+    <p:sldId id="825" r:id="rId37"/>
+    <p:sldId id="715" r:id="rId38"/>
   </p:sldIdLst>
   <p:sldSz cx="9144000" cy="6858000" type="screen4x3"/>
   <p:notesSz cx="6858000" cy="9144000"/>
@@ -3223,6 +3231,25 @@
           <a:bodyPr/>
           <a:lstStyle/>
           <a:p>
+            <a:r>
+              <a:rPr lang="zh-CN" altLang="en-US" dirty="0" smtClean="0"/>
+              <a:t>执行流水线包括了微指令的执行与写回</a:t>
+            </a:r>
+            <a:endParaRPr lang="en-US" altLang="zh-CN" dirty="0" smtClean="0"/>
+          </a:p>
+          <a:p>
+            <a:r>
+              <a:rPr lang="zh-CN" altLang="en-US" dirty="0" smtClean="0"/>
+              <a:t>例子，一条双发射的执行流水线，包括两个执行单元，每个执行单元与一个发射端口对应，但内部可能有多个功能单元（</a:t>
+            </a:r>
+            <a:r>
+              <a:rPr lang="en-US" altLang="zh-CN" dirty="0" smtClean="0"/>
+              <a:t>Functional Unit</a:t>
+            </a:r>
+            <a:r>
+              <a:rPr lang="zh-CN" altLang="en-US" dirty="0" smtClean="0"/>
+              <a:t>）</a:t>
+            </a:r>
             <a:endParaRPr lang="zh-CN" altLang="en-US" dirty="0"/>
           </a:p>
         </p:txBody>
@@ -3250,7 +3277,7 @@
               <a:pPr>
                 <a:defRPr/>
               </a:pPr>
-              <a:t>23</a:t>
+              <a:t>22</a:t>
             </a:fld>
             <a:endParaRPr lang="en-US" altLang="zh-CN"/>
           </a:p>
@@ -3259,7 +3286,7 @@
     </p:spTree>
     <p:extLst>
       <p:ext uri="{BB962C8B-B14F-4D97-AF65-F5344CB8AC3E}">
-        <p14:creationId xmlns:p14="http://schemas.microsoft.com/office/powerpoint/2010/main" val="2166323481"/>
+        <p14:creationId xmlns:p14="http://schemas.microsoft.com/office/powerpoint/2010/main" val="1429391022"/>
       </p:ext>
     </p:extLst>
   </p:cSld>
@@ -3313,7 +3340,61 @@
           <a:bodyPr/>
           <a:lstStyle/>
           <a:p>
-            <a:endParaRPr lang="zh-CN" altLang="en-US" dirty="0"/>
+            <a:r>
+              <a:rPr lang="zh-CN" altLang="en-US" dirty="0" smtClean="0"/>
+              <a:t>这个执行单元包含了一个整数</a:t>
+            </a:r>
+            <a:r>
+              <a:rPr lang="en-US" altLang="zh-CN" dirty="0" smtClean="0"/>
+              <a:t>ALU</a:t>
+            </a:r>
+            <a:r>
+              <a:rPr lang="zh-CN" altLang="en-US" dirty="0" smtClean="0"/>
+              <a:t>，他可以向相关的指令前递数据；还包括一个非流水线的除法器，除法运算时会将</a:t>
+            </a:r>
+            <a:r>
+              <a:rPr lang="en-US" altLang="zh-CN" dirty="0" smtClean="0"/>
+              <a:t>busy</a:t>
+            </a:r>
+            <a:r>
+              <a:rPr lang="zh-CN" altLang="en-US" dirty="0" smtClean="0"/>
+              <a:t>置为有效</a:t>
+            </a:r>
+            <a:endParaRPr lang="en-US" altLang="zh-CN" dirty="0" smtClean="0"/>
+          </a:p>
+          <a:p>
+            <a:r>
+              <a:rPr lang="zh-CN" altLang="en-US" dirty="0" smtClean="0"/>
+              <a:t>需要接受</a:t>
+            </a:r>
+            <a:r>
+              <a:rPr lang="en-US" altLang="zh-CN" dirty="0" smtClean="0"/>
+              <a:t>kill</a:t>
+            </a:r>
+            <a:r>
+              <a:rPr lang="zh-CN" altLang="en-US" dirty="0" smtClean="0"/>
+              <a:t>信号和转移结果信号</a:t>
+            </a:r>
+            <a:endParaRPr lang="en-US" altLang="zh-CN" dirty="0" smtClean="0"/>
+          </a:p>
+          <a:p>
+            <a:r>
+              <a:rPr lang="en-US" altLang="zh-CN" dirty="0" smtClean="0"/>
+              <a:t>Execution unit</a:t>
+            </a:r>
+            <a:r>
+              <a:rPr lang="zh-CN" altLang="en-US" dirty="0" smtClean="0"/>
+              <a:t>向</a:t>
+            </a:r>
+            <a:r>
+              <a:rPr lang="en-US" altLang="zh-CN" dirty="0" smtClean="0"/>
+              <a:t>issue window</a:t>
+            </a:r>
+            <a:r>
+              <a:rPr lang="zh-CN" altLang="en-US" dirty="0" smtClean="0"/>
+              <a:t>提供内部功能部件的空闲情况</a:t>
+            </a:r>
+            <a:endParaRPr lang="en-US" altLang="zh-CN" dirty="0" smtClean="0"/>
           </a:p>
         </p:txBody>
       </p:sp>
@@ -3340,7 +3421,945 @@
               <a:pPr>
                 <a:defRPr/>
               </a:pPr>
-              <a:t>25</a:t>
+              <a:t>23</a:t>
+            </a:fld>
+            <a:endParaRPr lang="en-US" altLang="zh-CN"/>
+          </a:p>
+        </p:txBody>
+      </p:sp>
+    </p:spTree>
+    <p:extLst>
+      <p:ext uri="{BB962C8B-B14F-4D97-AF65-F5344CB8AC3E}">
+        <p14:creationId xmlns:p14="http://schemas.microsoft.com/office/powerpoint/2010/main" val="2074297334"/>
+      </p:ext>
+    </p:extLst>
+  </p:cSld>
+  <p:clrMapOvr>
+    <a:masterClrMapping/>
+  </p:clrMapOvr>
+</p:notes>
+</file>
+
+<file path=ppt/notesSlides/notesSlide22.xml><?xml version="1.0" encoding="utf-8"?>
+<p:notes xmlns:a="http://schemas.openxmlformats.org/drawingml/2006/main" xmlns:r="http://schemas.openxmlformats.org/officeDocument/2006/relationships" xmlns:p="http://schemas.openxmlformats.org/presentationml/2006/main">
+  <p:cSld>
+    <p:spTree>
+      <p:nvGrpSpPr>
+        <p:cNvPr id="1" name=""/>
+        <p:cNvGrpSpPr/>
+        <p:nvPr/>
+      </p:nvGrpSpPr>
+      <p:grpSpPr>
+        <a:xfrm>
+          <a:off x="0" y="0"/>
+          <a:ext cx="0" cy="0"/>
+          <a:chOff x="0" y="0"/>
+          <a:chExt cx="0" cy="0"/>
+        </a:xfrm>
+      </p:grpSpPr>
+      <p:sp>
+        <p:nvSpPr>
+          <p:cNvPr id="2" name="幻灯片图像占位符 1"/>
+          <p:cNvSpPr>
+            <a:spLocks noGrp="1" noRot="1" noChangeAspect="1"/>
+          </p:cNvSpPr>
+          <p:nvPr>
+            <p:ph type="sldImg"/>
+          </p:nvPr>
+        </p:nvSpPr>
+        <p:spPr/>
+      </p:sp>
+      <p:sp>
+        <p:nvSpPr>
+          <p:cNvPr id="3" name="备注占位符 2"/>
+          <p:cNvSpPr>
+            <a:spLocks noGrp="1"/>
+          </p:cNvSpPr>
+          <p:nvPr>
+            <p:ph type="body" idx="1"/>
+          </p:nvPr>
+        </p:nvSpPr>
+        <p:spPr/>
+        <p:txBody>
+          <a:bodyPr/>
+          <a:lstStyle/>
+          <a:p>
+            <a:r>
+              <a:rPr lang="zh-CN" altLang="en-US" dirty="0" smtClean="0"/>
+              <a:t>功能部件需要某个领域的专家来正确地实现与优化。</a:t>
+            </a:r>
+            <a:r>
+              <a:rPr lang="en-US" altLang="zh-CN" dirty="0" smtClean="0"/>
+              <a:t>BOOM</a:t>
+            </a:r>
+            <a:r>
+              <a:rPr lang="zh-CN" altLang="en-US" dirty="0" smtClean="0"/>
+              <a:t>用</a:t>
+            </a:r>
+            <a:r>
+              <a:rPr lang="en-US" altLang="zh-CN" dirty="0" smtClean="0"/>
+              <a:t>Functional Unit</a:t>
+            </a:r>
+            <a:r>
+              <a:rPr lang="zh-CN" altLang="en-US" dirty="0" smtClean="0"/>
+              <a:t>来包装这些功能单元（</a:t>
+            </a:r>
+            <a:r>
+              <a:rPr lang="en-US" altLang="zh-CN" dirty="0" smtClean="0"/>
+              <a:t>low level functional units</a:t>
+            </a:r>
+            <a:r>
+              <a:rPr lang="zh-CN" altLang="en-US" dirty="0" smtClean="0"/>
+              <a:t>）。</a:t>
+            </a:r>
+            <a:endParaRPr lang="en-US" altLang="zh-CN" dirty="0" smtClean="0"/>
+          </a:p>
+          <a:p>
+            <a:r>
+              <a:rPr lang="zh-CN" altLang="en-US" dirty="0" smtClean="0"/>
+              <a:t>除去数据输入输出这些基本端口之外，</a:t>
+            </a:r>
+            <a:r>
+              <a:rPr lang="en-US" altLang="zh-CN" dirty="0" smtClean="0"/>
+              <a:t>BOOM</a:t>
+            </a:r>
+            <a:r>
+              <a:rPr lang="zh-CN" altLang="en-US" dirty="0" smtClean="0"/>
+              <a:t>中的功能部件需要能够响应</a:t>
+            </a:r>
+            <a:r>
+              <a:rPr lang="en-US" altLang="zh-CN" dirty="0" smtClean="0"/>
+              <a:t>kill</a:t>
+            </a:r>
+            <a:r>
+              <a:rPr lang="zh-CN" altLang="en-US" dirty="0" smtClean="0"/>
+              <a:t>信号，这里的做法是在数据退离低层功能部件时，把</a:t>
+            </a:r>
+            <a:r>
+              <a:rPr lang="en-US" altLang="zh-CN" dirty="0" err="1" smtClean="0"/>
+              <a:t>resp</a:t>
+            </a:r>
+            <a:r>
+              <a:rPr lang="zh-CN" altLang="en-US" dirty="0" smtClean="0"/>
+              <a:t>信号关掉</a:t>
+            </a:r>
+            <a:endParaRPr lang="zh-CN" altLang="en-US" dirty="0"/>
+          </a:p>
+        </p:txBody>
+      </p:sp>
+      <p:sp>
+        <p:nvSpPr>
+          <p:cNvPr id="4" name="灯片编号占位符 3"/>
+          <p:cNvSpPr>
+            <a:spLocks noGrp="1"/>
+          </p:cNvSpPr>
+          <p:nvPr>
+            <p:ph type="sldNum" sz="quarter" idx="10"/>
+          </p:nvPr>
+        </p:nvSpPr>
+        <p:spPr/>
+        <p:txBody>
+          <a:bodyPr/>
+          <a:lstStyle/>
+          <a:p>
+            <a:pPr>
+              <a:defRPr/>
+            </a:pPr>
+            <a:fld id="{A1323B56-F179-4CBA-B162-C86E75DEA6B5}" type="slidenum">
+              <a:rPr lang="en-US" altLang="zh-CN" smtClean="0"/>
+              <a:pPr>
+                <a:defRPr/>
+              </a:pPr>
+              <a:t>24</a:t>
+            </a:fld>
+            <a:endParaRPr lang="en-US" altLang="zh-CN"/>
+          </a:p>
+        </p:txBody>
+      </p:sp>
+    </p:spTree>
+    <p:extLst>
+      <p:ext uri="{BB962C8B-B14F-4D97-AF65-F5344CB8AC3E}">
+        <p14:creationId xmlns:p14="http://schemas.microsoft.com/office/powerpoint/2010/main" val="949226618"/>
+      </p:ext>
+    </p:extLst>
+  </p:cSld>
+  <p:clrMapOvr>
+    <a:masterClrMapping/>
+  </p:clrMapOvr>
+</p:notes>
+</file>
+
+<file path=ppt/notesSlides/notesSlide23.xml><?xml version="1.0" encoding="utf-8"?>
+<p:notes xmlns:a="http://schemas.openxmlformats.org/drawingml/2006/main" xmlns:r="http://schemas.openxmlformats.org/officeDocument/2006/relationships" xmlns:p="http://schemas.openxmlformats.org/presentationml/2006/main">
+  <p:cSld>
+    <p:spTree>
+      <p:nvGrpSpPr>
+        <p:cNvPr id="1" name=""/>
+        <p:cNvGrpSpPr/>
+        <p:nvPr/>
+      </p:nvGrpSpPr>
+      <p:grpSpPr>
+        <a:xfrm>
+          <a:off x="0" y="0"/>
+          <a:ext cx="0" cy="0"/>
+          <a:chOff x="0" y="0"/>
+          <a:chExt cx="0" cy="0"/>
+        </a:xfrm>
+      </p:grpSpPr>
+      <p:sp>
+        <p:nvSpPr>
+          <p:cNvPr id="2" name="幻灯片图像占位符 1"/>
+          <p:cNvSpPr>
+            <a:spLocks noGrp="1" noRot="1" noChangeAspect="1"/>
+          </p:cNvSpPr>
+          <p:nvPr>
+            <p:ph type="sldImg"/>
+          </p:nvPr>
+        </p:nvSpPr>
+        <p:spPr/>
+      </p:sp>
+      <p:sp>
+        <p:nvSpPr>
+          <p:cNvPr id="3" name="备注占位符 2"/>
+          <p:cNvSpPr>
+            <a:spLocks noGrp="1"/>
+          </p:cNvSpPr>
+          <p:nvPr>
+            <p:ph type="body" idx="1"/>
+          </p:nvPr>
+        </p:nvSpPr>
+        <p:spPr/>
+        <p:txBody>
+          <a:bodyPr/>
+          <a:lstStyle/>
+          <a:p>
+            <a:endParaRPr lang="zh-CN" altLang="en-US" dirty="0"/>
+          </a:p>
+        </p:txBody>
+      </p:sp>
+      <p:sp>
+        <p:nvSpPr>
+          <p:cNvPr id="4" name="灯片编号占位符 3"/>
+          <p:cNvSpPr>
+            <a:spLocks noGrp="1"/>
+          </p:cNvSpPr>
+          <p:nvPr>
+            <p:ph type="sldNum" sz="quarter" idx="10"/>
+          </p:nvPr>
+        </p:nvSpPr>
+        <p:spPr/>
+        <p:txBody>
+          <a:bodyPr/>
+          <a:lstStyle/>
+          <a:p>
+            <a:pPr>
+              <a:defRPr/>
+            </a:pPr>
+            <a:fld id="{A1323B56-F179-4CBA-B162-C86E75DEA6B5}" type="slidenum">
+              <a:rPr lang="en-US" altLang="zh-CN" smtClean="0"/>
+              <a:pPr>
+                <a:defRPr/>
+              </a:pPr>
+              <a:t>26</a:t>
+            </a:fld>
+            <a:endParaRPr lang="en-US" altLang="zh-CN"/>
+          </a:p>
+        </p:txBody>
+      </p:sp>
+    </p:spTree>
+    <p:extLst>
+      <p:ext uri="{BB962C8B-B14F-4D97-AF65-F5344CB8AC3E}">
+        <p14:creationId xmlns:p14="http://schemas.microsoft.com/office/powerpoint/2010/main" val="2166323481"/>
+      </p:ext>
+    </p:extLst>
+  </p:cSld>
+  <p:clrMapOvr>
+    <a:masterClrMapping/>
+  </p:clrMapOvr>
+</p:notes>
+</file>
+
+<file path=ppt/notesSlides/notesSlide24.xml><?xml version="1.0" encoding="utf-8"?>
+<p:notes xmlns:a="http://schemas.openxmlformats.org/drawingml/2006/main" xmlns:r="http://schemas.openxmlformats.org/officeDocument/2006/relationships" xmlns:p="http://schemas.openxmlformats.org/presentationml/2006/main">
+  <p:cSld>
+    <p:spTree>
+      <p:nvGrpSpPr>
+        <p:cNvPr id="1" name=""/>
+        <p:cNvGrpSpPr/>
+        <p:nvPr/>
+      </p:nvGrpSpPr>
+      <p:grpSpPr>
+        <a:xfrm>
+          <a:off x="0" y="0"/>
+          <a:ext cx="0" cy="0"/>
+          <a:chOff x="0" y="0"/>
+          <a:chExt cx="0" cy="0"/>
+        </a:xfrm>
+      </p:grpSpPr>
+      <p:sp>
+        <p:nvSpPr>
+          <p:cNvPr id="2" name="幻灯片图像占位符 1"/>
+          <p:cNvSpPr>
+            <a:spLocks noGrp="1" noRot="1" noChangeAspect="1"/>
+          </p:cNvSpPr>
+          <p:nvPr>
+            <p:ph type="sldImg"/>
+          </p:nvPr>
+        </p:nvSpPr>
+        <p:spPr/>
+      </p:sp>
+      <p:sp>
+        <p:nvSpPr>
+          <p:cNvPr id="3" name="备注占位符 2"/>
+          <p:cNvSpPr>
+            <a:spLocks noGrp="1"/>
+          </p:cNvSpPr>
+          <p:nvPr>
+            <p:ph type="body" idx="1"/>
+          </p:nvPr>
+        </p:nvSpPr>
+        <p:spPr/>
+        <p:txBody>
+          <a:bodyPr/>
+          <a:lstStyle/>
+          <a:p>
+            <a:r>
+              <a:rPr lang="en-US" altLang="zh-CN" dirty="0" smtClean="0"/>
+              <a:t>Store</a:t>
+            </a:r>
+            <a:r>
+              <a:rPr lang="zh-CN" altLang="en-US" dirty="0" smtClean="0"/>
+              <a:t>指令在</a:t>
+            </a:r>
+            <a:r>
+              <a:rPr lang="en-US" altLang="zh-CN" dirty="0" smtClean="0"/>
+              <a:t>issue window</a:t>
+            </a:r>
+            <a:r>
+              <a:rPr lang="zh-CN" altLang="en-US" dirty="0" smtClean="0"/>
+              <a:t>中只占用一项以节省空间</a:t>
+            </a:r>
+            <a:endParaRPr lang="en-US" altLang="zh-CN" dirty="0" smtClean="0"/>
+          </a:p>
+          <a:p>
+            <a:r>
+              <a:rPr lang="zh-CN" altLang="en-US" dirty="0" smtClean="0"/>
+              <a:t>存储地址经常比数据更早得出，地址应该尽快发往</a:t>
+            </a:r>
+            <a:r>
+              <a:rPr lang="en-US" altLang="zh-CN" dirty="0" smtClean="0"/>
+              <a:t>SAQ</a:t>
+            </a:r>
+            <a:r>
+              <a:rPr lang="zh-CN" altLang="en-US" dirty="0" smtClean="0"/>
+              <a:t>，以避免之后的</a:t>
+            </a:r>
+            <a:r>
+              <a:rPr lang="en-US" altLang="zh-CN" dirty="0" smtClean="0"/>
+              <a:t>load</a:t>
+            </a:r>
+            <a:r>
+              <a:rPr lang="zh-CN" altLang="en-US" dirty="0" smtClean="0"/>
+              <a:t>指令发生错误，所以地址和数据任何一方准备好时，</a:t>
+            </a:r>
+            <a:r>
+              <a:rPr lang="en-US" altLang="zh-CN" dirty="0" smtClean="0"/>
+              <a:t>issue window</a:t>
+            </a:r>
+            <a:r>
+              <a:rPr lang="zh-CN" altLang="en-US" dirty="0" smtClean="0"/>
+              <a:t>都会发射对应的微指令，另一半微指令保存在</a:t>
+            </a:r>
+            <a:r>
+              <a:rPr lang="en-US" altLang="zh-CN" dirty="0" smtClean="0"/>
+              <a:t>issue</a:t>
+            </a:r>
+            <a:r>
+              <a:rPr lang="en-US" altLang="zh-CN" baseline="0" dirty="0" smtClean="0"/>
+              <a:t> window</a:t>
+            </a:r>
+            <a:r>
+              <a:rPr lang="zh-CN" altLang="en-US" dirty="0" smtClean="0"/>
+              <a:t>中等到准备好再发射</a:t>
+            </a:r>
+            <a:endParaRPr lang="en-US" altLang="zh-CN" dirty="0" smtClean="0"/>
+          </a:p>
+          <a:p>
+            <a:endParaRPr lang="en-US" altLang="zh-CN" dirty="0" smtClean="0"/>
+          </a:p>
+          <a:p>
+            <a:r>
+              <a:rPr lang="zh-CN" altLang="en-US" dirty="0" smtClean="0"/>
+              <a:t>对同一地址读指令序列的讨论与内存模型的描述有冲突之处。</a:t>
+            </a:r>
+            <a:r>
+              <a:rPr lang="en-US" altLang="zh-CN" dirty="0" smtClean="0"/>
+              <a:t>RISCV</a:t>
+            </a:r>
+            <a:r>
+              <a:rPr lang="zh-CN" altLang="en-US" dirty="0" smtClean="0"/>
+              <a:t>的内存模型希望加强对同一地址读序列的约束，后发生的读如果被提前执行了，需要取消并刷新流水线</a:t>
+            </a:r>
+            <a:r>
+              <a:rPr lang="en-US" altLang="zh-CN" dirty="0" smtClean="0"/>
+              <a:t>——</a:t>
+            </a:r>
+            <a:r>
+              <a:rPr lang="zh-CN" altLang="en-US" dirty="0" smtClean="0"/>
+              <a:t>但是这种场景只在发生了一致性的</a:t>
+            </a:r>
+            <a:r>
+              <a:rPr lang="en-US" altLang="zh-CN" dirty="0" smtClean="0"/>
+              <a:t>probe</a:t>
+            </a:r>
+            <a:r>
+              <a:rPr lang="zh-CN" altLang="en-US" dirty="0" smtClean="0"/>
+              <a:t>事件时才需要重排，如果没有</a:t>
+            </a:r>
+            <a:r>
+              <a:rPr lang="en-US" altLang="zh-CN" dirty="0" smtClean="0"/>
+              <a:t>probe</a:t>
+            </a:r>
+            <a:r>
+              <a:rPr lang="zh-CN" altLang="en-US" dirty="0" smtClean="0"/>
+              <a:t>发生可以不重排</a:t>
+            </a:r>
+            <a:endParaRPr lang="zh-CN" altLang="en-US" dirty="0"/>
+          </a:p>
+        </p:txBody>
+      </p:sp>
+      <p:sp>
+        <p:nvSpPr>
+          <p:cNvPr id="4" name="灯片编号占位符 3"/>
+          <p:cNvSpPr>
+            <a:spLocks noGrp="1"/>
+          </p:cNvSpPr>
+          <p:nvPr>
+            <p:ph type="sldNum" sz="quarter" idx="10"/>
+          </p:nvPr>
+        </p:nvSpPr>
+        <p:spPr/>
+        <p:txBody>
+          <a:bodyPr/>
+          <a:lstStyle/>
+          <a:p>
+            <a:pPr>
+              <a:defRPr/>
+            </a:pPr>
+            <a:fld id="{A1323B56-F179-4CBA-B162-C86E75DEA6B5}" type="slidenum">
+              <a:rPr lang="en-US" altLang="zh-CN" smtClean="0"/>
+              <a:pPr>
+                <a:defRPr/>
+              </a:pPr>
+              <a:t>27</a:t>
+            </a:fld>
+            <a:endParaRPr lang="en-US" altLang="zh-CN"/>
+          </a:p>
+        </p:txBody>
+      </p:sp>
+    </p:spTree>
+    <p:extLst>
+      <p:ext uri="{BB962C8B-B14F-4D97-AF65-F5344CB8AC3E}">
+        <p14:creationId xmlns:p14="http://schemas.microsoft.com/office/powerpoint/2010/main" val="132310485"/>
+      </p:ext>
+    </p:extLst>
+  </p:cSld>
+  <p:clrMapOvr>
+    <a:masterClrMapping/>
+  </p:clrMapOvr>
+</p:notes>
+</file>
+
+<file path=ppt/notesSlides/notesSlide25.xml><?xml version="1.0" encoding="utf-8"?>
+<p:notes xmlns:a="http://schemas.openxmlformats.org/drawingml/2006/main" xmlns:r="http://schemas.openxmlformats.org/officeDocument/2006/relationships" xmlns:p="http://schemas.openxmlformats.org/presentationml/2006/main">
+  <p:cSld>
+    <p:spTree>
+      <p:nvGrpSpPr>
+        <p:cNvPr id="1" name=""/>
+        <p:cNvGrpSpPr/>
+        <p:nvPr/>
+      </p:nvGrpSpPr>
+      <p:grpSpPr>
+        <a:xfrm>
+          <a:off x="0" y="0"/>
+          <a:ext cx="0" cy="0"/>
+          <a:chOff x="0" y="0"/>
+          <a:chExt cx="0" cy="0"/>
+        </a:xfrm>
+      </p:grpSpPr>
+      <p:sp>
+        <p:nvSpPr>
+          <p:cNvPr id="2" name="幻灯片图像占位符 1"/>
+          <p:cNvSpPr>
+            <a:spLocks noGrp="1" noRot="1" noChangeAspect="1"/>
+          </p:cNvSpPr>
+          <p:nvPr>
+            <p:ph type="sldImg"/>
+          </p:nvPr>
+        </p:nvSpPr>
+        <p:spPr/>
+      </p:sp>
+      <p:sp>
+        <p:nvSpPr>
+          <p:cNvPr id="3" name="备注占位符 2"/>
+          <p:cNvSpPr>
+            <a:spLocks noGrp="1"/>
+          </p:cNvSpPr>
+          <p:nvPr>
+            <p:ph type="body" idx="1"/>
+          </p:nvPr>
+        </p:nvSpPr>
+        <p:spPr/>
+        <p:txBody>
+          <a:bodyPr/>
+          <a:lstStyle/>
+          <a:p>
+            <a:endParaRPr lang="zh-CN" altLang="en-US" dirty="0"/>
+          </a:p>
+        </p:txBody>
+      </p:sp>
+      <p:sp>
+        <p:nvSpPr>
+          <p:cNvPr id="4" name="灯片编号占位符 3"/>
+          <p:cNvSpPr>
+            <a:spLocks noGrp="1"/>
+          </p:cNvSpPr>
+          <p:nvPr>
+            <p:ph type="sldNum" sz="quarter" idx="10"/>
+          </p:nvPr>
+        </p:nvSpPr>
+        <p:spPr/>
+        <p:txBody>
+          <a:bodyPr/>
+          <a:lstStyle/>
+          <a:p>
+            <a:pPr>
+              <a:defRPr/>
+            </a:pPr>
+            <a:fld id="{A1323B56-F179-4CBA-B162-C86E75DEA6B5}" type="slidenum">
+              <a:rPr lang="en-US" altLang="zh-CN" smtClean="0"/>
+              <a:pPr>
+                <a:defRPr/>
+              </a:pPr>
+              <a:t>29</a:t>
+            </a:fld>
+            <a:endParaRPr lang="en-US" altLang="zh-CN"/>
+          </a:p>
+        </p:txBody>
+      </p:sp>
+    </p:spTree>
+    <p:extLst>
+      <p:ext uri="{BB962C8B-B14F-4D97-AF65-F5344CB8AC3E}">
+        <p14:creationId xmlns:p14="http://schemas.microsoft.com/office/powerpoint/2010/main" val="1052925154"/>
+      </p:ext>
+    </p:extLst>
+  </p:cSld>
+  <p:clrMapOvr>
+    <a:masterClrMapping/>
+  </p:clrMapOvr>
+</p:notes>
+</file>
+
+<file path=ppt/notesSlides/notesSlide26.xml><?xml version="1.0" encoding="utf-8"?>
+<p:notes xmlns:a="http://schemas.openxmlformats.org/drawingml/2006/main" xmlns:r="http://schemas.openxmlformats.org/officeDocument/2006/relationships" xmlns:p="http://schemas.openxmlformats.org/presentationml/2006/main">
+  <p:cSld>
+    <p:spTree>
+      <p:nvGrpSpPr>
+        <p:cNvPr id="1" name=""/>
+        <p:cNvGrpSpPr/>
+        <p:nvPr/>
+      </p:nvGrpSpPr>
+      <p:grpSpPr>
+        <a:xfrm>
+          <a:off x="0" y="0"/>
+          <a:ext cx="0" cy="0"/>
+          <a:chOff x="0" y="0"/>
+          <a:chExt cx="0" cy="0"/>
+        </a:xfrm>
+      </p:grpSpPr>
+      <p:sp>
+        <p:nvSpPr>
+          <p:cNvPr id="2" name="幻灯片图像占位符 1"/>
+          <p:cNvSpPr>
+            <a:spLocks noGrp="1" noRot="1" noChangeAspect="1"/>
+          </p:cNvSpPr>
+          <p:nvPr>
+            <p:ph type="sldImg"/>
+          </p:nvPr>
+        </p:nvSpPr>
+        <p:spPr/>
+      </p:sp>
+      <p:sp>
+        <p:nvSpPr>
+          <p:cNvPr id="3" name="备注占位符 2"/>
+          <p:cNvSpPr>
+            <a:spLocks noGrp="1"/>
+          </p:cNvSpPr>
+          <p:nvPr>
+            <p:ph type="body" idx="1"/>
+          </p:nvPr>
+        </p:nvSpPr>
+        <p:spPr/>
+        <p:txBody>
+          <a:bodyPr/>
+          <a:lstStyle/>
+          <a:p>
+            <a:r>
+              <a:rPr lang="en-US" altLang="zh-CN" dirty="0" smtClean="0"/>
+              <a:t>A</a:t>
+            </a:r>
+            <a:r>
+              <a:rPr lang="zh-CN" altLang="en-US" dirty="0" smtClean="0"/>
+              <a:t>：是否已分配</a:t>
+            </a:r>
+            <a:endParaRPr lang="en-US" altLang="zh-CN" dirty="0" smtClean="0"/>
+          </a:p>
+          <a:p>
+            <a:r>
+              <a:rPr lang="en-US" altLang="zh-CN" dirty="0" err="1" smtClean="0"/>
+              <a:t>val</a:t>
+            </a:r>
+            <a:r>
+              <a:rPr lang="zh-CN" altLang="en-US" dirty="0" smtClean="0"/>
+              <a:t>：地址是否有效</a:t>
+            </a:r>
+            <a:endParaRPr lang="en-US" altLang="zh-CN" dirty="0" smtClean="0"/>
+          </a:p>
+          <a:p>
+            <a:r>
+              <a:rPr lang="en-US" altLang="zh-CN" dirty="0" smtClean="0"/>
+              <a:t>V</a:t>
+            </a:r>
+            <a:r>
+              <a:rPr lang="zh-CN" altLang="en-US" dirty="0" smtClean="0"/>
+              <a:t>：地址是虚拟地址还是物理地址（是否需要重试地址翻译）</a:t>
+            </a:r>
+            <a:endParaRPr lang="en-US" altLang="zh-CN" dirty="0" smtClean="0"/>
+          </a:p>
+          <a:p>
+            <a:r>
+              <a:rPr lang="en-US" altLang="zh-CN" dirty="0" smtClean="0"/>
+              <a:t>E</a:t>
+            </a:r>
+            <a:r>
+              <a:rPr lang="zh-CN" altLang="en-US" dirty="0" smtClean="0"/>
+              <a:t>：</a:t>
+            </a:r>
+            <a:r>
+              <a:rPr lang="en-US" altLang="zh-CN" dirty="0" smtClean="0"/>
+              <a:t>load</a:t>
+            </a:r>
+            <a:r>
+              <a:rPr lang="zh-CN" altLang="en-US" dirty="0" smtClean="0"/>
+              <a:t>是否已发往内存</a:t>
+            </a:r>
+            <a:endParaRPr lang="en-US" altLang="zh-CN" dirty="0" smtClean="0"/>
+          </a:p>
+          <a:p>
+            <a:r>
+              <a:rPr lang="en-US" altLang="zh-CN" dirty="0" smtClean="0"/>
+              <a:t>R</a:t>
+            </a:r>
+            <a:r>
+              <a:rPr lang="zh-CN" altLang="en-US" dirty="0" smtClean="0"/>
+              <a:t>：</a:t>
+            </a:r>
+            <a:r>
+              <a:rPr lang="en-US" altLang="zh-CN" dirty="0" smtClean="0"/>
+              <a:t>load</a:t>
+            </a:r>
+            <a:r>
+              <a:rPr lang="zh-CN" altLang="en-US" dirty="0" smtClean="0"/>
+              <a:t>指令等待唤醒</a:t>
+            </a:r>
+            <a:endParaRPr lang="en-US" altLang="zh-CN" dirty="0" smtClean="0"/>
+          </a:p>
+          <a:p>
+            <a:r>
+              <a:rPr lang="en-US" altLang="zh-CN" dirty="0" smtClean="0"/>
+              <a:t>F</a:t>
+            </a:r>
+            <a:r>
+              <a:rPr lang="zh-CN" altLang="en-US" dirty="0" smtClean="0"/>
+              <a:t>：</a:t>
+            </a:r>
+            <a:r>
+              <a:rPr lang="en-US" altLang="zh-CN" dirty="0" smtClean="0"/>
+              <a:t>load</a:t>
+            </a:r>
+            <a:r>
+              <a:rPr lang="zh-CN" altLang="en-US" dirty="0" smtClean="0"/>
+              <a:t>指令失败（发现了</a:t>
+            </a:r>
+            <a:r>
+              <a:rPr lang="en-US" altLang="zh-CN" dirty="0" smtClean="0"/>
+              <a:t>mem ordering</a:t>
+            </a:r>
+            <a:r>
+              <a:rPr lang="en-US" altLang="zh-CN" baseline="0" dirty="0" smtClean="0"/>
+              <a:t> failure</a:t>
+            </a:r>
+            <a:r>
+              <a:rPr lang="zh-CN" altLang="en-US" dirty="0" smtClean="0"/>
+              <a:t>）</a:t>
+            </a:r>
+            <a:endParaRPr lang="en-US" altLang="zh-CN" dirty="0" smtClean="0"/>
+          </a:p>
+          <a:p>
+            <a:r>
+              <a:rPr lang="en-US" altLang="zh-CN" dirty="0" err="1" smtClean="0"/>
+              <a:t>st_mask</a:t>
+            </a:r>
+            <a:r>
+              <a:rPr lang="zh-CN" altLang="en-US" dirty="0" smtClean="0"/>
+              <a:t>：依赖的</a:t>
+            </a:r>
+            <a:r>
+              <a:rPr lang="en-US" altLang="zh-CN" dirty="0" smtClean="0"/>
+              <a:t>store</a:t>
+            </a:r>
+            <a:r>
+              <a:rPr lang="zh-CN" altLang="en-US" dirty="0" smtClean="0"/>
+              <a:t>指令</a:t>
+            </a:r>
+            <a:endParaRPr lang="en-US" altLang="zh-CN" dirty="0" smtClean="0"/>
+          </a:p>
+          <a:p>
+            <a:r>
+              <a:rPr lang="en-US" altLang="zh-CN" dirty="0" err="1" smtClean="0"/>
+              <a:t>forward_std_idx</a:t>
+            </a:r>
+            <a:r>
+              <a:rPr lang="zh-CN" altLang="en-US" dirty="0" smtClean="0"/>
+              <a:t>：由哪条</a:t>
+            </a:r>
+            <a:r>
+              <a:rPr lang="en-US" altLang="zh-CN" dirty="0" smtClean="0"/>
+              <a:t>store</a:t>
+            </a:r>
+            <a:r>
+              <a:rPr lang="zh-CN" altLang="en-US" dirty="0" smtClean="0"/>
+              <a:t>指令前递数据</a:t>
+            </a:r>
+            <a:endParaRPr lang="en-US" altLang="zh-CN" dirty="0" smtClean="0"/>
+          </a:p>
+          <a:p>
+            <a:r>
+              <a:rPr lang="zh-CN" altLang="en-US" dirty="0" smtClean="0"/>
+              <a:t>执行阶段访问</a:t>
+            </a:r>
+            <a:r>
+              <a:rPr lang="en-US" altLang="zh-CN" dirty="0" smtClean="0"/>
+              <a:t>TLB</a:t>
+            </a:r>
+            <a:r>
+              <a:rPr lang="zh-CN" altLang="en-US" dirty="0" smtClean="0"/>
+              <a:t>进行地址翻译，无论</a:t>
+            </a:r>
+            <a:r>
+              <a:rPr lang="en-US" altLang="zh-CN" dirty="0" smtClean="0"/>
+              <a:t>TLB</a:t>
+            </a:r>
+            <a:r>
+              <a:rPr lang="zh-CN" altLang="en-US" dirty="0" smtClean="0"/>
+              <a:t>是否命中，都将地址存入</a:t>
+            </a:r>
+            <a:r>
+              <a:rPr lang="en-US" altLang="zh-CN" dirty="0" smtClean="0"/>
+              <a:t>SAQ</a:t>
+            </a:r>
+            <a:r>
+              <a:rPr lang="zh-CN" altLang="en-US" dirty="0" smtClean="0"/>
+              <a:t>和</a:t>
+            </a:r>
+            <a:r>
+              <a:rPr lang="en-US" altLang="zh-CN" dirty="0" smtClean="0"/>
+              <a:t>LAQ</a:t>
+            </a:r>
+            <a:r>
+              <a:rPr lang="zh-CN" altLang="en-US" dirty="0" smtClean="0"/>
+              <a:t>中，如果</a:t>
+            </a:r>
+            <a:r>
+              <a:rPr lang="en-US" altLang="zh-CN" dirty="0" smtClean="0"/>
+              <a:t>TLB</a:t>
+            </a:r>
+            <a:r>
+              <a:rPr lang="zh-CN" altLang="en-US" dirty="0" smtClean="0"/>
+              <a:t>未命中，需要</a:t>
+            </a:r>
+            <a:r>
+              <a:rPr lang="en-US" altLang="zh-CN" dirty="0" smtClean="0"/>
+              <a:t>kill</a:t>
+            </a:r>
+            <a:r>
+              <a:rPr lang="zh-CN" altLang="en-US" dirty="0" smtClean="0"/>
+              <a:t>已经发往内存的</a:t>
+            </a:r>
+            <a:r>
+              <a:rPr lang="en-US" altLang="zh-CN" dirty="0" smtClean="0"/>
+              <a:t>load</a:t>
+            </a:r>
+          </a:p>
+          <a:p>
+            <a:r>
+              <a:rPr lang="en-US" altLang="zh-CN" dirty="0" smtClean="0"/>
+              <a:t>Store </a:t>
+            </a:r>
+            <a:r>
+              <a:rPr lang="en-US" altLang="zh-CN" dirty="0" err="1" smtClean="0"/>
+              <a:t>unbusy</a:t>
+            </a:r>
+            <a:r>
+              <a:rPr lang="zh-CN" altLang="en-US" dirty="0" smtClean="0"/>
+              <a:t>：</a:t>
+            </a:r>
+            <a:r>
+              <a:rPr lang="en-US" altLang="zh-CN" dirty="0" smtClean="0"/>
+              <a:t>store</a:t>
+            </a:r>
+            <a:r>
+              <a:rPr lang="zh-CN" altLang="en-US" dirty="0" smtClean="0"/>
+              <a:t>的微指令如果在队列中发现了自己的另一半，告诉</a:t>
+            </a:r>
+            <a:r>
+              <a:rPr lang="en-US" altLang="zh-CN" dirty="0" smtClean="0"/>
+              <a:t>ROB</a:t>
+            </a:r>
+            <a:r>
+              <a:rPr lang="zh-CN" altLang="en-US" dirty="0" smtClean="0"/>
+              <a:t>把</a:t>
+            </a:r>
+            <a:r>
+              <a:rPr lang="en-US" altLang="zh-CN" dirty="0" smtClean="0"/>
+              <a:t>store</a:t>
+            </a:r>
+            <a:r>
+              <a:rPr lang="zh-CN" altLang="en-US" dirty="0" smtClean="0"/>
+              <a:t>设为</a:t>
+            </a:r>
+            <a:r>
+              <a:rPr lang="en-US" altLang="zh-CN" dirty="0" err="1" smtClean="0"/>
+              <a:t>unbusy</a:t>
+            </a:r>
+            <a:endParaRPr lang="zh-CN" altLang="en-US" dirty="0"/>
+          </a:p>
+        </p:txBody>
+      </p:sp>
+      <p:sp>
+        <p:nvSpPr>
+          <p:cNvPr id="4" name="灯片编号占位符 3"/>
+          <p:cNvSpPr>
+            <a:spLocks noGrp="1"/>
+          </p:cNvSpPr>
+          <p:nvPr>
+            <p:ph type="sldNum" sz="quarter" idx="10"/>
+          </p:nvPr>
+        </p:nvSpPr>
+        <p:spPr/>
+        <p:txBody>
+          <a:bodyPr/>
+          <a:lstStyle/>
+          <a:p>
+            <a:pPr>
+              <a:defRPr/>
+            </a:pPr>
+            <a:fld id="{A1323B56-F179-4CBA-B162-C86E75DEA6B5}" type="slidenum">
+              <a:rPr lang="en-US" altLang="zh-CN" smtClean="0"/>
+              <a:pPr>
+                <a:defRPr/>
+              </a:pPr>
+              <a:t>30</a:t>
+            </a:fld>
+            <a:endParaRPr lang="en-US" altLang="zh-CN"/>
+          </a:p>
+        </p:txBody>
+      </p:sp>
+    </p:spTree>
+    <p:extLst>
+      <p:ext uri="{BB962C8B-B14F-4D97-AF65-F5344CB8AC3E}">
+        <p14:creationId xmlns:p14="http://schemas.microsoft.com/office/powerpoint/2010/main" val="130810004"/>
+      </p:ext>
+    </p:extLst>
+  </p:cSld>
+  <p:clrMapOvr>
+    <a:masterClrMapping/>
+  </p:clrMapOvr>
+</p:notes>
+</file>
+
+<file path=ppt/notesSlides/notesSlide27.xml><?xml version="1.0" encoding="utf-8"?>
+<p:notes xmlns:a="http://schemas.openxmlformats.org/drawingml/2006/main" xmlns:r="http://schemas.openxmlformats.org/officeDocument/2006/relationships" xmlns:p="http://schemas.openxmlformats.org/presentationml/2006/main">
+  <p:cSld>
+    <p:spTree>
+      <p:nvGrpSpPr>
+        <p:cNvPr id="1" name=""/>
+        <p:cNvGrpSpPr/>
+        <p:nvPr/>
+      </p:nvGrpSpPr>
+      <p:grpSpPr>
+        <a:xfrm>
+          <a:off x="0" y="0"/>
+          <a:ext cx="0" cy="0"/>
+          <a:chOff x="0" y="0"/>
+          <a:chExt cx="0" cy="0"/>
+        </a:xfrm>
+      </p:grpSpPr>
+      <p:sp>
+        <p:nvSpPr>
+          <p:cNvPr id="2" name="幻灯片图像占位符 1"/>
+          <p:cNvSpPr>
+            <a:spLocks noGrp="1" noRot="1" noChangeAspect="1"/>
+          </p:cNvSpPr>
+          <p:nvPr>
+            <p:ph type="sldImg"/>
+          </p:nvPr>
+        </p:nvSpPr>
+        <p:spPr/>
+      </p:sp>
+      <p:sp>
+        <p:nvSpPr>
+          <p:cNvPr id="3" name="备注占位符 2"/>
+          <p:cNvSpPr>
+            <a:spLocks noGrp="1"/>
+          </p:cNvSpPr>
+          <p:nvPr>
+            <p:ph type="body" idx="1"/>
+          </p:nvPr>
+        </p:nvSpPr>
+        <p:spPr/>
+        <p:txBody>
+          <a:bodyPr/>
+          <a:lstStyle/>
+          <a:p>
+            <a:endParaRPr lang="zh-CN" altLang="en-US" dirty="0"/>
+          </a:p>
+        </p:txBody>
+      </p:sp>
+      <p:sp>
+        <p:nvSpPr>
+          <p:cNvPr id="4" name="灯片编号占位符 3"/>
+          <p:cNvSpPr>
+            <a:spLocks noGrp="1"/>
+          </p:cNvSpPr>
+          <p:nvPr>
+            <p:ph type="sldNum" sz="quarter" idx="10"/>
+          </p:nvPr>
+        </p:nvSpPr>
+        <p:spPr/>
+        <p:txBody>
+          <a:bodyPr/>
+          <a:lstStyle/>
+          <a:p>
+            <a:pPr>
+              <a:defRPr/>
+            </a:pPr>
+            <a:fld id="{A1323B56-F179-4CBA-B162-C86E75DEA6B5}" type="slidenum">
+              <a:rPr lang="en-US" altLang="zh-CN" smtClean="0"/>
+              <a:pPr>
+                <a:defRPr/>
+              </a:pPr>
+              <a:t>33</a:t>
             </a:fld>
             <a:endParaRPr lang="en-US" altLang="zh-CN"/>
           </a:p>
@@ -7629,8 +8648,20 @@
                 <a:tableStyleId>{5C22544A-7EE6-4342-B048-85BDC9FD1C3A}</a:tableStyleId>
               </a:tblPr>
               <a:tblGrid>
-                <a:gridCol w="2268252"/>
-                <a:gridCol w="3384376"/>
+                <a:gridCol w="2268252">
+                  <a:extLst>
+                    <a:ext uri="{9D8B030D-6E8A-4147-A177-3AD203B41FA5}">
+                      <a16:colId xmlns:a16="http://schemas.microsoft.com/office/drawing/2014/main" val="20000"/>
+                    </a:ext>
+                  </a:extLst>
+                </a:gridCol>
+                <a:gridCol w="3384376">
+                  <a:extLst>
+                    <a:ext uri="{9D8B030D-6E8A-4147-A177-3AD203B41FA5}">
+                      <a16:colId xmlns:a16="http://schemas.microsoft.com/office/drawing/2014/main" val="20001"/>
+                    </a:ext>
+                  </a:extLst>
+                </a:gridCol>
               </a:tblGrid>
               <a:tr h="466851">
                 <a:tc>
@@ -7763,6 +8794,11 @@
                     <a:noFill/>
                   </a:tcPr>
                 </a:tc>
+                <a:extLst>
+                  <a:ext uri="{0D108BD9-81ED-4DB2-BD59-A6C34878D82A}">
+                    <a16:rowId xmlns:a16="http://schemas.microsoft.com/office/drawing/2014/main" val="10000"/>
+                  </a:ext>
+                </a:extLst>
               </a:tr>
               <a:tr h="466851">
                 <a:tc>
@@ -7893,6 +8929,11 @@
                     <a:noFill/>
                   </a:tcPr>
                 </a:tc>
+                <a:extLst>
+                  <a:ext uri="{0D108BD9-81ED-4DB2-BD59-A6C34878D82A}">
+                    <a16:rowId xmlns:a16="http://schemas.microsoft.com/office/drawing/2014/main" val="10001"/>
+                  </a:ext>
+                </a:extLst>
               </a:tr>
               <a:tr h="466851">
                 <a:tc>
@@ -8033,6 +9074,11 @@
                     <a:noFill/>
                   </a:tcPr>
                 </a:tc>
+                <a:extLst>
+                  <a:ext uri="{0D108BD9-81ED-4DB2-BD59-A6C34878D82A}">
+                    <a16:rowId xmlns:a16="http://schemas.microsoft.com/office/drawing/2014/main" val="10002"/>
+                  </a:ext>
+                </a:extLst>
               </a:tr>
             </a:tbl>
           </a:graphicData>
@@ -9392,11 +10438,7 @@
           <a:p>
             <a:r>
               <a:rPr lang="en-US" altLang="zh-CN" dirty="0" smtClean="0"/>
-              <a:t>The Issue </a:t>
-            </a:r>
-            <a:r>
-              <a:rPr lang="en-US" altLang="zh-CN" dirty="0" smtClean="0"/>
-              <a:t>Unit</a:t>
+              <a:t>The Issue Unit</a:t>
             </a:r>
             <a:endParaRPr lang="zh-CN" altLang="en-US" dirty="0"/>
           </a:p>
@@ -9521,8 +10563,8 @@
           </a:p>
         </p:txBody>
       </p:sp>
-      <mc:AlternateContent xmlns:mc="http://schemas.openxmlformats.org/markup-compatibility/2006">
-        <mc:Choice xmlns:a14="http://schemas.microsoft.com/office/drawing/2010/main" Requires="a14">
+      <mc:AlternateContent xmlns:mc="http://schemas.openxmlformats.org/markup-compatibility/2006" xmlns:a14="http://schemas.microsoft.com/office/drawing/2010/main">
+        <mc:Choice Requires="a14">
           <p:sp>
             <p:nvSpPr>
               <p:cNvPr id="3" name="内容占位符 2"/>
@@ -9617,7 +10659,7 @@
             </p:txBody>
           </p:sp>
         </mc:Choice>
-        <mc:Fallback>
+        <mc:Fallback xmlns="">
           <p:sp>
             <p:nvSpPr>
               <p:cNvPr id="3" name="内容占位符 2"/>
@@ -11139,43 +12181,36 @@
             </a:r>
           </a:p>
           <a:p>
-            <a:r>
-              <a:rPr lang="en-US" altLang="zh-CN" sz="2400" dirty="0" smtClean="0">
-                <a:latin typeface="Calibri (正文)"/>
-              </a:rPr>
-              <a:t>Execution Unit</a:t>
-            </a:r>
-            <a:endParaRPr lang="en-US" altLang="zh-CN" sz="2400" dirty="0">
-              <a:latin typeface="Calibri (正文)"/>
-            </a:endParaRPr>
-          </a:p>
-          <a:p>
-            <a:r>
-              <a:rPr lang="en-US" altLang="zh-CN" sz="2400" dirty="0" smtClean="0">
-                <a:latin typeface="Calibri (正文)"/>
-              </a:rPr>
-              <a:t>EU</a:t>
-            </a:r>
-            <a:r>
-              <a:rPr lang="zh-CN" altLang="en-US" sz="2400" dirty="0" smtClean="0">
-                <a:latin typeface="Calibri (正文)"/>
-              </a:rPr>
-              <a:t>包含的</a:t>
-            </a:r>
-            <a:r>
-              <a:rPr lang="en-US" altLang="zh-CN" sz="2400" dirty="0" smtClean="0">
-                <a:latin typeface="Calibri (正文)"/>
-              </a:rPr>
-              <a:t>Function Unit</a:t>
-            </a:r>
-          </a:p>
-          <a:p>
             <a:endParaRPr lang="zh-CN" altLang="en-US" sz="2400" dirty="0">
               <a:latin typeface="Calibri (正文)"/>
             </a:endParaRPr>
           </a:p>
         </p:txBody>
       </p:sp>
+      <p:pic>
+        <p:nvPicPr>
+          <p:cNvPr id="4" name="图片 3"/>
+          <p:cNvPicPr>
+            <a:picLocks noChangeAspect="1"/>
+          </p:cNvPicPr>
+          <p:nvPr/>
+        </p:nvPicPr>
+        <p:blipFill>
+          <a:blip r:embed="rId3"/>
+          <a:stretch>
+            <a:fillRect/>
+          </a:stretch>
+        </p:blipFill>
+        <p:spPr>
+          <a:xfrm>
+            <a:off x="827584" y="1622522"/>
+            <a:ext cx="7416824" cy="4830813"/>
+          </a:xfrm>
+          <a:prstGeom prst="rect">
+            <a:avLst/>
+          </a:prstGeom>
+        </p:spPr>
+      </p:pic>
     </p:spTree>
     <p:extLst>
       <p:ext uri="{BB962C8B-B14F-4D97-AF65-F5344CB8AC3E}">
@@ -11222,8 +12257,12 @@
           <a:lstStyle/>
           <a:p>
             <a:r>
-              <a:rPr lang="zh-CN" altLang="en-US" dirty="0" smtClean="0"/>
-              <a:t>主要内容</a:t>
+              <a:rPr lang="en-US" altLang="zh-CN" dirty="0"/>
+              <a:t>The Execute </a:t>
+            </a:r>
+            <a:r>
+              <a:rPr lang="en-US" altLang="zh-CN" dirty="0" smtClean="0"/>
+              <a:t>Pipeline</a:t>
             </a:r>
             <a:endParaRPr lang="zh-CN" altLang="en-US" dirty="0"/>
           </a:p>
@@ -11245,103 +12284,62 @@
           <a:lstStyle/>
           <a:p>
             <a:r>
-              <a:rPr lang="en-US" altLang="zh-CN" sz="2400" dirty="0" smtClean="0"/>
-              <a:t>Introduction &amp; Overview</a:t>
-            </a:r>
-          </a:p>
-          <a:p>
-            <a:r>
-              <a:rPr lang="en-US" altLang="zh-CN" sz="2400" dirty="0" smtClean="0"/>
-              <a:t>Instruction Fetch</a:t>
-            </a:r>
-            <a:endParaRPr lang="zh-CN" altLang="en-US" sz="2400" dirty="0"/>
-          </a:p>
-          <a:p>
-            <a:r>
-              <a:rPr lang="en-US" altLang="zh-CN" sz="2400" dirty="0"/>
-              <a:t>Unified Physical Register </a:t>
-            </a:r>
-            <a:r>
-              <a:rPr lang="en-US" altLang="zh-CN" sz="2400" dirty="0" smtClean="0"/>
-              <a:t>File</a:t>
-            </a:r>
-          </a:p>
-          <a:p>
-            <a:r>
-              <a:rPr lang="en-US" altLang="zh-CN" sz="2400" dirty="0" smtClean="0"/>
-              <a:t>The Decode Stage</a:t>
-            </a:r>
-          </a:p>
-          <a:p>
-            <a:r>
-              <a:rPr lang="en-US" altLang="zh-CN" sz="2400" dirty="0" smtClean="0"/>
-              <a:t>The Rename Stage</a:t>
-            </a:r>
-          </a:p>
-          <a:p>
-            <a:r>
-              <a:rPr lang="en-US" altLang="zh-CN" sz="2400" dirty="0" smtClean="0"/>
-              <a:t>ROB &amp; The Dispatch Stage </a:t>
-            </a:r>
-          </a:p>
-          <a:p>
-            <a:r>
-              <a:rPr lang="en-US" altLang="zh-CN" sz="2400" dirty="0" smtClean="0"/>
-              <a:t>The Issue Unit</a:t>
-            </a:r>
-          </a:p>
-          <a:p>
-            <a:r>
-              <a:rPr lang="en-US" altLang="zh-CN" sz="2400" dirty="0" smtClean="0"/>
-              <a:t>The Register File and Bypass</a:t>
-            </a:r>
-          </a:p>
-          <a:p>
-            <a:r>
-              <a:rPr lang="en-US" altLang="zh-CN" sz="2400" dirty="0" smtClean="0"/>
-              <a:t>The Execute Pipeline</a:t>
-            </a:r>
-          </a:p>
-          <a:p>
-            <a:r>
               <a:rPr lang="en-US" altLang="zh-CN" sz="2400" dirty="0" smtClean="0">
-                <a:solidFill>
-                  <a:srgbClr val="FF0000"/>
-                </a:solidFill>
-              </a:rPr>
-              <a:t>The Load/Store Unit</a:t>
-            </a:r>
-          </a:p>
-          <a:p>
-            <a:r>
-              <a:rPr lang="zh-CN" altLang="en-US" sz="2400" dirty="0"/>
-              <a:t>后期工作</a:t>
-            </a:r>
-            <a:r>
-              <a:rPr lang="zh-CN" altLang="en-US" sz="2400" dirty="0" smtClean="0"/>
-              <a:t>安排</a:t>
-            </a:r>
-            <a:endParaRPr lang="en-US" altLang="zh-CN" sz="2400" dirty="0"/>
+                <a:latin typeface="Calibri (正文)"/>
+              </a:rPr>
+              <a:t>Execution </a:t>
+            </a:r>
+            <a:r>
+              <a:rPr lang="en-US" altLang="zh-CN" sz="2400" dirty="0" smtClean="0">
+                <a:latin typeface="Calibri (正文)"/>
+              </a:rPr>
+              <a:t>Unit</a:t>
+            </a:r>
+            <a:endParaRPr lang="en-US" altLang="zh-CN" sz="2400" dirty="0">
+              <a:latin typeface="Calibri (正文)"/>
+            </a:endParaRPr>
+          </a:p>
+          <a:p>
+            <a:endParaRPr lang="zh-CN" altLang="en-US" sz="2400" dirty="0">
+              <a:latin typeface="Calibri (正文)"/>
+            </a:endParaRPr>
           </a:p>
         </p:txBody>
       </p:sp>
+      <p:pic>
+        <p:nvPicPr>
+          <p:cNvPr id="4" name="图片 3"/>
+          <p:cNvPicPr>
+            <a:picLocks noChangeAspect="1"/>
+          </p:cNvPicPr>
+          <p:nvPr/>
+        </p:nvPicPr>
+        <p:blipFill>
+          <a:blip r:embed="rId3"/>
+          <a:stretch>
+            <a:fillRect/>
+          </a:stretch>
+        </p:blipFill>
+        <p:spPr>
+          <a:xfrm>
+            <a:off x="880881" y="1556792"/>
+            <a:ext cx="7382237" cy="5041754"/>
+          </a:xfrm>
+          <a:prstGeom prst="rect">
+            <a:avLst/>
+          </a:prstGeom>
+        </p:spPr>
+      </p:pic>
     </p:spTree>
     <p:extLst>
       <p:ext uri="{BB962C8B-B14F-4D97-AF65-F5344CB8AC3E}">
-        <p14:creationId xmlns:p14="http://schemas.microsoft.com/office/powerpoint/2010/main" val="457773908"/>
+        <p14:creationId xmlns:p14="http://schemas.microsoft.com/office/powerpoint/2010/main" val="4243787545"/>
       </p:ext>
     </p:extLst>
   </p:cSld>
   <p:clrMapOvr>
     <a:masterClrMapping/>
   </p:clrMapOvr>
-  <p:timing>
-    <p:tnLst>
-      <p:par>
-        <p:cTn id="1" dur="indefinite" restart="never" nodeType="tmRoot"/>
-      </p:par>
-    </p:tnLst>
-  </p:timing>
 </p:sld>
 </file>
 
@@ -11379,11 +12377,11 @@
           <a:p>
             <a:r>
               <a:rPr lang="en-US" altLang="zh-CN" dirty="0"/>
-              <a:t>The Load/Store </a:t>
+              <a:t>The Execute </a:t>
             </a:r>
             <a:r>
               <a:rPr lang="en-US" altLang="zh-CN" dirty="0" smtClean="0"/>
-              <a:t>Unit</a:t>
+              <a:t>Pipeline</a:t>
             </a:r>
             <a:endParaRPr lang="zh-CN" altLang="en-US" dirty="0"/>
           </a:p>
@@ -11405,129 +12403,53 @@
           <a:lstStyle/>
           <a:p>
             <a:r>
-              <a:rPr lang="zh-CN" altLang="en-US" sz="2400" dirty="0" smtClean="0">
-                <a:latin typeface="Calibri (正文)"/>
-              </a:rPr>
-              <a:t>三个队列</a:t>
-            </a:r>
-            <a:endParaRPr lang="en-US" altLang="zh-CN" sz="2400" dirty="0" smtClean="0">
-              <a:latin typeface="Calibri (正文)"/>
-            </a:endParaRPr>
-          </a:p>
-          <a:p>
-            <a:r>
               <a:rPr lang="en-US" altLang="zh-CN" sz="2400" dirty="0" smtClean="0">
                 <a:latin typeface="Calibri (正文)"/>
               </a:rPr>
-              <a:t>LAQ</a:t>
-            </a:r>
-            <a:r>
-              <a:rPr lang="zh-CN" altLang="en-US" sz="2400" dirty="0" smtClean="0">
-                <a:latin typeface="Calibri (正文)"/>
-              </a:rPr>
-              <a:t>位域</a:t>
-            </a:r>
-            <a:endParaRPr lang="en-US" altLang="zh-CN" sz="2400" dirty="0" smtClean="0">
-              <a:latin typeface="Calibri (正文)"/>
-            </a:endParaRPr>
-          </a:p>
-          <a:p>
+              <a:t>Functional </a:t>
+            </a:r>
             <a:r>
               <a:rPr lang="en-US" altLang="zh-CN" sz="2400" dirty="0" smtClean="0">
                 <a:latin typeface="Calibri (正文)"/>
               </a:rPr>
-              <a:t>LSU </a:t>
-            </a:r>
-            <a:r>
-              <a:rPr lang="en-US" altLang="zh-CN" sz="2400" dirty="0" err="1" smtClean="0">
-                <a:latin typeface="Calibri (正文)"/>
-              </a:rPr>
-              <a:t>Behaviour</a:t>
-            </a:r>
-            <a:endParaRPr lang="en-US" altLang="zh-CN" sz="2400" dirty="0" smtClean="0">
-              <a:latin typeface="Calibri (正文)"/>
-            </a:endParaRPr>
-          </a:p>
-          <a:p>
-            <a:r>
-              <a:rPr lang="en-US" altLang="zh-CN" sz="2400" dirty="0" smtClean="0">
-                <a:latin typeface="Calibri (正文)"/>
-              </a:rPr>
-              <a:t>TLB miss</a:t>
-            </a:r>
-            <a:r>
-              <a:rPr lang="zh-CN" altLang="en-US" sz="2400" dirty="0" smtClean="0">
-                <a:latin typeface="Calibri (正文)"/>
-              </a:rPr>
-              <a:t>？</a:t>
-            </a:r>
-            <a:endParaRPr lang="en-US" altLang="zh-CN" sz="2400" dirty="0" smtClean="0">
-              <a:latin typeface="Calibri (正文)"/>
-            </a:endParaRPr>
-          </a:p>
-          <a:p>
-            <a:r>
-              <a:rPr lang="en-US" altLang="zh-CN" sz="2400" dirty="0" smtClean="0">
-                <a:latin typeface="Calibri (正文)"/>
-              </a:rPr>
-              <a:t>Bypass</a:t>
-            </a:r>
-            <a:r>
-              <a:rPr lang="zh-CN" altLang="en-US" sz="2400" dirty="0" smtClean="0">
-                <a:latin typeface="Calibri (正文)"/>
-              </a:rPr>
-              <a:t>？</a:t>
-            </a:r>
-            <a:endParaRPr lang="en-US" altLang="zh-CN" sz="2400" dirty="0" smtClean="0">
-              <a:latin typeface="Calibri (正文)"/>
-            </a:endParaRPr>
-          </a:p>
-          <a:p>
-            <a:r>
-              <a:rPr lang="en-US" altLang="zh-CN" sz="2400" dirty="0" smtClean="0">
-                <a:latin typeface="Calibri (正文)"/>
-              </a:rPr>
-              <a:t>Memory </a:t>
-            </a:r>
-            <a:r>
-              <a:rPr lang="en-US" altLang="zh-CN" sz="2400" dirty="0" err="1" smtClean="0">
-                <a:latin typeface="Calibri (正文)"/>
-              </a:rPr>
-              <a:t>Modle</a:t>
-            </a:r>
-            <a:endParaRPr lang="en-US" altLang="zh-CN" sz="2400" dirty="0" smtClean="0">
-              <a:latin typeface="Calibri (正文)"/>
-            </a:endParaRPr>
-          </a:p>
-          <a:p>
-            <a:r>
-              <a:rPr lang="en-US" altLang="zh-CN" sz="2400" dirty="0" smtClean="0">
-                <a:latin typeface="Calibri (正文)"/>
-              </a:rPr>
-              <a:t>Memory System &amp; </a:t>
-            </a:r>
-            <a:r>
-              <a:rPr lang="en-US" altLang="zh-CN" sz="2400" smtClean="0">
-                <a:latin typeface="Calibri (正文)"/>
-              </a:rPr>
-              <a:t>DCache</a:t>
-            </a:r>
-            <a:r>
-              <a:rPr lang="en-US" altLang="zh-CN" sz="2400" dirty="0" smtClean="0">
-                <a:latin typeface="Calibri (正文)"/>
-              </a:rPr>
-              <a:t> Shim</a:t>
-            </a:r>
+              <a:t>Unit</a:t>
+            </a:r>
+          </a:p>
+          <a:p>
             <a:endParaRPr lang="zh-CN" altLang="en-US" sz="2400" dirty="0">
               <a:latin typeface="Calibri (正文)"/>
             </a:endParaRPr>
           </a:p>
         </p:txBody>
       </p:sp>
+      <p:pic>
+        <p:nvPicPr>
+          <p:cNvPr id="4" name="图片 3"/>
+          <p:cNvPicPr>
+            <a:picLocks noChangeAspect="1"/>
+          </p:cNvPicPr>
+          <p:nvPr/>
+        </p:nvPicPr>
+        <p:blipFill>
+          <a:blip r:embed="rId3"/>
+          <a:stretch>
+            <a:fillRect/>
+          </a:stretch>
+        </p:blipFill>
+        <p:spPr>
+          <a:xfrm>
+            <a:off x="1331640" y="1637978"/>
+            <a:ext cx="6696744" cy="4815357"/>
+          </a:xfrm>
+          <a:prstGeom prst="rect">
+            <a:avLst/>
+          </a:prstGeom>
+        </p:spPr>
+      </p:pic>
     </p:spTree>
     <p:extLst>
       <p:ext uri="{BB962C8B-B14F-4D97-AF65-F5344CB8AC3E}">
-        <p14:creationId xmlns:p14="http://schemas.microsoft.com/office/powerpoint/2010/main" val="2642976620"/>
+        <p14:creationId xmlns:p14="http://schemas.microsoft.com/office/powerpoint/2010/main" val="2726958003"/>
       </p:ext>
     </p:extLst>
   </p:cSld>
@@ -11570,6 +12492,1774 @@
           <a:lstStyle/>
           <a:p>
             <a:r>
+              <a:rPr lang="en-US" altLang="zh-CN" dirty="0"/>
+              <a:t>The Execute Pipeline</a:t>
+            </a:r>
+            <a:endParaRPr lang="zh-CN" altLang="en-US" dirty="0"/>
+          </a:p>
+        </p:txBody>
+      </p:sp>
+      <p:sp>
+        <p:nvSpPr>
+          <p:cNvPr id="3" name="内容占位符 2"/>
+          <p:cNvSpPr>
+            <a:spLocks noGrp="1"/>
+          </p:cNvSpPr>
+          <p:nvPr>
+            <p:ph idx="1"/>
+          </p:nvPr>
+        </p:nvSpPr>
+        <p:spPr/>
+        <p:txBody>
+          <a:bodyPr/>
+          <a:lstStyle/>
+          <a:p>
+            <a:r>
+              <a:rPr lang="en-US" altLang="zh-CN" sz="2400" dirty="0">
+                <a:latin typeface="Calibri (正文)"/>
+              </a:rPr>
+              <a:t>Branch Unit &amp; Branch </a:t>
+            </a:r>
+            <a:r>
+              <a:rPr lang="en-US" altLang="zh-CN" sz="2400" dirty="0" smtClean="0">
+                <a:latin typeface="Calibri (正文)"/>
+              </a:rPr>
+              <a:t>Speculation</a:t>
+            </a:r>
+          </a:p>
+          <a:p>
+            <a:pPr lvl="1"/>
+            <a:r>
+              <a:rPr lang="zh-CN" altLang="en-US" sz="2000" dirty="0" smtClean="0">
+                <a:latin typeface="Calibri (正文)"/>
+              </a:rPr>
+              <a:t>所有的转移指令在译码阶段获得一个</a:t>
+            </a:r>
+            <a:r>
+              <a:rPr lang="en-US" altLang="zh-CN" sz="2000" dirty="0" smtClean="0">
+                <a:latin typeface="Calibri (正文)"/>
+              </a:rPr>
+              <a:t>branch tag</a:t>
+            </a:r>
+            <a:endParaRPr lang="en-US" altLang="zh-CN" sz="2000" dirty="0">
+              <a:latin typeface="Calibri (正文)"/>
+            </a:endParaRPr>
+          </a:p>
+          <a:p>
+            <a:pPr lvl="1"/>
+            <a:r>
+              <a:rPr lang="zh-CN" altLang="en-US" sz="2000" dirty="0" smtClean="0">
+                <a:latin typeface="Calibri (正文)"/>
+              </a:rPr>
+              <a:t>所有的未提交指令维护一个</a:t>
+            </a:r>
+            <a:r>
+              <a:rPr lang="en-US" altLang="zh-CN" sz="2000" dirty="0" smtClean="0">
+                <a:latin typeface="Calibri (正文)"/>
+              </a:rPr>
+              <a:t>branch mask</a:t>
+            </a:r>
+            <a:r>
+              <a:rPr lang="zh-CN" altLang="en-US" sz="2000" dirty="0" smtClean="0">
+                <a:latin typeface="Calibri (正文)"/>
+              </a:rPr>
+              <a:t>，与</a:t>
+            </a:r>
+            <a:r>
+              <a:rPr lang="en-US" altLang="zh-CN" sz="2000" dirty="0" smtClean="0">
+                <a:latin typeface="Calibri (正文)"/>
+              </a:rPr>
+              <a:t>branch tag</a:t>
+            </a:r>
+            <a:r>
+              <a:rPr lang="zh-CN" altLang="en-US" sz="2000" dirty="0" smtClean="0">
+                <a:latin typeface="Calibri (正文)"/>
+              </a:rPr>
+              <a:t>对应，表明自己对应哪一个预测分支</a:t>
+            </a:r>
+            <a:endParaRPr lang="en-US" altLang="zh-CN" sz="2000" dirty="0" smtClean="0">
+              <a:latin typeface="Calibri (正文)"/>
+            </a:endParaRPr>
+          </a:p>
+          <a:p>
+            <a:pPr lvl="1"/>
+            <a:r>
+              <a:rPr lang="zh-CN" altLang="en-US" sz="2000" dirty="0" smtClean="0">
+                <a:latin typeface="Calibri (正文)"/>
+              </a:rPr>
+              <a:t>预测正确，</a:t>
+            </a:r>
+            <a:r>
+              <a:rPr lang="en-US" altLang="zh-CN" sz="2000" dirty="0" smtClean="0">
+                <a:latin typeface="Calibri (正文)"/>
+              </a:rPr>
+              <a:t>branch unit</a:t>
+            </a:r>
+            <a:r>
+              <a:rPr lang="zh-CN" altLang="en-US" sz="2000" dirty="0" smtClean="0">
+                <a:latin typeface="Calibri (正文)"/>
+              </a:rPr>
+              <a:t>广播</a:t>
+            </a:r>
+            <a:r>
+              <a:rPr lang="en-US" altLang="zh-CN" sz="2000" dirty="0" smtClean="0">
+                <a:latin typeface="Calibri (正文)"/>
+              </a:rPr>
+              <a:t>branch tag</a:t>
+            </a:r>
+            <a:r>
+              <a:rPr lang="zh-CN" altLang="en-US" sz="2000" dirty="0" smtClean="0">
+                <a:latin typeface="Calibri (正文)"/>
+              </a:rPr>
+              <a:t>，所有对应的微指令清除自己的</a:t>
+            </a:r>
+            <a:r>
+              <a:rPr lang="en-US" altLang="zh-CN" sz="2000" dirty="0" smtClean="0">
+                <a:latin typeface="Calibri (正文)"/>
+              </a:rPr>
+              <a:t>branch mask</a:t>
+            </a:r>
+          </a:p>
+          <a:p>
+            <a:pPr lvl="1"/>
+            <a:r>
+              <a:rPr lang="zh-CN" altLang="en-US" sz="2000" dirty="0" smtClean="0">
+                <a:latin typeface="Calibri (正文)"/>
+              </a:rPr>
+              <a:t>预测错误，</a:t>
+            </a:r>
+            <a:r>
+              <a:rPr lang="en-US" altLang="zh-CN" sz="2000" dirty="0" smtClean="0">
+                <a:latin typeface="Calibri (正文)"/>
+              </a:rPr>
+              <a:t>kill</a:t>
+            </a:r>
+            <a:r>
+              <a:rPr lang="zh-CN" altLang="en-US" sz="2000" dirty="0" smtClean="0">
+                <a:latin typeface="Calibri (正文)"/>
+              </a:rPr>
+              <a:t>所有的对应微指令，修改</a:t>
+            </a:r>
+            <a:r>
+              <a:rPr lang="en-US" altLang="zh-CN" sz="2000" dirty="0" smtClean="0">
+                <a:latin typeface="Calibri (正文)"/>
+              </a:rPr>
+              <a:t>PC</a:t>
+            </a:r>
+            <a:r>
+              <a:rPr lang="zh-CN" altLang="en-US" sz="2000" dirty="0" smtClean="0">
+                <a:latin typeface="Calibri (正文)"/>
+              </a:rPr>
+              <a:t>，清除前端和</a:t>
+            </a:r>
+            <a:r>
+              <a:rPr lang="en-US" altLang="zh-CN" sz="2000" dirty="0" smtClean="0">
+                <a:latin typeface="Calibri (正文)"/>
+              </a:rPr>
+              <a:t>fetch buffer</a:t>
+            </a:r>
+          </a:p>
+          <a:p>
+            <a:pPr lvl="1"/>
+            <a:r>
+              <a:rPr lang="zh-CN" altLang="en-US" sz="2000" dirty="0" smtClean="0">
+                <a:latin typeface="Calibri (正文)"/>
+              </a:rPr>
+              <a:t>目前</a:t>
+            </a:r>
+            <a:r>
+              <a:rPr lang="en-US" altLang="zh-CN" sz="2000" dirty="0" smtClean="0">
+                <a:latin typeface="Calibri (正文)"/>
+              </a:rPr>
+              <a:t>BOOM</a:t>
+            </a:r>
+            <a:r>
+              <a:rPr lang="zh-CN" altLang="en-US" sz="2000" dirty="0" smtClean="0">
+                <a:latin typeface="Calibri (正文)"/>
+              </a:rPr>
+              <a:t>只支持一个</a:t>
+            </a:r>
+            <a:r>
+              <a:rPr lang="en-US" altLang="zh-CN" sz="2000" dirty="0" smtClean="0">
+                <a:latin typeface="Calibri (正文)"/>
+              </a:rPr>
+              <a:t>branch unit</a:t>
+            </a:r>
+            <a:endParaRPr lang="zh-CN" altLang="en-US" sz="2000" dirty="0">
+              <a:latin typeface="Calibri (正文)"/>
+            </a:endParaRPr>
+          </a:p>
+        </p:txBody>
+      </p:sp>
+    </p:spTree>
+    <p:extLst>
+      <p:ext uri="{BB962C8B-B14F-4D97-AF65-F5344CB8AC3E}">
+        <p14:creationId xmlns:p14="http://schemas.microsoft.com/office/powerpoint/2010/main" val="421067731"/>
+      </p:ext>
+    </p:extLst>
+  </p:cSld>
+  <p:clrMapOvr>
+    <a:masterClrMapping/>
+  </p:clrMapOvr>
+</p:sld>
+</file>
+
+<file path=ppt/slides/slide27.xml><?xml version="1.0" encoding="utf-8"?>
+<p:sld xmlns:a="http://schemas.openxmlformats.org/drawingml/2006/main" xmlns:r="http://schemas.openxmlformats.org/officeDocument/2006/relationships" xmlns:p="http://schemas.openxmlformats.org/presentationml/2006/main">
+  <p:cSld>
+    <p:spTree>
+      <p:nvGrpSpPr>
+        <p:cNvPr id="1" name=""/>
+        <p:cNvGrpSpPr/>
+        <p:nvPr/>
+      </p:nvGrpSpPr>
+      <p:grpSpPr>
+        <a:xfrm>
+          <a:off x="0" y="0"/>
+          <a:ext cx="0" cy="0"/>
+          <a:chOff x="0" y="0"/>
+          <a:chExt cx="0" cy="0"/>
+        </a:xfrm>
+      </p:grpSpPr>
+      <p:sp>
+        <p:nvSpPr>
+          <p:cNvPr id="2" name="标题 1"/>
+          <p:cNvSpPr>
+            <a:spLocks noGrp="1"/>
+          </p:cNvSpPr>
+          <p:nvPr>
+            <p:ph type="title"/>
+          </p:nvPr>
+        </p:nvSpPr>
+        <p:spPr/>
+        <p:txBody>
+          <a:bodyPr/>
+          <a:lstStyle/>
+          <a:p>
+            <a:r>
+              <a:rPr lang="zh-CN" altLang="en-US" dirty="0" smtClean="0"/>
+              <a:t>主要内容</a:t>
+            </a:r>
+            <a:endParaRPr lang="zh-CN" altLang="en-US" dirty="0"/>
+          </a:p>
+        </p:txBody>
+      </p:sp>
+      <p:sp>
+        <p:nvSpPr>
+          <p:cNvPr id="3" name="内容占位符 2"/>
+          <p:cNvSpPr>
+            <a:spLocks noGrp="1"/>
+          </p:cNvSpPr>
+          <p:nvPr>
+            <p:ph idx="1"/>
+          </p:nvPr>
+        </p:nvSpPr>
+        <p:spPr/>
+        <p:txBody>
+          <a:bodyPr/>
+          <a:lstStyle/>
+          <a:p>
+            <a:r>
+              <a:rPr lang="en-US" altLang="zh-CN" sz="2400" dirty="0" smtClean="0"/>
+              <a:t>Introduction &amp; Overview</a:t>
+            </a:r>
+          </a:p>
+          <a:p>
+            <a:r>
+              <a:rPr lang="en-US" altLang="zh-CN" sz="2400" dirty="0" smtClean="0"/>
+              <a:t>Instruction Fetch</a:t>
+            </a:r>
+            <a:endParaRPr lang="zh-CN" altLang="en-US" sz="2400" dirty="0"/>
+          </a:p>
+          <a:p>
+            <a:r>
+              <a:rPr lang="en-US" altLang="zh-CN" sz="2400" dirty="0"/>
+              <a:t>Unified Physical Register </a:t>
+            </a:r>
+            <a:r>
+              <a:rPr lang="en-US" altLang="zh-CN" sz="2400" dirty="0" smtClean="0"/>
+              <a:t>File</a:t>
+            </a:r>
+          </a:p>
+          <a:p>
+            <a:r>
+              <a:rPr lang="en-US" altLang="zh-CN" sz="2400" dirty="0" smtClean="0"/>
+              <a:t>The Decode Stage</a:t>
+            </a:r>
+          </a:p>
+          <a:p>
+            <a:r>
+              <a:rPr lang="en-US" altLang="zh-CN" sz="2400" dirty="0" smtClean="0"/>
+              <a:t>The Rename Stage</a:t>
+            </a:r>
+          </a:p>
+          <a:p>
+            <a:r>
+              <a:rPr lang="en-US" altLang="zh-CN" sz="2400" dirty="0" smtClean="0"/>
+              <a:t>ROB &amp; The Dispatch Stage </a:t>
+            </a:r>
+          </a:p>
+          <a:p>
+            <a:r>
+              <a:rPr lang="en-US" altLang="zh-CN" sz="2400" dirty="0" smtClean="0"/>
+              <a:t>The Issue Unit</a:t>
+            </a:r>
+          </a:p>
+          <a:p>
+            <a:r>
+              <a:rPr lang="en-US" altLang="zh-CN" sz="2400" dirty="0" smtClean="0"/>
+              <a:t>The Register File and Bypass</a:t>
+            </a:r>
+          </a:p>
+          <a:p>
+            <a:r>
+              <a:rPr lang="en-US" altLang="zh-CN" sz="2400" dirty="0" smtClean="0"/>
+              <a:t>The Execute Pipeline</a:t>
+            </a:r>
+          </a:p>
+          <a:p>
+            <a:r>
+              <a:rPr lang="en-US" altLang="zh-CN" sz="2400" dirty="0" smtClean="0">
+                <a:solidFill>
+                  <a:srgbClr val="FF0000"/>
+                </a:solidFill>
+              </a:rPr>
+              <a:t>The Load/Store Unit</a:t>
+            </a:r>
+          </a:p>
+          <a:p>
+            <a:r>
+              <a:rPr lang="zh-CN" altLang="en-US" sz="2400" dirty="0"/>
+              <a:t>后期工作</a:t>
+            </a:r>
+            <a:r>
+              <a:rPr lang="zh-CN" altLang="en-US" sz="2400" dirty="0" smtClean="0"/>
+              <a:t>安排</a:t>
+            </a:r>
+            <a:endParaRPr lang="en-US" altLang="zh-CN" sz="2400" dirty="0"/>
+          </a:p>
+        </p:txBody>
+      </p:sp>
+    </p:spTree>
+    <p:extLst>
+      <p:ext uri="{BB962C8B-B14F-4D97-AF65-F5344CB8AC3E}">
+        <p14:creationId xmlns:p14="http://schemas.microsoft.com/office/powerpoint/2010/main" val="457773908"/>
+      </p:ext>
+    </p:extLst>
+  </p:cSld>
+  <p:clrMapOvr>
+    <a:masterClrMapping/>
+  </p:clrMapOvr>
+  <p:timing>
+    <p:tnLst>
+      <p:par>
+        <p:cTn id="1" dur="indefinite" restart="never" nodeType="tmRoot"/>
+      </p:par>
+    </p:tnLst>
+  </p:timing>
+</p:sld>
+</file>
+
+<file path=ppt/slides/slide28.xml><?xml version="1.0" encoding="utf-8"?>
+<p:sld xmlns:a="http://schemas.openxmlformats.org/drawingml/2006/main" xmlns:r="http://schemas.openxmlformats.org/officeDocument/2006/relationships" xmlns:p="http://schemas.openxmlformats.org/presentationml/2006/main">
+  <p:cSld>
+    <p:spTree>
+      <p:nvGrpSpPr>
+        <p:cNvPr id="1" name=""/>
+        <p:cNvGrpSpPr/>
+        <p:nvPr/>
+      </p:nvGrpSpPr>
+      <p:grpSpPr>
+        <a:xfrm>
+          <a:off x="0" y="0"/>
+          <a:ext cx="0" cy="0"/>
+          <a:chOff x="0" y="0"/>
+          <a:chExt cx="0" cy="0"/>
+        </a:xfrm>
+      </p:grpSpPr>
+      <p:sp>
+        <p:nvSpPr>
+          <p:cNvPr id="2" name="标题 1"/>
+          <p:cNvSpPr>
+            <a:spLocks noGrp="1"/>
+          </p:cNvSpPr>
+          <p:nvPr>
+            <p:ph type="title"/>
+          </p:nvPr>
+        </p:nvSpPr>
+        <p:spPr/>
+        <p:txBody>
+          <a:bodyPr/>
+          <a:lstStyle/>
+          <a:p>
+            <a:r>
+              <a:rPr lang="en-US" altLang="zh-CN" dirty="0"/>
+              <a:t>The Load/Store </a:t>
+            </a:r>
+            <a:r>
+              <a:rPr lang="en-US" altLang="zh-CN" dirty="0" smtClean="0"/>
+              <a:t>Unit</a:t>
+            </a:r>
+            <a:endParaRPr lang="zh-CN" altLang="en-US" dirty="0"/>
+          </a:p>
+        </p:txBody>
+      </p:sp>
+      <p:sp>
+        <p:nvSpPr>
+          <p:cNvPr id="3" name="内容占位符 2"/>
+          <p:cNvSpPr>
+            <a:spLocks noGrp="1"/>
+          </p:cNvSpPr>
+          <p:nvPr>
+            <p:ph idx="1"/>
+          </p:nvPr>
+        </p:nvSpPr>
+        <p:spPr/>
+        <p:txBody>
+          <a:bodyPr/>
+          <a:lstStyle/>
+          <a:p>
+            <a:r>
+              <a:rPr lang="zh-CN" altLang="en-US" sz="2400" dirty="0" smtClean="0">
+                <a:latin typeface="Calibri (正文)"/>
+              </a:rPr>
+              <a:t>三个</a:t>
+            </a:r>
+            <a:r>
+              <a:rPr lang="zh-CN" altLang="en-US" sz="2400" dirty="0" smtClean="0">
+                <a:latin typeface="Calibri (正文)"/>
+              </a:rPr>
+              <a:t>队列</a:t>
+            </a:r>
+            <a:endParaRPr lang="en-US" altLang="zh-CN" sz="2400" dirty="0" smtClean="0">
+              <a:latin typeface="Calibri (正文)"/>
+            </a:endParaRPr>
+          </a:p>
+          <a:p>
+            <a:pPr lvl="1"/>
+            <a:r>
+              <a:rPr lang="en-US" altLang="zh-CN" sz="2000" dirty="0" smtClean="0">
+                <a:latin typeface="Calibri (正文)"/>
+              </a:rPr>
+              <a:t>Load Address Queue (LAQ), Store Address Queue (SAQ), Store Data Queue (SDQ)</a:t>
+            </a:r>
+          </a:p>
+          <a:p>
+            <a:pPr lvl="1"/>
+            <a:r>
+              <a:rPr lang="en-US" altLang="zh-CN" sz="2000" dirty="0" smtClean="0">
+                <a:latin typeface="Calibri (正文)"/>
+              </a:rPr>
+              <a:t>Load</a:t>
+            </a:r>
+            <a:r>
+              <a:rPr lang="zh-CN" altLang="en-US" sz="2000" dirty="0" smtClean="0">
+                <a:latin typeface="Calibri (正文)"/>
+              </a:rPr>
+              <a:t>指令产生</a:t>
+            </a:r>
+            <a:r>
+              <a:rPr lang="en-US" altLang="zh-CN" sz="2000" dirty="0" err="1" smtClean="0">
+                <a:latin typeface="Calibri (正文)"/>
+              </a:rPr>
+              <a:t>uopLD</a:t>
+            </a:r>
+            <a:r>
+              <a:rPr lang="zh-CN" altLang="en-US" sz="2000" dirty="0" smtClean="0">
+                <a:latin typeface="Calibri (正文)"/>
+              </a:rPr>
+              <a:t>微指令，计算地址并存入</a:t>
+            </a:r>
+            <a:r>
+              <a:rPr lang="en-US" altLang="zh-CN" sz="2000" dirty="0" smtClean="0">
+                <a:latin typeface="Calibri (正文)"/>
+              </a:rPr>
+              <a:t>LAQ</a:t>
+            </a:r>
+          </a:p>
+          <a:p>
+            <a:pPr lvl="1"/>
+            <a:r>
+              <a:rPr lang="en-US" altLang="zh-CN" sz="2000" dirty="0" smtClean="0">
+                <a:latin typeface="Calibri (正文)"/>
+              </a:rPr>
+              <a:t>Store</a:t>
+            </a:r>
+            <a:r>
+              <a:rPr lang="zh-CN" altLang="en-US" sz="2000" dirty="0" smtClean="0">
+                <a:latin typeface="Calibri (正文)"/>
+              </a:rPr>
+              <a:t>指令产生两个微指令</a:t>
+            </a:r>
+            <a:r>
+              <a:rPr lang="zh-CN" altLang="en-US" sz="2000" dirty="0">
+                <a:latin typeface="Calibri (正文)"/>
+              </a:rPr>
+              <a:t>，</a:t>
+            </a:r>
+            <a:r>
+              <a:rPr lang="en-US" altLang="zh-CN" sz="2000" dirty="0" err="1" smtClean="0">
+                <a:latin typeface="Calibri (正文)"/>
+              </a:rPr>
+              <a:t>uopSTA</a:t>
+            </a:r>
+            <a:r>
+              <a:rPr lang="zh-CN" altLang="en-US" sz="2000" dirty="0" smtClean="0">
+                <a:latin typeface="Calibri (正文)"/>
+              </a:rPr>
+              <a:t>计算地址存入</a:t>
+            </a:r>
+            <a:r>
+              <a:rPr lang="en-US" altLang="zh-CN" sz="2000" dirty="0" smtClean="0">
+                <a:latin typeface="Calibri (正文)"/>
+              </a:rPr>
+              <a:t>SAQ</a:t>
+            </a:r>
+            <a:r>
+              <a:rPr lang="zh-CN" altLang="en-US" sz="2000" dirty="0" smtClean="0">
+                <a:latin typeface="Calibri (正文)"/>
+              </a:rPr>
+              <a:t>，</a:t>
+            </a:r>
+            <a:r>
+              <a:rPr lang="en-US" altLang="zh-CN" sz="2000" dirty="0" err="1" smtClean="0">
+                <a:latin typeface="Calibri (正文)"/>
+              </a:rPr>
+              <a:t>uopSTD</a:t>
+            </a:r>
+            <a:r>
+              <a:rPr lang="zh-CN" altLang="en-US" sz="2000" dirty="0" smtClean="0">
+                <a:latin typeface="Calibri (正文)"/>
+              </a:rPr>
+              <a:t>把数据存入</a:t>
+            </a:r>
+            <a:r>
+              <a:rPr lang="en-US" altLang="zh-CN" sz="2000" dirty="0" smtClean="0">
+                <a:latin typeface="Calibri (正文)"/>
+              </a:rPr>
+              <a:t>SDQ</a:t>
+            </a:r>
+            <a:r>
+              <a:rPr lang="zh-CN" altLang="en-US" sz="2000" dirty="0" smtClean="0">
+                <a:latin typeface="Calibri (正文)"/>
+              </a:rPr>
+              <a:t>，两个微指令可能不同时发射</a:t>
+            </a:r>
+            <a:endParaRPr lang="en-US" altLang="zh-CN" sz="2000" dirty="0" smtClean="0">
+              <a:latin typeface="Calibri (正文)"/>
+            </a:endParaRPr>
+          </a:p>
+          <a:p>
+            <a:r>
+              <a:rPr lang="en-US" altLang="zh-CN" sz="2400" dirty="0" smtClean="0">
+                <a:latin typeface="Calibri (正文)"/>
+              </a:rPr>
+              <a:t>Memory Model</a:t>
+            </a:r>
+          </a:p>
+          <a:p>
+            <a:pPr lvl="1"/>
+            <a:r>
+              <a:rPr lang="en-US" altLang="zh-CN" sz="2000" dirty="0" smtClean="0">
+                <a:latin typeface="Calibri (正文)"/>
+              </a:rPr>
+              <a:t>Write-Read constraint is relaxed (newer loads may execute before older stores)</a:t>
+            </a:r>
+          </a:p>
+          <a:p>
+            <a:pPr lvl="1"/>
+            <a:r>
+              <a:rPr lang="en-US" altLang="zh-CN" sz="2000" dirty="0" smtClean="0">
+                <a:latin typeface="Calibri (正文)"/>
+              </a:rPr>
+              <a:t>Read-Read constraint is currently relaxed (loads to the same address may be reordered)</a:t>
+            </a:r>
+          </a:p>
+          <a:p>
+            <a:pPr lvl="1"/>
+            <a:r>
+              <a:rPr lang="en-US" altLang="zh-CN" sz="2000" dirty="0" smtClean="0">
+                <a:latin typeface="Calibri (正文)"/>
+              </a:rPr>
+              <a:t>A thread can read its own writes early</a:t>
+            </a:r>
+          </a:p>
+        </p:txBody>
+      </p:sp>
+    </p:spTree>
+    <p:extLst>
+      <p:ext uri="{BB962C8B-B14F-4D97-AF65-F5344CB8AC3E}">
+        <p14:creationId xmlns:p14="http://schemas.microsoft.com/office/powerpoint/2010/main" val="2642976620"/>
+      </p:ext>
+    </p:extLst>
+  </p:cSld>
+  <p:clrMapOvr>
+    <a:masterClrMapping/>
+  </p:clrMapOvr>
+</p:sld>
+</file>
+
+<file path=ppt/slides/slide29.xml><?xml version="1.0" encoding="utf-8"?>
+<p:sld xmlns:a="http://schemas.openxmlformats.org/drawingml/2006/main" xmlns:r="http://schemas.openxmlformats.org/officeDocument/2006/relationships" xmlns:p="http://schemas.openxmlformats.org/presentationml/2006/main">
+  <p:cSld>
+    <p:spTree>
+      <p:nvGrpSpPr>
+        <p:cNvPr id="1" name=""/>
+        <p:cNvGrpSpPr/>
+        <p:nvPr/>
+      </p:nvGrpSpPr>
+      <p:grpSpPr>
+        <a:xfrm>
+          <a:off x="0" y="0"/>
+          <a:ext cx="0" cy="0"/>
+          <a:chOff x="0" y="0"/>
+          <a:chExt cx="0" cy="0"/>
+        </a:xfrm>
+      </p:grpSpPr>
+      <p:sp>
+        <p:nvSpPr>
+          <p:cNvPr id="2" name="标题 1"/>
+          <p:cNvSpPr>
+            <a:spLocks noGrp="1"/>
+          </p:cNvSpPr>
+          <p:nvPr>
+            <p:ph type="title"/>
+          </p:nvPr>
+        </p:nvSpPr>
+        <p:spPr/>
+        <p:txBody>
+          <a:bodyPr/>
+          <a:lstStyle/>
+          <a:p>
+            <a:r>
+              <a:rPr lang="en-US" altLang="zh-CN" dirty="0"/>
+              <a:t>The Load/Store </a:t>
+            </a:r>
+            <a:r>
+              <a:rPr lang="en-US" altLang="zh-CN" dirty="0" smtClean="0"/>
+              <a:t>Unit</a:t>
+            </a:r>
+            <a:endParaRPr lang="zh-CN" altLang="en-US" dirty="0"/>
+          </a:p>
+        </p:txBody>
+      </p:sp>
+      <p:sp>
+        <p:nvSpPr>
+          <p:cNvPr id="3" name="内容占位符 2"/>
+          <p:cNvSpPr>
+            <a:spLocks noGrp="1"/>
+          </p:cNvSpPr>
+          <p:nvPr>
+            <p:ph idx="1"/>
+          </p:nvPr>
+        </p:nvSpPr>
+        <p:spPr/>
+        <p:txBody>
+          <a:bodyPr/>
+          <a:lstStyle/>
+          <a:p>
+            <a:r>
+              <a:rPr lang="en-US" altLang="zh-CN" sz="2400" dirty="0" smtClean="0">
+                <a:latin typeface="Calibri (正文)"/>
+              </a:rPr>
+              <a:t>Memory Ordering Failures</a:t>
+            </a:r>
+          </a:p>
+          <a:p>
+            <a:pPr lvl="1"/>
+            <a:r>
+              <a:rPr lang="zh-CN" altLang="en-US" sz="2000" dirty="0" smtClean="0">
+                <a:latin typeface="Calibri (正文)"/>
+              </a:rPr>
+              <a:t>从性能方面考虑，</a:t>
+            </a:r>
+            <a:r>
+              <a:rPr lang="en-US" altLang="zh-CN" sz="2000" dirty="0" smtClean="0">
+                <a:latin typeface="Calibri (正文)"/>
+              </a:rPr>
+              <a:t>load</a:t>
+            </a:r>
+            <a:r>
+              <a:rPr lang="zh-CN" altLang="en-US" sz="2000" dirty="0" smtClean="0">
+                <a:latin typeface="Calibri (正文)"/>
+              </a:rPr>
+              <a:t>指令需要尽快发往内存</a:t>
+            </a:r>
+            <a:endParaRPr lang="en-US" altLang="zh-CN" sz="2000" dirty="0" smtClean="0">
+              <a:latin typeface="Calibri (正文)"/>
+            </a:endParaRPr>
+          </a:p>
+          <a:p>
+            <a:pPr lvl="1"/>
+            <a:r>
+              <a:rPr lang="zh-CN" altLang="en-US" sz="2000" dirty="0" smtClean="0">
+                <a:latin typeface="Calibri (正文)"/>
+              </a:rPr>
+              <a:t>考虑以下场景</a:t>
+            </a:r>
+            <a:endParaRPr lang="en-US" altLang="zh-CN" sz="2000" dirty="0" smtClean="0">
+              <a:latin typeface="Calibri (正文)"/>
+            </a:endParaRPr>
+          </a:p>
+          <a:p>
+            <a:pPr marL="457200" lvl="1" indent="0">
+              <a:buNone/>
+            </a:pPr>
+            <a:r>
+              <a:rPr lang="en-US" altLang="zh-CN" sz="2000" dirty="0">
+                <a:latin typeface="Calibri (正文)"/>
+              </a:rPr>
+              <a:t>	</a:t>
+            </a:r>
+            <a:r>
+              <a:rPr lang="en-US" altLang="zh-CN" sz="2000" dirty="0" err="1" smtClean="0">
+                <a:latin typeface="Calibri (正文)"/>
+              </a:rPr>
+              <a:t>s</a:t>
+            </a:r>
+            <a:r>
+              <a:rPr lang="en-US" altLang="zh-CN" sz="2000" dirty="0" err="1" smtClean="0">
+                <a:latin typeface="Calibri (正文)"/>
+              </a:rPr>
+              <a:t>w</a:t>
+            </a:r>
+            <a:r>
+              <a:rPr lang="en-US" altLang="zh-CN" sz="2000" dirty="0" smtClean="0">
+                <a:latin typeface="Calibri (正文)"/>
+              </a:rPr>
+              <a:t> x1 </a:t>
+            </a:r>
+            <a:r>
+              <a:rPr lang="zh-CN" altLang="en-US" sz="2000" dirty="0" smtClean="0">
+                <a:latin typeface="Calibri (正文)"/>
+              </a:rPr>
+              <a:t>→ </a:t>
+            </a:r>
+            <a:r>
+              <a:rPr lang="en-US" altLang="zh-CN" sz="2000" dirty="0" smtClean="0">
+                <a:latin typeface="Calibri (正文)"/>
+              </a:rPr>
+              <a:t>0(x2)</a:t>
+            </a:r>
+          </a:p>
+          <a:p>
+            <a:pPr marL="457200" lvl="1" indent="0">
+              <a:buNone/>
+            </a:pPr>
+            <a:r>
+              <a:rPr lang="en-US" altLang="zh-CN" sz="2000" dirty="0" smtClean="0">
+                <a:latin typeface="Calibri (正文)"/>
+              </a:rPr>
+              <a:t>	</a:t>
+            </a:r>
+            <a:r>
+              <a:rPr lang="en-US" altLang="zh-CN" sz="2000" dirty="0" err="1" smtClean="0">
+                <a:latin typeface="Calibri (正文)"/>
+              </a:rPr>
+              <a:t>ld</a:t>
+            </a:r>
+            <a:r>
+              <a:rPr lang="en-US" altLang="zh-CN" sz="2000" dirty="0" smtClean="0">
+                <a:latin typeface="Calibri (正文)"/>
+              </a:rPr>
+              <a:t> x3 </a:t>
+            </a:r>
+            <a:r>
+              <a:rPr lang="zh-CN" altLang="en-US" sz="2000" dirty="0" smtClean="0">
+                <a:latin typeface="Calibri (正文)"/>
+              </a:rPr>
+              <a:t>← </a:t>
+            </a:r>
+            <a:r>
+              <a:rPr lang="en-US" altLang="zh-CN" sz="2000" dirty="0" smtClean="0">
+                <a:latin typeface="Calibri (正文)"/>
+              </a:rPr>
+              <a:t>0(x4)</a:t>
+            </a:r>
+            <a:endParaRPr lang="en-US" altLang="zh-CN" sz="2000" dirty="0">
+              <a:latin typeface="Calibri (正文)"/>
+            </a:endParaRPr>
+          </a:p>
+          <a:p>
+            <a:pPr marL="457200" lvl="1" indent="0">
+              <a:buNone/>
+            </a:pPr>
+            <a:r>
+              <a:rPr lang="en-US" altLang="zh-CN" sz="2000" dirty="0">
+                <a:latin typeface="Calibri (正文)"/>
+              </a:rPr>
+              <a:t> </a:t>
+            </a:r>
+            <a:r>
+              <a:rPr lang="en-US" altLang="zh-CN" sz="2000" dirty="0" smtClean="0">
+                <a:latin typeface="Calibri (正文)"/>
+              </a:rPr>
+              <a:t> x2</a:t>
+            </a:r>
+            <a:r>
+              <a:rPr lang="zh-CN" altLang="en-US" sz="2000" dirty="0" smtClean="0">
+                <a:latin typeface="Calibri (正文)"/>
+              </a:rPr>
+              <a:t>与</a:t>
+            </a:r>
+            <a:r>
+              <a:rPr lang="en-US" altLang="zh-CN" sz="2000" dirty="0" smtClean="0">
+                <a:latin typeface="Calibri (正文)"/>
+              </a:rPr>
+              <a:t>x4</a:t>
+            </a:r>
+            <a:r>
+              <a:rPr lang="zh-CN" altLang="en-US" sz="2000" dirty="0" smtClean="0">
+                <a:latin typeface="Calibri (正文)"/>
+              </a:rPr>
+              <a:t>指向同一个内存地址，</a:t>
+            </a:r>
+            <a:r>
+              <a:rPr lang="en-US" altLang="zh-CN" sz="2000" dirty="0" smtClean="0">
+                <a:latin typeface="Calibri (正文)"/>
+              </a:rPr>
+              <a:t>load</a:t>
+            </a:r>
+            <a:r>
+              <a:rPr lang="zh-CN" altLang="en-US" sz="2000" dirty="0" smtClean="0">
+                <a:latin typeface="Calibri (正文)"/>
+              </a:rPr>
+              <a:t>比</a:t>
+            </a:r>
+            <a:r>
+              <a:rPr lang="en-US" altLang="zh-CN" sz="2000" dirty="0" smtClean="0">
+                <a:latin typeface="Calibri (正文)"/>
+              </a:rPr>
+              <a:t>store</a:t>
+            </a:r>
+            <a:r>
+              <a:rPr lang="zh-CN" altLang="en-US" sz="2000" dirty="0">
+                <a:latin typeface="Calibri (正文)"/>
+              </a:rPr>
+              <a:t>更</a:t>
+            </a:r>
+            <a:r>
+              <a:rPr lang="zh-CN" altLang="en-US" sz="2000" dirty="0" smtClean="0">
+                <a:latin typeface="Calibri (正文)"/>
+              </a:rPr>
+              <a:t>早发射到内存</a:t>
+            </a:r>
+            <a:endParaRPr lang="en-US" altLang="zh-CN" sz="2000" dirty="0">
+              <a:latin typeface="Calibri (正文)"/>
+            </a:endParaRPr>
+          </a:p>
+          <a:p>
+            <a:pPr lvl="1"/>
+            <a:r>
+              <a:rPr lang="zh-CN" altLang="en-US" sz="2000" dirty="0">
+                <a:latin typeface="Calibri (正文)"/>
+              </a:rPr>
+              <a:t>为了发现这种错误</a:t>
+            </a:r>
+            <a:r>
+              <a:rPr lang="zh-CN" altLang="en-US" sz="2000" dirty="0" smtClean="0">
+                <a:latin typeface="Calibri (正文)"/>
+              </a:rPr>
+              <a:t>，</a:t>
+            </a:r>
+            <a:r>
+              <a:rPr lang="en-US" altLang="zh-CN" sz="2000" dirty="0" smtClean="0">
+                <a:latin typeface="Calibri (正文)"/>
+              </a:rPr>
+              <a:t>store</a:t>
+            </a:r>
+            <a:r>
+              <a:rPr lang="zh-CN" altLang="en-US" sz="2000" dirty="0" smtClean="0">
+                <a:latin typeface="Calibri (正文)"/>
+              </a:rPr>
+              <a:t>指令发射到</a:t>
+            </a:r>
+            <a:r>
+              <a:rPr lang="en-US" altLang="zh-CN" sz="2000" dirty="0" smtClean="0">
+                <a:latin typeface="Calibri (正文)"/>
+              </a:rPr>
+              <a:t>LSU</a:t>
+            </a:r>
+            <a:r>
+              <a:rPr lang="zh-CN" altLang="en-US" sz="2000" dirty="0" smtClean="0">
+                <a:latin typeface="Calibri (正文)"/>
+              </a:rPr>
+              <a:t>时，需要检查整个</a:t>
+            </a:r>
+            <a:r>
+              <a:rPr lang="en-US" altLang="zh-CN" sz="2000" dirty="0" smtClean="0">
+                <a:latin typeface="Calibri (正文)"/>
+              </a:rPr>
+              <a:t>LAQ</a:t>
+            </a:r>
+            <a:r>
+              <a:rPr lang="zh-CN" altLang="en-US" sz="2000" dirty="0" smtClean="0">
+                <a:latin typeface="Calibri (正文)"/>
+              </a:rPr>
+              <a:t>中是否有匹配地址，如果有已经被执行，并且获得了数据的</a:t>
+            </a:r>
+            <a:r>
+              <a:rPr lang="en-US" altLang="zh-CN" sz="2000" dirty="0" smtClean="0">
+                <a:latin typeface="Calibri (正文)"/>
+              </a:rPr>
+              <a:t>load</a:t>
+            </a:r>
+            <a:r>
+              <a:rPr lang="zh-CN" altLang="en-US" sz="2000" dirty="0" smtClean="0">
+                <a:latin typeface="Calibri (正文)"/>
+              </a:rPr>
+              <a:t>，那么发生了</a:t>
+            </a:r>
+            <a:r>
+              <a:rPr lang="en-US" altLang="zh-CN" sz="2000" dirty="0" smtClean="0">
+                <a:latin typeface="Calibri (正文)"/>
+              </a:rPr>
+              <a:t>memory ordering failure</a:t>
+            </a:r>
+          </a:p>
+          <a:p>
+            <a:pPr lvl="1"/>
+            <a:r>
+              <a:rPr lang="zh-CN" altLang="en-US" sz="2000" dirty="0" smtClean="0">
+                <a:latin typeface="Calibri (正文)"/>
+              </a:rPr>
+              <a:t>需要清空流水线，重置重命名映射表</a:t>
+            </a:r>
+            <a:endParaRPr lang="zh-CN" altLang="en-US" sz="2000" dirty="0">
+              <a:latin typeface="Calibri (正文)"/>
+            </a:endParaRPr>
+          </a:p>
+        </p:txBody>
+      </p:sp>
+    </p:spTree>
+    <p:extLst>
+      <p:ext uri="{BB962C8B-B14F-4D97-AF65-F5344CB8AC3E}">
+        <p14:creationId xmlns:p14="http://schemas.microsoft.com/office/powerpoint/2010/main" val="1042929135"/>
+      </p:ext>
+    </p:extLst>
+  </p:cSld>
+  <p:clrMapOvr>
+    <a:masterClrMapping/>
+  </p:clrMapOvr>
+</p:sld>
+</file>
+
+<file path=ppt/slides/slide3.xml><?xml version="1.0" encoding="utf-8"?>
+<p:sld xmlns:a="http://schemas.openxmlformats.org/drawingml/2006/main" xmlns:r="http://schemas.openxmlformats.org/officeDocument/2006/relationships" xmlns:p="http://schemas.openxmlformats.org/presentationml/2006/main">
+  <p:cSld>
+    <p:spTree>
+      <p:nvGrpSpPr>
+        <p:cNvPr id="1" name=""/>
+        <p:cNvGrpSpPr/>
+        <p:nvPr/>
+      </p:nvGrpSpPr>
+      <p:grpSpPr>
+        <a:xfrm>
+          <a:off x="0" y="0"/>
+          <a:ext cx="0" cy="0"/>
+          <a:chOff x="0" y="0"/>
+          <a:chExt cx="0" cy="0"/>
+        </a:xfrm>
+      </p:grpSpPr>
+      <p:sp>
+        <p:nvSpPr>
+          <p:cNvPr id="2" name="标题 1"/>
+          <p:cNvSpPr>
+            <a:spLocks noGrp="1"/>
+          </p:cNvSpPr>
+          <p:nvPr>
+            <p:ph type="title"/>
+          </p:nvPr>
+        </p:nvSpPr>
+        <p:spPr/>
+        <p:txBody>
+          <a:bodyPr/>
+          <a:lstStyle/>
+          <a:p>
+            <a:r>
+              <a:rPr lang="en-US" altLang="zh-CN" dirty="0"/>
+              <a:t>Introduction &amp; Overview</a:t>
+            </a:r>
+            <a:endParaRPr lang="zh-CN" altLang="en-US" dirty="0"/>
+          </a:p>
+        </p:txBody>
+      </p:sp>
+      <p:sp>
+        <p:nvSpPr>
+          <p:cNvPr id="3" name="内容占位符 2"/>
+          <p:cNvSpPr>
+            <a:spLocks noGrp="1"/>
+          </p:cNvSpPr>
+          <p:nvPr>
+            <p:ph idx="1"/>
+          </p:nvPr>
+        </p:nvSpPr>
+        <p:spPr/>
+        <p:txBody>
+          <a:bodyPr/>
+          <a:lstStyle/>
+          <a:p>
+            <a:r>
+              <a:rPr lang="en-US" altLang="zh-CN" sz="2400" dirty="0" smtClean="0">
+                <a:latin typeface="Calibri (正文)"/>
+              </a:rPr>
+              <a:t>A unified </a:t>
+            </a:r>
+            <a:r>
+              <a:rPr lang="en-US" altLang="zh-CN" sz="2400" dirty="0">
+                <a:latin typeface="Calibri (正文)"/>
+              </a:rPr>
+              <a:t>physical register file </a:t>
+            </a:r>
+            <a:r>
+              <a:rPr lang="en-US" altLang="zh-CN" sz="2400" dirty="0" smtClean="0">
+                <a:latin typeface="Calibri (正文)"/>
+              </a:rPr>
+              <a:t>design</a:t>
+            </a:r>
+          </a:p>
+          <a:p>
+            <a:r>
+              <a:rPr lang="en-US" altLang="zh-CN" sz="2400" dirty="0" smtClean="0">
+                <a:latin typeface="Calibri (正文)"/>
+              </a:rPr>
+              <a:t>Superscalar</a:t>
+            </a:r>
+            <a:r>
+              <a:rPr lang="zh-CN" altLang="en-US" sz="2400" dirty="0" smtClean="0">
+                <a:latin typeface="Calibri (正文)"/>
+              </a:rPr>
+              <a:t>、</a:t>
+            </a:r>
+            <a:r>
+              <a:rPr lang="en-US" altLang="zh-CN" sz="2400" dirty="0">
+                <a:latin typeface="Calibri (正文)"/>
+              </a:rPr>
+              <a:t>O</a:t>
+            </a:r>
+            <a:r>
+              <a:rPr lang="en-US" altLang="zh-CN" sz="2400" dirty="0" smtClean="0">
+                <a:latin typeface="Calibri (正文)"/>
+              </a:rPr>
+              <a:t>ut of Order</a:t>
+            </a:r>
+            <a:r>
+              <a:rPr lang="zh-CN" altLang="en-US" sz="2400" dirty="0" smtClean="0">
+                <a:latin typeface="Calibri (正文)"/>
+              </a:rPr>
+              <a:t>、</a:t>
+            </a:r>
+            <a:r>
+              <a:rPr lang="en-US" altLang="zh-CN" sz="2400" dirty="0" smtClean="0">
+                <a:latin typeface="Calibri (正文)"/>
+              </a:rPr>
+              <a:t>Six stages</a:t>
+            </a:r>
+          </a:p>
+          <a:p>
+            <a:pPr lvl="1"/>
+            <a:r>
+              <a:rPr lang="en-US" altLang="zh-CN" sz="2000" dirty="0" smtClean="0">
+                <a:latin typeface="Calibri (正文)"/>
+              </a:rPr>
+              <a:t>Fetch</a:t>
+            </a:r>
+            <a:r>
+              <a:rPr lang="en-US" altLang="zh-CN" sz="2000" dirty="0">
+                <a:latin typeface="Calibri (正文)"/>
+              </a:rPr>
+              <a:t>, </a:t>
+            </a:r>
+            <a:r>
+              <a:rPr lang="en-US" altLang="zh-CN" sz="2000" dirty="0" smtClean="0">
+                <a:latin typeface="Calibri (正文)"/>
+              </a:rPr>
+              <a:t>Decode/Rename/Dispatch, Issue/</a:t>
+            </a:r>
+            <a:r>
+              <a:rPr lang="en-US" altLang="zh-CN" sz="2000" dirty="0" err="1" smtClean="0">
+                <a:latin typeface="Calibri (正文)"/>
+              </a:rPr>
+              <a:t>RegisterRead</a:t>
+            </a:r>
+            <a:r>
+              <a:rPr lang="en-US" altLang="zh-CN" sz="2000" dirty="0">
+                <a:latin typeface="Calibri (正文)"/>
+              </a:rPr>
+              <a:t>, Execute, Memory, and </a:t>
+            </a:r>
+            <a:r>
+              <a:rPr lang="en-US" altLang="zh-CN" sz="2000" dirty="0" smtClean="0">
+                <a:latin typeface="Calibri (正文)"/>
+              </a:rPr>
+              <a:t>Writeback</a:t>
+            </a:r>
+          </a:p>
+          <a:p>
+            <a:endParaRPr lang="zh-CN" altLang="en-US" sz="2400" dirty="0">
+              <a:latin typeface="Calibri (正文)"/>
+            </a:endParaRPr>
+          </a:p>
+        </p:txBody>
+      </p:sp>
+      <p:pic>
+        <p:nvPicPr>
+          <p:cNvPr id="4" name="图片 3"/>
+          <p:cNvPicPr>
+            <a:picLocks noChangeAspect="1"/>
+          </p:cNvPicPr>
+          <p:nvPr/>
+        </p:nvPicPr>
+        <p:blipFill>
+          <a:blip r:embed="rId3"/>
+          <a:stretch>
+            <a:fillRect/>
+          </a:stretch>
+        </p:blipFill>
+        <p:spPr>
+          <a:xfrm>
+            <a:off x="835471" y="2847553"/>
+            <a:ext cx="7400925" cy="3533775"/>
+          </a:xfrm>
+          <a:prstGeom prst="rect">
+            <a:avLst/>
+          </a:prstGeom>
+        </p:spPr>
+      </p:pic>
+    </p:spTree>
+    <p:extLst>
+      <p:ext uri="{BB962C8B-B14F-4D97-AF65-F5344CB8AC3E}">
+        <p14:creationId xmlns:p14="http://schemas.microsoft.com/office/powerpoint/2010/main" val="196768217"/>
+      </p:ext>
+    </p:extLst>
+  </p:cSld>
+  <p:clrMapOvr>
+    <a:masterClrMapping/>
+  </p:clrMapOvr>
+  <p:timing>
+    <p:tnLst>
+      <p:par>
+        <p:cTn id="1" dur="indefinite" restart="never" nodeType="tmRoot"/>
+      </p:par>
+    </p:tnLst>
+  </p:timing>
+</p:sld>
+</file>
+
+<file path=ppt/slides/slide30.xml><?xml version="1.0" encoding="utf-8"?>
+<p:sld xmlns:a="http://schemas.openxmlformats.org/drawingml/2006/main" xmlns:r="http://schemas.openxmlformats.org/officeDocument/2006/relationships" xmlns:p="http://schemas.openxmlformats.org/presentationml/2006/main">
+  <p:cSld>
+    <p:spTree>
+      <p:nvGrpSpPr>
+        <p:cNvPr id="1" name=""/>
+        <p:cNvGrpSpPr/>
+        <p:nvPr/>
+      </p:nvGrpSpPr>
+      <p:grpSpPr>
+        <a:xfrm>
+          <a:off x="0" y="0"/>
+          <a:ext cx="0" cy="0"/>
+          <a:chOff x="0" y="0"/>
+          <a:chExt cx="0" cy="0"/>
+        </a:xfrm>
+      </p:grpSpPr>
+      <p:sp>
+        <p:nvSpPr>
+          <p:cNvPr id="2" name="标题 1"/>
+          <p:cNvSpPr>
+            <a:spLocks noGrp="1"/>
+          </p:cNvSpPr>
+          <p:nvPr>
+            <p:ph type="title"/>
+          </p:nvPr>
+        </p:nvSpPr>
+        <p:spPr/>
+        <p:txBody>
+          <a:bodyPr/>
+          <a:lstStyle/>
+          <a:p>
+            <a:r>
+              <a:rPr lang="en-US" altLang="zh-CN" dirty="0"/>
+              <a:t>The Load/Store </a:t>
+            </a:r>
+            <a:r>
+              <a:rPr lang="en-US" altLang="zh-CN" dirty="0" smtClean="0"/>
+              <a:t>Unit</a:t>
+            </a:r>
+            <a:endParaRPr lang="zh-CN" altLang="en-US" dirty="0"/>
+          </a:p>
+        </p:txBody>
+      </p:sp>
+      <p:pic>
+        <p:nvPicPr>
+          <p:cNvPr id="4" name="内容占位符 3"/>
+          <p:cNvPicPr>
+            <a:picLocks noGrp="1" noChangeAspect="1"/>
+          </p:cNvPicPr>
+          <p:nvPr>
+            <p:ph idx="1"/>
+          </p:nvPr>
+        </p:nvPicPr>
+        <p:blipFill>
+          <a:blip r:embed="rId3"/>
+          <a:stretch>
+            <a:fillRect/>
+          </a:stretch>
+        </p:blipFill>
+        <p:spPr>
+          <a:xfrm>
+            <a:off x="1807707" y="1052513"/>
+            <a:ext cx="5528585" cy="5329237"/>
+          </a:xfrm>
+          <a:prstGeom prst="rect">
+            <a:avLst/>
+          </a:prstGeom>
+        </p:spPr>
+      </p:pic>
+    </p:spTree>
+    <p:extLst>
+      <p:ext uri="{BB962C8B-B14F-4D97-AF65-F5344CB8AC3E}">
+        <p14:creationId xmlns:p14="http://schemas.microsoft.com/office/powerpoint/2010/main" val="1902791453"/>
+      </p:ext>
+    </p:extLst>
+  </p:cSld>
+  <p:clrMapOvr>
+    <a:masterClrMapping/>
+  </p:clrMapOvr>
+</p:sld>
+</file>
+
+<file path=ppt/slides/slide31.xml><?xml version="1.0" encoding="utf-8"?>
+<p:sld xmlns:a="http://schemas.openxmlformats.org/drawingml/2006/main" xmlns:r="http://schemas.openxmlformats.org/officeDocument/2006/relationships" xmlns:p="http://schemas.openxmlformats.org/presentationml/2006/main">
+  <p:cSld>
+    <p:spTree>
+      <p:nvGrpSpPr>
+        <p:cNvPr id="1" name=""/>
+        <p:cNvGrpSpPr/>
+        <p:nvPr/>
+      </p:nvGrpSpPr>
+      <p:grpSpPr>
+        <a:xfrm>
+          <a:off x="0" y="0"/>
+          <a:ext cx="0" cy="0"/>
+          <a:chOff x="0" y="0"/>
+          <a:chExt cx="0" cy="0"/>
+        </a:xfrm>
+      </p:grpSpPr>
+      <p:sp>
+        <p:nvSpPr>
+          <p:cNvPr id="2" name="标题 1"/>
+          <p:cNvSpPr>
+            <a:spLocks noGrp="1"/>
+          </p:cNvSpPr>
+          <p:nvPr>
+            <p:ph type="title"/>
+          </p:nvPr>
+        </p:nvSpPr>
+        <p:spPr/>
+        <p:txBody>
+          <a:bodyPr/>
+          <a:lstStyle/>
+          <a:p>
+            <a:r>
+              <a:rPr lang="en-US" altLang="zh-CN" dirty="0"/>
+              <a:t>The Load/Store Unit</a:t>
+            </a:r>
+            <a:endParaRPr lang="zh-CN" altLang="en-US" dirty="0"/>
+          </a:p>
+        </p:txBody>
+      </p:sp>
+      <p:pic>
+        <p:nvPicPr>
+          <p:cNvPr id="6" name="内容占位符 5"/>
+          <p:cNvPicPr>
+            <a:picLocks noGrp="1" noChangeAspect="1"/>
+          </p:cNvPicPr>
+          <p:nvPr>
+            <p:ph idx="1"/>
+          </p:nvPr>
+        </p:nvPicPr>
+        <p:blipFill>
+          <a:blip r:embed="rId3"/>
+          <a:stretch>
+            <a:fillRect/>
+          </a:stretch>
+        </p:blipFill>
+        <p:spPr>
+          <a:xfrm>
+            <a:off x="381000" y="1579688"/>
+            <a:ext cx="8382000" cy="4274887"/>
+          </a:xfrm>
+          <a:prstGeom prst="rect">
+            <a:avLst/>
+          </a:prstGeom>
+        </p:spPr>
+      </p:pic>
+    </p:spTree>
+    <p:extLst>
+      <p:ext uri="{BB962C8B-B14F-4D97-AF65-F5344CB8AC3E}">
+        <p14:creationId xmlns:p14="http://schemas.microsoft.com/office/powerpoint/2010/main" val="1249610266"/>
+      </p:ext>
+    </p:extLst>
+  </p:cSld>
+  <p:clrMapOvr>
+    <a:masterClrMapping/>
+  </p:clrMapOvr>
+  <p:timing>
+    <p:tnLst>
+      <p:par>
+        <p:cTn id="1" dur="indefinite" restart="never" nodeType="tmRoot"/>
+      </p:par>
+    </p:tnLst>
+  </p:timing>
+</p:sld>
+</file>
+
+<file path=ppt/slides/slide32.xml><?xml version="1.0" encoding="utf-8"?>
+<p:sld xmlns:a="http://schemas.openxmlformats.org/drawingml/2006/main" xmlns:r="http://schemas.openxmlformats.org/officeDocument/2006/relationships" xmlns:p="http://schemas.openxmlformats.org/presentationml/2006/main">
+  <p:cSld>
+    <p:spTree>
+      <p:nvGrpSpPr>
+        <p:cNvPr id="1" name=""/>
+        <p:cNvGrpSpPr/>
+        <p:nvPr/>
+      </p:nvGrpSpPr>
+      <p:grpSpPr>
+        <a:xfrm>
+          <a:off x="0" y="0"/>
+          <a:ext cx="0" cy="0"/>
+          <a:chOff x="0" y="0"/>
+          <a:chExt cx="0" cy="0"/>
+        </a:xfrm>
+      </p:grpSpPr>
+      <p:sp>
+        <p:nvSpPr>
+          <p:cNvPr id="2" name="标题 1"/>
+          <p:cNvSpPr>
+            <a:spLocks noGrp="1"/>
+          </p:cNvSpPr>
+          <p:nvPr>
+            <p:ph type="title"/>
+          </p:nvPr>
+        </p:nvSpPr>
+        <p:spPr/>
+        <p:txBody>
+          <a:bodyPr/>
+          <a:lstStyle/>
+          <a:p>
+            <a:r>
+              <a:rPr lang="en-US" altLang="zh-CN" dirty="0"/>
+              <a:t>The Load/Store Unit</a:t>
+            </a:r>
+            <a:endParaRPr lang="zh-CN" altLang="en-US" dirty="0"/>
+          </a:p>
+        </p:txBody>
+      </p:sp>
+      <p:pic>
+        <p:nvPicPr>
+          <p:cNvPr id="4" name="内容占位符 3"/>
+          <p:cNvPicPr>
+            <a:picLocks noGrp="1" noChangeAspect="1"/>
+          </p:cNvPicPr>
+          <p:nvPr>
+            <p:ph idx="1"/>
+          </p:nvPr>
+        </p:nvPicPr>
+        <p:blipFill>
+          <a:blip r:embed="rId2"/>
+          <a:stretch>
+            <a:fillRect/>
+          </a:stretch>
+        </p:blipFill>
+        <p:spPr>
+          <a:xfrm>
+            <a:off x="381000" y="1571367"/>
+            <a:ext cx="8382000" cy="4291528"/>
+          </a:xfrm>
+          <a:prstGeom prst="rect">
+            <a:avLst/>
+          </a:prstGeom>
+        </p:spPr>
+      </p:pic>
+    </p:spTree>
+    <p:extLst>
+      <p:ext uri="{BB962C8B-B14F-4D97-AF65-F5344CB8AC3E}">
+        <p14:creationId xmlns:p14="http://schemas.microsoft.com/office/powerpoint/2010/main" val="3522575600"/>
+      </p:ext>
+    </p:extLst>
+  </p:cSld>
+  <p:clrMapOvr>
+    <a:masterClrMapping/>
+  </p:clrMapOvr>
+</p:sld>
+</file>
+
+<file path=ppt/slides/slide33.xml><?xml version="1.0" encoding="utf-8"?>
+<p:sld xmlns:a="http://schemas.openxmlformats.org/drawingml/2006/main" xmlns:r="http://schemas.openxmlformats.org/officeDocument/2006/relationships" xmlns:p="http://schemas.openxmlformats.org/presentationml/2006/main">
+  <p:cSld>
+    <p:spTree>
+      <p:nvGrpSpPr>
+        <p:cNvPr id="1" name=""/>
+        <p:cNvGrpSpPr/>
+        <p:nvPr/>
+      </p:nvGrpSpPr>
+      <p:grpSpPr>
+        <a:xfrm>
+          <a:off x="0" y="0"/>
+          <a:ext cx="0" cy="0"/>
+          <a:chOff x="0" y="0"/>
+          <a:chExt cx="0" cy="0"/>
+        </a:xfrm>
+      </p:grpSpPr>
+      <p:sp>
+        <p:nvSpPr>
+          <p:cNvPr id="2" name="标题 1"/>
+          <p:cNvSpPr>
+            <a:spLocks noGrp="1"/>
+          </p:cNvSpPr>
+          <p:nvPr>
+            <p:ph type="title"/>
+          </p:nvPr>
+        </p:nvSpPr>
+        <p:spPr/>
+        <p:txBody>
+          <a:bodyPr/>
+          <a:lstStyle/>
+          <a:p>
+            <a:r>
+              <a:rPr lang="en-US" altLang="zh-CN" dirty="0"/>
+              <a:t>The Load/Store </a:t>
+            </a:r>
+            <a:r>
+              <a:rPr lang="en-US" altLang="zh-CN" dirty="0" smtClean="0"/>
+              <a:t>Unit</a:t>
+            </a:r>
+            <a:endParaRPr lang="zh-CN" altLang="en-US" dirty="0"/>
+          </a:p>
+        </p:txBody>
+      </p:sp>
+      <p:sp>
+        <p:nvSpPr>
+          <p:cNvPr id="3" name="内容占位符 2"/>
+          <p:cNvSpPr>
+            <a:spLocks noGrp="1"/>
+          </p:cNvSpPr>
+          <p:nvPr>
+            <p:ph idx="1"/>
+          </p:nvPr>
+        </p:nvSpPr>
+        <p:spPr/>
+        <p:txBody>
+          <a:bodyPr/>
+          <a:lstStyle/>
+          <a:p>
+            <a:r>
+              <a:rPr lang="en-US" altLang="zh-CN" sz="2400" dirty="0" smtClean="0">
+                <a:latin typeface="Calibri (正文)"/>
+              </a:rPr>
+              <a:t>Data-cache Shim</a:t>
+            </a:r>
+          </a:p>
+          <a:p>
+            <a:pPr lvl="1"/>
+            <a:r>
+              <a:rPr lang="en-US" altLang="zh-CN" sz="2000" dirty="0" smtClean="0">
+                <a:latin typeface="Calibri (正文)"/>
+              </a:rPr>
+              <a:t>BOOM</a:t>
+            </a:r>
+            <a:r>
+              <a:rPr lang="zh-CN" altLang="en-US" sz="2000" dirty="0" smtClean="0">
+                <a:latin typeface="Calibri (正文)"/>
+              </a:rPr>
+              <a:t>使用了</a:t>
+            </a:r>
+            <a:r>
+              <a:rPr lang="en-US" altLang="zh-CN" sz="2000" dirty="0" smtClean="0">
+                <a:latin typeface="Calibri (正文)"/>
+              </a:rPr>
+              <a:t>Rocket</a:t>
+            </a:r>
+            <a:r>
+              <a:rPr lang="zh-CN" altLang="en-US" sz="2000" dirty="0" smtClean="0">
+                <a:latin typeface="Calibri (正文)"/>
+              </a:rPr>
+              <a:t>的</a:t>
+            </a:r>
+            <a:r>
+              <a:rPr lang="en-US" altLang="zh-CN" sz="2000" dirty="0" smtClean="0">
+                <a:latin typeface="Calibri (正文)"/>
+              </a:rPr>
+              <a:t>cache</a:t>
+            </a:r>
+            <a:r>
+              <a:rPr lang="zh-CN" altLang="en-US" sz="2000" dirty="0" smtClean="0">
+                <a:latin typeface="Calibri (正文)"/>
+              </a:rPr>
+              <a:t>，</a:t>
+            </a:r>
+            <a:r>
+              <a:rPr lang="en-US" altLang="zh-CN" sz="2000" dirty="0" smtClean="0">
+                <a:latin typeface="Calibri (正文)"/>
+              </a:rPr>
+              <a:t>shim</a:t>
+            </a:r>
+            <a:r>
+              <a:rPr lang="zh-CN" altLang="en-US" sz="2000" dirty="0" smtClean="0">
+                <a:latin typeface="Calibri (正文)"/>
+              </a:rPr>
+              <a:t>用于连接</a:t>
+            </a:r>
+            <a:r>
+              <a:rPr lang="en-US" altLang="zh-CN" sz="2000" dirty="0" smtClean="0">
+                <a:latin typeface="Calibri (正文)"/>
+              </a:rPr>
+              <a:t>BOOM</a:t>
+            </a:r>
+            <a:r>
+              <a:rPr lang="zh-CN" altLang="en-US" sz="2000" dirty="0" smtClean="0">
+                <a:latin typeface="Calibri (正文)"/>
+              </a:rPr>
+              <a:t>和</a:t>
+            </a:r>
+            <a:r>
+              <a:rPr lang="en-US" altLang="zh-CN" sz="2000" dirty="0" smtClean="0">
+                <a:latin typeface="Calibri (正文)"/>
+              </a:rPr>
+              <a:t>cache</a:t>
+            </a:r>
+            <a:endParaRPr lang="en-US" altLang="zh-CN" sz="2000" dirty="0">
+              <a:latin typeface="Calibri (正文)"/>
+            </a:endParaRPr>
+          </a:p>
+          <a:p>
+            <a:pPr lvl="1"/>
+            <a:r>
+              <a:rPr lang="en-US" altLang="zh-CN" sz="2000" dirty="0" smtClean="0">
+                <a:latin typeface="Calibri (正文)"/>
+              </a:rPr>
+              <a:t>BOOM</a:t>
+            </a:r>
+            <a:r>
+              <a:rPr lang="zh-CN" altLang="en-US" sz="2000" dirty="0" smtClean="0">
+                <a:latin typeface="Calibri (正文)"/>
+              </a:rPr>
+              <a:t>会向</a:t>
+            </a:r>
+            <a:r>
+              <a:rPr lang="en-US" altLang="zh-CN" sz="2000" dirty="0" smtClean="0">
+                <a:latin typeface="Calibri (正文)"/>
+              </a:rPr>
+              <a:t>cache</a:t>
+            </a:r>
+            <a:r>
+              <a:rPr lang="zh-CN" altLang="en-US" sz="2000" dirty="0" smtClean="0">
+                <a:latin typeface="Calibri (正文)"/>
+              </a:rPr>
+              <a:t>发送推测的</a:t>
+            </a:r>
+            <a:r>
+              <a:rPr lang="en-US" altLang="zh-CN" sz="2000" dirty="0" smtClean="0">
+                <a:latin typeface="Calibri (正文)"/>
+              </a:rPr>
+              <a:t>load</a:t>
+            </a:r>
+            <a:r>
+              <a:rPr lang="zh-CN" altLang="en-US" sz="2000" dirty="0" smtClean="0">
+                <a:latin typeface="Calibri (正文)"/>
+              </a:rPr>
+              <a:t>指令，</a:t>
+            </a:r>
+            <a:r>
+              <a:rPr lang="en-US" altLang="zh-CN" sz="2000" dirty="0" smtClean="0">
+                <a:latin typeface="Calibri (正文)"/>
+              </a:rPr>
+              <a:t>shim</a:t>
+            </a:r>
+            <a:r>
+              <a:rPr lang="zh-CN" altLang="en-US" sz="2000" dirty="0" smtClean="0">
+                <a:latin typeface="Calibri (正文)"/>
+              </a:rPr>
+              <a:t>需要跟踪所有正在执行的</a:t>
+            </a:r>
+            <a:r>
+              <a:rPr lang="en-US" altLang="zh-CN" sz="2000" dirty="0" smtClean="0">
+                <a:latin typeface="Calibri (正文)"/>
+              </a:rPr>
+              <a:t>load</a:t>
+            </a:r>
+            <a:r>
+              <a:rPr lang="zh-CN" altLang="en-US" sz="2000" dirty="0" smtClean="0">
+                <a:latin typeface="Calibri (正文)"/>
+              </a:rPr>
+              <a:t>，并取消推测错的指令</a:t>
+            </a:r>
+            <a:endParaRPr lang="en-US" altLang="zh-CN" sz="2000" dirty="0" smtClean="0">
+              <a:latin typeface="Calibri (正文)"/>
+            </a:endParaRPr>
+          </a:p>
+          <a:p>
+            <a:pPr lvl="1"/>
+            <a:r>
+              <a:rPr lang="en-US" altLang="zh-CN" sz="2000" dirty="0" err="1" smtClean="0">
+                <a:latin typeface="Calibri (正文)"/>
+              </a:rPr>
+              <a:t>Hellacache</a:t>
+            </a:r>
+            <a:r>
+              <a:rPr lang="zh-CN" altLang="en-US" sz="2000" dirty="0" smtClean="0">
+                <a:latin typeface="Calibri (正文)"/>
+              </a:rPr>
+              <a:t>不对</a:t>
+            </a:r>
+            <a:r>
+              <a:rPr lang="en-US" altLang="zh-CN" sz="2000" dirty="0" smtClean="0">
+                <a:latin typeface="Calibri (正文)"/>
+              </a:rPr>
+              <a:t>store</a:t>
+            </a:r>
+            <a:r>
+              <a:rPr lang="zh-CN" altLang="en-US" sz="2000" dirty="0" smtClean="0">
+                <a:latin typeface="Calibri (正文)"/>
+              </a:rPr>
+              <a:t>指令回复</a:t>
+            </a:r>
+            <a:r>
+              <a:rPr lang="en-US" altLang="zh-CN" sz="2000" dirty="0" err="1" smtClean="0">
+                <a:latin typeface="Calibri (正文)"/>
+              </a:rPr>
+              <a:t>ack</a:t>
+            </a:r>
+            <a:r>
+              <a:rPr lang="zh-CN" altLang="en-US" sz="2000" dirty="0" smtClean="0">
+                <a:latin typeface="Calibri (正文)"/>
+              </a:rPr>
+              <a:t>，</a:t>
+            </a:r>
+            <a:r>
+              <a:rPr lang="en-US" altLang="zh-CN" sz="2000" dirty="0" err="1" smtClean="0">
+                <a:latin typeface="Calibri (正文)"/>
+              </a:rPr>
+              <a:t>nack</a:t>
+            </a:r>
+            <a:r>
+              <a:rPr lang="zh-CN" altLang="en-US" sz="2000" dirty="0" smtClean="0">
+                <a:latin typeface="Calibri (正文)"/>
+              </a:rPr>
+              <a:t>不存在就认为成功</a:t>
+            </a:r>
+            <a:endParaRPr lang="en-US" altLang="zh-CN" sz="2000" dirty="0" smtClean="0">
+              <a:latin typeface="Calibri (正文)"/>
+            </a:endParaRPr>
+          </a:p>
+          <a:p>
+            <a:pPr lvl="1"/>
+            <a:r>
+              <a:rPr lang="zh-CN" altLang="en-US" sz="2000" dirty="0" smtClean="0">
+                <a:latin typeface="Calibri (正文)"/>
+              </a:rPr>
+              <a:t>所有发往</a:t>
+            </a:r>
+            <a:r>
+              <a:rPr lang="en-US" altLang="zh-CN" sz="2000" dirty="0" err="1" smtClean="0">
+                <a:latin typeface="Calibri (正文)"/>
+              </a:rPr>
+              <a:t>Hellacache</a:t>
+            </a:r>
+            <a:r>
+              <a:rPr lang="zh-CN" altLang="en-US" sz="2000" dirty="0" smtClean="0">
+                <a:latin typeface="Calibri (正文)"/>
+              </a:rPr>
+              <a:t>的请求都可能在发射的下一周期被取消</a:t>
+            </a:r>
+            <a:endParaRPr lang="en-US" altLang="zh-CN" sz="2000" dirty="0" smtClean="0">
+              <a:latin typeface="Calibri (正文)"/>
+            </a:endParaRPr>
+          </a:p>
+          <a:p>
+            <a:pPr lvl="1"/>
+            <a:r>
+              <a:rPr lang="zh-CN" altLang="en-US" sz="2000" dirty="0" smtClean="0">
+                <a:latin typeface="Calibri (正文)"/>
+              </a:rPr>
+              <a:t>目前设计的</a:t>
+            </a:r>
+            <a:r>
+              <a:rPr lang="en-US" altLang="zh-CN" sz="2000" dirty="0" smtClean="0">
+                <a:latin typeface="Calibri (正文)"/>
+              </a:rPr>
+              <a:t>d-cache</a:t>
+            </a:r>
+            <a:r>
+              <a:rPr lang="zh-CN" altLang="en-US" sz="2000" dirty="0" smtClean="0">
+                <a:latin typeface="Calibri (正文)"/>
+              </a:rPr>
+              <a:t>访问</a:t>
+            </a:r>
+            <a:r>
+              <a:rPr lang="en-US" altLang="zh-CN" sz="2000" dirty="0" smtClean="0">
+                <a:latin typeface="Calibri (正文)"/>
+              </a:rPr>
+              <a:t>SRAM</a:t>
+            </a:r>
+            <a:r>
+              <a:rPr lang="zh-CN" altLang="en-US" sz="2000" smtClean="0">
+                <a:latin typeface="Calibri (正文)"/>
+              </a:rPr>
+              <a:t>需要一个周期</a:t>
+            </a:r>
+            <a:endParaRPr lang="zh-CN" altLang="en-US" sz="2000" dirty="0">
+              <a:latin typeface="Calibri (正文)"/>
+            </a:endParaRPr>
+          </a:p>
+        </p:txBody>
+      </p:sp>
+    </p:spTree>
+    <p:extLst>
+      <p:ext uri="{BB962C8B-B14F-4D97-AF65-F5344CB8AC3E}">
+        <p14:creationId xmlns:p14="http://schemas.microsoft.com/office/powerpoint/2010/main" val="2349663683"/>
+      </p:ext>
+    </p:extLst>
+  </p:cSld>
+  <p:clrMapOvr>
+    <a:masterClrMapping/>
+  </p:clrMapOvr>
+</p:sld>
+</file>
+
+<file path=ppt/slides/slide34.xml><?xml version="1.0" encoding="utf-8"?>
+<p:sld xmlns:a="http://schemas.openxmlformats.org/drawingml/2006/main" xmlns:r="http://schemas.openxmlformats.org/officeDocument/2006/relationships" xmlns:p="http://schemas.openxmlformats.org/presentationml/2006/main">
+  <p:cSld>
+    <p:spTree>
+      <p:nvGrpSpPr>
+        <p:cNvPr id="1" name=""/>
+        <p:cNvGrpSpPr/>
+        <p:nvPr/>
+      </p:nvGrpSpPr>
+      <p:grpSpPr>
+        <a:xfrm>
+          <a:off x="0" y="0"/>
+          <a:ext cx="0" cy="0"/>
+          <a:chOff x="0" y="0"/>
+          <a:chExt cx="0" cy="0"/>
+        </a:xfrm>
+      </p:grpSpPr>
+      <p:sp>
+        <p:nvSpPr>
+          <p:cNvPr id="2" name="标题 1"/>
+          <p:cNvSpPr>
+            <a:spLocks noGrp="1"/>
+          </p:cNvSpPr>
+          <p:nvPr>
+            <p:ph type="title"/>
+          </p:nvPr>
+        </p:nvSpPr>
+        <p:spPr/>
+        <p:txBody>
+          <a:bodyPr/>
+          <a:lstStyle/>
+          <a:p>
+            <a:r>
               <a:rPr lang="zh-CN" altLang="en-US" dirty="0" smtClean="0"/>
               <a:t>主要内容</a:t>
             </a:r>
@@ -11701,7 +14391,7 @@
 </p:sld>
 </file>
 
-<file path=ppt/slides/slide27.xml><?xml version="1.0" encoding="utf-8"?>
+<file path=ppt/slides/slide35.xml><?xml version="1.0" encoding="utf-8"?>
 <p:sld xmlns:a="http://schemas.openxmlformats.org/drawingml/2006/main" xmlns:r="http://schemas.openxmlformats.org/officeDocument/2006/relationships" xmlns:p="http://schemas.openxmlformats.org/presentationml/2006/main">
   <p:cSld>
     <p:spTree>
@@ -11767,12 +14457,48 @@
                 <a:tableStyleId>{C4B1156A-380E-4F78-BDF5-A606A8083BF9}</a:tableStyleId>
               </a:tblPr>
               <a:tblGrid>
-                <a:gridCol w="1017901"/>
-                <a:gridCol w="2337867"/>
-                <a:gridCol w="621172"/>
-                <a:gridCol w="1942575"/>
-                <a:gridCol w="1727988"/>
-                <a:gridCol w="1007993"/>
+                <a:gridCol w="1017901">
+                  <a:extLst>
+                    <a:ext uri="{9D8B030D-6E8A-4147-A177-3AD203B41FA5}">
+                      <a16:colId xmlns:a16="http://schemas.microsoft.com/office/drawing/2014/main" val="20000"/>
+                    </a:ext>
+                  </a:extLst>
+                </a:gridCol>
+                <a:gridCol w="2337867">
+                  <a:extLst>
+                    <a:ext uri="{9D8B030D-6E8A-4147-A177-3AD203B41FA5}">
+                      <a16:colId xmlns:a16="http://schemas.microsoft.com/office/drawing/2014/main" val="20001"/>
+                    </a:ext>
+                  </a:extLst>
+                </a:gridCol>
+                <a:gridCol w="621172">
+                  <a:extLst>
+                    <a:ext uri="{9D8B030D-6E8A-4147-A177-3AD203B41FA5}">
+                      <a16:colId xmlns:a16="http://schemas.microsoft.com/office/drawing/2014/main" val="20002"/>
+                    </a:ext>
+                  </a:extLst>
+                </a:gridCol>
+                <a:gridCol w="1942575">
+                  <a:extLst>
+                    <a:ext uri="{9D8B030D-6E8A-4147-A177-3AD203B41FA5}">
+                      <a16:colId xmlns:a16="http://schemas.microsoft.com/office/drawing/2014/main" val="20003"/>
+                    </a:ext>
+                  </a:extLst>
+                </a:gridCol>
+                <a:gridCol w="1727988">
+                  <a:extLst>
+                    <a:ext uri="{9D8B030D-6E8A-4147-A177-3AD203B41FA5}">
+                      <a16:colId xmlns:a16="http://schemas.microsoft.com/office/drawing/2014/main" val="20004"/>
+                    </a:ext>
+                  </a:extLst>
+                </a:gridCol>
+                <a:gridCol w="1007993">
+                  <a:extLst>
+                    <a:ext uri="{9D8B030D-6E8A-4147-A177-3AD203B41FA5}">
+                      <a16:colId xmlns:a16="http://schemas.microsoft.com/office/drawing/2014/main" val="20005"/>
+                    </a:ext>
+                  </a:extLst>
+                </a:gridCol>
               </a:tblGrid>
               <a:tr h="244438">
                 <a:tc>
@@ -11937,6 +14663,11 @@
                   </a:txBody>
                   <a:tcPr marL="8416" marR="8416" marT="8416" marB="0" anchor="ctr"/>
                 </a:tc>
+                <a:extLst>
+                  <a:ext uri="{0D108BD9-81ED-4DB2-BD59-A6C34878D82A}">
+                    <a16:rowId xmlns:a16="http://schemas.microsoft.com/office/drawing/2014/main" val="10000"/>
+                  </a:ext>
+                </a:extLst>
               </a:tr>
               <a:tr h="245373">
                 <a:tc rowSpan="4">
@@ -12095,6 +14826,11 @@
                   </a:txBody>
                   <a:tcPr marL="8416" marR="8416" marT="8416" marB="0" anchor="ctr"/>
                 </a:tc>
+                <a:extLst>
+                  <a:ext uri="{0D108BD9-81ED-4DB2-BD59-A6C34878D82A}">
+                    <a16:rowId xmlns:a16="http://schemas.microsoft.com/office/drawing/2014/main" val="10001"/>
+                  </a:ext>
+                </a:extLst>
               </a:tr>
               <a:tr h="1408206">
                 <a:tc vMerge="1">
@@ -12239,6 +14975,11 @@
                   </a:txBody>
                   <a:tcPr marL="8416" marR="8416" marT="8416" marB="0" anchor="ctr"/>
                 </a:tc>
+                <a:extLst>
+                  <a:ext uri="{0D108BD9-81ED-4DB2-BD59-A6C34878D82A}">
+                    <a16:rowId xmlns:a16="http://schemas.microsoft.com/office/drawing/2014/main" val="10002"/>
+                  </a:ext>
+                </a:extLst>
               </a:tr>
               <a:tr h="477192">
                 <a:tc vMerge="1">
@@ -12395,6 +15136,11 @@
                   </a:txBody>
                   <a:tcPr marL="8416" marR="8416" marT="8416" marB="0" anchor="ctr"/>
                 </a:tc>
+                <a:extLst>
+                  <a:ext uri="{0D108BD9-81ED-4DB2-BD59-A6C34878D82A}">
+                    <a16:rowId xmlns:a16="http://schemas.microsoft.com/office/drawing/2014/main" val="10003"/>
+                  </a:ext>
+                </a:extLst>
               </a:tr>
               <a:tr h="244438">
                 <a:tc vMerge="1">
@@ -12539,6 +15285,11 @@
                   </a:txBody>
                   <a:tcPr marL="8416" marR="8416" marT="8416" marB="0" anchor="ctr"/>
                 </a:tc>
+                <a:extLst>
+                  <a:ext uri="{0D108BD9-81ED-4DB2-BD59-A6C34878D82A}">
+                    <a16:rowId xmlns:a16="http://schemas.microsoft.com/office/drawing/2014/main" val="10004"/>
+                  </a:ext>
+                </a:extLst>
               </a:tr>
               <a:tr h="666012">
                 <a:tc rowSpan="4">
@@ -12697,6 +15448,11 @@
                   </a:txBody>
                   <a:tcPr marL="8416" marR="8416" marT="8416" marB="0" anchor="ctr"/>
                 </a:tc>
+                <a:extLst>
+                  <a:ext uri="{0D108BD9-81ED-4DB2-BD59-A6C34878D82A}">
+                    <a16:rowId xmlns:a16="http://schemas.microsoft.com/office/drawing/2014/main" val="10005"/>
+                  </a:ext>
+                </a:extLst>
               </a:tr>
               <a:tr h="244438">
                 <a:tc vMerge="1">
@@ -12841,6 +15597,11 @@
                   </a:txBody>
                   <a:tcPr marL="8416" marR="8416" marT="8416" marB="0" anchor="ctr"/>
                 </a:tc>
+                <a:extLst>
+                  <a:ext uri="{0D108BD9-81ED-4DB2-BD59-A6C34878D82A}">
+                    <a16:rowId xmlns:a16="http://schemas.microsoft.com/office/drawing/2014/main" val="10006"/>
+                  </a:ext>
+                </a:extLst>
               </a:tr>
               <a:tr h="477192">
                 <a:tc vMerge="1">
@@ -13015,6 +15776,11 @@
                   </a:txBody>
                   <a:tcPr marL="8416" marR="8416" marT="8416" marB="0" anchor="ctr"/>
                 </a:tc>
+                <a:extLst>
+                  <a:ext uri="{0D108BD9-81ED-4DB2-BD59-A6C34878D82A}">
+                    <a16:rowId xmlns:a16="http://schemas.microsoft.com/office/drawing/2014/main" val="10007"/>
+                  </a:ext>
+                </a:extLst>
               </a:tr>
               <a:tr h="244438">
                 <a:tc vMerge="1">
@@ -13171,6 +15937,11 @@
                   </a:txBody>
                   <a:tcPr marL="8416" marR="8416" marT="8416" marB="0" anchor="ctr"/>
                 </a:tc>
+                <a:extLst>
+                  <a:ext uri="{0D108BD9-81ED-4DB2-BD59-A6C34878D82A}">
+                    <a16:rowId xmlns:a16="http://schemas.microsoft.com/office/drawing/2014/main" val="10008"/>
+                  </a:ext>
+                </a:extLst>
               </a:tr>
             </a:tbl>
           </a:graphicData>
@@ -13196,7 +15967,7 @@
 </p:sld>
 </file>
 
-<file path=ppt/slides/slide28.xml><?xml version="1.0" encoding="utf-8"?>
+<file path=ppt/slides/slide36.xml><?xml version="1.0" encoding="utf-8"?>
 <p:sld xmlns:a="http://schemas.openxmlformats.org/drawingml/2006/main" xmlns:r="http://schemas.openxmlformats.org/officeDocument/2006/relationships" xmlns:p="http://schemas.openxmlformats.org/presentationml/2006/main">
   <p:cSld>
     <p:spTree>
@@ -13350,7 +16121,7 @@
 </p:sld>
 </file>
 
-<file path=ppt/slides/slide29.xml><?xml version="1.0" encoding="utf-8"?>
+<file path=ppt/slides/slide37.xml><?xml version="1.0" encoding="utf-8"?>
 <p:sld xmlns:a="http://schemas.openxmlformats.org/drawingml/2006/main" xmlns:r="http://schemas.openxmlformats.org/officeDocument/2006/relationships" xmlns:p="http://schemas.openxmlformats.org/presentationml/2006/main">
   <p:cSld>
     <p:spTree>
@@ -13429,208 +16200,6 @@
     <a:masterClrMapping/>
   </p:clrMapOvr>
   <p:transition advTm="3361"/>
-  <p:timing>
-    <p:tnLst>
-      <p:par>
-        <p:cTn id="1" dur="indefinite" restart="never" nodeType="tmRoot"/>
-      </p:par>
-    </p:tnLst>
-  </p:timing>
-</p:sld>
-</file>
-
-<file path=ppt/slides/slide3.xml><?xml version="1.0" encoding="utf-8"?>
-<p:sld xmlns:a="http://schemas.openxmlformats.org/drawingml/2006/main" xmlns:r="http://schemas.openxmlformats.org/officeDocument/2006/relationships" xmlns:p="http://schemas.openxmlformats.org/presentationml/2006/main">
-  <p:cSld>
-    <p:spTree>
-      <p:nvGrpSpPr>
-        <p:cNvPr id="1" name=""/>
-        <p:cNvGrpSpPr/>
-        <p:nvPr/>
-      </p:nvGrpSpPr>
-      <p:grpSpPr>
-        <a:xfrm>
-          <a:off x="0" y="0"/>
-          <a:ext cx="0" cy="0"/>
-          <a:chOff x="0" y="0"/>
-          <a:chExt cx="0" cy="0"/>
-        </a:xfrm>
-      </p:grpSpPr>
-      <p:sp>
-        <p:nvSpPr>
-          <p:cNvPr id="2" name="标题 1"/>
-          <p:cNvSpPr>
-            <a:spLocks noGrp="1"/>
-          </p:cNvSpPr>
-          <p:nvPr>
-            <p:ph type="title"/>
-          </p:nvPr>
-        </p:nvSpPr>
-        <p:spPr/>
-        <p:txBody>
-          <a:bodyPr/>
-          <a:lstStyle/>
-          <a:p>
-            <a:r>
-              <a:rPr lang="en-US" altLang="zh-CN" dirty="0"/>
-              <a:t>Introduction &amp; Overview</a:t>
-            </a:r>
-            <a:endParaRPr lang="zh-CN" altLang="en-US" dirty="0"/>
-          </a:p>
-        </p:txBody>
-      </p:sp>
-      <p:sp>
-        <p:nvSpPr>
-          <p:cNvPr id="3" name="内容占位符 2"/>
-          <p:cNvSpPr>
-            <a:spLocks noGrp="1"/>
-          </p:cNvSpPr>
-          <p:nvPr>
-            <p:ph idx="1"/>
-          </p:nvPr>
-        </p:nvSpPr>
-        <p:spPr/>
-        <p:txBody>
-          <a:bodyPr/>
-          <a:lstStyle/>
-          <a:p>
-            <a:r>
-              <a:rPr lang="en-US" altLang="zh-CN" sz="2400" dirty="0" smtClean="0">
-                <a:latin typeface="Calibri (正文)"/>
-              </a:rPr>
-              <a:t>A unified </a:t>
-            </a:r>
-            <a:r>
-              <a:rPr lang="en-US" altLang="zh-CN" sz="2400" dirty="0">
-                <a:latin typeface="Calibri (正文)"/>
-              </a:rPr>
-              <a:t>physical register file </a:t>
-            </a:r>
-            <a:r>
-              <a:rPr lang="en-US" altLang="zh-CN" sz="2400" dirty="0" smtClean="0">
-                <a:latin typeface="Calibri (正文)"/>
-              </a:rPr>
-              <a:t>design</a:t>
-            </a:r>
-          </a:p>
-          <a:p>
-            <a:r>
-              <a:rPr lang="en-US" altLang="zh-CN" sz="2400" dirty="0" smtClean="0">
-                <a:latin typeface="Calibri (正文)"/>
-              </a:rPr>
-              <a:t>Superscalar</a:t>
-            </a:r>
-            <a:r>
-              <a:rPr lang="zh-CN" altLang="en-US" sz="2400" dirty="0" smtClean="0">
-                <a:latin typeface="Calibri (正文)"/>
-              </a:rPr>
-              <a:t>、</a:t>
-            </a:r>
-            <a:r>
-              <a:rPr lang="en-US" altLang="zh-CN" sz="2400" dirty="0">
-                <a:latin typeface="Calibri (正文)"/>
-              </a:rPr>
-              <a:t>O</a:t>
-            </a:r>
-            <a:r>
-              <a:rPr lang="en-US" altLang="zh-CN" sz="2400" dirty="0" smtClean="0">
-                <a:latin typeface="Calibri (正文)"/>
-              </a:rPr>
-              <a:t>ut of Order</a:t>
-            </a:r>
-            <a:r>
-              <a:rPr lang="zh-CN" altLang="en-US" sz="2400" dirty="0" smtClean="0">
-                <a:latin typeface="Calibri (正文)"/>
-              </a:rPr>
-              <a:t>、</a:t>
-            </a:r>
-            <a:r>
-              <a:rPr lang="en-US" altLang="zh-CN" sz="2400" dirty="0" smtClean="0">
-                <a:latin typeface="Calibri (正文)"/>
-              </a:rPr>
-              <a:t>Six stages</a:t>
-            </a:r>
-          </a:p>
-          <a:p>
-            <a:pPr lvl="1"/>
-            <a:r>
-              <a:rPr lang="en-US" altLang="zh-CN" sz="2000" dirty="0" smtClean="0">
-                <a:latin typeface="Calibri (正文)"/>
-              </a:rPr>
-              <a:t>Fetch</a:t>
-            </a:r>
-            <a:r>
-              <a:rPr lang="en-US" altLang="zh-CN" sz="2000" dirty="0">
-                <a:latin typeface="Calibri (正文)"/>
-              </a:rPr>
-              <a:t>, </a:t>
-            </a:r>
-            <a:r>
-              <a:rPr lang="en-US" altLang="zh-CN" sz="2000" dirty="0" smtClean="0">
-                <a:latin typeface="Calibri (正文)"/>
-              </a:rPr>
-              <a:t>Decode/Rename/Dispatch, Issue/</a:t>
-            </a:r>
-            <a:r>
-              <a:rPr lang="en-US" altLang="zh-CN" sz="2000" dirty="0" err="1" smtClean="0">
-                <a:latin typeface="Calibri (正文)"/>
-              </a:rPr>
-              <a:t>RegisterRead</a:t>
-            </a:r>
-            <a:r>
-              <a:rPr lang="en-US" altLang="zh-CN" sz="2000" dirty="0">
-                <a:latin typeface="Calibri (正文)"/>
-              </a:rPr>
-              <a:t>, Execute, Memory, and </a:t>
-            </a:r>
-            <a:r>
-              <a:rPr lang="en-US" altLang="zh-CN" sz="2000" dirty="0" smtClean="0">
-                <a:latin typeface="Calibri (正文)"/>
-              </a:rPr>
-              <a:t>Writeback</a:t>
-            </a:r>
-          </a:p>
-          <a:p>
-            <a:endParaRPr lang="zh-CN" altLang="en-US" sz="2400" dirty="0">
-              <a:latin typeface="Calibri (正文)"/>
-            </a:endParaRPr>
-          </a:p>
-        </p:txBody>
-      </p:sp>
-      <p:pic>
-        <p:nvPicPr>
-          <p:cNvPr id="4" name="图片 3"/>
-          <p:cNvPicPr>
-            <a:picLocks noChangeAspect="1"/>
-          </p:cNvPicPr>
-          <p:nvPr/>
-        </p:nvPicPr>
-        <p:blipFill>
-          <a:blip r:embed="rId3"/>
-          <a:stretch>
-            <a:fillRect/>
-          </a:stretch>
-        </p:blipFill>
-        <p:spPr>
-          <a:xfrm>
-            <a:off x="835471" y="2847553"/>
-            <a:ext cx="7400925" cy="3533775"/>
-          </a:xfrm>
-          <a:prstGeom prst="rect">
-            <a:avLst/>
-          </a:prstGeom>
-        </p:spPr>
-      </p:pic>
-    </p:spTree>
-    <p:extLst>
-      <p:ext uri="{BB962C8B-B14F-4D97-AF65-F5344CB8AC3E}">
-        <p14:creationId xmlns:p14="http://schemas.microsoft.com/office/powerpoint/2010/main" val="196768217"/>
-      </p:ext>
-    </p:extLst>
-  </p:cSld>
-  <p:clrMapOvr>
-    <a:masterClrMapping/>
-  </p:clrMapOvr>
   <p:timing>
     <p:tnLst>
       <p:par>

--- a/boom overview.pptx
+++ b/boom overview.pptx
@@ -5,10 +5,10 @@
     <p:sldMasterId id="2147483649" r:id="rId1"/>
   </p:sldMasterIdLst>
   <p:notesMasterIdLst>
-    <p:notesMasterId r:id="rId39"/>
+    <p:notesMasterId r:id="rId40"/>
   </p:notesMasterIdLst>
   <p:handoutMasterIdLst>
-    <p:handoutMasterId r:id="rId40"/>
+    <p:handoutMasterId r:id="rId41"/>
   </p:handoutMasterIdLst>
   <p:sldIdLst>
     <p:sldId id="256" r:id="rId2"/>
@@ -44,10 +44,11 @@
     <p:sldId id="841" r:id="rId32"/>
     <p:sldId id="843" r:id="rId33"/>
     <p:sldId id="844" r:id="rId34"/>
-    <p:sldId id="832" r:id="rId35"/>
-    <p:sldId id="824" r:id="rId36"/>
-    <p:sldId id="825" r:id="rId37"/>
-    <p:sldId id="715" r:id="rId38"/>
+    <p:sldId id="846" r:id="rId35"/>
+    <p:sldId id="832" r:id="rId36"/>
+    <p:sldId id="824" r:id="rId37"/>
+    <p:sldId id="825" r:id="rId38"/>
+    <p:sldId id="715" r:id="rId39"/>
   </p:sldIdLst>
   <p:sldSz cx="9144000" cy="6858000" type="screen4x3"/>
   <p:notesSz cx="6858000" cy="9144000"/>
@@ -4359,7 +4360,7 @@
               <a:pPr>
                 <a:defRPr/>
               </a:pPr>
-              <a:t>33</a:t>
+              <a:t>34</a:t>
             </a:fld>
             <a:endParaRPr lang="en-US" altLang="zh-CN"/>
           </a:p>
@@ -8632,7 +8633,7 @@
           <p:nvPr>
             <p:extLst>
               <p:ext uri="{D42A27DB-BD31-4B8C-83A1-F6EECF244321}">
-                <p14:modId xmlns:p14="http://schemas.microsoft.com/office/powerpoint/2010/main" val="2005281617"/>
+                <p14:modId xmlns:p14="http://schemas.microsoft.com/office/powerpoint/2010/main" val="754788648"/>
               </p:ext>
             </p:extLst>
           </p:nvPr>
@@ -8651,14 +8652,14 @@
                 <a:gridCol w="2268252">
                   <a:extLst>
                     <a:ext uri="{9D8B030D-6E8A-4147-A177-3AD203B41FA5}">
-                      <a16:colId xmlns:a16="http://schemas.microsoft.com/office/drawing/2014/main" val="20000"/>
+                      <a16:colId xmlns="" xmlns:a16="http://schemas.microsoft.com/office/drawing/2014/main" val="20000"/>
                     </a:ext>
                   </a:extLst>
                 </a:gridCol>
                 <a:gridCol w="3384376">
                   <a:extLst>
                     <a:ext uri="{9D8B030D-6E8A-4147-A177-3AD203B41FA5}">
-                      <a16:colId xmlns:a16="http://schemas.microsoft.com/office/drawing/2014/main" val="20001"/>
+                      <a16:colId xmlns="" xmlns:a16="http://schemas.microsoft.com/office/drawing/2014/main" val="20001"/>
                     </a:ext>
                   </a:extLst>
                 </a:gridCol>
@@ -8743,7 +8744,17 @@
                           <a:latin typeface="+mn-lt"/>
                           <a:ea typeface="+mn-ea"/>
                         </a:rPr>
-                        <a:t>阳庆红</a:t>
+                        <a:t>阳庆</a:t>
+                      </a:r>
+                      <a:r>
+                        <a:rPr lang="zh-CN" altLang="en-US" sz="2800" b="0" dirty="0" smtClean="0">
+                          <a:solidFill>
+                            <a:schemeClr val="tx1"/>
+                          </a:solidFill>
+                          <a:latin typeface="+mn-lt"/>
+                          <a:ea typeface="+mn-ea"/>
+                        </a:rPr>
+                        <a:t>红 陈东维</a:t>
                       </a:r>
                       <a:endParaRPr lang="zh-CN" altLang="en-US" sz="2800" b="0" dirty="0">
                         <a:solidFill>
@@ -8796,7 +8807,7 @@
                 </a:tc>
                 <a:extLst>
                   <a:ext uri="{0D108BD9-81ED-4DB2-BD59-A6C34878D82A}">
-                    <a16:rowId xmlns:a16="http://schemas.microsoft.com/office/drawing/2014/main" val="10000"/>
+                    <a16:rowId xmlns="" xmlns:a16="http://schemas.microsoft.com/office/drawing/2014/main" val="10000"/>
                   </a:ext>
                 </a:extLst>
               </a:tr>
@@ -8931,7 +8942,7 @@
                 </a:tc>
                 <a:extLst>
                   <a:ext uri="{0D108BD9-81ED-4DB2-BD59-A6C34878D82A}">
-                    <a16:rowId xmlns:a16="http://schemas.microsoft.com/office/drawing/2014/main" val="10001"/>
+                    <a16:rowId xmlns="" xmlns:a16="http://schemas.microsoft.com/office/drawing/2014/main" val="10001"/>
                   </a:ext>
                 </a:extLst>
               </a:tr>
@@ -9076,7 +9087,7 @@
                 </a:tc>
                 <a:extLst>
                   <a:ext uri="{0D108BD9-81ED-4DB2-BD59-A6C34878D82A}">
-                    <a16:rowId xmlns:a16="http://schemas.microsoft.com/office/drawing/2014/main" val="10002"/>
+                    <a16:rowId xmlns="" xmlns:a16="http://schemas.microsoft.com/office/drawing/2014/main" val="10002"/>
                   </a:ext>
                 </a:extLst>
               </a:tr>
@@ -10765,6 +10776,13 @@
   <p:clrMapOvr>
     <a:masterClrMapping/>
   </p:clrMapOvr>
+  <p:timing>
+    <p:tnLst>
+      <p:par>
+        <p:cTn id="1" dur="indefinite" restart="never" nodeType="tmRoot"/>
+      </p:par>
+    </p:tnLst>
+  </p:timing>
 </p:sld>
 </file>
 
@@ -12221,6 +12239,13 @@
   <p:clrMapOvr>
     <a:masterClrMapping/>
   </p:clrMapOvr>
+  <p:timing>
+    <p:tnLst>
+      <p:par>
+        <p:cTn id="1" dur="indefinite" restart="never" nodeType="tmRoot"/>
+      </p:par>
+    </p:tnLst>
+  </p:timing>
 </p:sld>
 </file>
 
@@ -12287,13 +12312,7 @@
               <a:rPr lang="en-US" altLang="zh-CN" sz="2400" dirty="0" smtClean="0">
                 <a:latin typeface="Calibri (正文)"/>
               </a:rPr>
-              <a:t>Execution </a:t>
-            </a:r>
-            <a:r>
-              <a:rPr lang="en-US" altLang="zh-CN" sz="2400" dirty="0" smtClean="0">
-                <a:latin typeface="Calibri (正文)"/>
-              </a:rPr>
-              <a:t>Unit</a:t>
+              <a:t>Execution Unit</a:t>
             </a:r>
             <a:endParaRPr lang="en-US" altLang="zh-CN" sz="2400" dirty="0">
               <a:latin typeface="Calibri (正文)"/>
@@ -12340,6 +12359,13 @@
   <p:clrMapOvr>
     <a:masterClrMapping/>
   </p:clrMapOvr>
+  <p:timing>
+    <p:tnLst>
+      <p:par>
+        <p:cTn id="1" dur="indefinite" restart="never" nodeType="tmRoot"/>
+      </p:par>
+    </p:tnLst>
+  </p:timing>
 </p:sld>
 </file>
 
@@ -12406,13 +12432,7 @@
               <a:rPr lang="en-US" altLang="zh-CN" sz="2400" dirty="0" smtClean="0">
                 <a:latin typeface="Calibri (正文)"/>
               </a:rPr>
-              <a:t>Functional </a:t>
-            </a:r>
-            <a:r>
-              <a:rPr lang="en-US" altLang="zh-CN" sz="2400" dirty="0" smtClean="0">
-                <a:latin typeface="Calibri (正文)"/>
-              </a:rPr>
-              <a:t>Unit</a:t>
+              <a:t>Functional Unit</a:t>
             </a:r>
           </a:p>
           <a:p>
@@ -12456,6 +12476,13 @@
   <p:clrMapOvr>
     <a:masterClrMapping/>
   </p:clrMapOvr>
+  <p:timing>
+    <p:tnLst>
+      <p:par>
+        <p:cTn id="1" dur="indefinite" restart="never" nodeType="tmRoot"/>
+      </p:par>
+    </p:tnLst>
+  </p:timing>
 </p:sld>
 </file>
 
@@ -12701,6 +12728,13 @@
   <p:clrMapOvr>
     <a:masterClrMapping/>
   </p:clrMapOvr>
+  <p:timing>
+    <p:tnLst>
+      <p:par>
+        <p:cTn id="1" dur="indefinite" restart="never" nodeType="tmRoot"/>
+      </p:par>
+    </p:tnLst>
+  </p:timing>
 </p:sld>
 </file>
 
@@ -12923,13 +12957,7 @@
               <a:rPr lang="zh-CN" altLang="en-US" sz="2400" dirty="0" smtClean="0">
                 <a:latin typeface="Calibri (正文)"/>
               </a:rPr>
-              <a:t>三个</a:t>
-            </a:r>
-            <a:r>
-              <a:rPr lang="zh-CN" altLang="en-US" sz="2400" dirty="0" smtClean="0">
-                <a:latin typeface="Calibri (正文)"/>
-              </a:rPr>
-              <a:t>队列</a:t>
+              <a:t>三个队列</a:t>
             </a:r>
             <a:endParaRPr lang="en-US" altLang="zh-CN" sz="2400" dirty="0" smtClean="0">
               <a:latin typeface="Calibri (正文)"/>
@@ -13096,6 +13124,13 @@
   <p:clrMapOvr>
     <a:masterClrMapping/>
   </p:clrMapOvr>
+  <p:timing>
+    <p:tnLst>
+      <p:par>
+        <p:cTn id="1" dur="indefinite" restart="never" nodeType="tmRoot"/>
+      </p:par>
+    </p:tnLst>
+  </p:timing>
 </p:sld>
 </file>
 
@@ -13215,13 +13250,7 @@
               <a:rPr lang="en-US" altLang="zh-CN" sz="2000" dirty="0" err="1" smtClean="0">
                 <a:latin typeface="Calibri (正文)"/>
               </a:rPr>
-              <a:t>s</a:t>
-            </a:r>
-            <a:r>
-              <a:rPr lang="en-US" altLang="zh-CN" sz="2000" dirty="0" err="1" smtClean="0">
-                <a:latin typeface="Calibri (正文)"/>
-              </a:rPr>
-              <a:t>w</a:t>
+              <a:t>sw</a:t>
             </a:r>
             <a:r>
               <a:rPr lang="en-US" altLang="zh-CN" sz="2000" dirty="0" smtClean="0">
@@ -13441,6 +13470,13 @@
   <p:clrMapOvr>
     <a:masterClrMapping/>
   </p:clrMapOvr>
+  <p:timing>
+    <p:tnLst>
+      <p:par>
+        <p:cTn id="1" dur="indefinite" restart="never" nodeType="tmRoot"/>
+      </p:par>
+    </p:tnLst>
+  </p:timing>
 </p:sld>
 </file>
 
@@ -13726,6 +13762,13 @@
   <p:clrMapOvr>
     <a:masterClrMapping/>
   </p:clrMapOvr>
+  <p:timing>
+    <p:tnLst>
+      <p:par>
+        <p:cTn id="1" dur="indefinite" restart="never" nodeType="tmRoot"/>
+      </p:par>
+    </p:tnLst>
+  </p:timing>
 </p:sld>
 </file>
 
@@ -13891,6 +13934,13 @@
   <p:clrMapOvr>
     <a:masterClrMapping/>
   </p:clrMapOvr>
+  <p:timing>
+    <p:tnLst>
+      <p:par>
+        <p:cTn id="1" dur="indefinite" restart="never" nodeType="tmRoot"/>
+      </p:par>
+    </p:tnLst>
+  </p:timing>
 </p:sld>
 </file>
 
@@ -14224,6 +14274,13 @@
   <p:clrMapOvr>
     <a:masterClrMapping/>
   </p:clrMapOvr>
+  <p:timing>
+    <p:tnLst>
+      <p:par>
+        <p:cTn id="1" dur="indefinite" restart="never" nodeType="tmRoot"/>
+      </p:par>
+    </p:tnLst>
+  </p:timing>
 </p:sld>
 </file>
 
@@ -14246,6 +14303,73 @@
       </p:grpSpPr>
       <p:sp>
         <p:nvSpPr>
+          <p:cNvPr id="12" name="矩形 11"/>
+          <p:cNvSpPr/>
+          <p:nvPr/>
+        </p:nvSpPr>
+        <p:spPr bwMode="auto">
+          <a:xfrm>
+            <a:off x="5796136" y="1412776"/>
+            <a:ext cx="2376264" cy="1800200"/>
+          </a:xfrm>
+          <a:prstGeom prst="rect">
+            <a:avLst/>
+          </a:prstGeom>
+          <a:solidFill>
+            <a:schemeClr val="bg1">
+              <a:lumMod val="95000"/>
+            </a:schemeClr>
+          </a:solidFill>
+          <a:ln w="25400" cap="flat" cmpd="sng" algn="ctr">
+            <a:noFill/>
+            <a:prstDash val="solid"/>
+            <a:round/>
+            <a:headEnd type="none" w="med" len="med"/>
+            <a:tailEnd type="none" w="med" len="med"/>
+          </a:ln>
+          <a:effectLst/>
+        </p:spPr>
+        <p:txBody>
+          <a:bodyPr vert="horz" wrap="square" lIns="0" tIns="0" rIns="0" bIns="0" numCol="1" rtlCol="0" anchor="ctr" anchorCtr="0" compatLnSpc="1">
+            <a:prstTxWarp prst="textNoShape">
+              <a:avLst/>
+            </a:prstTxWarp>
+            <a:spAutoFit/>
+          </a:bodyPr>
+          <a:lstStyle/>
+          <a:p>
+            <a:pPr marL="0" marR="0" indent="0" algn="ctr" defTabSz="914400" rtl="0" eaLnBrk="0" fontAlgn="base" latinLnBrk="0" hangingPunct="0">
+              <a:lnSpc>
+                <a:spcPct val="100000"/>
+              </a:lnSpc>
+              <a:spcBef>
+                <a:spcPct val="0"/>
+              </a:spcBef>
+              <a:spcAft>
+                <a:spcPct val="0"/>
+              </a:spcAft>
+              <a:buClrTx/>
+              <a:buSzTx/>
+              <a:buFontTx/>
+              <a:buNone/>
+              <a:tabLst/>
+            </a:pPr>
+            <a:endParaRPr kumimoji="0" lang="zh-CN" altLang="en-US" sz="1800" b="1" i="0" u="none" strike="noStrike" cap="none" normalizeH="0" baseline="0" smtClean="0">
+              <a:ln>
+                <a:noFill/>
+              </a:ln>
+              <a:solidFill>
+                <a:schemeClr val="bg1"/>
+              </a:solidFill>
+              <a:effectLst/>
+              <a:latin typeface="Arial" pitchFamily="34" charset="0"/>
+              <a:ea typeface="宋体" pitchFamily="2" charset="-122"/>
+            </a:endParaRPr>
+          </a:p>
+        </p:txBody>
+      </p:sp>
+      <p:sp>
+        <p:nvSpPr>
           <p:cNvPr id="2" name="标题 1"/>
           <p:cNvSpPr>
             <a:spLocks noGrp="1"/>
@@ -14260,8 +14384,8 @@
           <a:lstStyle/>
           <a:p>
             <a:r>
-              <a:rPr lang="zh-CN" altLang="en-US" dirty="0" smtClean="0"/>
-              <a:t>主要内容</a:t>
+              <a:rPr lang="en-US" altLang="zh-CN" dirty="0" smtClean="0"/>
+              <a:t>Example : Branch</a:t>
             </a:r>
             <a:endParaRPr lang="zh-CN" altLang="en-US" dirty="0"/>
           </a:p>
@@ -14277,96 +14401,6163 @@
             <p:ph idx="1"/>
           </p:nvPr>
         </p:nvSpPr>
-        <p:spPr/>
+        <p:spPr>
+          <a:xfrm>
+            <a:off x="381000" y="1052736"/>
+            <a:ext cx="5943414" cy="5328592"/>
+          </a:xfrm>
+        </p:spPr>
         <p:txBody>
           <a:bodyPr/>
           <a:lstStyle/>
           <a:p>
             <a:r>
-              <a:rPr lang="en-US" altLang="zh-CN" sz="2400" dirty="0" smtClean="0"/>
-              <a:t>Introduction &amp; Overview</a:t>
-            </a:r>
-          </a:p>
-          <a:p>
-            <a:r>
-              <a:rPr lang="en-US" altLang="zh-CN" sz="2400" dirty="0" smtClean="0"/>
-              <a:t>Instruction Fetch</a:t>
-            </a:r>
-            <a:endParaRPr lang="zh-CN" altLang="en-US" sz="2400" dirty="0"/>
-          </a:p>
-          <a:p>
-            <a:r>
-              <a:rPr lang="en-US" altLang="zh-CN" sz="2400" dirty="0"/>
-              <a:t>Unified Physical Register </a:t>
-            </a:r>
-            <a:r>
-              <a:rPr lang="en-US" altLang="zh-CN" sz="2400" dirty="0" smtClean="0"/>
-              <a:t>File</a:t>
-            </a:r>
-          </a:p>
-          <a:p>
-            <a:r>
-              <a:rPr lang="en-US" altLang="zh-CN" sz="2400" dirty="0" smtClean="0"/>
-              <a:t>The Decode Stage</a:t>
-            </a:r>
-          </a:p>
-          <a:p>
-            <a:r>
-              <a:rPr lang="en-US" altLang="zh-CN" sz="2400" dirty="0" smtClean="0"/>
-              <a:t>The Rename Stage</a:t>
-            </a:r>
-          </a:p>
-          <a:p>
-            <a:r>
-              <a:rPr lang="en-US" altLang="zh-CN" sz="2400" dirty="0" smtClean="0"/>
-              <a:t>ROB &amp; The Dispatch Stage </a:t>
-            </a:r>
-          </a:p>
-          <a:p>
-            <a:r>
-              <a:rPr lang="en-US" altLang="zh-CN" sz="2400" dirty="0" smtClean="0"/>
-              <a:t>The Issue Unit</a:t>
-            </a:r>
-          </a:p>
-          <a:p>
-            <a:r>
-              <a:rPr lang="en-US" altLang="zh-CN" sz="2400" dirty="0" smtClean="0"/>
-              <a:t>The Register File and Bypass</a:t>
-            </a:r>
-          </a:p>
-          <a:p>
-            <a:r>
-              <a:rPr lang="en-US" altLang="zh-CN" sz="2400" dirty="0" smtClean="0"/>
-              <a:t>The Execute Pipeline</a:t>
-            </a:r>
-          </a:p>
-          <a:p>
-            <a:r>
-              <a:rPr lang="en-US" altLang="zh-CN" sz="2400" dirty="0" smtClean="0"/>
-              <a:t>The Load/Store Unit</a:t>
-            </a:r>
-          </a:p>
-          <a:p>
-            <a:r>
-              <a:rPr lang="zh-CN" altLang="en-US" sz="2400" dirty="0">
+              <a:rPr lang="en-US" altLang="zh-CN" sz="2400" dirty="0">
+                <a:latin typeface="Calibri (正文)"/>
+              </a:rPr>
+              <a:t>b</a:t>
+            </a:r>
+            <a:r>
+              <a:rPr lang="en-US" altLang="zh-CN" sz="2400" dirty="0" smtClean="0">
+                <a:latin typeface="Calibri (正文)"/>
+              </a:rPr>
+              <a:t>ne x1, x2, #4</a:t>
+            </a:r>
+          </a:p>
+          <a:p>
+            <a:endParaRPr lang="en-US" altLang="zh-CN" sz="2400" dirty="0">
+              <a:latin typeface="Calibri (正文)"/>
+            </a:endParaRPr>
+          </a:p>
+          <a:p>
+            <a:endParaRPr lang="en-US" altLang="zh-CN" sz="2400" dirty="0" smtClean="0">
+              <a:latin typeface="Calibri (正文)"/>
+            </a:endParaRPr>
+          </a:p>
+          <a:p>
+            <a:endParaRPr lang="en-US" altLang="zh-CN" sz="2400" dirty="0">
+              <a:latin typeface="Calibri (正文)"/>
+            </a:endParaRPr>
+          </a:p>
+          <a:p>
+            <a:endParaRPr lang="en-US" altLang="zh-CN" sz="2400" dirty="0" smtClean="0">
+              <a:latin typeface="Calibri (正文)"/>
+            </a:endParaRPr>
+          </a:p>
+          <a:p>
+            <a:endParaRPr lang="en-US" altLang="zh-CN" sz="2400" dirty="0">
+              <a:latin typeface="Calibri (正文)"/>
+            </a:endParaRPr>
+          </a:p>
+          <a:p>
+            <a:endParaRPr lang="en-US" altLang="zh-CN" sz="2400" dirty="0" smtClean="0">
+              <a:latin typeface="Calibri (正文)"/>
+            </a:endParaRPr>
+          </a:p>
+          <a:p>
+            <a:endParaRPr lang="en-US" altLang="zh-CN" sz="2400" dirty="0">
+              <a:latin typeface="Calibri (正文)"/>
+            </a:endParaRPr>
+          </a:p>
+          <a:p>
+            <a:endParaRPr lang="en-US" altLang="zh-CN" sz="2400" dirty="0" smtClean="0">
+              <a:latin typeface="Calibri (正文)"/>
+            </a:endParaRPr>
+          </a:p>
+          <a:p>
+            <a:r>
+              <a:rPr lang="en-US" altLang="zh-CN" sz="2400" dirty="0" smtClean="0">
+                <a:latin typeface="宋体" panose="02010600030101010101" pitchFamily="2" charset="-122"/>
+                <a:ea typeface="宋体" panose="02010600030101010101" pitchFamily="2" charset="-122"/>
+              </a:rPr>
+              <a:t>p3,p4 is ready, so, when the branch unit is not busy, this branch can be issued.</a:t>
+            </a:r>
+          </a:p>
+        </p:txBody>
+      </p:sp>
+      <p:graphicFrame>
+        <p:nvGraphicFramePr>
+          <p:cNvPr id="5" name="表格 4"/>
+          <p:cNvGraphicFramePr>
+            <a:graphicFrameLocks noGrp="1"/>
+          </p:cNvGraphicFramePr>
+          <p:nvPr>
+            <p:extLst/>
+          </p:nvPr>
+        </p:nvGraphicFramePr>
+        <p:xfrm>
+          <a:off x="611560" y="1756797"/>
+          <a:ext cx="1105272" cy="885825"/>
+        </p:xfrm>
+        <a:graphic>
+          <a:graphicData uri="http://schemas.openxmlformats.org/drawingml/2006/table">
+            <a:tbl>
+              <a:tblPr>
+                <a:tableStyleId>{5C22544A-7EE6-4342-B048-85BDC9FD1C3A}</a:tableStyleId>
+              </a:tblPr>
+              <a:tblGrid>
+                <a:gridCol w="276318"/>
+                <a:gridCol w="828954"/>
+              </a:tblGrid>
+              <a:tr h="171450">
+                <a:tc>
+                  <a:txBody>
+                    <a:bodyPr/>
+                    <a:lstStyle/>
+                    <a:p>
+                      <a:pPr algn="r" fontAlgn="ctr"/>
+                      <a:r>
+                        <a:rPr lang="en-US" sz="1100" u="none" strike="noStrike" dirty="0">
+                          <a:effectLst/>
+                        </a:rPr>
+                        <a:t>x0</a:t>
+                      </a:r>
+                      <a:endParaRPr lang="en-US" sz="1100" b="0" i="0" u="none" strike="noStrike" dirty="0">
+                        <a:solidFill>
+                          <a:srgbClr val="000000"/>
+                        </a:solidFill>
+                        <a:effectLst/>
+                        <a:latin typeface="宋体" panose="02010600030101010101" pitchFamily="2" charset="-122"/>
+                        <a:ea typeface="宋体" panose="02010600030101010101" pitchFamily="2" charset="-122"/>
+                      </a:endParaRPr>
+                    </a:p>
+                  </a:txBody>
+                  <a:tcPr marL="9525" marR="9525" marT="9525" marB="0" anchor="ctr">
+                    <a:noFill/>
+                  </a:tcPr>
+                </a:tc>
+                <a:tc>
+                  <a:txBody>
+                    <a:bodyPr/>
+                    <a:lstStyle/>
+                    <a:p>
+                      <a:pPr algn="ctr" fontAlgn="ctr"/>
+                      <a:r>
+                        <a:rPr lang="zh-CN" altLang="en-US" sz="1100" u="none" strike="noStrike" dirty="0">
+                          <a:effectLst/>
+                        </a:rPr>
+                        <a:t>　</a:t>
+                      </a:r>
+                      <a:endParaRPr lang="zh-CN" altLang="en-US" sz="1100" b="0" i="0" u="none" strike="noStrike" dirty="0">
+                        <a:solidFill>
+                          <a:srgbClr val="000000"/>
+                        </a:solidFill>
+                        <a:effectLst/>
+                        <a:latin typeface="宋体" panose="02010600030101010101" pitchFamily="2" charset="-122"/>
+                        <a:ea typeface="宋体" panose="02010600030101010101" pitchFamily="2" charset="-122"/>
+                      </a:endParaRPr>
+                    </a:p>
+                  </a:txBody>
+                  <a:tcPr marL="9525" marR="9525" marT="9525" marB="0" anchor="ctr">
+                    <a:gradFill>
+                      <a:gsLst>
+                        <a:gs pos="0">
+                          <a:schemeClr val="accent1">
+                            <a:lumMod val="5000"/>
+                            <a:lumOff val="95000"/>
+                          </a:schemeClr>
+                        </a:gs>
+                        <a:gs pos="74000">
+                          <a:schemeClr val="accent1">
+                            <a:lumMod val="45000"/>
+                            <a:lumOff val="55000"/>
+                          </a:schemeClr>
+                        </a:gs>
+                        <a:gs pos="83000">
+                          <a:schemeClr val="accent1">
+                            <a:lumMod val="45000"/>
+                            <a:lumOff val="55000"/>
+                          </a:schemeClr>
+                        </a:gs>
+                        <a:gs pos="100000">
+                          <a:schemeClr val="accent1">
+                            <a:lumMod val="30000"/>
+                            <a:lumOff val="70000"/>
+                          </a:schemeClr>
+                        </a:gs>
+                      </a:gsLst>
+                      <a:lin ang="5400000" scaled="1"/>
+                    </a:gradFill>
+                  </a:tcPr>
+                </a:tc>
+              </a:tr>
+              <a:tr h="171450">
+                <a:tc>
+                  <a:txBody>
+                    <a:bodyPr/>
+                    <a:lstStyle/>
+                    <a:p>
+                      <a:pPr algn="r" fontAlgn="ctr"/>
+                      <a:r>
+                        <a:rPr lang="en-US" sz="1100" u="none" strike="noStrike" dirty="0">
+                          <a:effectLst/>
+                        </a:rPr>
+                        <a:t>x1</a:t>
+                      </a:r>
+                      <a:endParaRPr lang="en-US" sz="1100" b="0" i="0" u="none" strike="noStrike" dirty="0">
+                        <a:solidFill>
+                          <a:srgbClr val="000000"/>
+                        </a:solidFill>
+                        <a:effectLst/>
+                        <a:latin typeface="宋体" panose="02010600030101010101" pitchFamily="2" charset="-122"/>
+                        <a:ea typeface="宋体" panose="02010600030101010101" pitchFamily="2" charset="-122"/>
+                      </a:endParaRPr>
+                    </a:p>
+                  </a:txBody>
+                  <a:tcPr marL="9525" marR="9525" marT="9525" marB="0" anchor="ctr">
+                    <a:noFill/>
+                  </a:tcPr>
+                </a:tc>
+                <a:tc>
+                  <a:txBody>
+                    <a:bodyPr/>
+                    <a:lstStyle/>
+                    <a:p>
+                      <a:pPr algn="ctr" fontAlgn="ctr"/>
+                      <a:r>
+                        <a:rPr lang="en-US" sz="1100" u="none" strike="noStrike" dirty="0">
+                          <a:effectLst/>
+                        </a:rPr>
+                        <a:t>p3</a:t>
+                      </a:r>
+                      <a:endParaRPr lang="en-US" sz="1100" b="0" i="0" u="none" strike="noStrike" dirty="0">
+                        <a:solidFill>
+                          <a:srgbClr val="000000"/>
+                        </a:solidFill>
+                        <a:effectLst/>
+                        <a:latin typeface="宋体" panose="02010600030101010101" pitchFamily="2" charset="-122"/>
+                        <a:ea typeface="宋体" panose="02010600030101010101" pitchFamily="2" charset="-122"/>
+                      </a:endParaRPr>
+                    </a:p>
+                  </a:txBody>
+                  <a:tcPr marL="9525" marR="9525" marT="9525" marB="0" anchor="ctr">
+                    <a:gradFill>
+                      <a:gsLst>
+                        <a:gs pos="0">
+                          <a:schemeClr val="accent1">
+                            <a:lumMod val="5000"/>
+                            <a:lumOff val="95000"/>
+                          </a:schemeClr>
+                        </a:gs>
+                        <a:gs pos="74000">
+                          <a:schemeClr val="accent1">
+                            <a:lumMod val="45000"/>
+                            <a:lumOff val="55000"/>
+                          </a:schemeClr>
+                        </a:gs>
+                        <a:gs pos="83000">
+                          <a:schemeClr val="accent1">
+                            <a:lumMod val="45000"/>
+                            <a:lumOff val="55000"/>
+                          </a:schemeClr>
+                        </a:gs>
+                        <a:gs pos="100000">
+                          <a:schemeClr val="accent1">
+                            <a:lumMod val="30000"/>
+                            <a:lumOff val="70000"/>
+                          </a:schemeClr>
+                        </a:gs>
+                      </a:gsLst>
+                      <a:lin ang="5400000" scaled="1"/>
+                    </a:gradFill>
+                  </a:tcPr>
+                </a:tc>
+              </a:tr>
+              <a:tr h="171450">
+                <a:tc>
+                  <a:txBody>
+                    <a:bodyPr/>
+                    <a:lstStyle/>
+                    <a:p>
+                      <a:pPr algn="r" fontAlgn="ctr"/>
+                      <a:r>
+                        <a:rPr lang="en-US" sz="1100" u="none" strike="noStrike" dirty="0">
+                          <a:effectLst/>
+                        </a:rPr>
+                        <a:t>x2</a:t>
+                      </a:r>
+                      <a:endParaRPr lang="en-US" sz="1100" b="0" i="0" u="none" strike="noStrike" dirty="0">
+                        <a:solidFill>
+                          <a:srgbClr val="000000"/>
+                        </a:solidFill>
+                        <a:effectLst/>
+                        <a:latin typeface="宋体" panose="02010600030101010101" pitchFamily="2" charset="-122"/>
+                        <a:ea typeface="宋体" panose="02010600030101010101" pitchFamily="2" charset="-122"/>
+                      </a:endParaRPr>
+                    </a:p>
+                  </a:txBody>
+                  <a:tcPr marL="9525" marR="9525" marT="9525" marB="0" anchor="ctr">
+                    <a:noFill/>
+                  </a:tcPr>
+                </a:tc>
+                <a:tc>
+                  <a:txBody>
+                    <a:bodyPr/>
+                    <a:lstStyle/>
+                    <a:p>
+                      <a:pPr algn="ctr" fontAlgn="ctr"/>
+                      <a:r>
+                        <a:rPr lang="en-US" sz="1100" u="none" strike="noStrike" dirty="0">
+                          <a:effectLst/>
+                        </a:rPr>
+                        <a:t>p4</a:t>
+                      </a:r>
+                      <a:endParaRPr lang="en-US" sz="1100" b="0" i="0" u="none" strike="noStrike" dirty="0">
+                        <a:solidFill>
+                          <a:srgbClr val="000000"/>
+                        </a:solidFill>
+                        <a:effectLst/>
+                        <a:latin typeface="宋体" panose="02010600030101010101" pitchFamily="2" charset="-122"/>
+                        <a:ea typeface="宋体" panose="02010600030101010101" pitchFamily="2" charset="-122"/>
+                      </a:endParaRPr>
+                    </a:p>
+                  </a:txBody>
+                  <a:tcPr marL="9525" marR="9525" marT="9525" marB="0" anchor="ctr">
+                    <a:gradFill>
+                      <a:gsLst>
+                        <a:gs pos="0">
+                          <a:schemeClr val="accent1">
+                            <a:lumMod val="5000"/>
+                            <a:lumOff val="95000"/>
+                          </a:schemeClr>
+                        </a:gs>
+                        <a:gs pos="74000">
+                          <a:schemeClr val="accent1">
+                            <a:lumMod val="45000"/>
+                            <a:lumOff val="55000"/>
+                          </a:schemeClr>
+                        </a:gs>
+                        <a:gs pos="83000">
+                          <a:schemeClr val="accent1">
+                            <a:lumMod val="45000"/>
+                            <a:lumOff val="55000"/>
+                          </a:schemeClr>
+                        </a:gs>
+                        <a:gs pos="100000">
+                          <a:schemeClr val="accent1">
+                            <a:lumMod val="30000"/>
+                            <a:lumOff val="70000"/>
+                          </a:schemeClr>
+                        </a:gs>
+                      </a:gsLst>
+                      <a:lin ang="5400000" scaled="1"/>
+                    </a:gradFill>
+                  </a:tcPr>
+                </a:tc>
+              </a:tr>
+              <a:tr h="60588">
+                <a:tc>
+                  <a:txBody>
+                    <a:bodyPr/>
+                    <a:lstStyle/>
+                    <a:p>
+                      <a:pPr algn="r" fontAlgn="ctr"/>
+                      <a:r>
+                        <a:rPr lang="en-US" altLang="zh-CN" sz="1100" u="none" strike="noStrike" dirty="0">
+                          <a:effectLst/>
+                        </a:rPr>
+                        <a:t>…</a:t>
+                      </a:r>
+                      <a:endParaRPr lang="en-US" altLang="zh-CN" sz="1100" b="0" i="0" u="none" strike="noStrike" dirty="0">
+                        <a:solidFill>
+                          <a:srgbClr val="000000"/>
+                        </a:solidFill>
+                        <a:effectLst/>
+                        <a:latin typeface="宋体" panose="02010600030101010101" pitchFamily="2" charset="-122"/>
+                        <a:ea typeface="宋体" panose="02010600030101010101" pitchFamily="2" charset="-122"/>
+                      </a:endParaRPr>
+                    </a:p>
+                  </a:txBody>
+                  <a:tcPr marL="9525" marR="9525" marT="9525" marB="0" anchor="ctr">
+                    <a:noFill/>
+                  </a:tcPr>
+                </a:tc>
+                <a:tc>
+                  <a:txBody>
+                    <a:bodyPr/>
+                    <a:lstStyle/>
+                    <a:p>
+                      <a:pPr algn="ctr" fontAlgn="ctr"/>
+                      <a:r>
+                        <a:rPr lang="zh-CN" altLang="en-US" sz="1100" u="none" strike="noStrike" dirty="0">
+                          <a:effectLst/>
+                        </a:rPr>
+                        <a:t>　</a:t>
+                      </a:r>
+                      <a:endParaRPr lang="zh-CN" altLang="en-US" sz="1100" b="0" i="0" u="none" strike="noStrike" dirty="0">
+                        <a:solidFill>
+                          <a:srgbClr val="000000"/>
+                        </a:solidFill>
+                        <a:effectLst/>
+                        <a:latin typeface="宋体" panose="02010600030101010101" pitchFamily="2" charset="-122"/>
+                        <a:ea typeface="宋体" panose="02010600030101010101" pitchFamily="2" charset="-122"/>
+                      </a:endParaRPr>
+                    </a:p>
+                  </a:txBody>
+                  <a:tcPr marL="9525" marR="9525" marT="9525" marB="0" anchor="ctr">
+                    <a:gradFill>
+                      <a:gsLst>
+                        <a:gs pos="0">
+                          <a:schemeClr val="accent1">
+                            <a:lumMod val="5000"/>
+                            <a:lumOff val="95000"/>
+                          </a:schemeClr>
+                        </a:gs>
+                        <a:gs pos="74000">
+                          <a:schemeClr val="accent1">
+                            <a:lumMod val="45000"/>
+                            <a:lumOff val="55000"/>
+                          </a:schemeClr>
+                        </a:gs>
+                        <a:gs pos="83000">
+                          <a:schemeClr val="accent1">
+                            <a:lumMod val="45000"/>
+                            <a:lumOff val="55000"/>
+                          </a:schemeClr>
+                        </a:gs>
+                        <a:gs pos="100000">
+                          <a:schemeClr val="accent1">
+                            <a:lumMod val="30000"/>
+                            <a:lumOff val="70000"/>
+                          </a:schemeClr>
+                        </a:gs>
+                      </a:gsLst>
+                      <a:lin ang="5400000" scaled="1"/>
+                    </a:gradFill>
+                  </a:tcPr>
+                </a:tc>
+              </a:tr>
+              <a:tr h="171450">
+                <a:tc>
+                  <a:txBody>
+                    <a:bodyPr/>
+                    <a:lstStyle/>
+                    <a:p>
+                      <a:pPr algn="r" fontAlgn="ctr"/>
+                      <a:r>
+                        <a:rPr lang="en-US" sz="1100" u="none" strike="noStrike" dirty="0">
+                          <a:effectLst/>
+                        </a:rPr>
+                        <a:t>x31</a:t>
+                      </a:r>
+                      <a:endParaRPr lang="en-US" sz="1100" b="0" i="0" u="none" strike="noStrike" dirty="0">
+                        <a:solidFill>
+                          <a:srgbClr val="000000"/>
+                        </a:solidFill>
+                        <a:effectLst/>
+                        <a:latin typeface="宋体" panose="02010600030101010101" pitchFamily="2" charset="-122"/>
+                        <a:ea typeface="宋体" panose="02010600030101010101" pitchFamily="2" charset="-122"/>
+                      </a:endParaRPr>
+                    </a:p>
+                  </a:txBody>
+                  <a:tcPr marL="9525" marR="9525" marT="9525" marB="0" anchor="ctr">
+                    <a:noFill/>
+                  </a:tcPr>
+                </a:tc>
+                <a:tc>
+                  <a:txBody>
+                    <a:bodyPr/>
+                    <a:lstStyle/>
+                    <a:p>
+                      <a:pPr algn="ctr" fontAlgn="ctr"/>
+                      <a:r>
+                        <a:rPr lang="zh-CN" altLang="en-US" sz="1100" u="none" strike="noStrike" dirty="0">
+                          <a:effectLst/>
+                        </a:rPr>
+                        <a:t>　</a:t>
+                      </a:r>
+                      <a:endParaRPr lang="zh-CN" altLang="en-US" sz="1100" b="0" i="0" u="none" strike="noStrike" dirty="0">
+                        <a:solidFill>
+                          <a:srgbClr val="000000"/>
+                        </a:solidFill>
+                        <a:effectLst/>
+                        <a:latin typeface="宋体" panose="02010600030101010101" pitchFamily="2" charset="-122"/>
+                        <a:ea typeface="宋体" panose="02010600030101010101" pitchFamily="2" charset="-122"/>
+                      </a:endParaRPr>
+                    </a:p>
+                  </a:txBody>
+                  <a:tcPr marL="9525" marR="9525" marT="9525" marB="0" anchor="ctr">
+                    <a:gradFill>
+                      <a:gsLst>
+                        <a:gs pos="0">
+                          <a:schemeClr val="accent1">
+                            <a:lumMod val="5000"/>
+                            <a:lumOff val="95000"/>
+                          </a:schemeClr>
+                        </a:gs>
+                        <a:gs pos="74000">
+                          <a:schemeClr val="accent1">
+                            <a:lumMod val="45000"/>
+                            <a:lumOff val="55000"/>
+                          </a:schemeClr>
+                        </a:gs>
+                        <a:gs pos="83000">
+                          <a:schemeClr val="accent1">
+                            <a:lumMod val="45000"/>
+                            <a:lumOff val="55000"/>
+                          </a:schemeClr>
+                        </a:gs>
+                        <a:gs pos="100000">
+                          <a:schemeClr val="accent1">
+                            <a:lumMod val="30000"/>
+                            <a:lumOff val="70000"/>
+                          </a:schemeClr>
+                        </a:gs>
+                      </a:gsLst>
+                      <a:lin ang="5400000" scaled="1"/>
+                    </a:gradFill>
+                  </a:tcPr>
+                </a:tc>
+              </a:tr>
+            </a:tbl>
+          </a:graphicData>
+        </a:graphic>
+      </p:graphicFrame>
+      <p:graphicFrame>
+        <p:nvGraphicFramePr>
+          <p:cNvPr id="7" name="表格 6"/>
+          <p:cNvGraphicFramePr>
+            <a:graphicFrameLocks noGrp="1"/>
+          </p:cNvGraphicFramePr>
+          <p:nvPr>
+            <p:extLst/>
+          </p:nvPr>
+        </p:nvGraphicFramePr>
+        <p:xfrm>
+          <a:off x="2123728" y="1756797"/>
+          <a:ext cx="1143000" cy="1240155"/>
+        </p:xfrm>
+        <a:graphic>
+          <a:graphicData uri="http://schemas.openxmlformats.org/drawingml/2006/table">
+            <a:tbl>
+              <a:tblPr>
+                <a:tableStyleId>{5C22544A-7EE6-4342-B048-85BDC9FD1C3A}</a:tableStyleId>
+              </a:tblPr>
+              <a:tblGrid>
+                <a:gridCol w="228600"/>
+                <a:gridCol w="685800"/>
+                <a:gridCol w="228600"/>
+              </a:tblGrid>
+              <a:tr h="171450">
+                <a:tc>
+                  <a:txBody>
+                    <a:bodyPr/>
+                    <a:lstStyle/>
+                    <a:p>
+                      <a:pPr algn="r" fontAlgn="ctr"/>
+                      <a:r>
+                        <a:rPr lang="en-US" sz="1100" u="none" strike="noStrike" dirty="0">
+                          <a:effectLst/>
+                        </a:rPr>
+                        <a:t>p0</a:t>
+                      </a:r>
+                      <a:endParaRPr lang="en-US" sz="1100" b="0" i="0" u="none" strike="noStrike" dirty="0">
+                        <a:solidFill>
+                          <a:srgbClr val="000000"/>
+                        </a:solidFill>
+                        <a:effectLst/>
+                        <a:latin typeface="宋体" panose="02010600030101010101" pitchFamily="2" charset="-122"/>
+                        <a:ea typeface="宋体" panose="02010600030101010101" pitchFamily="2" charset="-122"/>
+                      </a:endParaRPr>
+                    </a:p>
+                  </a:txBody>
+                  <a:tcPr marL="9525" marR="9525" marT="9525" marB="0" anchor="ctr">
+                    <a:noFill/>
+                  </a:tcPr>
+                </a:tc>
+                <a:tc>
+                  <a:txBody>
+                    <a:bodyPr/>
+                    <a:lstStyle/>
+                    <a:p>
+                      <a:pPr algn="ctr" fontAlgn="ctr"/>
+                      <a:r>
+                        <a:rPr lang="zh-CN" altLang="en-US" sz="1100" u="none" strike="noStrike" dirty="0">
+                          <a:effectLst/>
+                        </a:rPr>
+                        <a:t>　</a:t>
+                      </a:r>
+                      <a:endParaRPr lang="zh-CN" altLang="en-US" sz="1100" b="0" i="0" u="none" strike="noStrike" dirty="0">
+                        <a:solidFill>
+                          <a:srgbClr val="000000"/>
+                        </a:solidFill>
+                        <a:effectLst/>
+                        <a:latin typeface="宋体" panose="02010600030101010101" pitchFamily="2" charset="-122"/>
+                        <a:ea typeface="宋体" panose="02010600030101010101" pitchFamily="2" charset="-122"/>
+                      </a:endParaRPr>
+                    </a:p>
+                  </a:txBody>
+                  <a:tcPr marL="9525" marR="9525" marT="9525" marB="0" anchor="ctr">
+                    <a:gradFill>
+                      <a:gsLst>
+                        <a:gs pos="0">
+                          <a:schemeClr val="accent1">
+                            <a:lumMod val="5000"/>
+                            <a:lumOff val="95000"/>
+                          </a:schemeClr>
+                        </a:gs>
+                        <a:gs pos="74000">
+                          <a:schemeClr val="accent1">
+                            <a:lumMod val="45000"/>
+                            <a:lumOff val="55000"/>
+                          </a:schemeClr>
+                        </a:gs>
+                        <a:gs pos="83000">
+                          <a:schemeClr val="accent1">
+                            <a:lumMod val="45000"/>
+                            <a:lumOff val="55000"/>
+                          </a:schemeClr>
+                        </a:gs>
+                        <a:gs pos="100000">
+                          <a:schemeClr val="accent1">
+                            <a:lumMod val="30000"/>
+                            <a:lumOff val="70000"/>
+                          </a:schemeClr>
+                        </a:gs>
+                      </a:gsLst>
+                      <a:lin ang="5400000" scaled="1"/>
+                    </a:gradFill>
+                  </a:tcPr>
+                </a:tc>
+                <a:tc>
+                  <a:txBody>
+                    <a:bodyPr/>
+                    <a:lstStyle/>
+                    <a:p>
+                      <a:pPr algn="ctr" fontAlgn="ctr"/>
+                      <a:endParaRPr lang="zh-CN" altLang="en-US" sz="1100" b="0" i="0" u="none" strike="noStrike" dirty="0">
+                        <a:solidFill>
+                          <a:srgbClr val="000000"/>
+                        </a:solidFill>
+                        <a:effectLst/>
+                        <a:latin typeface="宋体" panose="02010600030101010101" pitchFamily="2" charset="-122"/>
+                        <a:ea typeface="宋体" panose="02010600030101010101" pitchFamily="2" charset="-122"/>
+                      </a:endParaRPr>
+                    </a:p>
+                  </a:txBody>
+                  <a:tcPr marL="9525" marR="9525" marT="9525" marB="0" anchor="ctr">
+                    <a:gradFill>
+                      <a:gsLst>
+                        <a:gs pos="0">
+                          <a:schemeClr val="accent1">
+                            <a:lumMod val="5000"/>
+                            <a:lumOff val="95000"/>
+                          </a:schemeClr>
+                        </a:gs>
+                        <a:gs pos="74000">
+                          <a:schemeClr val="accent1">
+                            <a:lumMod val="45000"/>
+                            <a:lumOff val="55000"/>
+                          </a:schemeClr>
+                        </a:gs>
+                        <a:gs pos="83000">
+                          <a:schemeClr val="accent1">
+                            <a:lumMod val="45000"/>
+                            <a:lumOff val="55000"/>
+                          </a:schemeClr>
+                        </a:gs>
+                        <a:gs pos="100000">
+                          <a:schemeClr val="accent1">
+                            <a:lumMod val="30000"/>
+                            <a:lumOff val="70000"/>
+                          </a:schemeClr>
+                        </a:gs>
+                      </a:gsLst>
+                      <a:lin ang="5400000" scaled="1"/>
+                    </a:gradFill>
+                  </a:tcPr>
+                </a:tc>
+              </a:tr>
+              <a:tr h="171450">
+                <a:tc>
+                  <a:txBody>
+                    <a:bodyPr/>
+                    <a:lstStyle/>
+                    <a:p>
+                      <a:pPr algn="r" fontAlgn="ctr"/>
+                      <a:r>
+                        <a:rPr lang="en-US" sz="1100" u="none" strike="noStrike">
+                          <a:effectLst/>
+                        </a:rPr>
+                        <a:t>p1</a:t>
+                      </a:r>
+                      <a:endParaRPr lang="en-US" sz="1100" b="0" i="0" u="none" strike="noStrike">
+                        <a:solidFill>
+                          <a:srgbClr val="000000"/>
+                        </a:solidFill>
+                        <a:effectLst/>
+                        <a:latin typeface="宋体" panose="02010600030101010101" pitchFamily="2" charset="-122"/>
+                        <a:ea typeface="宋体" panose="02010600030101010101" pitchFamily="2" charset="-122"/>
+                      </a:endParaRPr>
+                    </a:p>
+                  </a:txBody>
+                  <a:tcPr marL="9525" marR="9525" marT="9525" marB="0" anchor="ctr">
+                    <a:noFill/>
+                  </a:tcPr>
+                </a:tc>
+                <a:tc>
+                  <a:txBody>
+                    <a:bodyPr/>
+                    <a:lstStyle/>
+                    <a:p>
+                      <a:pPr algn="ctr" fontAlgn="ctr"/>
+                      <a:r>
+                        <a:rPr lang="zh-CN" altLang="en-US" sz="1100" u="none" strike="noStrike">
+                          <a:effectLst/>
+                        </a:rPr>
+                        <a:t>　</a:t>
+                      </a:r>
+                      <a:endParaRPr lang="zh-CN" altLang="en-US" sz="1100" b="0" i="0" u="none" strike="noStrike">
+                        <a:solidFill>
+                          <a:srgbClr val="000000"/>
+                        </a:solidFill>
+                        <a:effectLst/>
+                        <a:latin typeface="宋体" panose="02010600030101010101" pitchFamily="2" charset="-122"/>
+                        <a:ea typeface="宋体" panose="02010600030101010101" pitchFamily="2" charset="-122"/>
+                      </a:endParaRPr>
+                    </a:p>
+                  </a:txBody>
+                  <a:tcPr marL="9525" marR="9525" marT="9525" marB="0" anchor="ctr">
+                    <a:gradFill>
+                      <a:gsLst>
+                        <a:gs pos="0">
+                          <a:schemeClr val="accent1">
+                            <a:lumMod val="5000"/>
+                            <a:lumOff val="95000"/>
+                          </a:schemeClr>
+                        </a:gs>
+                        <a:gs pos="74000">
+                          <a:schemeClr val="accent1">
+                            <a:lumMod val="45000"/>
+                            <a:lumOff val="55000"/>
+                          </a:schemeClr>
+                        </a:gs>
+                        <a:gs pos="83000">
+                          <a:schemeClr val="accent1">
+                            <a:lumMod val="45000"/>
+                            <a:lumOff val="55000"/>
+                          </a:schemeClr>
+                        </a:gs>
+                        <a:gs pos="100000">
+                          <a:schemeClr val="accent1">
+                            <a:lumMod val="30000"/>
+                            <a:lumOff val="70000"/>
+                          </a:schemeClr>
+                        </a:gs>
+                      </a:gsLst>
+                      <a:lin ang="5400000" scaled="1"/>
+                    </a:gradFill>
+                  </a:tcPr>
+                </a:tc>
+                <a:tc>
+                  <a:txBody>
+                    <a:bodyPr/>
+                    <a:lstStyle/>
+                    <a:p>
+                      <a:pPr algn="ctr" fontAlgn="ctr"/>
+                      <a:endParaRPr lang="zh-CN" altLang="en-US" sz="1100" b="0" i="0" u="none" strike="noStrike">
+                        <a:solidFill>
+                          <a:srgbClr val="000000"/>
+                        </a:solidFill>
+                        <a:effectLst/>
+                        <a:latin typeface="宋体" panose="02010600030101010101" pitchFamily="2" charset="-122"/>
+                        <a:ea typeface="宋体" panose="02010600030101010101" pitchFamily="2" charset="-122"/>
+                      </a:endParaRPr>
+                    </a:p>
+                  </a:txBody>
+                  <a:tcPr marL="9525" marR="9525" marT="9525" marB="0" anchor="ctr">
+                    <a:gradFill>
+                      <a:gsLst>
+                        <a:gs pos="0">
+                          <a:schemeClr val="accent1">
+                            <a:lumMod val="5000"/>
+                            <a:lumOff val="95000"/>
+                          </a:schemeClr>
+                        </a:gs>
+                        <a:gs pos="74000">
+                          <a:schemeClr val="accent1">
+                            <a:lumMod val="45000"/>
+                            <a:lumOff val="55000"/>
+                          </a:schemeClr>
+                        </a:gs>
+                        <a:gs pos="83000">
+                          <a:schemeClr val="accent1">
+                            <a:lumMod val="45000"/>
+                            <a:lumOff val="55000"/>
+                          </a:schemeClr>
+                        </a:gs>
+                        <a:gs pos="100000">
+                          <a:schemeClr val="accent1">
+                            <a:lumMod val="30000"/>
+                            <a:lumOff val="70000"/>
+                          </a:schemeClr>
+                        </a:gs>
+                      </a:gsLst>
+                      <a:lin ang="5400000" scaled="1"/>
+                    </a:gradFill>
+                  </a:tcPr>
+                </a:tc>
+              </a:tr>
+              <a:tr h="48771">
+                <a:tc>
+                  <a:txBody>
+                    <a:bodyPr/>
+                    <a:lstStyle/>
+                    <a:p>
+                      <a:pPr algn="r" fontAlgn="ctr"/>
+                      <a:r>
+                        <a:rPr lang="en-US" sz="1100" u="none" strike="noStrike">
+                          <a:effectLst/>
+                        </a:rPr>
+                        <a:t>p2</a:t>
+                      </a:r>
+                      <a:endParaRPr lang="en-US" sz="1100" b="0" i="0" u="none" strike="noStrike">
+                        <a:solidFill>
+                          <a:srgbClr val="000000"/>
+                        </a:solidFill>
+                        <a:effectLst/>
+                        <a:latin typeface="宋体" panose="02010600030101010101" pitchFamily="2" charset="-122"/>
+                        <a:ea typeface="宋体" panose="02010600030101010101" pitchFamily="2" charset="-122"/>
+                      </a:endParaRPr>
+                    </a:p>
+                  </a:txBody>
+                  <a:tcPr marL="9525" marR="9525" marT="9525" marB="0" anchor="ctr">
+                    <a:noFill/>
+                  </a:tcPr>
+                </a:tc>
+                <a:tc>
+                  <a:txBody>
+                    <a:bodyPr/>
+                    <a:lstStyle/>
+                    <a:p>
+                      <a:pPr algn="ctr" fontAlgn="ctr"/>
+                      <a:r>
+                        <a:rPr lang="en-US" sz="1100" u="none" strike="noStrike">
+                          <a:effectLst/>
+                        </a:rPr>
+                        <a:t>0x1</a:t>
+                      </a:r>
+                      <a:endParaRPr lang="en-US" sz="1100" b="0" i="0" u="none" strike="noStrike">
+                        <a:solidFill>
+                          <a:srgbClr val="000000"/>
+                        </a:solidFill>
+                        <a:effectLst/>
+                        <a:latin typeface="宋体" panose="02010600030101010101" pitchFamily="2" charset="-122"/>
+                        <a:ea typeface="宋体" panose="02010600030101010101" pitchFamily="2" charset="-122"/>
+                      </a:endParaRPr>
+                    </a:p>
+                  </a:txBody>
+                  <a:tcPr marL="9525" marR="9525" marT="9525" marB="0" anchor="ctr">
+                    <a:gradFill>
+                      <a:gsLst>
+                        <a:gs pos="0">
+                          <a:schemeClr val="accent1">
+                            <a:lumMod val="5000"/>
+                            <a:lumOff val="95000"/>
+                          </a:schemeClr>
+                        </a:gs>
+                        <a:gs pos="74000">
+                          <a:schemeClr val="accent1">
+                            <a:lumMod val="45000"/>
+                            <a:lumOff val="55000"/>
+                          </a:schemeClr>
+                        </a:gs>
+                        <a:gs pos="83000">
+                          <a:schemeClr val="accent1">
+                            <a:lumMod val="45000"/>
+                            <a:lumOff val="55000"/>
+                          </a:schemeClr>
+                        </a:gs>
+                        <a:gs pos="100000">
+                          <a:schemeClr val="accent1">
+                            <a:lumMod val="30000"/>
+                            <a:lumOff val="70000"/>
+                          </a:schemeClr>
+                        </a:gs>
+                      </a:gsLst>
+                      <a:lin ang="5400000" scaled="1"/>
+                    </a:gradFill>
+                  </a:tcPr>
+                </a:tc>
+                <a:tc>
+                  <a:txBody>
+                    <a:bodyPr/>
+                    <a:lstStyle/>
+                    <a:p>
+                      <a:pPr algn="ctr" fontAlgn="ctr"/>
+                      <a:r>
+                        <a:rPr lang="en-US" sz="1100" u="none" strike="noStrike">
+                          <a:effectLst/>
+                        </a:rPr>
+                        <a:t>p</a:t>
+                      </a:r>
+                      <a:endParaRPr lang="en-US" sz="1100" b="0" i="0" u="none" strike="noStrike">
+                        <a:solidFill>
+                          <a:srgbClr val="000000"/>
+                        </a:solidFill>
+                        <a:effectLst/>
+                        <a:latin typeface="宋体" panose="02010600030101010101" pitchFamily="2" charset="-122"/>
+                        <a:ea typeface="宋体" panose="02010600030101010101" pitchFamily="2" charset="-122"/>
+                      </a:endParaRPr>
+                    </a:p>
+                  </a:txBody>
+                  <a:tcPr marL="9525" marR="9525" marT="9525" marB="0" anchor="ctr">
+                    <a:gradFill>
+                      <a:gsLst>
+                        <a:gs pos="0">
+                          <a:schemeClr val="accent1">
+                            <a:lumMod val="5000"/>
+                            <a:lumOff val="95000"/>
+                          </a:schemeClr>
+                        </a:gs>
+                        <a:gs pos="74000">
+                          <a:schemeClr val="accent1">
+                            <a:lumMod val="45000"/>
+                            <a:lumOff val="55000"/>
+                          </a:schemeClr>
+                        </a:gs>
+                        <a:gs pos="83000">
+                          <a:schemeClr val="accent1">
+                            <a:lumMod val="45000"/>
+                            <a:lumOff val="55000"/>
+                          </a:schemeClr>
+                        </a:gs>
+                        <a:gs pos="100000">
+                          <a:schemeClr val="accent1">
+                            <a:lumMod val="30000"/>
+                            <a:lumOff val="70000"/>
+                          </a:schemeClr>
+                        </a:gs>
+                      </a:gsLst>
+                      <a:lin ang="5400000" scaled="1"/>
+                    </a:gradFill>
+                  </a:tcPr>
+                </a:tc>
+              </a:tr>
+              <a:tr h="171450">
+                <a:tc>
+                  <a:txBody>
+                    <a:bodyPr/>
+                    <a:lstStyle/>
+                    <a:p>
+                      <a:pPr algn="r" fontAlgn="ctr"/>
+                      <a:r>
+                        <a:rPr lang="en-US" sz="1100" u="none" strike="noStrike">
+                          <a:effectLst/>
+                        </a:rPr>
+                        <a:t>p3</a:t>
+                      </a:r>
+                      <a:endParaRPr lang="en-US" sz="1100" b="0" i="0" u="none" strike="noStrike">
+                        <a:solidFill>
+                          <a:srgbClr val="000000"/>
+                        </a:solidFill>
+                        <a:effectLst/>
+                        <a:latin typeface="宋体" panose="02010600030101010101" pitchFamily="2" charset="-122"/>
+                        <a:ea typeface="宋体" panose="02010600030101010101" pitchFamily="2" charset="-122"/>
+                      </a:endParaRPr>
+                    </a:p>
+                  </a:txBody>
+                  <a:tcPr marL="9525" marR="9525" marT="9525" marB="0" anchor="ctr">
+                    <a:noFill/>
+                  </a:tcPr>
+                </a:tc>
+                <a:tc>
+                  <a:txBody>
+                    <a:bodyPr/>
+                    <a:lstStyle/>
+                    <a:p>
+                      <a:pPr algn="ctr" fontAlgn="ctr"/>
+                      <a:r>
+                        <a:rPr lang="en-US" sz="1100" u="none" strike="noStrike">
+                          <a:effectLst/>
+                        </a:rPr>
+                        <a:t>0x3</a:t>
+                      </a:r>
+                      <a:endParaRPr lang="en-US" sz="1100" b="0" i="0" u="none" strike="noStrike">
+                        <a:solidFill>
+                          <a:srgbClr val="000000"/>
+                        </a:solidFill>
+                        <a:effectLst/>
+                        <a:latin typeface="宋体" panose="02010600030101010101" pitchFamily="2" charset="-122"/>
+                        <a:ea typeface="宋体" panose="02010600030101010101" pitchFamily="2" charset="-122"/>
+                      </a:endParaRPr>
+                    </a:p>
+                  </a:txBody>
+                  <a:tcPr marL="9525" marR="9525" marT="9525" marB="0" anchor="ctr">
+                    <a:gradFill>
+                      <a:gsLst>
+                        <a:gs pos="0">
+                          <a:schemeClr val="accent1">
+                            <a:lumMod val="5000"/>
+                            <a:lumOff val="95000"/>
+                          </a:schemeClr>
+                        </a:gs>
+                        <a:gs pos="74000">
+                          <a:schemeClr val="accent1">
+                            <a:lumMod val="45000"/>
+                            <a:lumOff val="55000"/>
+                          </a:schemeClr>
+                        </a:gs>
+                        <a:gs pos="83000">
+                          <a:schemeClr val="accent1">
+                            <a:lumMod val="45000"/>
+                            <a:lumOff val="55000"/>
+                          </a:schemeClr>
+                        </a:gs>
+                        <a:gs pos="100000">
+                          <a:schemeClr val="accent1">
+                            <a:lumMod val="30000"/>
+                            <a:lumOff val="70000"/>
+                          </a:schemeClr>
+                        </a:gs>
+                      </a:gsLst>
+                      <a:lin ang="5400000" scaled="1"/>
+                    </a:gradFill>
+                  </a:tcPr>
+                </a:tc>
+                <a:tc>
+                  <a:txBody>
+                    <a:bodyPr/>
+                    <a:lstStyle/>
+                    <a:p>
+                      <a:pPr algn="ctr" fontAlgn="ctr"/>
+                      <a:r>
+                        <a:rPr lang="en-US" sz="1100" u="none" strike="noStrike">
+                          <a:effectLst/>
+                        </a:rPr>
+                        <a:t>p</a:t>
+                      </a:r>
+                      <a:endParaRPr lang="en-US" sz="1100" b="0" i="0" u="none" strike="noStrike">
+                        <a:solidFill>
+                          <a:srgbClr val="000000"/>
+                        </a:solidFill>
+                        <a:effectLst/>
+                        <a:latin typeface="宋体" panose="02010600030101010101" pitchFamily="2" charset="-122"/>
+                        <a:ea typeface="宋体" panose="02010600030101010101" pitchFamily="2" charset="-122"/>
+                      </a:endParaRPr>
+                    </a:p>
+                  </a:txBody>
+                  <a:tcPr marL="9525" marR="9525" marT="9525" marB="0" anchor="ctr">
+                    <a:gradFill>
+                      <a:gsLst>
+                        <a:gs pos="0">
+                          <a:schemeClr val="accent1">
+                            <a:lumMod val="5000"/>
+                            <a:lumOff val="95000"/>
+                          </a:schemeClr>
+                        </a:gs>
+                        <a:gs pos="74000">
+                          <a:schemeClr val="accent1">
+                            <a:lumMod val="45000"/>
+                            <a:lumOff val="55000"/>
+                          </a:schemeClr>
+                        </a:gs>
+                        <a:gs pos="83000">
+                          <a:schemeClr val="accent1">
+                            <a:lumMod val="45000"/>
+                            <a:lumOff val="55000"/>
+                          </a:schemeClr>
+                        </a:gs>
+                        <a:gs pos="100000">
+                          <a:schemeClr val="accent1">
+                            <a:lumMod val="30000"/>
+                            <a:lumOff val="70000"/>
+                          </a:schemeClr>
+                        </a:gs>
+                      </a:gsLst>
+                      <a:lin ang="5400000" scaled="1"/>
+                    </a:gradFill>
+                  </a:tcPr>
+                </a:tc>
+              </a:tr>
+              <a:tr h="171450">
+                <a:tc>
+                  <a:txBody>
+                    <a:bodyPr/>
+                    <a:lstStyle/>
+                    <a:p>
+                      <a:pPr algn="r" fontAlgn="ctr"/>
+                      <a:r>
+                        <a:rPr lang="en-US" sz="1100" u="none" strike="noStrike">
+                          <a:effectLst/>
+                        </a:rPr>
+                        <a:t>p4</a:t>
+                      </a:r>
+                      <a:endParaRPr lang="en-US" sz="1100" b="0" i="0" u="none" strike="noStrike">
+                        <a:solidFill>
+                          <a:srgbClr val="000000"/>
+                        </a:solidFill>
+                        <a:effectLst/>
+                        <a:latin typeface="宋体" panose="02010600030101010101" pitchFamily="2" charset="-122"/>
+                        <a:ea typeface="宋体" panose="02010600030101010101" pitchFamily="2" charset="-122"/>
+                      </a:endParaRPr>
+                    </a:p>
+                  </a:txBody>
+                  <a:tcPr marL="9525" marR="9525" marT="9525" marB="0" anchor="ctr">
+                    <a:noFill/>
+                  </a:tcPr>
+                </a:tc>
+                <a:tc>
+                  <a:txBody>
+                    <a:bodyPr/>
+                    <a:lstStyle/>
+                    <a:p>
+                      <a:pPr algn="ctr" fontAlgn="ctr"/>
+                      <a:r>
+                        <a:rPr lang="en-US" sz="1100" u="none" strike="noStrike">
+                          <a:effectLst/>
+                        </a:rPr>
+                        <a:t>0x4</a:t>
+                      </a:r>
+                      <a:endParaRPr lang="en-US" sz="1100" b="0" i="0" u="none" strike="noStrike">
+                        <a:solidFill>
+                          <a:srgbClr val="000000"/>
+                        </a:solidFill>
+                        <a:effectLst/>
+                        <a:latin typeface="宋体" panose="02010600030101010101" pitchFamily="2" charset="-122"/>
+                        <a:ea typeface="宋体" panose="02010600030101010101" pitchFamily="2" charset="-122"/>
+                      </a:endParaRPr>
+                    </a:p>
+                  </a:txBody>
+                  <a:tcPr marL="9525" marR="9525" marT="9525" marB="0" anchor="ctr">
+                    <a:gradFill>
+                      <a:gsLst>
+                        <a:gs pos="0">
+                          <a:schemeClr val="accent1">
+                            <a:lumMod val="5000"/>
+                            <a:lumOff val="95000"/>
+                          </a:schemeClr>
+                        </a:gs>
+                        <a:gs pos="74000">
+                          <a:schemeClr val="accent1">
+                            <a:lumMod val="45000"/>
+                            <a:lumOff val="55000"/>
+                          </a:schemeClr>
+                        </a:gs>
+                        <a:gs pos="83000">
+                          <a:schemeClr val="accent1">
+                            <a:lumMod val="45000"/>
+                            <a:lumOff val="55000"/>
+                          </a:schemeClr>
+                        </a:gs>
+                        <a:gs pos="100000">
+                          <a:schemeClr val="accent1">
+                            <a:lumMod val="30000"/>
+                            <a:lumOff val="70000"/>
+                          </a:schemeClr>
+                        </a:gs>
+                      </a:gsLst>
+                      <a:lin ang="5400000" scaled="1"/>
+                    </a:gradFill>
+                  </a:tcPr>
+                </a:tc>
+                <a:tc>
+                  <a:txBody>
+                    <a:bodyPr/>
+                    <a:lstStyle/>
+                    <a:p>
+                      <a:pPr algn="ctr" fontAlgn="ctr"/>
+                      <a:r>
+                        <a:rPr lang="en-US" sz="1100" u="none" strike="noStrike">
+                          <a:effectLst/>
+                        </a:rPr>
+                        <a:t>p</a:t>
+                      </a:r>
+                      <a:endParaRPr lang="en-US" sz="1100" b="0" i="0" u="none" strike="noStrike">
+                        <a:solidFill>
+                          <a:srgbClr val="000000"/>
+                        </a:solidFill>
+                        <a:effectLst/>
+                        <a:latin typeface="宋体" panose="02010600030101010101" pitchFamily="2" charset="-122"/>
+                        <a:ea typeface="宋体" panose="02010600030101010101" pitchFamily="2" charset="-122"/>
+                      </a:endParaRPr>
+                    </a:p>
+                  </a:txBody>
+                  <a:tcPr marL="9525" marR="9525" marT="9525" marB="0" anchor="ctr">
+                    <a:gradFill>
+                      <a:gsLst>
+                        <a:gs pos="0">
+                          <a:schemeClr val="accent1">
+                            <a:lumMod val="5000"/>
+                            <a:lumOff val="95000"/>
+                          </a:schemeClr>
+                        </a:gs>
+                        <a:gs pos="74000">
+                          <a:schemeClr val="accent1">
+                            <a:lumMod val="45000"/>
+                            <a:lumOff val="55000"/>
+                          </a:schemeClr>
+                        </a:gs>
+                        <a:gs pos="83000">
+                          <a:schemeClr val="accent1">
+                            <a:lumMod val="45000"/>
+                            <a:lumOff val="55000"/>
+                          </a:schemeClr>
+                        </a:gs>
+                        <a:gs pos="100000">
+                          <a:schemeClr val="accent1">
+                            <a:lumMod val="30000"/>
+                            <a:lumOff val="70000"/>
+                          </a:schemeClr>
+                        </a:gs>
+                      </a:gsLst>
+                      <a:lin ang="5400000" scaled="1"/>
+                    </a:gradFill>
+                  </a:tcPr>
+                </a:tc>
+              </a:tr>
+              <a:tr h="171450">
+                <a:tc>
+                  <a:txBody>
+                    <a:bodyPr/>
+                    <a:lstStyle/>
+                    <a:p>
+                      <a:pPr algn="r" fontAlgn="ctr"/>
+                      <a:r>
+                        <a:rPr lang="en-US" altLang="zh-CN" sz="1100" u="none" strike="noStrike">
+                          <a:effectLst/>
+                        </a:rPr>
+                        <a:t>…</a:t>
+                      </a:r>
+                      <a:endParaRPr lang="en-US" altLang="zh-CN" sz="1100" b="0" i="0" u="none" strike="noStrike">
+                        <a:solidFill>
+                          <a:srgbClr val="000000"/>
+                        </a:solidFill>
+                        <a:effectLst/>
+                        <a:latin typeface="宋体" panose="02010600030101010101" pitchFamily="2" charset="-122"/>
+                        <a:ea typeface="宋体" panose="02010600030101010101" pitchFamily="2" charset="-122"/>
+                      </a:endParaRPr>
+                    </a:p>
+                  </a:txBody>
+                  <a:tcPr marL="9525" marR="9525" marT="9525" marB="0" anchor="ctr">
+                    <a:noFill/>
+                  </a:tcPr>
+                </a:tc>
+                <a:tc>
+                  <a:txBody>
+                    <a:bodyPr/>
+                    <a:lstStyle/>
+                    <a:p>
+                      <a:pPr algn="ctr" fontAlgn="ctr"/>
+                      <a:endParaRPr lang="zh-CN" altLang="en-US" sz="1100" b="0" i="0" u="none" strike="noStrike">
+                        <a:solidFill>
+                          <a:srgbClr val="000000"/>
+                        </a:solidFill>
+                        <a:effectLst/>
+                        <a:latin typeface="宋体" panose="02010600030101010101" pitchFamily="2" charset="-122"/>
+                        <a:ea typeface="宋体" panose="02010600030101010101" pitchFamily="2" charset="-122"/>
+                      </a:endParaRPr>
+                    </a:p>
+                  </a:txBody>
+                  <a:tcPr marL="9525" marR="9525" marT="9525" marB="0" anchor="ctr">
+                    <a:gradFill>
+                      <a:gsLst>
+                        <a:gs pos="0">
+                          <a:schemeClr val="accent1">
+                            <a:lumMod val="5000"/>
+                            <a:lumOff val="95000"/>
+                          </a:schemeClr>
+                        </a:gs>
+                        <a:gs pos="74000">
+                          <a:schemeClr val="accent1">
+                            <a:lumMod val="45000"/>
+                            <a:lumOff val="55000"/>
+                          </a:schemeClr>
+                        </a:gs>
+                        <a:gs pos="83000">
+                          <a:schemeClr val="accent1">
+                            <a:lumMod val="45000"/>
+                            <a:lumOff val="55000"/>
+                          </a:schemeClr>
+                        </a:gs>
+                        <a:gs pos="100000">
+                          <a:schemeClr val="accent1">
+                            <a:lumMod val="30000"/>
+                            <a:lumOff val="70000"/>
+                          </a:schemeClr>
+                        </a:gs>
+                      </a:gsLst>
+                      <a:lin ang="5400000" scaled="1"/>
+                    </a:gradFill>
+                  </a:tcPr>
+                </a:tc>
+                <a:tc>
+                  <a:txBody>
+                    <a:bodyPr/>
+                    <a:lstStyle/>
+                    <a:p>
+                      <a:pPr algn="ctr" fontAlgn="ctr"/>
+                      <a:endParaRPr lang="zh-CN" altLang="en-US" sz="1100" b="0" i="0" u="none" strike="noStrike">
+                        <a:solidFill>
+                          <a:srgbClr val="000000"/>
+                        </a:solidFill>
+                        <a:effectLst/>
+                        <a:latin typeface="宋体" panose="02010600030101010101" pitchFamily="2" charset="-122"/>
+                        <a:ea typeface="宋体" panose="02010600030101010101" pitchFamily="2" charset="-122"/>
+                      </a:endParaRPr>
+                    </a:p>
+                  </a:txBody>
+                  <a:tcPr marL="9525" marR="9525" marT="9525" marB="0" anchor="ctr">
+                    <a:gradFill>
+                      <a:gsLst>
+                        <a:gs pos="0">
+                          <a:schemeClr val="accent1">
+                            <a:lumMod val="5000"/>
+                            <a:lumOff val="95000"/>
+                          </a:schemeClr>
+                        </a:gs>
+                        <a:gs pos="74000">
+                          <a:schemeClr val="accent1">
+                            <a:lumMod val="45000"/>
+                            <a:lumOff val="55000"/>
+                          </a:schemeClr>
+                        </a:gs>
+                        <a:gs pos="83000">
+                          <a:schemeClr val="accent1">
+                            <a:lumMod val="45000"/>
+                            <a:lumOff val="55000"/>
+                          </a:schemeClr>
+                        </a:gs>
+                        <a:gs pos="100000">
+                          <a:schemeClr val="accent1">
+                            <a:lumMod val="30000"/>
+                            <a:lumOff val="70000"/>
+                          </a:schemeClr>
+                        </a:gs>
+                      </a:gsLst>
+                      <a:lin ang="5400000" scaled="1"/>
+                    </a:gradFill>
+                  </a:tcPr>
+                </a:tc>
+              </a:tr>
+              <a:tr h="171450">
+                <a:tc>
+                  <a:txBody>
+                    <a:bodyPr/>
+                    <a:lstStyle/>
+                    <a:p>
+                      <a:pPr algn="r" fontAlgn="ctr"/>
+                      <a:r>
+                        <a:rPr lang="en-US" sz="1100" u="none" strike="noStrike" dirty="0" err="1">
+                          <a:effectLst/>
+                        </a:rPr>
+                        <a:t>pn</a:t>
+                      </a:r>
+                      <a:endParaRPr lang="en-US" sz="1100" b="0" i="0" u="none" strike="noStrike" dirty="0">
+                        <a:solidFill>
+                          <a:srgbClr val="000000"/>
+                        </a:solidFill>
+                        <a:effectLst/>
+                        <a:latin typeface="宋体" panose="02010600030101010101" pitchFamily="2" charset="-122"/>
+                        <a:ea typeface="宋体" panose="02010600030101010101" pitchFamily="2" charset="-122"/>
+                      </a:endParaRPr>
+                    </a:p>
+                  </a:txBody>
+                  <a:tcPr marL="9525" marR="9525" marT="9525" marB="0" anchor="ctr">
+                    <a:noFill/>
+                  </a:tcPr>
+                </a:tc>
+                <a:tc>
+                  <a:txBody>
+                    <a:bodyPr/>
+                    <a:lstStyle/>
+                    <a:p>
+                      <a:pPr algn="ctr" fontAlgn="ctr"/>
+                      <a:endParaRPr lang="zh-CN" altLang="en-US" sz="1100" b="0" i="0" u="none" strike="noStrike">
+                        <a:solidFill>
+                          <a:srgbClr val="000000"/>
+                        </a:solidFill>
+                        <a:effectLst/>
+                        <a:latin typeface="宋体" panose="02010600030101010101" pitchFamily="2" charset="-122"/>
+                        <a:ea typeface="宋体" panose="02010600030101010101" pitchFamily="2" charset="-122"/>
+                      </a:endParaRPr>
+                    </a:p>
+                  </a:txBody>
+                  <a:tcPr marL="9525" marR="9525" marT="9525" marB="0" anchor="ctr">
+                    <a:gradFill>
+                      <a:gsLst>
+                        <a:gs pos="0">
+                          <a:schemeClr val="accent1">
+                            <a:lumMod val="5000"/>
+                            <a:lumOff val="95000"/>
+                          </a:schemeClr>
+                        </a:gs>
+                        <a:gs pos="74000">
+                          <a:schemeClr val="accent1">
+                            <a:lumMod val="45000"/>
+                            <a:lumOff val="55000"/>
+                          </a:schemeClr>
+                        </a:gs>
+                        <a:gs pos="83000">
+                          <a:schemeClr val="accent1">
+                            <a:lumMod val="45000"/>
+                            <a:lumOff val="55000"/>
+                          </a:schemeClr>
+                        </a:gs>
+                        <a:gs pos="100000">
+                          <a:schemeClr val="accent1">
+                            <a:lumMod val="30000"/>
+                            <a:lumOff val="70000"/>
+                          </a:schemeClr>
+                        </a:gs>
+                      </a:gsLst>
+                      <a:lin ang="5400000" scaled="1"/>
+                    </a:gradFill>
+                  </a:tcPr>
+                </a:tc>
+                <a:tc>
+                  <a:txBody>
+                    <a:bodyPr/>
+                    <a:lstStyle/>
+                    <a:p>
+                      <a:pPr algn="ctr" fontAlgn="ctr"/>
+                      <a:endParaRPr lang="zh-CN" altLang="en-US" sz="1100" b="0" i="0" u="none" strike="noStrike" dirty="0">
+                        <a:solidFill>
+                          <a:srgbClr val="000000"/>
+                        </a:solidFill>
+                        <a:effectLst/>
+                        <a:latin typeface="宋体" panose="02010600030101010101" pitchFamily="2" charset="-122"/>
+                        <a:ea typeface="宋体" panose="02010600030101010101" pitchFamily="2" charset="-122"/>
+                      </a:endParaRPr>
+                    </a:p>
+                  </a:txBody>
+                  <a:tcPr marL="9525" marR="9525" marT="9525" marB="0" anchor="ctr">
+                    <a:gradFill>
+                      <a:gsLst>
+                        <a:gs pos="0">
+                          <a:schemeClr val="accent1">
+                            <a:lumMod val="5000"/>
+                            <a:lumOff val="95000"/>
+                          </a:schemeClr>
+                        </a:gs>
+                        <a:gs pos="74000">
+                          <a:schemeClr val="accent1">
+                            <a:lumMod val="45000"/>
+                            <a:lumOff val="55000"/>
+                          </a:schemeClr>
+                        </a:gs>
+                        <a:gs pos="83000">
+                          <a:schemeClr val="accent1">
+                            <a:lumMod val="45000"/>
+                            <a:lumOff val="55000"/>
+                          </a:schemeClr>
+                        </a:gs>
+                        <a:gs pos="100000">
+                          <a:schemeClr val="accent1">
+                            <a:lumMod val="30000"/>
+                            <a:lumOff val="70000"/>
+                          </a:schemeClr>
+                        </a:gs>
+                      </a:gsLst>
+                      <a:lin ang="5400000" scaled="1"/>
+                    </a:gradFill>
+                  </a:tcPr>
+                </a:tc>
+              </a:tr>
+            </a:tbl>
+          </a:graphicData>
+        </a:graphic>
+      </p:graphicFrame>
+      <p:graphicFrame>
+        <p:nvGraphicFramePr>
+          <p:cNvPr id="8" name="表格 7"/>
+          <p:cNvGraphicFramePr>
+            <a:graphicFrameLocks noGrp="1"/>
+          </p:cNvGraphicFramePr>
+          <p:nvPr>
+            <p:extLst/>
+          </p:nvPr>
+        </p:nvGraphicFramePr>
+        <p:xfrm>
+          <a:off x="741784" y="3501008"/>
+          <a:ext cx="5486400" cy="1062990"/>
+        </p:xfrm>
+        <a:graphic>
+          <a:graphicData uri="http://schemas.openxmlformats.org/drawingml/2006/table">
+            <a:tbl>
+              <a:tblPr>
+                <a:tableStyleId>{5C22544A-7EE6-4342-B048-85BDC9FD1C3A}</a:tableStyleId>
+              </a:tblPr>
+              <a:tblGrid>
+                <a:gridCol w="685800"/>
+                <a:gridCol w="685800"/>
+                <a:gridCol w="685800"/>
+                <a:gridCol w="685800"/>
+                <a:gridCol w="685800"/>
+                <a:gridCol w="685800"/>
+                <a:gridCol w="685800"/>
+                <a:gridCol w="685800"/>
+              </a:tblGrid>
+              <a:tr h="171450">
+                <a:tc>
+                  <a:txBody>
+                    <a:bodyPr/>
+                    <a:lstStyle/>
+                    <a:p>
+                      <a:pPr algn="r" fontAlgn="ctr"/>
+                      <a:endParaRPr lang="zh-CN" altLang="en-US" sz="1100" b="0" i="0" u="none" strike="noStrike" dirty="0">
+                        <a:solidFill>
+                          <a:srgbClr val="000000"/>
+                        </a:solidFill>
+                        <a:effectLst/>
+                        <a:latin typeface="宋体" panose="02010600030101010101" pitchFamily="2" charset="-122"/>
+                        <a:ea typeface="宋体" panose="02010600030101010101" pitchFamily="2" charset="-122"/>
+                      </a:endParaRPr>
+                    </a:p>
+                  </a:txBody>
+                  <a:tcPr marL="9525" marR="9525" marT="9525" marB="0" anchor="ctr">
+                    <a:noFill/>
+                  </a:tcPr>
+                </a:tc>
+                <a:tc>
+                  <a:txBody>
+                    <a:bodyPr/>
+                    <a:lstStyle/>
+                    <a:p>
+                      <a:pPr algn="ctr" fontAlgn="ctr"/>
+                      <a:r>
+                        <a:rPr lang="en-US" sz="1100" b="1" u="none" strike="noStrike" dirty="0">
+                          <a:effectLst/>
+                        </a:rPr>
+                        <a:t>v</a:t>
+                      </a:r>
+                      <a:endParaRPr lang="en-US" sz="1100" b="1" i="0" u="none" strike="noStrike" dirty="0">
+                        <a:solidFill>
+                          <a:srgbClr val="000000"/>
+                        </a:solidFill>
+                        <a:effectLst/>
+                        <a:latin typeface="宋体" panose="02010600030101010101" pitchFamily="2" charset="-122"/>
+                        <a:ea typeface="宋体" panose="02010600030101010101" pitchFamily="2" charset="-122"/>
+                      </a:endParaRPr>
+                    </a:p>
+                  </a:txBody>
+                  <a:tcPr marL="9525" marR="9525" marT="9525" marB="0" anchor="ctr">
+                    <a:gradFill>
+                      <a:gsLst>
+                        <a:gs pos="0">
+                          <a:schemeClr val="accent1">
+                            <a:lumMod val="5000"/>
+                            <a:lumOff val="95000"/>
+                          </a:schemeClr>
+                        </a:gs>
+                        <a:gs pos="74000">
+                          <a:schemeClr val="accent1">
+                            <a:lumMod val="45000"/>
+                            <a:lumOff val="55000"/>
+                          </a:schemeClr>
+                        </a:gs>
+                        <a:gs pos="100000">
+                          <a:schemeClr val="accent1">
+                            <a:lumMod val="45000"/>
+                            <a:lumOff val="55000"/>
+                          </a:schemeClr>
+                        </a:gs>
+                        <a:gs pos="100000">
+                          <a:schemeClr val="accent1">
+                            <a:lumMod val="30000"/>
+                            <a:lumOff val="70000"/>
+                          </a:schemeClr>
+                        </a:gs>
+                      </a:gsLst>
+                      <a:lin ang="5400000" scaled="1"/>
+                    </a:gradFill>
+                  </a:tcPr>
+                </a:tc>
+                <a:tc>
+                  <a:txBody>
+                    <a:bodyPr/>
+                    <a:lstStyle/>
+                    <a:p>
+                      <a:pPr algn="ctr" fontAlgn="ctr"/>
+                      <a:r>
+                        <a:rPr lang="en-US" sz="1100" b="1" u="none" strike="noStrike">
+                          <a:effectLst/>
+                        </a:rPr>
+                        <a:t>b</a:t>
+                      </a:r>
+                      <a:endParaRPr lang="en-US" sz="1100" b="1" i="0" u="none" strike="noStrike">
+                        <a:solidFill>
+                          <a:srgbClr val="000000"/>
+                        </a:solidFill>
+                        <a:effectLst/>
+                        <a:latin typeface="宋体" panose="02010600030101010101" pitchFamily="2" charset="-122"/>
+                        <a:ea typeface="宋体" panose="02010600030101010101" pitchFamily="2" charset="-122"/>
+                      </a:endParaRPr>
+                    </a:p>
+                  </a:txBody>
+                  <a:tcPr marL="9525" marR="9525" marT="9525" marB="0" anchor="ctr">
+                    <a:gradFill>
+                      <a:gsLst>
+                        <a:gs pos="0">
+                          <a:schemeClr val="accent1">
+                            <a:lumMod val="5000"/>
+                            <a:lumOff val="95000"/>
+                          </a:schemeClr>
+                        </a:gs>
+                        <a:gs pos="74000">
+                          <a:schemeClr val="accent1">
+                            <a:lumMod val="45000"/>
+                            <a:lumOff val="55000"/>
+                          </a:schemeClr>
+                        </a:gs>
+                        <a:gs pos="100000">
+                          <a:schemeClr val="accent1">
+                            <a:lumMod val="45000"/>
+                            <a:lumOff val="55000"/>
+                          </a:schemeClr>
+                        </a:gs>
+                        <a:gs pos="100000">
+                          <a:schemeClr val="accent1">
+                            <a:lumMod val="30000"/>
+                            <a:lumOff val="70000"/>
+                          </a:schemeClr>
+                        </a:gs>
+                      </a:gsLst>
+                      <a:lin ang="5400000" scaled="1"/>
+                    </a:gradFill>
+                  </a:tcPr>
+                </a:tc>
+                <a:tc>
+                  <a:txBody>
+                    <a:bodyPr/>
+                    <a:lstStyle/>
+                    <a:p>
+                      <a:pPr algn="ctr" fontAlgn="ctr"/>
+                      <a:r>
+                        <a:rPr lang="en-US" sz="1100" b="1" u="none" strike="noStrike">
+                          <a:effectLst/>
+                        </a:rPr>
+                        <a:t>e</a:t>
+                      </a:r>
+                      <a:endParaRPr lang="en-US" sz="1100" b="1" i="0" u="none" strike="noStrike">
+                        <a:solidFill>
+                          <a:srgbClr val="000000"/>
+                        </a:solidFill>
+                        <a:effectLst/>
+                        <a:latin typeface="宋体" panose="02010600030101010101" pitchFamily="2" charset="-122"/>
+                        <a:ea typeface="宋体" panose="02010600030101010101" pitchFamily="2" charset="-122"/>
+                      </a:endParaRPr>
+                    </a:p>
+                  </a:txBody>
+                  <a:tcPr marL="9525" marR="9525" marT="9525" marB="0" anchor="ctr">
+                    <a:gradFill>
+                      <a:gsLst>
+                        <a:gs pos="0">
+                          <a:schemeClr val="accent1">
+                            <a:lumMod val="5000"/>
+                            <a:lumOff val="95000"/>
+                          </a:schemeClr>
+                        </a:gs>
+                        <a:gs pos="74000">
+                          <a:schemeClr val="accent1">
+                            <a:lumMod val="45000"/>
+                            <a:lumOff val="55000"/>
+                          </a:schemeClr>
+                        </a:gs>
+                        <a:gs pos="100000">
+                          <a:schemeClr val="accent1">
+                            <a:lumMod val="45000"/>
+                            <a:lumOff val="55000"/>
+                          </a:schemeClr>
+                        </a:gs>
+                        <a:gs pos="100000">
+                          <a:schemeClr val="accent1">
+                            <a:lumMod val="30000"/>
+                            <a:lumOff val="70000"/>
+                          </a:schemeClr>
+                        </a:gs>
+                      </a:gsLst>
+                      <a:lin ang="5400000" scaled="1"/>
+                    </a:gradFill>
+                  </a:tcPr>
+                </a:tc>
+                <a:tc>
+                  <a:txBody>
+                    <a:bodyPr/>
+                    <a:lstStyle/>
+                    <a:p>
+                      <a:pPr algn="ctr" fontAlgn="ctr"/>
+                      <a:r>
+                        <a:rPr lang="en-US" sz="1100" b="1" u="none" strike="noStrike">
+                          <a:effectLst/>
+                        </a:rPr>
+                        <a:t>bmask</a:t>
+                      </a:r>
+                      <a:endParaRPr lang="en-US" sz="1100" b="1" i="0" u="none" strike="noStrike">
+                        <a:solidFill>
+                          <a:srgbClr val="000000"/>
+                        </a:solidFill>
+                        <a:effectLst/>
+                        <a:latin typeface="宋体" panose="02010600030101010101" pitchFamily="2" charset="-122"/>
+                        <a:ea typeface="宋体" panose="02010600030101010101" pitchFamily="2" charset="-122"/>
+                      </a:endParaRPr>
+                    </a:p>
+                  </a:txBody>
+                  <a:tcPr marL="9525" marR="9525" marT="9525" marB="0" anchor="ctr">
+                    <a:gradFill>
+                      <a:gsLst>
+                        <a:gs pos="0">
+                          <a:schemeClr val="accent1">
+                            <a:lumMod val="5000"/>
+                            <a:lumOff val="95000"/>
+                          </a:schemeClr>
+                        </a:gs>
+                        <a:gs pos="74000">
+                          <a:schemeClr val="accent1">
+                            <a:lumMod val="45000"/>
+                            <a:lumOff val="55000"/>
+                          </a:schemeClr>
+                        </a:gs>
+                        <a:gs pos="100000">
+                          <a:schemeClr val="accent1">
+                            <a:lumMod val="45000"/>
+                            <a:lumOff val="55000"/>
+                          </a:schemeClr>
+                        </a:gs>
+                        <a:gs pos="100000">
+                          <a:schemeClr val="accent1">
+                            <a:lumMod val="30000"/>
+                            <a:lumOff val="70000"/>
+                          </a:schemeClr>
+                        </a:gs>
+                      </a:gsLst>
+                      <a:lin ang="5400000" scaled="1"/>
+                    </a:gradFill>
+                  </a:tcPr>
+                </a:tc>
+                <a:tc>
+                  <a:txBody>
+                    <a:bodyPr/>
+                    <a:lstStyle/>
+                    <a:p>
+                      <a:pPr algn="ctr" fontAlgn="ctr"/>
+                      <a:r>
+                        <a:rPr lang="en-US" sz="1100" b="1" u="none" strike="noStrike">
+                          <a:effectLst/>
+                        </a:rPr>
+                        <a:t>uopc</a:t>
+                      </a:r>
+                      <a:endParaRPr lang="en-US" sz="1100" b="1" i="0" u="none" strike="noStrike">
+                        <a:solidFill>
+                          <a:srgbClr val="000000"/>
+                        </a:solidFill>
+                        <a:effectLst/>
+                        <a:latin typeface="宋体" panose="02010600030101010101" pitchFamily="2" charset="-122"/>
+                        <a:ea typeface="宋体" panose="02010600030101010101" pitchFamily="2" charset="-122"/>
+                      </a:endParaRPr>
+                    </a:p>
+                  </a:txBody>
+                  <a:tcPr marL="9525" marR="9525" marT="9525" marB="0" anchor="ctr">
+                    <a:gradFill>
+                      <a:gsLst>
+                        <a:gs pos="0">
+                          <a:schemeClr val="accent1">
+                            <a:lumMod val="5000"/>
+                            <a:lumOff val="95000"/>
+                          </a:schemeClr>
+                        </a:gs>
+                        <a:gs pos="74000">
+                          <a:schemeClr val="accent1">
+                            <a:lumMod val="45000"/>
+                            <a:lumOff val="55000"/>
+                          </a:schemeClr>
+                        </a:gs>
+                        <a:gs pos="100000">
+                          <a:schemeClr val="accent1">
+                            <a:lumMod val="45000"/>
+                            <a:lumOff val="55000"/>
+                          </a:schemeClr>
+                        </a:gs>
+                        <a:gs pos="100000">
+                          <a:schemeClr val="accent1">
+                            <a:lumMod val="30000"/>
+                            <a:lumOff val="70000"/>
+                          </a:schemeClr>
+                        </a:gs>
+                      </a:gsLst>
+                      <a:lin ang="5400000" scaled="1"/>
+                    </a:gradFill>
+                  </a:tcPr>
+                </a:tc>
+                <a:tc>
+                  <a:txBody>
+                    <a:bodyPr/>
+                    <a:lstStyle/>
+                    <a:p>
+                      <a:pPr algn="ctr" fontAlgn="ctr"/>
+                      <a:r>
+                        <a:rPr lang="en-US" sz="1100" b="1" u="none" strike="noStrike">
+                          <a:effectLst/>
+                        </a:rPr>
+                        <a:t>lrd</a:t>
+                      </a:r>
+                      <a:endParaRPr lang="en-US" sz="1100" b="1" i="0" u="none" strike="noStrike">
+                        <a:solidFill>
+                          <a:srgbClr val="000000"/>
+                        </a:solidFill>
+                        <a:effectLst/>
+                        <a:latin typeface="宋体" panose="02010600030101010101" pitchFamily="2" charset="-122"/>
+                        <a:ea typeface="宋体" panose="02010600030101010101" pitchFamily="2" charset="-122"/>
+                      </a:endParaRPr>
+                    </a:p>
+                  </a:txBody>
+                  <a:tcPr marL="9525" marR="9525" marT="9525" marB="0" anchor="ctr">
+                    <a:gradFill>
+                      <a:gsLst>
+                        <a:gs pos="0">
+                          <a:schemeClr val="accent1">
+                            <a:lumMod val="5000"/>
+                            <a:lumOff val="95000"/>
+                          </a:schemeClr>
+                        </a:gs>
+                        <a:gs pos="74000">
+                          <a:schemeClr val="accent1">
+                            <a:lumMod val="45000"/>
+                            <a:lumOff val="55000"/>
+                          </a:schemeClr>
+                        </a:gs>
+                        <a:gs pos="100000">
+                          <a:schemeClr val="accent1">
+                            <a:lumMod val="45000"/>
+                            <a:lumOff val="55000"/>
+                          </a:schemeClr>
+                        </a:gs>
+                        <a:gs pos="100000">
+                          <a:schemeClr val="accent1">
+                            <a:lumMod val="30000"/>
+                            <a:lumOff val="70000"/>
+                          </a:schemeClr>
+                        </a:gs>
+                      </a:gsLst>
+                      <a:lin ang="5400000" scaled="1"/>
+                    </a:gradFill>
+                  </a:tcPr>
+                </a:tc>
+                <a:tc>
+                  <a:txBody>
+                    <a:bodyPr/>
+                    <a:lstStyle/>
+                    <a:p>
+                      <a:pPr algn="ctr" fontAlgn="ctr"/>
+                      <a:r>
+                        <a:rPr lang="en-US" sz="1100" b="1" u="none" strike="noStrike" dirty="0">
+                          <a:effectLst/>
+                        </a:rPr>
+                        <a:t>stale</a:t>
+                      </a:r>
+                      <a:endParaRPr lang="en-US" sz="1100" b="1" i="0" u="none" strike="noStrike" dirty="0">
+                        <a:solidFill>
+                          <a:srgbClr val="000000"/>
+                        </a:solidFill>
+                        <a:effectLst/>
+                        <a:latin typeface="宋体" panose="02010600030101010101" pitchFamily="2" charset="-122"/>
+                        <a:ea typeface="宋体" panose="02010600030101010101" pitchFamily="2" charset="-122"/>
+                      </a:endParaRPr>
+                    </a:p>
+                  </a:txBody>
+                  <a:tcPr marL="9525" marR="9525" marT="9525" marB="0" anchor="ctr">
+                    <a:gradFill>
+                      <a:gsLst>
+                        <a:gs pos="0">
+                          <a:schemeClr val="accent1">
+                            <a:lumMod val="5000"/>
+                            <a:lumOff val="95000"/>
+                          </a:schemeClr>
+                        </a:gs>
+                        <a:gs pos="74000">
+                          <a:schemeClr val="accent1">
+                            <a:lumMod val="45000"/>
+                            <a:lumOff val="55000"/>
+                          </a:schemeClr>
+                        </a:gs>
+                        <a:gs pos="100000">
+                          <a:schemeClr val="accent1">
+                            <a:lumMod val="45000"/>
+                            <a:lumOff val="55000"/>
+                          </a:schemeClr>
+                        </a:gs>
+                        <a:gs pos="100000">
+                          <a:schemeClr val="accent1">
+                            <a:lumMod val="30000"/>
+                            <a:lumOff val="70000"/>
+                          </a:schemeClr>
+                        </a:gs>
+                      </a:gsLst>
+                      <a:lin ang="5400000" scaled="1"/>
+                    </a:gradFill>
+                  </a:tcPr>
+                </a:tc>
+              </a:tr>
+              <a:tr h="171450">
+                <a:tc>
+                  <a:txBody>
+                    <a:bodyPr/>
+                    <a:lstStyle/>
+                    <a:p>
+                      <a:pPr algn="r" fontAlgn="ctr"/>
+                      <a:endParaRPr lang="zh-CN" altLang="en-US" sz="1100" b="0" i="0" u="none" strike="noStrike" dirty="0">
+                        <a:solidFill>
+                          <a:srgbClr val="000000"/>
+                        </a:solidFill>
+                        <a:effectLst/>
+                        <a:latin typeface="宋体" panose="02010600030101010101" pitchFamily="2" charset="-122"/>
+                        <a:ea typeface="宋体" panose="02010600030101010101" pitchFamily="2" charset="-122"/>
+                      </a:endParaRPr>
+                    </a:p>
+                  </a:txBody>
+                  <a:tcPr marL="9525" marR="9525" marT="9525" marB="0" anchor="ctr">
+                    <a:noFill/>
+                  </a:tcPr>
+                </a:tc>
+                <a:tc>
+                  <a:txBody>
+                    <a:bodyPr/>
+                    <a:lstStyle/>
+                    <a:p>
+                      <a:pPr algn="ctr" fontAlgn="ctr"/>
+                      <a:endParaRPr lang="zh-CN" altLang="en-US" sz="1100" b="0" i="0" u="none" strike="noStrike" dirty="0">
+                        <a:solidFill>
+                          <a:srgbClr val="000000"/>
+                        </a:solidFill>
+                        <a:effectLst/>
+                        <a:latin typeface="宋体" panose="02010600030101010101" pitchFamily="2" charset="-122"/>
+                        <a:ea typeface="宋体" panose="02010600030101010101" pitchFamily="2" charset="-122"/>
+                      </a:endParaRPr>
+                    </a:p>
+                  </a:txBody>
+                  <a:tcPr marL="9525" marR="9525" marT="9525" marB="0" anchor="ctr">
+                    <a:gradFill>
+                      <a:gsLst>
+                        <a:gs pos="0">
+                          <a:schemeClr val="accent1">
+                            <a:lumMod val="5000"/>
+                            <a:lumOff val="95000"/>
+                          </a:schemeClr>
+                        </a:gs>
+                        <a:gs pos="28000">
+                          <a:schemeClr val="accent1">
+                            <a:lumMod val="45000"/>
+                            <a:lumOff val="55000"/>
+                          </a:schemeClr>
+                        </a:gs>
+                        <a:gs pos="83000">
+                          <a:schemeClr val="accent1">
+                            <a:lumMod val="45000"/>
+                            <a:lumOff val="55000"/>
+                          </a:schemeClr>
+                        </a:gs>
+                        <a:gs pos="100000">
+                          <a:schemeClr val="accent1">
+                            <a:lumMod val="30000"/>
+                            <a:lumOff val="70000"/>
+                          </a:schemeClr>
+                        </a:gs>
+                      </a:gsLst>
+                      <a:lin ang="5400000" scaled="1"/>
+                    </a:gradFill>
+                  </a:tcPr>
+                </a:tc>
+                <a:tc>
+                  <a:txBody>
+                    <a:bodyPr/>
+                    <a:lstStyle/>
+                    <a:p>
+                      <a:pPr algn="ctr" fontAlgn="ctr"/>
+                      <a:endParaRPr lang="zh-CN" altLang="en-US" sz="1100" b="0" i="0" u="none" strike="noStrike">
+                        <a:solidFill>
+                          <a:srgbClr val="000000"/>
+                        </a:solidFill>
+                        <a:effectLst/>
+                        <a:latin typeface="宋体" panose="02010600030101010101" pitchFamily="2" charset="-122"/>
+                        <a:ea typeface="宋体" panose="02010600030101010101" pitchFamily="2" charset="-122"/>
+                      </a:endParaRPr>
+                    </a:p>
+                  </a:txBody>
+                  <a:tcPr marL="9525" marR="9525" marT="9525" marB="0" anchor="ctr">
+                    <a:gradFill>
+                      <a:gsLst>
+                        <a:gs pos="0">
+                          <a:schemeClr val="accent1">
+                            <a:lumMod val="5000"/>
+                            <a:lumOff val="95000"/>
+                          </a:schemeClr>
+                        </a:gs>
+                        <a:gs pos="28000">
+                          <a:schemeClr val="accent1">
+                            <a:lumMod val="45000"/>
+                            <a:lumOff val="55000"/>
+                          </a:schemeClr>
+                        </a:gs>
+                        <a:gs pos="83000">
+                          <a:schemeClr val="accent1">
+                            <a:lumMod val="45000"/>
+                            <a:lumOff val="55000"/>
+                          </a:schemeClr>
+                        </a:gs>
+                        <a:gs pos="100000">
+                          <a:schemeClr val="accent1">
+                            <a:lumMod val="30000"/>
+                            <a:lumOff val="70000"/>
+                          </a:schemeClr>
+                        </a:gs>
+                      </a:gsLst>
+                      <a:lin ang="5400000" scaled="1"/>
+                    </a:gradFill>
+                  </a:tcPr>
+                </a:tc>
+                <a:tc>
+                  <a:txBody>
+                    <a:bodyPr/>
+                    <a:lstStyle/>
+                    <a:p>
+                      <a:pPr algn="ctr" fontAlgn="ctr"/>
+                      <a:endParaRPr lang="zh-CN" altLang="en-US" sz="1100" b="0" i="0" u="none" strike="noStrike">
+                        <a:solidFill>
+                          <a:srgbClr val="000000"/>
+                        </a:solidFill>
+                        <a:effectLst/>
+                        <a:latin typeface="宋体" panose="02010600030101010101" pitchFamily="2" charset="-122"/>
+                        <a:ea typeface="宋体" panose="02010600030101010101" pitchFamily="2" charset="-122"/>
+                      </a:endParaRPr>
+                    </a:p>
+                  </a:txBody>
+                  <a:tcPr marL="9525" marR="9525" marT="9525" marB="0" anchor="ctr">
+                    <a:gradFill>
+                      <a:gsLst>
+                        <a:gs pos="0">
+                          <a:schemeClr val="accent1">
+                            <a:lumMod val="5000"/>
+                            <a:lumOff val="95000"/>
+                          </a:schemeClr>
+                        </a:gs>
+                        <a:gs pos="28000">
+                          <a:schemeClr val="accent1">
+                            <a:lumMod val="45000"/>
+                            <a:lumOff val="55000"/>
+                          </a:schemeClr>
+                        </a:gs>
+                        <a:gs pos="83000">
+                          <a:schemeClr val="accent1">
+                            <a:lumMod val="45000"/>
+                            <a:lumOff val="55000"/>
+                          </a:schemeClr>
+                        </a:gs>
+                        <a:gs pos="100000">
+                          <a:schemeClr val="accent1">
+                            <a:lumMod val="30000"/>
+                            <a:lumOff val="70000"/>
+                          </a:schemeClr>
+                        </a:gs>
+                      </a:gsLst>
+                      <a:lin ang="5400000" scaled="1"/>
+                    </a:gradFill>
+                  </a:tcPr>
+                </a:tc>
+                <a:tc>
+                  <a:txBody>
+                    <a:bodyPr/>
+                    <a:lstStyle/>
+                    <a:p>
+                      <a:pPr algn="ctr" fontAlgn="ctr"/>
+                      <a:endParaRPr lang="zh-CN" altLang="en-US" sz="1100" b="0" i="0" u="none" strike="noStrike" dirty="0">
+                        <a:solidFill>
+                          <a:srgbClr val="000000"/>
+                        </a:solidFill>
+                        <a:effectLst/>
+                        <a:latin typeface="宋体" panose="02010600030101010101" pitchFamily="2" charset="-122"/>
+                        <a:ea typeface="宋体" panose="02010600030101010101" pitchFamily="2" charset="-122"/>
+                      </a:endParaRPr>
+                    </a:p>
+                  </a:txBody>
+                  <a:tcPr marL="9525" marR="9525" marT="9525" marB="0" anchor="ctr">
+                    <a:gradFill>
+                      <a:gsLst>
+                        <a:gs pos="0">
+                          <a:schemeClr val="accent1">
+                            <a:lumMod val="5000"/>
+                            <a:lumOff val="95000"/>
+                          </a:schemeClr>
+                        </a:gs>
+                        <a:gs pos="28000">
+                          <a:schemeClr val="accent1">
+                            <a:lumMod val="45000"/>
+                            <a:lumOff val="55000"/>
+                          </a:schemeClr>
+                        </a:gs>
+                        <a:gs pos="83000">
+                          <a:schemeClr val="accent1">
+                            <a:lumMod val="45000"/>
+                            <a:lumOff val="55000"/>
+                          </a:schemeClr>
+                        </a:gs>
+                        <a:gs pos="100000">
+                          <a:schemeClr val="accent1">
+                            <a:lumMod val="30000"/>
+                            <a:lumOff val="70000"/>
+                          </a:schemeClr>
+                        </a:gs>
+                      </a:gsLst>
+                      <a:lin ang="5400000" scaled="1"/>
+                    </a:gradFill>
+                  </a:tcPr>
+                </a:tc>
+                <a:tc>
+                  <a:txBody>
+                    <a:bodyPr/>
+                    <a:lstStyle/>
+                    <a:p>
+                      <a:pPr algn="ctr" fontAlgn="ctr"/>
+                      <a:endParaRPr lang="zh-CN" altLang="en-US" sz="1100" b="0" i="0" u="none" strike="noStrike">
+                        <a:solidFill>
+                          <a:srgbClr val="000000"/>
+                        </a:solidFill>
+                        <a:effectLst/>
+                        <a:latin typeface="宋体" panose="02010600030101010101" pitchFamily="2" charset="-122"/>
+                        <a:ea typeface="宋体" panose="02010600030101010101" pitchFamily="2" charset="-122"/>
+                      </a:endParaRPr>
+                    </a:p>
+                  </a:txBody>
+                  <a:tcPr marL="9525" marR="9525" marT="9525" marB="0" anchor="ctr">
+                    <a:gradFill>
+                      <a:gsLst>
+                        <a:gs pos="0">
+                          <a:schemeClr val="accent1">
+                            <a:lumMod val="5000"/>
+                            <a:lumOff val="95000"/>
+                          </a:schemeClr>
+                        </a:gs>
+                        <a:gs pos="28000">
+                          <a:schemeClr val="accent1">
+                            <a:lumMod val="45000"/>
+                            <a:lumOff val="55000"/>
+                          </a:schemeClr>
+                        </a:gs>
+                        <a:gs pos="83000">
+                          <a:schemeClr val="accent1">
+                            <a:lumMod val="45000"/>
+                            <a:lumOff val="55000"/>
+                          </a:schemeClr>
+                        </a:gs>
+                        <a:gs pos="100000">
+                          <a:schemeClr val="accent1">
+                            <a:lumMod val="30000"/>
+                            <a:lumOff val="70000"/>
+                          </a:schemeClr>
+                        </a:gs>
+                      </a:gsLst>
+                      <a:lin ang="5400000" scaled="1"/>
+                    </a:gradFill>
+                  </a:tcPr>
+                </a:tc>
+                <a:tc>
+                  <a:txBody>
+                    <a:bodyPr/>
+                    <a:lstStyle/>
+                    <a:p>
+                      <a:pPr algn="ctr" fontAlgn="ctr"/>
+                      <a:endParaRPr lang="zh-CN" altLang="en-US" sz="1100" b="0" i="0" u="none" strike="noStrike">
+                        <a:solidFill>
+                          <a:srgbClr val="000000"/>
+                        </a:solidFill>
+                        <a:effectLst/>
+                        <a:latin typeface="宋体" panose="02010600030101010101" pitchFamily="2" charset="-122"/>
+                        <a:ea typeface="宋体" panose="02010600030101010101" pitchFamily="2" charset="-122"/>
+                      </a:endParaRPr>
+                    </a:p>
+                  </a:txBody>
+                  <a:tcPr marL="9525" marR="9525" marT="9525" marB="0" anchor="ctr">
+                    <a:gradFill>
+                      <a:gsLst>
+                        <a:gs pos="0">
+                          <a:schemeClr val="accent1">
+                            <a:lumMod val="5000"/>
+                            <a:lumOff val="95000"/>
+                          </a:schemeClr>
+                        </a:gs>
+                        <a:gs pos="28000">
+                          <a:schemeClr val="accent1">
+                            <a:lumMod val="45000"/>
+                            <a:lumOff val="55000"/>
+                          </a:schemeClr>
+                        </a:gs>
+                        <a:gs pos="83000">
+                          <a:schemeClr val="accent1">
+                            <a:lumMod val="45000"/>
+                            <a:lumOff val="55000"/>
+                          </a:schemeClr>
+                        </a:gs>
+                        <a:gs pos="100000">
+                          <a:schemeClr val="accent1">
+                            <a:lumMod val="30000"/>
+                            <a:lumOff val="70000"/>
+                          </a:schemeClr>
+                        </a:gs>
+                      </a:gsLst>
+                      <a:lin ang="5400000" scaled="1"/>
+                    </a:gradFill>
+                  </a:tcPr>
+                </a:tc>
+                <a:tc>
+                  <a:txBody>
+                    <a:bodyPr/>
+                    <a:lstStyle/>
+                    <a:p>
+                      <a:pPr algn="ctr" fontAlgn="ctr"/>
+                      <a:endParaRPr lang="zh-CN" altLang="en-US" sz="1100" b="0" i="0" u="none" strike="noStrike">
+                        <a:solidFill>
+                          <a:srgbClr val="000000"/>
+                        </a:solidFill>
+                        <a:effectLst/>
+                        <a:latin typeface="宋体" panose="02010600030101010101" pitchFamily="2" charset="-122"/>
+                        <a:ea typeface="宋体" panose="02010600030101010101" pitchFamily="2" charset="-122"/>
+                      </a:endParaRPr>
+                    </a:p>
+                  </a:txBody>
+                  <a:tcPr marL="9525" marR="9525" marT="9525" marB="0" anchor="ctr">
+                    <a:gradFill>
+                      <a:gsLst>
+                        <a:gs pos="0">
+                          <a:schemeClr val="accent1">
+                            <a:lumMod val="5000"/>
+                            <a:lumOff val="95000"/>
+                          </a:schemeClr>
+                        </a:gs>
+                        <a:gs pos="28000">
+                          <a:schemeClr val="accent1">
+                            <a:lumMod val="45000"/>
+                            <a:lumOff val="55000"/>
+                          </a:schemeClr>
+                        </a:gs>
+                        <a:gs pos="83000">
+                          <a:schemeClr val="accent1">
+                            <a:lumMod val="45000"/>
+                            <a:lumOff val="55000"/>
+                          </a:schemeClr>
+                        </a:gs>
+                        <a:gs pos="100000">
+                          <a:schemeClr val="accent1">
+                            <a:lumMod val="30000"/>
+                            <a:lumOff val="70000"/>
+                          </a:schemeClr>
+                        </a:gs>
+                      </a:gsLst>
+                      <a:lin ang="5400000" scaled="1"/>
+                    </a:gradFill>
+                  </a:tcPr>
+                </a:tc>
+              </a:tr>
+              <a:tr h="171450">
+                <a:tc>
+                  <a:txBody>
+                    <a:bodyPr/>
+                    <a:lstStyle/>
+                    <a:p>
+                      <a:pPr algn="r" fontAlgn="ctr"/>
+                      <a:r>
+                        <a:rPr lang="en-US" sz="1100" u="none" strike="noStrike" dirty="0">
+                          <a:effectLst/>
+                        </a:rPr>
+                        <a:t>head</a:t>
+                      </a:r>
+                      <a:endParaRPr lang="en-US" sz="1100" b="0" i="0" u="none" strike="noStrike" dirty="0">
+                        <a:solidFill>
+                          <a:srgbClr val="000000"/>
+                        </a:solidFill>
+                        <a:effectLst/>
+                        <a:latin typeface="宋体" panose="02010600030101010101" pitchFamily="2" charset="-122"/>
+                        <a:ea typeface="宋体" panose="02010600030101010101" pitchFamily="2" charset="-122"/>
+                      </a:endParaRPr>
+                    </a:p>
+                  </a:txBody>
+                  <a:tcPr marL="9525" marR="9525" marT="9525" marB="0" anchor="ctr">
+                    <a:noFill/>
+                  </a:tcPr>
+                </a:tc>
+                <a:tc>
+                  <a:txBody>
+                    <a:bodyPr/>
+                    <a:lstStyle/>
+                    <a:p>
+                      <a:pPr algn="ctr" fontAlgn="ctr"/>
+                      <a:endParaRPr lang="zh-CN" altLang="en-US" sz="1100" b="0" i="0" u="none" strike="noStrike">
+                        <a:solidFill>
+                          <a:srgbClr val="000000"/>
+                        </a:solidFill>
+                        <a:effectLst/>
+                        <a:latin typeface="宋体" panose="02010600030101010101" pitchFamily="2" charset="-122"/>
+                        <a:ea typeface="宋体" panose="02010600030101010101" pitchFamily="2" charset="-122"/>
+                      </a:endParaRPr>
+                    </a:p>
+                  </a:txBody>
+                  <a:tcPr marL="9525" marR="9525" marT="9525" marB="0" anchor="ctr">
+                    <a:gradFill>
+                      <a:gsLst>
+                        <a:gs pos="0">
+                          <a:schemeClr val="accent1">
+                            <a:lumMod val="5000"/>
+                            <a:lumOff val="95000"/>
+                          </a:schemeClr>
+                        </a:gs>
+                        <a:gs pos="28000">
+                          <a:schemeClr val="accent1">
+                            <a:lumMod val="45000"/>
+                            <a:lumOff val="55000"/>
+                          </a:schemeClr>
+                        </a:gs>
+                        <a:gs pos="83000">
+                          <a:schemeClr val="accent1">
+                            <a:lumMod val="45000"/>
+                            <a:lumOff val="55000"/>
+                          </a:schemeClr>
+                        </a:gs>
+                        <a:gs pos="100000">
+                          <a:schemeClr val="accent1">
+                            <a:lumMod val="30000"/>
+                            <a:lumOff val="70000"/>
+                          </a:schemeClr>
+                        </a:gs>
+                      </a:gsLst>
+                      <a:lin ang="5400000" scaled="1"/>
+                    </a:gradFill>
+                  </a:tcPr>
+                </a:tc>
+                <a:tc>
+                  <a:txBody>
+                    <a:bodyPr/>
+                    <a:lstStyle/>
+                    <a:p>
+                      <a:pPr algn="ctr" fontAlgn="ctr"/>
+                      <a:endParaRPr lang="zh-CN" altLang="en-US" sz="1100" b="0" i="0" u="none" strike="noStrike">
+                        <a:solidFill>
+                          <a:srgbClr val="000000"/>
+                        </a:solidFill>
+                        <a:effectLst/>
+                        <a:latin typeface="宋体" panose="02010600030101010101" pitchFamily="2" charset="-122"/>
+                        <a:ea typeface="宋体" panose="02010600030101010101" pitchFamily="2" charset="-122"/>
+                      </a:endParaRPr>
+                    </a:p>
+                  </a:txBody>
+                  <a:tcPr marL="9525" marR="9525" marT="9525" marB="0" anchor="ctr">
+                    <a:gradFill>
+                      <a:gsLst>
+                        <a:gs pos="0">
+                          <a:schemeClr val="accent1">
+                            <a:lumMod val="5000"/>
+                            <a:lumOff val="95000"/>
+                          </a:schemeClr>
+                        </a:gs>
+                        <a:gs pos="28000">
+                          <a:schemeClr val="accent1">
+                            <a:lumMod val="45000"/>
+                            <a:lumOff val="55000"/>
+                          </a:schemeClr>
+                        </a:gs>
+                        <a:gs pos="83000">
+                          <a:schemeClr val="accent1">
+                            <a:lumMod val="45000"/>
+                            <a:lumOff val="55000"/>
+                          </a:schemeClr>
+                        </a:gs>
+                        <a:gs pos="100000">
+                          <a:schemeClr val="accent1">
+                            <a:lumMod val="30000"/>
+                            <a:lumOff val="70000"/>
+                          </a:schemeClr>
+                        </a:gs>
+                      </a:gsLst>
+                      <a:lin ang="5400000" scaled="1"/>
+                    </a:gradFill>
+                  </a:tcPr>
+                </a:tc>
+                <a:tc>
+                  <a:txBody>
+                    <a:bodyPr/>
+                    <a:lstStyle/>
+                    <a:p>
+                      <a:pPr algn="ctr" fontAlgn="ctr"/>
+                      <a:endParaRPr lang="zh-CN" altLang="en-US" sz="1100" b="0" i="0" u="none" strike="noStrike">
+                        <a:solidFill>
+                          <a:srgbClr val="000000"/>
+                        </a:solidFill>
+                        <a:effectLst/>
+                        <a:latin typeface="宋体" panose="02010600030101010101" pitchFamily="2" charset="-122"/>
+                        <a:ea typeface="宋体" panose="02010600030101010101" pitchFamily="2" charset="-122"/>
+                      </a:endParaRPr>
+                    </a:p>
+                  </a:txBody>
+                  <a:tcPr marL="9525" marR="9525" marT="9525" marB="0" anchor="ctr">
+                    <a:gradFill>
+                      <a:gsLst>
+                        <a:gs pos="0">
+                          <a:schemeClr val="accent1">
+                            <a:lumMod val="5000"/>
+                            <a:lumOff val="95000"/>
+                          </a:schemeClr>
+                        </a:gs>
+                        <a:gs pos="28000">
+                          <a:schemeClr val="accent1">
+                            <a:lumMod val="45000"/>
+                            <a:lumOff val="55000"/>
+                          </a:schemeClr>
+                        </a:gs>
+                        <a:gs pos="83000">
+                          <a:schemeClr val="accent1">
+                            <a:lumMod val="45000"/>
+                            <a:lumOff val="55000"/>
+                          </a:schemeClr>
+                        </a:gs>
+                        <a:gs pos="100000">
+                          <a:schemeClr val="accent1">
+                            <a:lumMod val="30000"/>
+                            <a:lumOff val="70000"/>
+                          </a:schemeClr>
+                        </a:gs>
+                      </a:gsLst>
+                      <a:lin ang="5400000" scaled="1"/>
+                    </a:gradFill>
+                  </a:tcPr>
+                </a:tc>
+                <a:tc>
+                  <a:txBody>
+                    <a:bodyPr/>
+                    <a:lstStyle/>
+                    <a:p>
+                      <a:pPr algn="ctr" fontAlgn="ctr"/>
+                      <a:endParaRPr lang="zh-CN" altLang="en-US" sz="1100" b="0" i="0" u="none" strike="noStrike">
+                        <a:solidFill>
+                          <a:srgbClr val="000000"/>
+                        </a:solidFill>
+                        <a:effectLst/>
+                        <a:latin typeface="宋体" panose="02010600030101010101" pitchFamily="2" charset="-122"/>
+                        <a:ea typeface="宋体" panose="02010600030101010101" pitchFamily="2" charset="-122"/>
+                      </a:endParaRPr>
+                    </a:p>
+                  </a:txBody>
+                  <a:tcPr marL="9525" marR="9525" marT="9525" marB="0" anchor="ctr">
+                    <a:gradFill>
+                      <a:gsLst>
+                        <a:gs pos="0">
+                          <a:schemeClr val="accent1">
+                            <a:lumMod val="5000"/>
+                            <a:lumOff val="95000"/>
+                          </a:schemeClr>
+                        </a:gs>
+                        <a:gs pos="28000">
+                          <a:schemeClr val="accent1">
+                            <a:lumMod val="45000"/>
+                            <a:lumOff val="55000"/>
+                          </a:schemeClr>
+                        </a:gs>
+                        <a:gs pos="83000">
+                          <a:schemeClr val="accent1">
+                            <a:lumMod val="45000"/>
+                            <a:lumOff val="55000"/>
+                          </a:schemeClr>
+                        </a:gs>
+                        <a:gs pos="100000">
+                          <a:schemeClr val="accent1">
+                            <a:lumMod val="30000"/>
+                            <a:lumOff val="70000"/>
+                          </a:schemeClr>
+                        </a:gs>
+                      </a:gsLst>
+                      <a:lin ang="5400000" scaled="1"/>
+                    </a:gradFill>
+                  </a:tcPr>
+                </a:tc>
+                <a:tc>
+                  <a:txBody>
+                    <a:bodyPr/>
+                    <a:lstStyle/>
+                    <a:p>
+                      <a:pPr algn="ctr" fontAlgn="ctr"/>
+                      <a:endParaRPr lang="zh-CN" altLang="en-US" sz="1100" b="0" i="0" u="none" strike="noStrike">
+                        <a:solidFill>
+                          <a:srgbClr val="000000"/>
+                        </a:solidFill>
+                        <a:effectLst/>
+                        <a:latin typeface="宋体" panose="02010600030101010101" pitchFamily="2" charset="-122"/>
+                        <a:ea typeface="宋体" panose="02010600030101010101" pitchFamily="2" charset="-122"/>
+                      </a:endParaRPr>
+                    </a:p>
+                  </a:txBody>
+                  <a:tcPr marL="9525" marR="9525" marT="9525" marB="0" anchor="ctr">
+                    <a:gradFill>
+                      <a:gsLst>
+                        <a:gs pos="0">
+                          <a:schemeClr val="accent1">
+                            <a:lumMod val="5000"/>
+                            <a:lumOff val="95000"/>
+                          </a:schemeClr>
+                        </a:gs>
+                        <a:gs pos="28000">
+                          <a:schemeClr val="accent1">
+                            <a:lumMod val="45000"/>
+                            <a:lumOff val="55000"/>
+                          </a:schemeClr>
+                        </a:gs>
+                        <a:gs pos="83000">
+                          <a:schemeClr val="accent1">
+                            <a:lumMod val="45000"/>
+                            <a:lumOff val="55000"/>
+                          </a:schemeClr>
+                        </a:gs>
+                        <a:gs pos="100000">
+                          <a:schemeClr val="accent1">
+                            <a:lumMod val="30000"/>
+                            <a:lumOff val="70000"/>
+                          </a:schemeClr>
+                        </a:gs>
+                      </a:gsLst>
+                      <a:lin ang="5400000" scaled="1"/>
+                    </a:gradFill>
+                  </a:tcPr>
+                </a:tc>
+                <a:tc>
+                  <a:txBody>
+                    <a:bodyPr/>
+                    <a:lstStyle/>
+                    <a:p>
+                      <a:pPr algn="ctr" fontAlgn="ctr"/>
+                      <a:endParaRPr lang="zh-CN" altLang="en-US" sz="1100" b="0" i="0" u="none" strike="noStrike">
+                        <a:solidFill>
+                          <a:srgbClr val="000000"/>
+                        </a:solidFill>
+                        <a:effectLst/>
+                        <a:latin typeface="宋体" panose="02010600030101010101" pitchFamily="2" charset="-122"/>
+                        <a:ea typeface="宋体" panose="02010600030101010101" pitchFamily="2" charset="-122"/>
+                      </a:endParaRPr>
+                    </a:p>
+                  </a:txBody>
+                  <a:tcPr marL="9525" marR="9525" marT="9525" marB="0" anchor="ctr">
+                    <a:gradFill>
+                      <a:gsLst>
+                        <a:gs pos="0">
+                          <a:schemeClr val="accent1">
+                            <a:lumMod val="5000"/>
+                            <a:lumOff val="95000"/>
+                          </a:schemeClr>
+                        </a:gs>
+                        <a:gs pos="28000">
+                          <a:schemeClr val="accent1">
+                            <a:lumMod val="45000"/>
+                            <a:lumOff val="55000"/>
+                          </a:schemeClr>
+                        </a:gs>
+                        <a:gs pos="83000">
+                          <a:schemeClr val="accent1">
+                            <a:lumMod val="45000"/>
+                            <a:lumOff val="55000"/>
+                          </a:schemeClr>
+                        </a:gs>
+                        <a:gs pos="100000">
+                          <a:schemeClr val="accent1">
+                            <a:lumMod val="30000"/>
+                            <a:lumOff val="70000"/>
+                          </a:schemeClr>
+                        </a:gs>
+                      </a:gsLst>
+                      <a:lin ang="5400000" scaled="1"/>
+                    </a:gradFill>
+                  </a:tcPr>
+                </a:tc>
+                <a:tc>
+                  <a:txBody>
+                    <a:bodyPr/>
+                    <a:lstStyle/>
+                    <a:p>
+                      <a:pPr algn="ctr" fontAlgn="ctr"/>
+                      <a:endParaRPr lang="zh-CN" altLang="en-US" sz="1100" b="0" i="0" u="none" strike="noStrike">
+                        <a:solidFill>
+                          <a:srgbClr val="000000"/>
+                        </a:solidFill>
+                        <a:effectLst/>
+                        <a:latin typeface="宋体" panose="02010600030101010101" pitchFamily="2" charset="-122"/>
+                        <a:ea typeface="宋体" panose="02010600030101010101" pitchFamily="2" charset="-122"/>
+                      </a:endParaRPr>
+                    </a:p>
+                  </a:txBody>
+                  <a:tcPr marL="9525" marR="9525" marT="9525" marB="0" anchor="ctr">
+                    <a:gradFill>
+                      <a:gsLst>
+                        <a:gs pos="0">
+                          <a:schemeClr val="accent1">
+                            <a:lumMod val="5000"/>
+                            <a:lumOff val="95000"/>
+                          </a:schemeClr>
+                        </a:gs>
+                        <a:gs pos="28000">
+                          <a:schemeClr val="accent1">
+                            <a:lumMod val="45000"/>
+                            <a:lumOff val="55000"/>
+                          </a:schemeClr>
+                        </a:gs>
+                        <a:gs pos="83000">
+                          <a:schemeClr val="accent1">
+                            <a:lumMod val="45000"/>
+                            <a:lumOff val="55000"/>
+                          </a:schemeClr>
+                        </a:gs>
+                        <a:gs pos="100000">
+                          <a:schemeClr val="accent1">
+                            <a:lumMod val="30000"/>
+                            <a:lumOff val="70000"/>
+                          </a:schemeClr>
+                        </a:gs>
+                      </a:gsLst>
+                      <a:lin ang="5400000" scaled="1"/>
+                    </a:gradFill>
+                  </a:tcPr>
+                </a:tc>
+              </a:tr>
+              <a:tr h="171450">
+                <a:tc>
+                  <a:txBody>
+                    <a:bodyPr/>
+                    <a:lstStyle/>
+                    <a:p>
+                      <a:pPr algn="r" fontAlgn="ctr"/>
+                      <a:r>
+                        <a:rPr lang="en-US" altLang="zh-CN" sz="1100" u="none" strike="noStrike" dirty="0">
+                          <a:effectLst/>
+                        </a:rPr>
+                        <a:t>…</a:t>
+                      </a:r>
+                      <a:endParaRPr lang="en-US" altLang="zh-CN" sz="1100" b="0" i="0" u="none" strike="noStrike" dirty="0">
+                        <a:solidFill>
+                          <a:srgbClr val="000000"/>
+                        </a:solidFill>
+                        <a:effectLst/>
+                        <a:latin typeface="宋体" panose="02010600030101010101" pitchFamily="2" charset="-122"/>
+                        <a:ea typeface="宋体" panose="02010600030101010101" pitchFamily="2" charset="-122"/>
+                      </a:endParaRPr>
+                    </a:p>
+                  </a:txBody>
+                  <a:tcPr marL="9525" marR="9525" marT="9525" marB="0" anchor="ctr">
+                    <a:noFill/>
+                  </a:tcPr>
+                </a:tc>
+                <a:tc>
+                  <a:txBody>
+                    <a:bodyPr/>
+                    <a:lstStyle/>
+                    <a:p>
+                      <a:pPr algn="ctr" fontAlgn="ctr"/>
+                      <a:endParaRPr lang="zh-CN" altLang="en-US" sz="1100" b="0" i="0" u="none" strike="noStrike">
+                        <a:solidFill>
+                          <a:srgbClr val="000000"/>
+                        </a:solidFill>
+                        <a:effectLst/>
+                        <a:latin typeface="宋体" panose="02010600030101010101" pitchFamily="2" charset="-122"/>
+                        <a:ea typeface="宋体" panose="02010600030101010101" pitchFamily="2" charset="-122"/>
+                      </a:endParaRPr>
+                    </a:p>
+                  </a:txBody>
+                  <a:tcPr marL="9525" marR="9525" marT="9525" marB="0" anchor="ctr">
+                    <a:gradFill>
+                      <a:gsLst>
+                        <a:gs pos="0">
+                          <a:schemeClr val="accent1">
+                            <a:lumMod val="5000"/>
+                            <a:lumOff val="95000"/>
+                          </a:schemeClr>
+                        </a:gs>
+                        <a:gs pos="28000">
+                          <a:schemeClr val="accent1">
+                            <a:lumMod val="45000"/>
+                            <a:lumOff val="55000"/>
+                          </a:schemeClr>
+                        </a:gs>
+                        <a:gs pos="83000">
+                          <a:schemeClr val="accent1">
+                            <a:lumMod val="45000"/>
+                            <a:lumOff val="55000"/>
+                          </a:schemeClr>
+                        </a:gs>
+                        <a:gs pos="100000">
+                          <a:schemeClr val="accent1">
+                            <a:lumMod val="30000"/>
+                            <a:lumOff val="70000"/>
+                          </a:schemeClr>
+                        </a:gs>
+                      </a:gsLst>
+                      <a:lin ang="5400000" scaled="1"/>
+                    </a:gradFill>
+                  </a:tcPr>
+                </a:tc>
+                <a:tc>
+                  <a:txBody>
+                    <a:bodyPr/>
+                    <a:lstStyle/>
+                    <a:p>
+                      <a:pPr algn="ctr" fontAlgn="ctr"/>
+                      <a:endParaRPr lang="zh-CN" altLang="en-US" sz="1100" b="0" i="0" u="none" strike="noStrike">
+                        <a:solidFill>
+                          <a:srgbClr val="000000"/>
+                        </a:solidFill>
+                        <a:effectLst/>
+                        <a:latin typeface="宋体" panose="02010600030101010101" pitchFamily="2" charset="-122"/>
+                        <a:ea typeface="宋体" panose="02010600030101010101" pitchFamily="2" charset="-122"/>
+                      </a:endParaRPr>
+                    </a:p>
+                  </a:txBody>
+                  <a:tcPr marL="9525" marR="9525" marT="9525" marB="0" anchor="ctr">
+                    <a:gradFill>
+                      <a:gsLst>
+                        <a:gs pos="0">
+                          <a:schemeClr val="accent1">
+                            <a:lumMod val="5000"/>
+                            <a:lumOff val="95000"/>
+                          </a:schemeClr>
+                        </a:gs>
+                        <a:gs pos="28000">
+                          <a:schemeClr val="accent1">
+                            <a:lumMod val="45000"/>
+                            <a:lumOff val="55000"/>
+                          </a:schemeClr>
+                        </a:gs>
+                        <a:gs pos="83000">
+                          <a:schemeClr val="accent1">
+                            <a:lumMod val="45000"/>
+                            <a:lumOff val="55000"/>
+                          </a:schemeClr>
+                        </a:gs>
+                        <a:gs pos="100000">
+                          <a:schemeClr val="accent1">
+                            <a:lumMod val="30000"/>
+                            <a:lumOff val="70000"/>
+                          </a:schemeClr>
+                        </a:gs>
+                      </a:gsLst>
+                      <a:lin ang="5400000" scaled="1"/>
+                    </a:gradFill>
+                  </a:tcPr>
+                </a:tc>
+                <a:tc>
+                  <a:txBody>
+                    <a:bodyPr/>
+                    <a:lstStyle/>
+                    <a:p>
+                      <a:pPr algn="ctr" fontAlgn="ctr"/>
+                      <a:endParaRPr lang="zh-CN" altLang="en-US" sz="1100" b="0" i="0" u="none" strike="noStrike">
+                        <a:solidFill>
+                          <a:srgbClr val="000000"/>
+                        </a:solidFill>
+                        <a:effectLst/>
+                        <a:latin typeface="宋体" panose="02010600030101010101" pitchFamily="2" charset="-122"/>
+                        <a:ea typeface="宋体" panose="02010600030101010101" pitchFamily="2" charset="-122"/>
+                      </a:endParaRPr>
+                    </a:p>
+                  </a:txBody>
+                  <a:tcPr marL="9525" marR="9525" marT="9525" marB="0" anchor="ctr">
+                    <a:gradFill>
+                      <a:gsLst>
+                        <a:gs pos="0">
+                          <a:schemeClr val="accent1">
+                            <a:lumMod val="5000"/>
+                            <a:lumOff val="95000"/>
+                          </a:schemeClr>
+                        </a:gs>
+                        <a:gs pos="28000">
+                          <a:schemeClr val="accent1">
+                            <a:lumMod val="45000"/>
+                            <a:lumOff val="55000"/>
+                          </a:schemeClr>
+                        </a:gs>
+                        <a:gs pos="83000">
+                          <a:schemeClr val="accent1">
+                            <a:lumMod val="45000"/>
+                            <a:lumOff val="55000"/>
+                          </a:schemeClr>
+                        </a:gs>
+                        <a:gs pos="100000">
+                          <a:schemeClr val="accent1">
+                            <a:lumMod val="30000"/>
+                            <a:lumOff val="70000"/>
+                          </a:schemeClr>
+                        </a:gs>
+                      </a:gsLst>
+                      <a:lin ang="5400000" scaled="1"/>
+                    </a:gradFill>
+                  </a:tcPr>
+                </a:tc>
+                <a:tc>
+                  <a:txBody>
+                    <a:bodyPr/>
+                    <a:lstStyle/>
+                    <a:p>
+                      <a:pPr algn="ctr" fontAlgn="ctr"/>
+                      <a:endParaRPr lang="zh-CN" altLang="en-US" sz="1100" b="0" i="0" u="none" strike="noStrike">
+                        <a:solidFill>
+                          <a:srgbClr val="000000"/>
+                        </a:solidFill>
+                        <a:effectLst/>
+                        <a:latin typeface="宋体" panose="02010600030101010101" pitchFamily="2" charset="-122"/>
+                        <a:ea typeface="宋体" panose="02010600030101010101" pitchFamily="2" charset="-122"/>
+                      </a:endParaRPr>
+                    </a:p>
+                  </a:txBody>
+                  <a:tcPr marL="9525" marR="9525" marT="9525" marB="0" anchor="ctr">
+                    <a:gradFill>
+                      <a:gsLst>
+                        <a:gs pos="0">
+                          <a:schemeClr val="accent1">
+                            <a:lumMod val="5000"/>
+                            <a:lumOff val="95000"/>
+                          </a:schemeClr>
+                        </a:gs>
+                        <a:gs pos="28000">
+                          <a:schemeClr val="accent1">
+                            <a:lumMod val="45000"/>
+                            <a:lumOff val="55000"/>
+                          </a:schemeClr>
+                        </a:gs>
+                        <a:gs pos="83000">
+                          <a:schemeClr val="accent1">
+                            <a:lumMod val="45000"/>
+                            <a:lumOff val="55000"/>
+                          </a:schemeClr>
+                        </a:gs>
+                        <a:gs pos="100000">
+                          <a:schemeClr val="accent1">
+                            <a:lumMod val="30000"/>
+                            <a:lumOff val="70000"/>
+                          </a:schemeClr>
+                        </a:gs>
+                      </a:gsLst>
+                      <a:lin ang="5400000" scaled="1"/>
+                    </a:gradFill>
+                  </a:tcPr>
+                </a:tc>
+                <a:tc>
+                  <a:txBody>
+                    <a:bodyPr/>
+                    <a:lstStyle/>
+                    <a:p>
+                      <a:pPr algn="ctr" fontAlgn="ctr"/>
+                      <a:endParaRPr lang="zh-CN" altLang="en-US" sz="1100" b="0" i="0" u="none" strike="noStrike">
+                        <a:solidFill>
+                          <a:srgbClr val="000000"/>
+                        </a:solidFill>
+                        <a:effectLst/>
+                        <a:latin typeface="宋体" panose="02010600030101010101" pitchFamily="2" charset="-122"/>
+                        <a:ea typeface="宋体" panose="02010600030101010101" pitchFamily="2" charset="-122"/>
+                      </a:endParaRPr>
+                    </a:p>
+                  </a:txBody>
+                  <a:tcPr marL="9525" marR="9525" marT="9525" marB="0" anchor="ctr">
+                    <a:gradFill>
+                      <a:gsLst>
+                        <a:gs pos="0">
+                          <a:schemeClr val="accent1">
+                            <a:lumMod val="5000"/>
+                            <a:lumOff val="95000"/>
+                          </a:schemeClr>
+                        </a:gs>
+                        <a:gs pos="28000">
+                          <a:schemeClr val="accent1">
+                            <a:lumMod val="45000"/>
+                            <a:lumOff val="55000"/>
+                          </a:schemeClr>
+                        </a:gs>
+                        <a:gs pos="83000">
+                          <a:schemeClr val="accent1">
+                            <a:lumMod val="45000"/>
+                            <a:lumOff val="55000"/>
+                          </a:schemeClr>
+                        </a:gs>
+                        <a:gs pos="100000">
+                          <a:schemeClr val="accent1">
+                            <a:lumMod val="30000"/>
+                            <a:lumOff val="70000"/>
+                          </a:schemeClr>
+                        </a:gs>
+                      </a:gsLst>
+                      <a:lin ang="5400000" scaled="1"/>
+                    </a:gradFill>
+                  </a:tcPr>
+                </a:tc>
+                <a:tc>
+                  <a:txBody>
+                    <a:bodyPr/>
+                    <a:lstStyle/>
+                    <a:p>
+                      <a:pPr algn="ctr" fontAlgn="ctr"/>
+                      <a:endParaRPr lang="zh-CN" altLang="en-US" sz="1100" b="0" i="0" u="none" strike="noStrike">
+                        <a:solidFill>
+                          <a:srgbClr val="000000"/>
+                        </a:solidFill>
+                        <a:effectLst/>
+                        <a:latin typeface="宋体" panose="02010600030101010101" pitchFamily="2" charset="-122"/>
+                        <a:ea typeface="宋体" panose="02010600030101010101" pitchFamily="2" charset="-122"/>
+                      </a:endParaRPr>
+                    </a:p>
+                  </a:txBody>
+                  <a:tcPr marL="9525" marR="9525" marT="9525" marB="0" anchor="ctr">
+                    <a:gradFill>
+                      <a:gsLst>
+                        <a:gs pos="0">
+                          <a:schemeClr val="accent1">
+                            <a:lumMod val="5000"/>
+                            <a:lumOff val="95000"/>
+                          </a:schemeClr>
+                        </a:gs>
+                        <a:gs pos="28000">
+                          <a:schemeClr val="accent1">
+                            <a:lumMod val="45000"/>
+                            <a:lumOff val="55000"/>
+                          </a:schemeClr>
+                        </a:gs>
+                        <a:gs pos="83000">
+                          <a:schemeClr val="accent1">
+                            <a:lumMod val="45000"/>
+                            <a:lumOff val="55000"/>
+                          </a:schemeClr>
+                        </a:gs>
+                        <a:gs pos="100000">
+                          <a:schemeClr val="accent1">
+                            <a:lumMod val="30000"/>
+                            <a:lumOff val="70000"/>
+                          </a:schemeClr>
+                        </a:gs>
+                      </a:gsLst>
+                      <a:lin ang="5400000" scaled="1"/>
+                    </a:gradFill>
+                  </a:tcPr>
+                </a:tc>
+                <a:tc>
+                  <a:txBody>
+                    <a:bodyPr/>
+                    <a:lstStyle/>
+                    <a:p>
+                      <a:pPr algn="ctr" fontAlgn="ctr"/>
+                      <a:endParaRPr lang="zh-CN" altLang="en-US" sz="1100" b="0" i="0" u="none" strike="noStrike">
+                        <a:solidFill>
+                          <a:srgbClr val="000000"/>
+                        </a:solidFill>
+                        <a:effectLst/>
+                        <a:latin typeface="宋体" panose="02010600030101010101" pitchFamily="2" charset="-122"/>
+                        <a:ea typeface="宋体" panose="02010600030101010101" pitchFamily="2" charset="-122"/>
+                      </a:endParaRPr>
+                    </a:p>
+                  </a:txBody>
+                  <a:tcPr marL="9525" marR="9525" marT="9525" marB="0" anchor="ctr">
+                    <a:gradFill>
+                      <a:gsLst>
+                        <a:gs pos="0">
+                          <a:schemeClr val="accent1">
+                            <a:lumMod val="5000"/>
+                            <a:lumOff val="95000"/>
+                          </a:schemeClr>
+                        </a:gs>
+                        <a:gs pos="28000">
+                          <a:schemeClr val="accent1">
+                            <a:lumMod val="45000"/>
+                            <a:lumOff val="55000"/>
+                          </a:schemeClr>
+                        </a:gs>
+                        <a:gs pos="83000">
+                          <a:schemeClr val="accent1">
+                            <a:lumMod val="45000"/>
+                            <a:lumOff val="55000"/>
+                          </a:schemeClr>
+                        </a:gs>
+                        <a:gs pos="100000">
+                          <a:schemeClr val="accent1">
+                            <a:lumMod val="30000"/>
+                            <a:lumOff val="70000"/>
+                          </a:schemeClr>
+                        </a:gs>
+                      </a:gsLst>
+                      <a:lin ang="5400000" scaled="1"/>
+                    </a:gradFill>
+                  </a:tcPr>
+                </a:tc>
+              </a:tr>
+              <a:tr h="171450">
+                <a:tc>
+                  <a:txBody>
+                    <a:bodyPr/>
+                    <a:lstStyle/>
+                    <a:p>
+                      <a:pPr algn="r" fontAlgn="ctr"/>
+                      <a:r>
+                        <a:rPr lang="en-US" sz="1100" u="none" strike="noStrike" dirty="0">
+                          <a:effectLst/>
+                        </a:rPr>
+                        <a:t>tail</a:t>
+                      </a:r>
+                      <a:endParaRPr lang="en-US" sz="1100" b="0" i="0" u="none" strike="noStrike" dirty="0">
+                        <a:solidFill>
+                          <a:srgbClr val="000000"/>
+                        </a:solidFill>
+                        <a:effectLst/>
+                        <a:latin typeface="宋体" panose="02010600030101010101" pitchFamily="2" charset="-122"/>
+                        <a:ea typeface="宋体" panose="02010600030101010101" pitchFamily="2" charset="-122"/>
+                      </a:endParaRPr>
+                    </a:p>
+                  </a:txBody>
+                  <a:tcPr marL="9525" marR="9525" marT="9525" marB="0" anchor="ctr">
+                    <a:noFill/>
+                  </a:tcPr>
+                </a:tc>
+                <a:tc>
+                  <a:txBody>
+                    <a:bodyPr/>
+                    <a:lstStyle/>
+                    <a:p>
+                      <a:pPr algn="ctr" fontAlgn="ctr"/>
+                      <a:r>
+                        <a:rPr lang="en-US" altLang="zh-CN" sz="1100" u="none" strike="noStrike">
+                          <a:effectLst/>
+                        </a:rPr>
+                        <a:t>1</a:t>
+                      </a:r>
+                      <a:endParaRPr lang="en-US" altLang="zh-CN" sz="1100" b="0" i="0" u="none" strike="noStrike">
+                        <a:solidFill>
+                          <a:srgbClr val="000000"/>
+                        </a:solidFill>
+                        <a:effectLst/>
+                        <a:latin typeface="宋体" panose="02010600030101010101" pitchFamily="2" charset="-122"/>
+                        <a:ea typeface="宋体" panose="02010600030101010101" pitchFamily="2" charset="-122"/>
+                      </a:endParaRPr>
+                    </a:p>
+                  </a:txBody>
+                  <a:tcPr marL="9525" marR="9525" marT="9525" marB="0" anchor="ctr">
+                    <a:gradFill>
+                      <a:gsLst>
+                        <a:gs pos="0">
+                          <a:schemeClr val="accent1">
+                            <a:lumMod val="5000"/>
+                            <a:lumOff val="95000"/>
+                          </a:schemeClr>
+                        </a:gs>
+                        <a:gs pos="28000">
+                          <a:schemeClr val="accent1">
+                            <a:lumMod val="45000"/>
+                            <a:lumOff val="55000"/>
+                          </a:schemeClr>
+                        </a:gs>
+                        <a:gs pos="83000">
+                          <a:schemeClr val="accent1">
+                            <a:lumMod val="45000"/>
+                            <a:lumOff val="55000"/>
+                          </a:schemeClr>
+                        </a:gs>
+                        <a:gs pos="100000">
+                          <a:schemeClr val="accent1">
+                            <a:lumMod val="30000"/>
+                            <a:lumOff val="70000"/>
+                          </a:schemeClr>
+                        </a:gs>
+                      </a:gsLst>
+                      <a:lin ang="5400000" scaled="1"/>
+                    </a:gradFill>
+                  </a:tcPr>
+                </a:tc>
+                <a:tc>
+                  <a:txBody>
+                    <a:bodyPr/>
+                    <a:lstStyle/>
+                    <a:p>
+                      <a:pPr algn="ctr" fontAlgn="ctr"/>
+                      <a:r>
+                        <a:rPr lang="en-US" altLang="zh-CN" sz="1100" u="none" strike="noStrike">
+                          <a:effectLst/>
+                        </a:rPr>
+                        <a:t>1</a:t>
+                      </a:r>
+                      <a:endParaRPr lang="en-US" altLang="zh-CN" sz="1100" b="0" i="0" u="none" strike="noStrike">
+                        <a:solidFill>
+                          <a:srgbClr val="000000"/>
+                        </a:solidFill>
+                        <a:effectLst/>
+                        <a:latin typeface="宋体" panose="02010600030101010101" pitchFamily="2" charset="-122"/>
+                        <a:ea typeface="宋体" panose="02010600030101010101" pitchFamily="2" charset="-122"/>
+                      </a:endParaRPr>
+                    </a:p>
+                  </a:txBody>
+                  <a:tcPr marL="9525" marR="9525" marT="9525" marB="0" anchor="ctr">
+                    <a:gradFill>
+                      <a:gsLst>
+                        <a:gs pos="0">
+                          <a:schemeClr val="accent1">
+                            <a:lumMod val="5000"/>
+                            <a:lumOff val="95000"/>
+                          </a:schemeClr>
+                        </a:gs>
+                        <a:gs pos="28000">
+                          <a:schemeClr val="accent1">
+                            <a:lumMod val="45000"/>
+                            <a:lumOff val="55000"/>
+                          </a:schemeClr>
+                        </a:gs>
+                        <a:gs pos="83000">
+                          <a:schemeClr val="accent1">
+                            <a:lumMod val="45000"/>
+                            <a:lumOff val="55000"/>
+                          </a:schemeClr>
+                        </a:gs>
+                        <a:gs pos="100000">
+                          <a:schemeClr val="accent1">
+                            <a:lumMod val="30000"/>
+                            <a:lumOff val="70000"/>
+                          </a:schemeClr>
+                        </a:gs>
+                      </a:gsLst>
+                      <a:lin ang="5400000" scaled="1"/>
+                    </a:gradFill>
+                  </a:tcPr>
+                </a:tc>
+                <a:tc>
+                  <a:txBody>
+                    <a:bodyPr/>
+                    <a:lstStyle/>
+                    <a:p>
+                      <a:pPr algn="ctr" fontAlgn="ctr"/>
+                      <a:r>
+                        <a:rPr lang="en-US" altLang="zh-CN" sz="1100" u="none" strike="noStrike">
+                          <a:effectLst/>
+                        </a:rPr>
+                        <a:t>0</a:t>
+                      </a:r>
+                      <a:endParaRPr lang="en-US" altLang="zh-CN" sz="1100" b="0" i="0" u="none" strike="noStrike">
+                        <a:solidFill>
+                          <a:srgbClr val="000000"/>
+                        </a:solidFill>
+                        <a:effectLst/>
+                        <a:latin typeface="宋体" panose="02010600030101010101" pitchFamily="2" charset="-122"/>
+                        <a:ea typeface="宋体" panose="02010600030101010101" pitchFamily="2" charset="-122"/>
+                      </a:endParaRPr>
+                    </a:p>
+                  </a:txBody>
+                  <a:tcPr marL="9525" marR="9525" marT="9525" marB="0" anchor="ctr">
+                    <a:gradFill>
+                      <a:gsLst>
+                        <a:gs pos="0">
+                          <a:schemeClr val="accent1">
+                            <a:lumMod val="5000"/>
+                            <a:lumOff val="95000"/>
+                          </a:schemeClr>
+                        </a:gs>
+                        <a:gs pos="28000">
+                          <a:schemeClr val="accent1">
+                            <a:lumMod val="45000"/>
+                            <a:lumOff val="55000"/>
+                          </a:schemeClr>
+                        </a:gs>
+                        <a:gs pos="83000">
+                          <a:schemeClr val="accent1">
+                            <a:lumMod val="45000"/>
+                            <a:lumOff val="55000"/>
+                          </a:schemeClr>
+                        </a:gs>
+                        <a:gs pos="100000">
+                          <a:schemeClr val="accent1">
+                            <a:lumMod val="30000"/>
+                            <a:lumOff val="70000"/>
+                          </a:schemeClr>
+                        </a:gs>
+                      </a:gsLst>
+                      <a:lin ang="5400000" scaled="1"/>
+                    </a:gradFill>
+                  </a:tcPr>
+                </a:tc>
+                <a:tc>
+                  <a:txBody>
+                    <a:bodyPr/>
+                    <a:lstStyle/>
+                    <a:p>
+                      <a:pPr algn="ctr" fontAlgn="ctr"/>
+                      <a:r>
+                        <a:rPr lang="en-US" altLang="zh-CN" sz="1100" u="none" strike="noStrike">
+                          <a:effectLst/>
+                        </a:rPr>
+                        <a:t>0000</a:t>
+                      </a:r>
+                      <a:endParaRPr lang="en-US" altLang="zh-CN" sz="1100" b="0" i="0" u="none" strike="noStrike">
+                        <a:solidFill>
+                          <a:srgbClr val="000000"/>
+                        </a:solidFill>
+                        <a:effectLst/>
+                        <a:latin typeface="宋体" panose="02010600030101010101" pitchFamily="2" charset="-122"/>
+                        <a:ea typeface="宋体" panose="02010600030101010101" pitchFamily="2" charset="-122"/>
+                      </a:endParaRPr>
+                    </a:p>
+                  </a:txBody>
+                  <a:tcPr marL="9525" marR="9525" marT="9525" marB="0" anchor="ctr">
+                    <a:gradFill>
+                      <a:gsLst>
+                        <a:gs pos="0">
+                          <a:schemeClr val="accent1">
+                            <a:lumMod val="5000"/>
+                            <a:lumOff val="95000"/>
+                          </a:schemeClr>
+                        </a:gs>
+                        <a:gs pos="28000">
+                          <a:schemeClr val="accent1">
+                            <a:lumMod val="45000"/>
+                            <a:lumOff val="55000"/>
+                          </a:schemeClr>
+                        </a:gs>
+                        <a:gs pos="83000">
+                          <a:schemeClr val="accent1">
+                            <a:lumMod val="45000"/>
+                            <a:lumOff val="55000"/>
+                          </a:schemeClr>
+                        </a:gs>
+                        <a:gs pos="100000">
+                          <a:schemeClr val="accent1">
+                            <a:lumMod val="30000"/>
+                            <a:lumOff val="70000"/>
+                          </a:schemeClr>
+                        </a:gs>
+                      </a:gsLst>
+                      <a:lin ang="5400000" scaled="1"/>
+                    </a:gradFill>
+                  </a:tcPr>
+                </a:tc>
+                <a:tc>
+                  <a:txBody>
+                    <a:bodyPr/>
+                    <a:lstStyle/>
+                    <a:p>
+                      <a:pPr algn="ctr" fontAlgn="ctr"/>
+                      <a:r>
+                        <a:rPr lang="en-US" sz="1100" u="none" strike="noStrike" dirty="0">
+                          <a:effectLst/>
+                        </a:rPr>
+                        <a:t>bne</a:t>
+                      </a:r>
+                      <a:endParaRPr lang="en-US" sz="1100" b="0" i="0" u="none" strike="noStrike" dirty="0">
+                        <a:solidFill>
+                          <a:srgbClr val="000000"/>
+                        </a:solidFill>
+                        <a:effectLst/>
+                        <a:latin typeface="宋体" panose="02010600030101010101" pitchFamily="2" charset="-122"/>
+                        <a:ea typeface="宋体" panose="02010600030101010101" pitchFamily="2" charset="-122"/>
+                      </a:endParaRPr>
+                    </a:p>
+                  </a:txBody>
+                  <a:tcPr marL="9525" marR="9525" marT="9525" marB="0" anchor="ctr">
+                    <a:gradFill>
+                      <a:gsLst>
+                        <a:gs pos="0">
+                          <a:schemeClr val="accent1">
+                            <a:lumMod val="5000"/>
+                            <a:lumOff val="95000"/>
+                          </a:schemeClr>
+                        </a:gs>
+                        <a:gs pos="28000">
+                          <a:schemeClr val="accent1">
+                            <a:lumMod val="45000"/>
+                            <a:lumOff val="55000"/>
+                          </a:schemeClr>
+                        </a:gs>
+                        <a:gs pos="83000">
+                          <a:schemeClr val="accent1">
+                            <a:lumMod val="45000"/>
+                            <a:lumOff val="55000"/>
+                          </a:schemeClr>
+                        </a:gs>
+                        <a:gs pos="100000">
+                          <a:schemeClr val="accent1">
+                            <a:lumMod val="30000"/>
+                            <a:lumOff val="70000"/>
+                          </a:schemeClr>
+                        </a:gs>
+                      </a:gsLst>
+                      <a:lin ang="5400000" scaled="1"/>
+                    </a:gradFill>
+                  </a:tcPr>
+                </a:tc>
+                <a:tc>
+                  <a:txBody>
+                    <a:bodyPr/>
+                    <a:lstStyle/>
+                    <a:p>
+                      <a:pPr algn="ctr" fontAlgn="ctr"/>
+                      <a:endParaRPr lang="zh-CN" altLang="en-US" sz="1100" b="0" i="0" u="none" strike="noStrike">
+                        <a:solidFill>
+                          <a:srgbClr val="000000"/>
+                        </a:solidFill>
+                        <a:effectLst/>
+                        <a:latin typeface="宋体" panose="02010600030101010101" pitchFamily="2" charset="-122"/>
+                        <a:ea typeface="宋体" panose="02010600030101010101" pitchFamily="2" charset="-122"/>
+                      </a:endParaRPr>
+                    </a:p>
+                  </a:txBody>
+                  <a:tcPr marL="9525" marR="9525" marT="9525" marB="0" anchor="ctr">
+                    <a:gradFill>
+                      <a:gsLst>
+                        <a:gs pos="0">
+                          <a:schemeClr val="accent1">
+                            <a:lumMod val="5000"/>
+                            <a:lumOff val="95000"/>
+                          </a:schemeClr>
+                        </a:gs>
+                        <a:gs pos="28000">
+                          <a:schemeClr val="accent1">
+                            <a:lumMod val="45000"/>
+                            <a:lumOff val="55000"/>
+                          </a:schemeClr>
+                        </a:gs>
+                        <a:gs pos="83000">
+                          <a:schemeClr val="accent1">
+                            <a:lumMod val="45000"/>
+                            <a:lumOff val="55000"/>
+                          </a:schemeClr>
+                        </a:gs>
+                        <a:gs pos="100000">
+                          <a:schemeClr val="accent1">
+                            <a:lumMod val="30000"/>
+                            <a:lumOff val="70000"/>
+                          </a:schemeClr>
+                        </a:gs>
+                      </a:gsLst>
+                      <a:lin ang="5400000" scaled="1"/>
+                    </a:gradFill>
+                  </a:tcPr>
+                </a:tc>
+                <a:tc>
+                  <a:txBody>
+                    <a:bodyPr/>
+                    <a:lstStyle/>
+                    <a:p>
+                      <a:pPr algn="ctr" fontAlgn="ctr"/>
+                      <a:endParaRPr lang="zh-CN" altLang="en-US" sz="1100" b="0" i="0" u="none" strike="noStrike" dirty="0">
+                        <a:solidFill>
+                          <a:srgbClr val="000000"/>
+                        </a:solidFill>
+                        <a:effectLst/>
+                        <a:latin typeface="宋体" panose="02010600030101010101" pitchFamily="2" charset="-122"/>
+                        <a:ea typeface="宋体" panose="02010600030101010101" pitchFamily="2" charset="-122"/>
+                      </a:endParaRPr>
+                    </a:p>
+                  </a:txBody>
+                  <a:tcPr marL="9525" marR="9525" marT="9525" marB="0" anchor="ctr">
+                    <a:gradFill>
+                      <a:gsLst>
+                        <a:gs pos="0">
+                          <a:schemeClr val="accent1">
+                            <a:lumMod val="5000"/>
+                            <a:lumOff val="95000"/>
+                          </a:schemeClr>
+                        </a:gs>
+                        <a:gs pos="28000">
+                          <a:schemeClr val="accent1">
+                            <a:lumMod val="45000"/>
+                            <a:lumOff val="55000"/>
+                          </a:schemeClr>
+                        </a:gs>
+                        <a:gs pos="83000">
+                          <a:schemeClr val="accent1">
+                            <a:lumMod val="45000"/>
+                            <a:lumOff val="55000"/>
+                          </a:schemeClr>
+                        </a:gs>
+                        <a:gs pos="100000">
+                          <a:schemeClr val="accent1">
+                            <a:lumMod val="30000"/>
+                            <a:lumOff val="70000"/>
+                          </a:schemeClr>
+                        </a:gs>
+                      </a:gsLst>
+                      <a:lin ang="5400000" scaled="1"/>
+                    </a:gradFill>
+                  </a:tcPr>
+                </a:tc>
+              </a:tr>
+              <a:tr h="171450">
+                <a:tc>
+                  <a:txBody>
+                    <a:bodyPr/>
+                    <a:lstStyle/>
+                    <a:p>
+                      <a:pPr algn="r" fontAlgn="ctr"/>
+                      <a:endParaRPr lang="zh-CN" altLang="en-US" sz="1100" b="0" i="0" u="none" strike="noStrike" dirty="0">
+                        <a:solidFill>
+                          <a:srgbClr val="000000"/>
+                        </a:solidFill>
+                        <a:effectLst/>
+                        <a:latin typeface="宋体" panose="02010600030101010101" pitchFamily="2" charset="-122"/>
+                        <a:ea typeface="宋体" panose="02010600030101010101" pitchFamily="2" charset="-122"/>
+                      </a:endParaRPr>
+                    </a:p>
+                  </a:txBody>
+                  <a:tcPr marL="9525" marR="9525" marT="9525" marB="0" anchor="ctr">
+                    <a:noFill/>
+                  </a:tcPr>
+                </a:tc>
+                <a:tc>
+                  <a:txBody>
+                    <a:bodyPr/>
+                    <a:lstStyle/>
+                    <a:p>
+                      <a:pPr algn="ctr" fontAlgn="ctr"/>
+                      <a:endParaRPr lang="zh-CN" altLang="en-US" sz="1100" b="0" i="0" u="none" strike="noStrike">
+                        <a:solidFill>
+                          <a:srgbClr val="000000"/>
+                        </a:solidFill>
+                        <a:effectLst/>
+                        <a:latin typeface="宋体" panose="02010600030101010101" pitchFamily="2" charset="-122"/>
+                        <a:ea typeface="宋体" panose="02010600030101010101" pitchFamily="2" charset="-122"/>
+                      </a:endParaRPr>
+                    </a:p>
+                  </a:txBody>
+                  <a:tcPr marL="9525" marR="9525" marT="9525" marB="0" anchor="ctr">
+                    <a:gradFill>
+                      <a:gsLst>
+                        <a:gs pos="0">
+                          <a:schemeClr val="accent1">
+                            <a:lumMod val="5000"/>
+                            <a:lumOff val="95000"/>
+                          </a:schemeClr>
+                        </a:gs>
+                        <a:gs pos="28000">
+                          <a:schemeClr val="accent1">
+                            <a:lumMod val="45000"/>
+                            <a:lumOff val="55000"/>
+                          </a:schemeClr>
+                        </a:gs>
+                        <a:gs pos="83000">
+                          <a:schemeClr val="accent1">
+                            <a:lumMod val="45000"/>
+                            <a:lumOff val="55000"/>
+                          </a:schemeClr>
+                        </a:gs>
+                        <a:gs pos="100000">
+                          <a:schemeClr val="accent1">
+                            <a:lumMod val="30000"/>
+                            <a:lumOff val="70000"/>
+                          </a:schemeClr>
+                        </a:gs>
+                      </a:gsLst>
+                      <a:lin ang="5400000" scaled="1"/>
+                    </a:gradFill>
+                  </a:tcPr>
+                </a:tc>
+                <a:tc>
+                  <a:txBody>
+                    <a:bodyPr/>
+                    <a:lstStyle/>
+                    <a:p>
+                      <a:pPr algn="ctr" fontAlgn="ctr"/>
+                      <a:endParaRPr lang="zh-CN" altLang="en-US" sz="1100" b="0" i="0" u="none" strike="noStrike">
+                        <a:solidFill>
+                          <a:srgbClr val="000000"/>
+                        </a:solidFill>
+                        <a:effectLst/>
+                        <a:latin typeface="宋体" panose="02010600030101010101" pitchFamily="2" charset="-122"/>
+                        <a:ea typeface="宋体" panose="02010600030101010101" pitchFamily="2" charset="-122"/>
+                      </a:endParaRPr>
+                    </a:p>
+                  </a:txBody>
+                  <a:tcPr marL="9525" marR="9525" marT="9525" marB="0" anchor="ctr">
+                    <a:gradFill>
+                      <a:gsLst>
+                        <a:gs pos="0">
+                          <a:schemeClr val="accent1">
+                            <a:lumMod val="5000"/>
+                            <a:lumOff val="95000"/>
+                          </a:schemeClr>
+                        </a:gs>
+                        <a:gs pos="28000">
+                          <a:schemeClr val="accent1">
+                            <a:lumMod val="45000"/>
+                            <a:lumOff val="55000"/>
+                          </a:schemeClr>
+                        </a:gs>
+                        <a:gs pos="83000">
+                          <a:schemeClr val="accent1">
+                            <a:lumMod val="45000"/>
+                            <a:lumOff val="55000"/>
+                          </a:schemeClr>
+                        </a:gs>
+                        <a:gs pos="100000">
+                          <a:schemeClr val="accent1">
+                            <a:lumMod val="30000"/>
+                            <a:lumOff val="70000"/>
+                          </a:schemeClr>
+                        </a:gs>
+                      </a:gsLst>
+                      <a:lin ang="5400000" scaled="1"/>
+                    </a:gradFill>
+                  </a:tcPr>
+                </a:tc>
+                <a:tc>
+                  <a:txBody>
+                    <a:bodyPr/>
+                    <a:lstStyle/>
+                    <a:p>
+                      <a:pPr algn="ctr" fontAlgn="ctr"/>
+                      <a:endParaRPr lang="zh-CN" altLang="en-US" sz="1100" b="0" i="0" u="none" strike="noStrike">
+                        <a:solidFill>
+                          <a:srgbClr val="000000"/>
+                        </a:solidFill>
+                        <a:effectLst/>
+                        <a:latin typeface="宋体" panose="02010600030101010101" pitchFamily="2" charset="-122"/>
+                        <a:ea typeface="宋体" panose="02010600030101010101" pitchFamily="2" charset="-122"/>
+                      </a:endParaRPr>
+                    </a:p>
+                  </a:txBody>
+                  <a:tcPr marL="9525" marR="9525" marT="9525" marB="0" anchor="ctr">
+                    <a:gradFill>
+                      <a:gsLst>
+                        <a:gs pos="0">
+                          <a:schemeClr val="accent1">
+                            <a:lumMod val="5000"/>
+                            <a:lumOff val="95000"/>
+                          </a:schemeClr>
+                        </a:gs>
+                        <a:gs pos="28000">
+                          <a:schemeClr val="accent1">
+                            <a:lumMod val="45000"/>
+                            <a:lumOff val="55000"/>
+                          </a:schemeClr>
+                        </a:gs>
+                        <a:gs pos="83000">
+                          <a:schemeClr val="accent1">
+                            <a:lumMod val="45000"/>
+                            <a:lumOff val="55000"/>
+                          </a:schemeClr>
+                        </a:gs>
+                        <a:gs pos="100000">
+                          <a:schemeClr val="accent1">
+                            <a:lumMod val="30000"/>
+                            <a:lumOff val="70000"/>
+                          </a:schemeClr>
+                        </a:gs>
+                      </a:gsLst>
+                      <a:lin ang="5400000" scaled="1"/>
+                    </a:gradFill>
+                  </a:tcPr>
+                </a:tc>
+                <a:tc>
+                  <a:txBody>
+                    <a:bodyPr/>
+                    <a:lstStyle/>
+                    <a:p>
+                      <a:pPr algn="ctr" fontAlgn="ctr"/>
+                      <a:endParaRPr lang="zh-CN" altLang="en-US" sz="1100" b="0" i="0" u="none" strike="noStrike">
+                        <a:solidFill>
+                          <a:srgbClr val="000000"/>
+                        </a:solidFill>
+                        <a:effectLst/>
+                        <a:latin typeface="宋体" panose="02010600030101010101" pitchFamily="2" charset="-122"/>
+                        <a:ea typeface="宋体" panose="02010600030101010101" pitchFamily="2" charset="-122"/>
+                      </a:endParaRPr>
+                    </a:p>
+                  </a:txBody>
+                  <a:tcPr marL="9525" marR="9525" marT="9525" marB="0" anchor="ctr">
+                    <a:gradFill>
+                      <a:gsLst>
+                        <a:gs pos="0">
+                          <a:schemeClr val="accent1">
+                            <a:lumMod val="5000"/>
+                            <a:lumOff val="95000"/>
+                          </a:schemeClr>
+                        </a:gs>
+                        <a:gs pos="28000">
+                          <a:schemeClr val="accent1">
+                            <a:lumMod val="45000"/>
+                            <a:lumOff val="55000"/>
+                          </a:schemeClr>
+                        </a:gs>
+                        <a:gs pos="83000">
+                          <a:schemeClr val="accent1">
+                            <a:lumMod val="45000"/>
+                            <a:lumOff val="55000"/>
+                          </a:schemeClr>
+                        </a:gs>
+                        <a:gs pos="100000">
+                          <a:schemeClr val="accent1">
+                            <a:lumMod val="30000"/>
+                            <a:lumOff val="70000"/>
+                          </a:schemeClr>
+                        </a:gs>
+                      </a:gsLst>
+                      <a:lin ang="5400000" scaled="1"/>
+                    </a:gradFill>
+                  </a:tcPr>
+                </a:tc>
+                <a:tc>
+                  <a:txBody>
+                    <a:bodyPr/>
+                    <a:lstStyle/>
+                    <a:p>
+                      <a:pPr algn="ctr" fontAlgn="ctr"/>
+                      <a:endParaRPr lang="zh-CN" altLang="en-US" sz="1100" b="0" i="0" u="none" strike="noStrike" dirty="0">
+                        <a:solidFill>
+                          <a:srgbClr val="000000"/>
+                        </a:solidFill>
+                        <a:effectLst/>
+                        <a:latin typeface="宋体" panose="02010600030101010101" pitchFamily="2" charset="-122"/>
+                        <a:ea typeface="宋体" panose="02010600030101010101" pitchFamily="2" charset="-122"/>
+                      </a:endParaRPr>
+                    </a:p>
+                  </a:txBody>
+                  <a:tcPr marL="9525" marR="9525" marT="9525" marB="0" anchor="ctr">
+                    <a:gradFill>
+                      <a:gsLst>
+                        <a:gs pos="0">
+                          <a:schemeClr val="accent1">
+                            <a:lumMod val="5000"/>
+                            <a:lumOff val="95000"/>
+                          </a:schemeClr>
+                        </a:gs>
+                        <a:gs pos="28000">
+                          <a:schemeClr val="accent1">
+                            <a:lumMod val="45000"/>
+                            <a:lumOff val="55000"/>
+                          </a:schemeClr>
+                        </a:gs>
+                        <a:gs pos="83000">
+                          <a:schemeClr val="accent1">
+                            <a:lumMod val="45000"/>
+                            <a:lumOff val="55000"/>
+                          </a:schemeClr>
+                        </a:gs>
+                        <a:gs pos="100000">
+                          <a:schemeClr val="accent1">
+                            <a:lumMod val="30000"/>
+                            <a:lumOff val="70000"/>
+                          </a:schemeClr>
+                        </a:gs>
+                      </a:gsLst>
+                      <a:lin ang="5400000" scaled="1"/>
+                    </a:gradFill>
+                  </a:tcPr>
+                </a:tc>
+                <a:tc>
+                  <a:txBody>
+                    <a:bodyPr/>
+                    <a:lstStyle/>
+                    <a:p>
+                      <a:pPr algn="ctr" fontAlgn="ctr"/>
+                      <a:endParaRPr lang="zh-CN" altLang="en-US" sz="1100" b="0" i="0" u="none" strike="noStrike" dirty="0">
+                        <a:solidFill>
+                          <a:srgbClr val="000000"/>
+                        </a:solidFill>
+                        <a:effectLst/>
+                        <a:latin typeface="宋体" panose="02010600030101010101" pitchFamily="2" charset="-122"/>
+                        <a:ea typeface="宋体" panose="02010600030101010101" pitchFamily="2" charset="-122"/>
+                      </a:endParaRPr>
+                    </a:p>
+                  </a:txBody>
+                  <a:tcPr marL="9525" marR="9525" marT="9525" marB="0" anchor="ctr">
+                    <a:gradFill>
+                      <a:gsLst>
+                        <a:gs pos="0">
+                          <a:schemeClr val="accent1">
+                            <a:lumMod val="5000"/>
+                            <a:lumOff val="95000"/>
+                          </a:schemeClr>
+                        </a:gs>
+                        <a:gs pos="28000">
+                          <a:schemeClr val="accent1">
+                            <a:lumMod val="45000"/>
+                            <a:lumOff val="55000"/>
+                          </a:schemeClr>
+                        </a:gs>
+                        <a:gs pos="83000">
+                          <a:schemeClr val="accent1">
+                            <a:lumMod val="45000"/>
+                            <a:lumOff val="55000"/>
+                          </a:schemeClr>
+                        </a:gs>
+                        <a:gs pos="100000">
+                          <a:schemeClr val="accent1">
+                            <a:lumMod val="30000"/>
+                            <a:lumOff val="70000"/>
+                          </a:schemeClr>
+                        </a:gs>
+                      </a:gsLst>
+                      <a:lin ang="5400000" scaled="1"/>
+                    </a:gradFill>
+                  </a:tcPr>
+                </a:tc>
+                <a:tc>
+                  <a:txBody>
+                    <a:bodyPr/>
+                    <a:lstStyle/>
+                    <a:p>
+                      <a:pPr algn="ctr" fontAlgn="ctr"/>
+                      <a:endParaRPr lang="zh-CN" altLang="en-US" sz="1100" b="0" i="0" u="none" strike="noStrike" dirty="0">
+                        <a:solidFill>
+                          <a:srgbClr val="000000"/>
+                        </a:solidFill>
+                        <a:effectLst/>
+                        <a:latin typeface="宋体" panose="02010600030101010101" pitchFamily="2" charset="-122"/>
+                        <a:ea typeface="宋体" panose="02010600030101010101" pitchFamily="2" charset="-122"/>
+                      </a:endParaRPr>
+                    </a:p>
+                  </a:txBody>
+                  <a:tcPr marL="9525" marR="9525" marT="9525" marB="0" anchor="ctr">
+                    <a:gradFill>
+                      <a:gsLst>
+                        <a:gs pos="0">
+                          <a:schemeClr val="accent1">
+                            <a:lumMod val="5000"/>
+                            <a:lumOff val="95000"/>
+                          </a:schemeClr>
+                        </a:gs>
+                        <a:gs pos="28000">
+                          <a:schemeClr val="accent1">
+                            <a:lumMod val="45000"/>
+                            <a:lumOff val="55000"/>
+                          </a:schemeClr>
+                        </a:gs>
+                        <a:gs pos="83000">
+                          <a:schemeClr val="accent1">
+                            <a:lumMod val="45000"/>
+                            <a:lumOff val="55000"/>
+                          </a:schemeClr>
+                        </a:gs>
+                        <a:gs pos="100000">
+                          <a:schemeClr val="accent1">
+                            <a:lumMod val="30000"/>
+                            <a:lumOff val="70000"/>
+                          </a:schemeClr>
+                        </a:gs>
+                      </a:gsLst>
+                      <a:lin ang="5400000" scaled="1"/>
+                    </a:gradFill>
+                  </a:tcPr>
+                </a:tc>
+              </a:tr>
+            </a:tbl>
+          </a:graphicData>
+        </a:graphic>
+      </p:graphicFrame>
+      <p:sp>
+        <p:nvSpPr>
+          <p:cNvPr id="9" name="右箭头 8"/>
+          <p:cNvSpPr/>
+          <p:nvPr/>
+        </p:nvSpPr>
+        <p:spPr bwMode="auto">
+          <a:xfrm>
+            <a:off x="4561804" y="2132856"/>
+            <a:ext cx="802284" cy="550247"/>
+          </a:xfrm>
+          <a:prstGeom prst="rightArrow">
+            <a:avLst/>
+          </a:prstGeom>
+          <a:ln>
+            <a:headEnd type="none" w="med" len="med"/>
+            <a:tailEnd type="none" w="med" len="med"/>
+          </a:ln>
+        </p:spPr>
+        <p:style>
+          <a:lnRef idx="2">
+            <a:schemeClr val="accent5"/>
+          </a:lnRef>
+          <a:fillRef idx="1">
+            <a:schemeClr val="lt1"/>
+          </a:fillRef>
+          <a:effectRef idx="0">
+            <a:schemeClr val="accent5"/>
+          </a:effectRef>
+          <a:fontRef idx="minor">
+            <a:schemeClr val="dk1"/>
+          </a:fontRef>
+        </p:style>
+        <p:txBody>
+          <a:bodyPr vert="horz" wrap="none" lIns="0" tIns="0" rIns="0" bIns="0" numCol="1" rtlCol="0" anchor="ctr" anchorCtr="0" compatLnSpc="1">
+            <a:prstTxWarp prst="textNoShape">
+              <a:avLst/>
+            </a:prstTxWarp>
+            <a:spAutoFit/>
+          </a:bodyPr>
+          <a:lstStyle/>
+          <a:p>
+            <a:pPr marL="0" marR="0" indent="0" algn="ctr" defTabSz="914400" rtl="0" eaLnBrk="0" fontAlgn="base" latinLnBrk="0" hangingPunct="0">
+              <a:lnSpc>
+                <a:spcPct val="100000"/>
+              </a:lnSpc>
+              <a:spcBef>
+                <a:spcPct val="0"/>
+              </a:spcBef>
+              <a:spcAft>
+                <a:spcPct val="0"/>
+              </a:spcAft>
+              <a:buClrTx/>
+              <a:buSzTx/>
+              <a:buFontTx/>
+              <a:buNone/>
+              <a:tabLst/>
+            </a:pPr>
+            <a:r>
+              <a:rPr lang="en-US" altLang="zh-CN" dirty="0" smtClean="0"/>
+              <a:t> copy </a:t>
+            </a:r>
+            <a:endParaRPr kumimoji="0" lang="zh-CN" altLang="en-US" sz="1800" b="1" i="0" u="none" strike="noStrike" cap="none" normalizeH="0" baseline="0" dirty="0" smtClean="0">
+              <a:ln>
+                <a:noFill/>
+              </a:ln>
+              <a:solidFill>
+                <a:schemeClr val="bg1"/>
+              </a:solidFill>
+              <a:effectLst/>
+              <a:latin typeface="Arial" pitchFamily="34" charset="0"/>
+              <a:ea typeface="宋体" pitchFamily="2" charset="-122"/>
+            </a:endParaRPr>
+          </a:p>
+        </p:txBody>
+      </p:sp>
+      <p:graphicFrame>
+        <p:nvGraphicFramePr>
+          <p:cNvPr id="10" name="表格 9"/>
+          <p:cNvGraphicFramePr>
+            <a:graphicFrameLocks noGrp="1"/>
+          </p:cNvGraphicFramePr>
+          <p:nvPr>
+            <p:extLst/>
+          </p:nvPr>
+        </p:nvGraphicFramePr>
+        <p:xfrm>
+          <a:off x="5987008" y="1772816"/>
+          <a:ext cx="1105272" cy="885825"/>
+        </p:xfrm>
+        <a:graphic>
+          <a:graphicData uri="http://schemas.openxmlformats.org/drawingml/2006/table">
+            <a:tbl>
+              <a:tblPr>
+                <a:tableStyleId>{5C22544A-7EE6-4342-B048-85BDC9FD1C3A}</a:tableStyleId>
+              </a:tblPr>
+              <a:tblGrid>
+                <a:gridCol w="276318"/>
+                <a:gridCol w="828954"/>
+              </a:tblGrid>
+              <a:tr h="171450">
+                <a:tc>
+                  <a:txBody>
+                    <a:bodyPr/>
+                    <a:lstStyle/>
+                    <a:p>
+                      <a:pPr algn="r" fontAlgn="ctr"/>
+                      <a:r>
+                        <a:rPr lang="en-US" sz="1100" u="none" strike="noStrike" dirty="0">
+                          <a:effectLst/>
+                        </a:rPr>
+                        <a:t>x0</a:t>
+                      </a:r>
+                      <a:endParaRPr lang="en-US" sz="1100" b="0" i="0" u="none" strike="noStrike" dirty="0">
+                        <a:solidFill>
+                          <a:srgbClr val="000000"/>
+                        </a:solidFill>
+                        <a:effectLst/>
+                        <a:latin typeface="宋体" panose="02010600030101010101" pitchFamily="2" charset="-122"/>
+                        <a:ea typeface="宋体" panose="02010600030101010101" pitchFamily="2" charset="-122"/>
+                      </a:endParaRPr>
+                    </a:p>
+                  </a:txBody>
+                  <a:tcPr marL="9525" marR="9525" marT="9525" marB="0" anchor="ctr">
+                    <a:noFill/>
+                  </a:tcPr>
+                </a:tc>
+                <a:tc>
+                  <a:txBody>
+                    <a:bodyPr/>
+                    <a:lstStyle/>
+                    <a:p>
+                      <a:pPr algn="ctr" fontAlgn="ctr"/>
+                      <a:r>
+                        <a:rPr lang="zh-CN" altLang="en-US" sz="1100" u="none" strike="noStrike" dirty="0">
+                          <a:effectLst/>
+                        </a:rPr>
+                        <a:t>　</a:t>
+                      </a:r>
+                      <a:endParaRPr lang="zh-CN" altLang="en-US" sz="1100" b="0" i="0" u="none" strike="noStrike" dirty="0">
+                        <a:solidFill>
+                          <a:srgbClr val="000000"/>
+                        </a:solidFill>
+                        <a:effectLst/>
+                        <a:latin typeface="宋体" panose="02010600030101010101" pitchFamily="2" charset="-122"/>
+                        <a:ea typeface="宋体" panose="02010600030101010101" pitchFamily="2" charset="-122"/>
+                      </a:endParaRPr>
+                    </a:p>
+                  </a:txBody>
+                  <a:tcPr marL="9525" marR="9525" marT="9525" marB="0" anchor="ctr">
+                    <a:gradFill>
+                      <a:gsLst>
+                        <a:gs pos="0">
+                          <a:schemeClr val="accent1">
+                            <a:lumMod val="5000"/>
+                            <a:lumOff val="95000"/>
+                          </a:schemeClr>
+                        </a:gs>
+                        <a:gs pos="74000">
+                          <a:schemeClr val="accent1">
+                            <a:lumMod val="45000"/>
+                            <a:lumOff val="55000"/>
+                          </a:schemeClr>
+                        </a:gs>
+                        <a:gs pos="83000">
+                          <a:schemeClr val="accent1">
+                            <a:lumMod val="45000"/>
+                            <a:lumOff val="55000"/>
+                          </a:schemeClr>
+                        </a:gs>
+                        <a:gs pos="100000">
+                          <a:schemeClr val="accent1">
+                            <a:lumMod val="30000"/>
+                            <a:lumOff val="70000"/>
+                          </a:schemeClr>
+                        </a:gs>
+                      </a:gsLst>
+                      <a:lin ang="5400000" scaled="1"/>
+                    </a:gradFill>
+                  </a:tcPr>
+                </a:tc>
+              </a:tr>
+              <a:tr h="171450">
+                <a:tc>
+                  <a:txBody>
+                    <a:bodyPr/>
+                    <a:lstStyle/>
+                    <a:p>
+                      <a:pPr algn="r" fontAlgn="ctr"/>
+                      <a:r>
+                        <a:rPr lang="en-US" sz="1100" u="none" strike="noStrike" dirty="0">
+                          <a:effectLst/>
+                        </a:rPr>
+                        <a:t>x1</a:t>
+                      </a:r>
+                      <a:endParaRPr lang="en-US" sz="1100" b="0" i="0" u="none" strike="noStrike" dirty="0">
+                        <a:solidFill>
+                          <a:srgbClr val="000000"/>
+                        </a:solidFill>
+                        <a:effectLst/>
+                        <a:latin typeface="宋体" panose="02010600030101010101" pitchFamily="2" charset="-122"/>
+                        <a:ea typeface="宋体" panose="02010600030101010101" pitchFamily="2" charset="-122"/>
+                      </a:endParaRPr>
+                    </a:p>
+                  </a:txBody>
+                  <a:tcPr marL="9525" marR="9525" marT="9525" marB="0" anchor="ctr">
+                    <a:noFill/>
+                  </a:tcPr>
+                </a:tc>
+                <a:tc>
+                  <a:txBody>
+                    <a:bodyPr/>
+                    <a:lstStyle/>
+                    <a:p>
+                      <a:pPr algn="ctr" fontAlgn="ctr"/>
+                      <a:r>
+                        <a:rPr lang="en-US" sz="1100" u="none" strike="noStrike" dirty="0">
+                          <a:effectLst/>
+                        </a:rPr>
+                        <a:t>p3</a:t>
+                      </a:r>
+                      <a:endParaRPr lang="en-US" sz="1100" b="0" i="0" u="none" strike="noStrike" dirty="0">
+                        <a:solidFill>
+                          <a:srgbClr val="000000"/>
+                        </a:solidFill>
+                        <a:effectLst/>
+                        <a:latin typeface="宋体" panose="02010600030101010101" pitchFamily="2" charset="-122"/>
+                        <a:ea typeface="宋体" panose="02010600030101010101" pitchFamily="2" charset="-122"/>
+                      </a:endParaRPr>
+                    </a:p>
+                  </a:txBody>
+                  <a:tcPr marL="9525" marR="9525" marT="9525" marB="0" anchor="ctr">
+                    <a:gradFill>
+                      <a:gsLst>
+                        <a:gs pos="0">
+                          <a:schemeClr val="accent1">
+                            <a:lumMod val="5000"/>
+                            <a:lumOff val="95000"/>
+                          </a:schemeClr>
+                        </a:gs>
+                        <a:gs pos="74000">
+                          <a:schemeClr val="accent1">
+                            <a:lumMod val="45000"/>
+                            <a:lumOff val="55000"/>
+                          </a:schemeClr>
+                        </a:gs>
+                        <a:gs pos="83000">
+                          <a:schemeClr val="accent1">
+                            <a:lumMod val="45000"/>
+                            <a:lumOff val="55000"/>
+                          </a:schemeClr>
+                        </a:gs>
+                        <a:gs pos="100000">
+                          <a:schemeClr val="accent1">
+                            <a:lumMod val="30000"/>
+                            <a:lumOff val="70000"/>
+                          </a:schemeClr>
+                        </a:gs>
+                      </a:gsLst>
+                      <a:lin ang="5400000" scaled="1"/>
+                    </a:gradFill>
+                  </a:tcPr>
+                </a:tc>
+              </a:tr>
+              <a:tr h="171450">
+                <a:tc>
+                  <a:txBody>
+                    <a:bodyPr/>
+                    <a:lstStyle/>
+                    <a:p>
+                      <a:pPr algn="r" fontAlgn="ctr"/>
+                      <a:r>
+                        <a:rPr lang="en-US" sz="1100" u="none" strike="noStrike" dirty="0">
+                          <a:effectLst/>
+                        </a:rPr>
+                        <a:t>x2</a:t>
+                      </a:r>
+                      <a:endParaRPr lang="en-US" sz="1100" b="0" i="0" u="none" strike="noStrike" dirty="0">
+                        <a:solidFill>
+                          <a:srgbClr val="000000"/>
+                        </a:solidFill>
+                        <a:effectLst/>
+                        <a:latin typeface="宋体" panose="02010600030101010101" pitchFamily="2" charset="-122"/>
+                        <a:ea typeface="宋体" panose="02010600030101010101" pitchFamily="2" charset="-122"/>
+                      </a:endParaRPr>
+                    </a:p>
+                  </a:txBody>
+                  <a:tcPr marL="9525" marR="9525" marT="9525" marB="0" anchor="ctr">
+                    <a:noFill/>
+                  </a:tcPr>
+                </a:tc>
+                <a:tc>
+                  <a:txBody>
+                    <a:bodyPr/>
+                    <a:lstStyle/>
+                    <a:p>
+                      <a:pPr algn="ctr" fontAlgn="ctr"/>
+                      <a:r>
+                        <a:rPr lang="en-US" sz="1100" u="none" strike="noStrike" dirty="0">
+                          <a:effectLst/>
+                        </a:rPr>
+                        <a:t>p4</a:t>
+                      </a:r>
+                      <a:endParaRPr lang="en-US" sz="1100" b="0" i="0" u="none" strike="noStrike" dirty="0">
+                        <a:solidFill>
+                          <a:srgbClr val="000000"/>
+                        </a:solidFill>
+                        <a:effectLst/>
+                        <a:latin typeface="宋体" panose="02010600030101010101" pitchFamily="2" charset="-122"/>
+                        <a:ea typeface="宋体" panose="02010600030101010101" pitchFamily="2" charset="-122"/>
+                      </a:endParaRPr>
+                    </a:p>
+                  </a:txBody>
+                  <a:tcPr marL="9525" marR="9525" marT="9525" marB="0" anchor="ctr">
+                    <a:gradFill>
+                      <a:gsLst>
+                        <a:gs pos="0">
+                          <a:schemeClr val="accent1">
+                            <a:lumMod val="5000"/>
+                            <a:lumOff val="95000"/>
+                          </a:schemeClr>
+                        </a:gs>
+                        <a:gs pos="74000">
+                          <a:schemeClr val="accent1">
+                            <a:lumMod val="45000"/>
+                            <a:lumOff val="55000"/>
+                          </a:schemeClr>
+                        </a:gs>
+                        <a:gs pos="83000">
+                          <a:schemeClr val="accent1">
+                            <a:lumMod val="45000"/>
+                            <a:lumOff val="55000"/>
+                          </a:schemeClr>
+                        </a:gs>
+                        <a:gs pos="100000">
+                          <a:schemeClr val="accent1">
+                            <a:lumMod val="30000"/>
+                            <a:lumOff val="70000"/>
+                          </a:schemeClr>
+                        </a:gs>
+                      </a:gsLst>
+                      <a:lin ang="5400000" scaled="1"/>
+                    </a:gradFill>
+                  </a:tcPr>
+                </a:tc>
+              </a:tr>
+              <a:tr h="60588">
+                <a:tc>
+                  <a:txBody>
+                    <a:bodyPr/>
+                    <a:lstStyle/>
+                    <a:p>
+                      <a:pPr algn="r" fontAlgn="ctr"/>
+                      <a:r>
+                        <a:rPr lang="en-US" altLang="zh-CN" sz="1100" u="none" strike="noStrike" dirty="0">
+                          <a:effectLst/>
+                        </a:rPr>
+                        <a:t>…</a:t>
+                      </a:r>
+                      <a:endParaRPr lang="en-US" altLang="zh-CN" sz="1100" b="0" i="0" u="none" strike="noStrike" dirty="0">
+                        <a:solidFill>
+                          <a:srgbClr val="000000"/>
+                        </a:solidFill>
+                        <a:effectLst/>
+                        <a:latin typeface="宋体" panose="02010600030101010101" pitchFamily="2" charset="-122"/>
+                        <a:ea typeface="宋体" panose="02010600030101010101" pitchFamily="2" charset="-122"/>
+                      </a:endParaRPr>
+                    </a:p>
+                  </a:txBody>
+                  <a:tcPr marL="9525" marR="9525" marT="9525" marB="0" anchor="ctr">
+                    <a:noFill/>
+                  </a:tcPr>
+                </a:tc>
+                <a:tc>
+                  <a:txBody>
+                    <a:bodyPr/>
+                    <a:lstStyle/>
+                    <a:p>
+                      <a:pPr algn="ctr" fontAlgn="ctr"/>
+                      <a:r>
+                        <a:rPr lang="zh-CN" altLang="en-US" sz="1100" u="none" strike="noStrike" dirty="0">
+                          <a:effectLst/>
+                        </a:rPr>
+                        <a:t>　</a:t>
+                      </a:r>
+                      <a:endParaRPr lang="zh-CN" altLang="en-US" sz="1100" b="0" i="0" u="none" strike="noStrike" dirty="0">
+                        <a:solidFill>
+                          <a:srgbClr val="000000"/>
+                        </a:solidFill>
+                        <a:effectLst/>
+                        <a:latin typeface="宋体" panose="02010600030101010101" pitchFamily="2" charset="-122"/>
+                        <a:ea typeface="宋体" panose="02010600030101010101" pitchFamily="2" charset="-122"/>
+                      </a:endParaRPr>
+                    </a:p>
+                  </a:txBody>
+                  <a:tcPr marL="9525" marR="9525" marT="9525" marB="0" anchor="ctr">
+                    <a:gradFill>
+                      <a:gsLst>
+                        <a:gs pos="0">
+                          <a:schemeClr val="accent1">
+                            <a:lumMod val="5000"/>
+                            <a:lumOff val="95000"/>
+                          </a:schemeClr>
+                        </a:gs>
+                        <a:gs pos="74000">
+                          <a:schemeClr val="accent1">
+                            <a:lumMod val="45000"/>
+                            <a:lumOff val="55000"/>
+                          </a:schemeClr>
+                        </a:gs>
+                        <a:gs pos="83000">
+                          <a:schemeClr val="accent1">
+                            <a:lumMod val="45000"/>
+                            <a:lumOff val="55000"/>
+                          </a:schemeClr>
+                        </a:gs>
+                        <a:gs pos="100000">
+                          <a:schemeClr val="accent1">
+                            <a:lumMod val="30000"/>
+                            <a:lumOff val="70000"/>
+                          </a:schemeClr>
+                        </a:gs>
+                      </a:gsLst>
+                      <a:lin ang="5400000" scaled="1"/>
+                    </a:gradFill>
+                  </a:tcPr>
+                </a:tc>
+              </a:tr>
+              <a:tr h="171450">
+                <a:tc>
+                  <a:txBody>
+                    <a:bodyPr/>
+                    <a:lstStyle/>
+                    <a:p>
+                      <a:pPr algn="r" fontAlgn="ctr"/>
+                      <a:r>
+                        <a:rPr lang="en-US" sz="1100" u="none" strike="noStrike" dirty="0">
+                          <a:effectLst/>
+                        </a:rPr>
+                        <a:t>x31</a:t>
+                      </a:r>
+                      <a:endParaRPr lang="en-US" sz="1100" b="0" i="0" u="none" strike="noStrike" dirty="0">
+                        <a:solidFill>
+                          <a:srgbClr val="000000"/>
+                        </a:solidFill>
+                        <a:effectLst/>
+                        <a:latin typeface="宋体" panose="02010600030101010101" pitchFamily="2" charset="-122"/>
+                        <a:ea typeface="宋体" panose="02010600030101010101" pitchFamily="2" charset="-122"/>
+                      </a:endParaRPr>
+                    </a:p>
+                  </a:txBody>
+                  <a:tcPr marL="9525" marR="9525" marT="9525" marB="0" anchor="ctr">
+                    <a:noFill/>
+                  </a:tcPr>
+                </a:tc>
+                <a:tc>
+                  <a:txBody>
+                    <a:bodyPr/>
+                    <a:lstStyle/>
+                    <a:p>
+                      <a:pPr algn="ctr" fontAlgn="ctr"/>
+                      <a:r>
+                        <a:rPr lang="zh-CN" altLang="en-US" sz="1100" u="none" strike="noStrike" dirty="0">
+                          <a:effectLst/>
+                        </a:rPr>
+                        <a:t>　</a:t>
+                      </a:r>
+                      <a:endParaRPr lang="zh-CN" altLang="en-US" sz="1100" b="0" i="0" u="none" strike="noStrike" dirty="0">
+                        <a:solidFill>
+                          <a:srgbClr val="000000"/>
+                        </a:solidFill>
+                        <a:effectLst/>
+                        <a:latin typeface="宋体" panose="02010600030101010101" pitchFamily="2" charset="-122"/>
+                        <a:ea typeface="宋体" panose="02010600030101010101" pitchFamily="2" charset="-122"/>
+                      </a:endParaRPr>
+                    </a:p>
+                  </a:txBody>
+                  <a:tcPr marL="9525" marR="9525" marT="9525" marB="0" anchor="ctr">
+                    <a:gradFill>
+                      <a:gsLst>
+                        <a:gs pos="0">
+                          <a:schemeClr val="accent1">
+                            <a:lumMod val="5000"/>
+                            <a:lumOff val="95000"/>
+                          </a:schemeClr>
+                        </a:gs>
+                        <a:gs pos="74000">
+                          <a:schemeClr val="accent1">
+                            <a:lumMod val="45000"/>
+                            <a:lumOff val="55000"/>
+                          </a:schemeClr>
+                        </a:gs>
+                        <a:gs pos="83000">
+                          <a:schemeClr val="accent1">
+                            <a:lumMod val="45000"/>
+                            <a:lumOff val="55000"/>
+                          </a:schemeClr>
+                        </a:gs>
+                        <a:gs pos="100000">
+                          <a:schemeClr val="accent1">
+                            <a:lumMod val="30000"/>
+                            <a:lumOff val="70000"/>
+                          </a:schemeClr>
+                        </a:gs>
+                      </a:gsLst>
+                      <a:lin ang="5400000" scaled="1"/>
+                    </a:gradFill>
+                  </a:tcPr>
+                </a:tc>
+              </a:tr>
+            </a:tbl>
+          </a:graphicData>
+        </a:graphic>
+      </p:graphicFrame>
+      <p:graphicFrame>
+        <p:nvGraphicFramePr>
+          <p:cNvPr id="11" name="表格 10"/>
+          <p:cNvGraphicFramePr>
+            <a:graphicFrameLocks noGrp="1"/>
+          </p:cNvGraphicFramePr>
+          <p:nvPr>
+            <p:extLst/>
+          </p:nvPr>
+        </p:nvGraphicFramePr>
+        <p:xfrm>
+          <a:off x="7668344" y="1772816"/>
+          <a:ext cx="228600" cy="1240155"/>
+        </p:xfrm>
+        <a:graphic>
+          <a:graphicData uri="http://schemas.openxmlformats.org/drawingml/2006/table">
+            <a:tbl>
+              <a:tblPr>
+                <a:tableStyleId>{5C22544A-7EE6-4342-B048-85BDC9FD1C3A}</a:tableStyleId>
+              </a:tblPr>
+              <a:tblGrid>
+                <a:gridCol w="228600"/>
+              </a:tblGrid>
+              <a:tr h="171450">
+                <a:tc>
+                  <a:txBody>
+                    <a:bodyPr/>
+                    <a:lstStyle/>
+                    <a:p>
+                      <a:pPr algn="r" fontAlgn="ctr"/>
+                      <a:endParaRPr lang="en-US" sz="1100" b="0" i="0" u="none" strike="noStrike" dirty="0">
+                        <a:solidFill>
+                          <a:srgbClr val="000000"/>
+                        </a:solidFill>
+                        <a:effectLst/>
+                        <a:latin typeface="宋体" panose="02010600030101010101" pitchFamily="2" charset="-122"/>
+                        <a:ea typeface="宋体" panose="02010600030101010101" pitchFamily="2" charset="-122"/>
+                      </a:endParaRPr>
+                    </a:p>
+                  </a:txBody>
+                  <a:tcPr marL="9525" marR="9525" marT="9525" marB="0" anchor="ctr">
+                    <a:gradFill>
+                      <a:gsLst>
+                        <a:gs pos="0">
+                          <a:schemeClr val="accent1">
+                            <a:lumMod val="5000"/>
+                            <a:lumOff val="95000"/>
+                          </a:schemeClr>
+                        </a:gs>
+                        <a:gs pos="74000">
+                          <a:schemeClr val="accent1">
+                            <a:lumMod val="45000"/>
+                            <a:lumOff val="55000"/>
+                          </a:schemeClr>
+                        </a:gs>
+                        <a:gs pos="83000">
+                          <a:schemeClr val="accent1">
+                            <a:lumMod val="45000"/>
+                            <a:lumOff val="55000"/>
+                          </a:schemeClr>
+                        </a:gs>
+                        <a:gs pos="100000">
+                          <a:schemeClr val="accent1">
+                            <a:lumMod val="30000"/>
+                            <a:lumOff val="70000"/>
+                          </a:schemeClr>
+                        </a:gs>
+                      </a:gsLst>
+                      <a:lin ang="5400000" scaled="1"/>
+                    </a:gradFill>
+                  </a:tcPr>
+                </a:tc>
+              </a:tr>
+              <a:tr h="171450">
+                <a:tc>
+                  <a:txBody>
+                    <a:bodyPr/>
+                    <a:lstStyle/>
+                    <a:p>
+                      <a:pPr algn="r" fontAlgn="ctr"/>
+                      <a:endParaRPr lang="en-US" sz="1100" b="0" i="0" u="none" strike="noStrike">
+                        <a:solidFill>
+                          <a:srgbClr val="000000"/>
+                        </a:solidFill>
+                        <a:effectLst/>
+                        <a:latin typeface="宋体" panose="02010600030101010101" pitchFamily="2" charset="-122"/>
+                        <a:ea typeface="宋体" panose="02010600030101010101" pitchFamily="2" charset="-122"/>
+                      </a:endParaRPr>
+                    </a:p>
+                  </a:txBody>
+                  <a:tcPr marL="9525" marR="9525" marT="9525" marB="0" anchor="ctr">
+                    <a:gradFill>
+                      <a:gsLst>
+                        <a:gs pos="0">
+                          <a:schemeClr val="accent1">
+                            <a:lumMod val="5000"/>
+                            <a:lumOff val="95000"/>
+                          </a:schemeClr>
+                        </a:gs>
+                        <a:gs pos="74000">
+                          <a:schemeClr val="accent1">
+                            <a:lumMod val="45000"/>
+                            <a:lumOff val="55000"/>
+                          </a:schemeClr>
+                        </a:gs>
+                        <a:gs pos="83000">
+                          <a:schemeClr val="accent1">
+                            <a:lumMod val="45000"/>
+                            <a:lumOff val="55000"/>
+                          </a:schemeClr>
+                        </a:gs>
+                        <a:gs pos="100000">
+                          <a:schemeClr val="accent1">
+                            <a:lumMod val="30000"/>
+                            <a:lumOff val="70000"/>
+                          </a:schemeClr>
+                        </a:gs>
+                      </a:gsLst>
+                      <a:lin ang="5400000" scaled="1"/>
+                    </a:gradFill>
+                  </a:tcPr>
+                </a:tc>
+              </a:tr>
+              <a:tr h="171450">
+                <a:tc>
+                  <a:txBody>
+                    <a:bodyPr/>
+                    <a:lstStyle/>
+                    <a:p>
+                      <a:pPr algn="r" fontAlgn="ctr"/>
+                      <a:endParaRPr lang="en-US" sz="1100" b="0" i="0" u="none" strike="noStrike">
+                        <a:solidFill>
+                          <a:srgbClr val="000000"/>
+                        </a:solidFill>
+                        <a:effectLst/>
+                        <a:latin typeface="宋体" panose="02010600030101010101" pitchFamily="2" charset="-122"/>
+                        <a:ea typeface="宋体" panose="02010600030101010101" pitchFamily="2" charset="-122"/>
+                      </a:endParaRPr>
+                    </a:p>
+                  </a:txBody>
+                  <a:tcPr marL="9525" marR="9525" marT="9525" marB="0" anchor="ctr">
+                    <a:gradFill>
+                      <a:gsLst>
+                        <a:gs pos="0">
+                          <a:schemeClr val="accent1">
+                            <a:lumMod val="5000"/>
+                            <a:lumOff val="95000"/>
+                          </a:schemeClr>
+                        </a:gs>
+                        <a:gs pos="74000">
+                          <a:schemeClr val="accent1">
+                            <a:lumMod val="45000"/>
+                            <a:lumOff val="55000"/>
+                          </a:schemeClr>
+                        </a:gs>
+                        <a:gs pos="83000">
+                          <a:schemeClr val="accent1">
+                            <a:lumMod val="45000"/>
+                            <a:lumOff val="55000"/>
+                          </a:schemeClr>
+                        </a:gs>
+                        <a:gs pos="100000">
+                          <a:schemeClr val="accent1">
+                            <a:lumMod val="30000"/>
+                            <a:lumOff val="70000"/>
+                          </a:schemeClr>
+                        </a:gs>
+                      </a:gsLst>
+                      <a:lin ang="5400000" scaled="1"/>
+                    </a:gradFill>
+                  </a:tcPr>
+                </a:tc>
+              </a:tr>
+              <a:tr h="171450">
+                <a:tc>
+                  <a:txBody>
+                    <a:bodyPr/>
+                    <a:lstStyle/>
+                    <a:p>
+                      <a:pPr algn="r" fontAlgn="ctr"/>
+                      <a:endParaRPr lang="en-US" sz="1100" b="0" i="0" u="none" strike="noStrike">
+                        <a:solidFill>
+                          <a:srgbClr val="000000"/>
+                        </a:solidFill>
+                        <a:effectLst/>
+                        <a:latin typeface="宋体" panose="02010600030101010101" pitchFamily="2" charset="-122"/>
+                        <a:ea typeface="宋体" panose="02010600030101010101" pitchFamily="2" charset="-122"/>
+                      </a:endParaRPr>
+                    </a:p>
+                  </a:txBody>
+                  <a:tcPr marL="9525" marR="9525" marT="9525" marB="0" anchor="ctr">
+                    <a:gradFill>
+                      <a:gsLst>
+                        <a:gs pos="0">
+                          <a:schemeClr val="accent1">
+                            <a:lumMod val="5000"/>
+                            <a:lumOff val="95000"/>
+                          </a:schemeClr>
+                        </a:gs>
+                        <a:gs pos="74000">
+                          <a:schemeClr val="accent1">
+                            <a:lumMod val="45000"/>
+                            <a:lumOff val="55000"/>
+                          </a:schemeClr>
+                        </a:gs>
+                        <a:gs pos="83000">
+                          <a:schemeClr val="accent1">
+                            <a:lumMod val="45000"/>
+                            <a:lumOff val="55000"/>
+                          </a:schemeClr>
+                        </a:gs>
+                        <a:gs pos="100000">
+                          <a:schemeClr val="accent1">
+                            <a:lumMod val="30000"/>
+                            <a:lumOff val="70000"/>
+                          </a:schemeClr>
+                        </a:gs>
+                      </a:gsLst>
+                      <a:lin ang="5400000" scaled="1"/>
+                    </a:gradFill>
+                  </a:tcPr>
+                </a:tc>
+              </a:tr>
+              <a:tr h="171450">
+                <a:tc>
+                  <a:txBody>
+                    <a:bodyPr/>
+                    <a:lstStyle/>
+                    <a:p>
+                      <a:pPr algn="r" fontAlgn="ctr"/>
+                      <a:endParaRPr lang="en-US" sz="1100" b="0" i="0" u="none" strike="noStrike">
+                        <a:solidFill>
+                          <a:srgbClr val="000000"/>
+                        </a:solidFill>
+                        <a:effectLst/>
+                        <a:latin typeface="宋体" panose="02010600030101010101" pitchFamily="2" charset="-122"/>
+                        <a:ea typeface="宋体" panose="02010600030101010101" pitchFamily="2" charset="-122"/>
+                      </a:endParaRPr>
+                    </a:p>
+                  </a:txBody>
+                  <a:tcPr marL="9525" marR="9525" marT="9525" marB="0" anchor="ctr">
+                    <a:gradFill>
+                      <a:gsLst>
+                        <a:gs pos="0">
+                          <a:schemeClr val="accent1">
+                            <a:lumMod val="5000"/>
+                            <a:lumOff val="95000"/>
+                          </a:schemeClr>
+                        </a:gs>
+                        <a:gs pos="74000">
+                          <a:schemeClr val="accent1">
+                            <a:lumMod val="45000"/>
+                            <a:lumOff val="55000"/>
+                          </a:schemeClr>
+                        </a:gs>
+                        <a:gs pos="83000">
+                          <a:schemeClr val="accent1">
+                            <a:lumMod val="45000"/>
+                            <a:lumOff val="55000"/>
+                          </a:schemeClr>
+                        </a:gs>
+                        <a:gs pos="100000">
+                          <a:schemeClr val="accent1">
+                            <a:lumMod val="30000"/>
+                            <a:lumOff val="70000"/>
+                          </a:schemeClr>
+                        </a:gs>
+                      </a:gsLst>
+                      <a:lin ang="5400000" scaled="1"/>
+                    </a:gradFill>
+                  </a:tcPr>
+                </a:tc>
+              </a:tr>
+              <a:tr h="171450">
+                <a:tc>
+                  <a:txBody>
+                    <a:bodyPr/>
+                    <a:lstStyle/>
+                    <a:p>
+                      <a:pPr algn="r" fontAlgn="ctr"/>
+                      <a:endParaRPr lang="en-US" altLang="zh-CN" sz="1100" b="0" i="0" u="none" strike="noStrike">
+                        <a:solidFill>
+                          <a:srgbClr val="000000"/>
+                        </a:solidFill>
+                        <a:effectLst/>
+                        <a:latin typeface="宋体" panose="02010600030101010101" pitchFamily="2" charset="-122"/>
+                        <a:ea typeface="宋体" panose="02010600030101010101" pitchFamily="2" charset="-122"/>
+                      </a:endParaRPr>
+                    </a:p>
+                  </a:txBody>
+                  <a:tcPr marL="9525" marR="9525" marT="9525" marB="0" anchor="ctr">
+                    <a:gradFill>
+                      <a:gsLst>
+                        <a:gs pos="0">
+                          <a:schemeClr val="accent1">
+                            <a:lumMod val="5000"/>
+                            <a:lumOff val="95000"/>
+                          </a:schemeClr>
+                        </a:gs>
+                        <a:gs pos="74000">
+                          <a:schemeClr val="accent1">
+                            <a:lumMod val="45000"/>
+                            <a:lumOff val="55000"/>
+                          </a:schemeClr>
+                        </a:gs>
+                        <a:gs pos="83000">
+                          <a:schemeClr val="accent1">
+                            <a:lumMod val="45000"/>
+                            <a:lumOff val="55000"/>
+                          </a:schemeClr>
+                        </a:gs>
+                        <a:gs pos="100000">
+                          <a:schemeClr val="accent1">
+                            <a:lumMod val="30000"/>
+                            <a:lumOff val="70000"/>
+                          </a:schemeClr>
+                        </a:gs>
+                      </a:gsLst>
+                      <a:lin ang="5400000" scaled="1"/>
+                    </a:gradFill>
+                  </a:tcPr>
+                </a:tc>
+              </a:tr>
+              <a:tr h="171450">
+                <a:tc>
+                  <a:txBody>
+                    <a:bodyPr/>
+                    <a:lstStyle/>
+                    <a:p>
+                      <a:pPr algn="r" fontAlgn="ctr"/>
+                      <a:endParaRPr lang="en-US" sz="1100" b="0" i="0" u="none" strike="noStrike" dirty="0">
+                        <a:solidFill>
+                          <a:srgbClr val="000000"/>
+                        </a:solidFill>
+                        <a:effectLst/>
+                        <a:latin typeface="宋体" panose="02010600030101010101" pitchFamily="2" charset="-122"/>
+                        <a:ea typeface="宋体" panose="02010600030101010101" pitchFamily="2" charset="-122"/>
+                      </a:endParaRPr>
+                    </a:p>
+                  </a:txBody>
+                  <a:tcPr marL="9525" marR="9525" marT="9525" marB="0" anchor="ctr">
+                    <a:gradFill>
+                      <a:gsLst>
+                        <a:gs pos="0">
+                          <a:schemeClr val="accent1">
+                            <a:lumMod val="5000"/>
+                            <a:lumOff val="95000"/>
+                          </a:schemeClr>
+                        </a:gs>
+                        <a:gs pos="74000">
+                          <a:schemeClr val="accent1">
+                            <a:lumMod val="45000"/>
+                            <a:lumOff val="55000"/>
+                          </a:schemeClr>
+                        </a:gs>
+                        <a:gs pos="83000">
+                          <a:schemeClr val="accent1">
+                            <a:lumMod val="45000"/>
+                            <a:lumOff val="55000"/>
+                          </a:schemeClr>
+                        </a:gs>
+                        <a:gs pos="100000">
+                          <a:schemeClr val="accent1">
+                            <a:lumMod val="30000"/>
+                            <a:lumOff val="70000"/>
+                          </a:schemeClr>
+                        </a:gs>
+                      </a:gsLst>
+                      <a:lin ang="5400000" scaled="1"/>
+                    </a:gradFill>
+                  </a:tcPr>
+                </a:tc>
+              </a:tr>
+            </a:tbl>
+          </a:graphicData>
+        </a:graphic>
+      </p:graphicFrame>
+      <p:cxnSp>
+        <p:nvCxnSpPr>
+          <p:cNvPr id="15" name="曲线连接符 14"/>
+          <p:cNvCxnSpPr>
+            <a:endCxn id="12" idx="2"/>
+          </p:cNvCxnSpPr>
+          <p:nvPr/>
+        </p:nvCxnSpPr>
+        <p:spPr bwMode="auto">
+          <a:xfrm flipV="1">
+            <a:off x="4051832" y="3212976"/>
+            <a:ext cx="2932436" cy="1057024"/>
+          </a:xfrm>
+          <a:prstGeom prst="curvedConnector2">
+            <a:avLst/>
+          </a:prstGeom>
+          <a:gradFill rotWithShape="1">
+            <a:gsLst>
+              <a:gs pos="0">
+                <a:schemeClr val="accent1"/>
+              </a:gs>
+              <a:gs pos="100000">
+                <a:schemeClr val="bg1">
+                  <a:alpha val="98000"/>
+                </a:schemeClr>
+              </a:gs>
+            </a:gsLst>
+            <a:lin ang="5400000" scaled="1"/>
+          </a:gradFill>
+          <a:ln w="25400" cap="flat" cmpd="sng" algn="ctr">
+            <a:solidFill>
+              <a:schemeClr val="tx1"/>
+            </a:solidFill>
+            <a:prstDash val="solid"/>
+            <a:round/>
+            <a:headEnd type="none" w="med" len="med"/>
+            <a:tailEnd type="triangle"/>
+          </a:ln>
+          <a:effectLst/>
+        </p:spPr>
+      </p:cxnSp>
+      <p:graphicFrame>
+        <p:nvGraphicFramePr>
+          <p:cNvPr id="16" name="表格 15"/>
+          <p:cNvGraphicFramePr>
+            <a:graphicFrameLocks noGrp="1"/>
+          </p:cNvGraphicFramePr>
+          <p:nvPr>
+            <p:extLst/>
+          </p:nvPr>
+        </p:nvGraphicFramePr>
+        <p:xfrm>
+          <a:off x="3823232" y="1772816"/>
+          <a:ext cx="228600" cy="1240155"/>
+        </p:xfrm>
+        <a:graphic>
+          <a:graphicData uri="http://schemas.openxmlformats.org/drawingml/2006/table">
+            <a:tbl>
+              <a:tblPr>
+                <a:tableStyleId>{5C22544A-7EE6-4342-B048-85BDC9FD1C3A}</a:tableStyleId>
+              </a:tblPr>
+              <a:tblGrid>
+                <a:gridCol w="228600"/>
+              </a:tblGrid>
+              <a:tr h="171450">
+                <a:tc>
+                  <a:txBody>
+                    <a:bodyPr/>
+                    <a:lstStyle/>
+                    <a:p>
+                      <a:pPr algn="r" fontAlgn="ctr"/>
+                      <a:r>
+                        <a:rPr lang="en-US" sz="1100" b="0" i="0" u="none" strike="noStrike" dirty="0" smtClean="0">
+                          <a:solidFill>
+                            <a:srgbClr val="000000"/>
+                          </a:solidFill>
+                          <a:effectLst/>
+                          <a:latin typeface="宋体" panose="02010600030101010101" pitchFamily="2" charset="-122"/>
+                          <a:ea typeface="宋体" panose="02010600030101010101" pitchFamily="2" charset="-122"/>
+                        </a:rPr>
+                        <a:t>p0</a:t>
+                      </a:r>
+                      <a:endParaRPr lang="en-US" sz="1100" b="0" i="0" u="none" strike="noStrike" dirty="0">
+                        <a:solidFill>
+                          <a:srgbClr val="000000"/>
+                        </a:solidFill>
+                        <a:effectLst/>
+                        <a:latin typeface="宋体" panose="02010600030101010101" pitchFamily="2" charset="-122"/>
+                        <a:ea typeface="宋体" panose="02010600030101010101" pitchFamily="2" charset="-122"/>
+                      </a:endParaRPr>
+                    </a:p>
+                  </a:txBody>
+                  <a:tcPr marL="9525" marR="9525" marT="9525" marB="0" anchor="ctr">
+                    <a:gradFill>
+                      <a:gsLst>
+                        <a:gs pos="0">
+                          <a:schemeClr val="accent1">
+                            <a:lumMod val="5000"/>
+                            <a:lumOff val="95000"/>
+                          </a:schemeClr>
+                        </a:gs>
+                        <a:gs pos="74000">
+                          <a:schemeClr val="accent1">
+                            <a:lumMod val="45000"/>
+                            <a:lumOff val="55000"/>
+                          </a:schemeClr>
+                        </a:gs>
+                        <a:gs pos="83000">
+                          <a:schemeClr val="accent1">
+                            <a:lumMod val="45000"/>
+                            <a:lumOff val="55000"/>
+                          </a:schemeClr>
+                        </a:gs>
+                        <a:gs pos="100000">
+                          <a:schemeClr val="accent1">
+                            <a:lumMod val="30000"/>
+                            <a:lumOff val="70000"/>
+                          </a:schemeClr>
+                        </a:gs>
+                      </a:gsLst>
+                      <a:lin ang="5400000" scaled="1"/>
+                    </a:gradFill>
+                  </a:tcPr>
+                </a:tc>
+              </a:tr>
+              <a:tr h="171450">
+                <a:tc>
+                  <a:txBody>
+                    <a:bodyPr/>
+                    <a:lstStyle/>
+                    <a:p>
+                      <a:pPr algn="r" fontAlgn="ctr"/>
+                      <a:r>
+                        <a:rPr lang="en-US" sz="1100" b="0" i="0" u="none" strike="noStrike" dirty="0" smtClean="0">
+                          <a:solidFill>
+                            <a:srgbClr val="000000"/>
+                          </a:solidFill>
+                          <a:effectLst/>
+                          <a:latin typeface="宋体" panose="02010600030101010101" pitchFamily="2" charset="-122"/>
+                          <a:ea typeface="宋体" panose="02010600030101010101" pitchFamily="2" charset="-122"/>
+                        </a:rPr>
+                        <a:t>p1</a:t>
+                      </a:r>
+                      <a:endParaRPr lang="en-US" sz="1100" b="0" i="0" u="none" strike="noStrike" dirty="0">
+                        <a:solidFill>
+                          <a:srgbClr val="000000"/>
+                        </a:solidFill>
+                        <a:effectLst/>
+                        <a:latin typeface="宋体" panose="02010600030101010101" pitchFamily="2" charset="-122"/>
+                        <a:ea typeface="宋体" panose="02010600030101010101" pitchFamily="2" charset="-122"/>
+                      </a:endParaRPr>
+                    </a:p>
+                  </a:txBody>
+                  <a:tcPr marL="9525" marR="9525" marT="9525" marB="0" anchor="ctr">
+                    <a:gradFill>
+                      <a:gsLst>
+                        <a:gs pos="0">
+                          <a:schemeClr val="accent1">
+                            <a:lumMod val="5000"/>
+                            <a:lumOff val="95000"/>
+                          </a:schemeClr>
+                        </a:gs>
+                        <a:gs pos="74000">
+                          <a:schemeClr val="accent1">
+                            <a:lumMod val="45000"/>
+                            <a:lumOff val="55000"/>
+                          </a:schemeClr>
+                        </a:gs>
+                        <a:gs pos="83000">
+                          <a:schemeClr val="accent1">
+                            <a:lumMod val="45000"/>
+                            <a:lumOff val="55000"/>
+                          </a:schemeClr>
+                        </a:gs>
+                        <a:gs pos="100000">
+                          <a:schemeClr val="accent1">
+                            <a:lumMod val="30000"/>
+                            <a:lumOff val="70000"/>
+                          </a:schemeClr>
+                        </a:gs>
+                      </a:gsLst>
+                      <a:lin ang="5400000" scaled="1"/>
+                    </a:gradFill>
+                  </a:tcPr>
+                </a:tc>
+              </a:tr>
+              <a:tr h="171450">
+                <a:tc>
+                  <a:txBody>
+                    <a:bodyPr/>
+                    <a:lstStyle/>
+                    <a:p>
+                      <a:pPr algn="r" fontAlgn="ctr"/>
+                      <a:r>
+                        <a:rPr lang="en-US" sz="1100" b="0" i="0" u="none" strike="noStrike" dirty="0" smtClean="0">
+                          <a:solidFill>
+                            <a:srgbClr val="000000"/>
+                          </a:solidFill>
+                          <a:effectLst/>
+                          <a:latin typeface="宋体" panose="02010600030101010101" pitchFamily="2" charset="-122"/>
+                          <a:ea typeface="宋体" panose="02010600030101010101" pitchFamily="2" charset="-122"/>
+                        </a:rPr>
+                        <a:t>p9</a:t>
+                      </a:r>
+                      <a:endParaRPr lang="en-US" sz="1100" b="0" i="0" u="none" strike="noStrike" dirty="0">
+                        <a:solidFill>
+                          <a:srgbClr val="000000"/>
+                        </a:solidFill>
+                        <a:effectLst/>
+                        <a:latin typeface="宋体" panose="02010600030101010101" pitchFamily="2" charset="-122"/>
+                        <a:ea typeface="宋体" panose="02010600030101010101" pitchFamily="2" charset="-122"/>
+                      </a:endParaRPr>
+                    </a:p>
+                  </a:txBody>
+                  <a:tcPr marL="9525" marR="9525" marT="9525" marB="0" anchor="ctr">
+                    <a:gradFill>
+                      <a:gsLst>
+                        <a:gs pos="0">
+                          <a:schemeClr val="accent1">
+                            <a:lumMod val="5000"/>
+                            <a:lumOff val="95000"/>
+                          </a:schemeClr>
+                        </a:gs>
+                        <a:gs pos="74000">
+                          <a:schemeClr val="accent1">
+                            <a:lumMod val="45000"/>
+                            <a:lumOff val="55000"/>
+                          </a:schemeClr>
+                        </a:gs>
+                        <a:gs pos="83000">
+                          <a:schemeClr val="accent1">
+                            <a:lumMod val="45000"/>
+                            <a:lumOff val="55000"/>
+                          </a:schemeClr>
+                        </a:gs>
+                        <a:gs pos="100000">
+                          <a:schemeClr val="accent1">
+                            <a:lumMod val="30000"/>
+                            <a:lumOff val="70000"/>
+                          </a:schemeClr>
+                        </a:gs>
+                      </a:gsLst>
+                      <a:lin ang="5400000" scaled="1"/>
+                    </a:gradFill>
+                  </a:tcPr>
+                </a:tc>
+              </a:tr>
+              <a:tr h="171450">
+                <a:tc>
+                  <a:txBody>
+                    <a:bodyPr/>
+                    <a:lstStyle/>
+                    <a:p>
+                      <a:pPr algn="r" fontAlgn="ctr"/>
+                      <a:r>
+                        <a:rPr lang="en-US" sz="1100" b="0" i="0" u="none" strike="noStrike" dirty="0" smtClean="0">
+                          <a:solidFill>
+                            <a:srgbClr val="000000"/>
+                          </a:solidFill>
+                          <a:effectLst/>
+                          <a:latin typeface="宋体" panose="02010600030101010101" pitchFamily="2" charset="-122"/>
+                          <a:ea typeface="宋体" panose="02010600030101010101" pitchFamily="2" charset="-122"/>
+                        </a:rPr>
+                        <a:t>…</a:t>
+                      </a:r>
+                      <a:endParaRPr lang="en-US" sz="1100" b="0" i="0" u="none" strike="noStrike" dirty="0">
+                        <a:solidFill>
+                          <a:srgbClr val="000000"/>
+                        </a:solidFill>
+                        <a:effectLst/>
+                        <a:latin typeface="宋体" panose="02010600030101010101" pitchFamily="2" charset="-122"/>
+                        <a:ea typeface="宋体" panose="02010600030101010101" pitchFamily="2" charset="-122"/>
+                      </a:endParaRPr>
+                    </a:p>
+                  </a:txBody>
+                  <a:tcPr marL="9525" marR="9525" marT="9525" marB="0" anchor="ctr">
+                    <a:gradFill>
+                      <a:gsLst>
+                        <a:gs pos="0">
+                          <a:schemeClr val="accent1">
+                            <a:lumMod val="5000"/>
+                            <a:lumOff val="95000"/>
+                          </a:schemeClr>
+                        </a:gs>
+                        <a:gs pos="74000">
+                          <a:schemeClr val="accent1">
+                            <a:lumMod val="45000"/>
+                            <a:lumOff val="55000"/>
+                          </a:schemeClr>
+                        </a:gs>
+                        <a:gs pos="83000">
+                          <a:schemeClr val="accent1">
+                            <a:lumMod val="45000"/>
+                            <a:lumOff val="55000"/>
+                          </a:schemeClr>
+                        </a:gs>
+                        <a:gs pos="100000">
+                          <a:schemeClr val="accent1">
+                            <a:lumMod val="30000"/>
+                            <a:lumOff val="70000"/>
+                          </a:schemeClr>
+                        </a:gs>
+                      </a:gsLst>
+                      <a:lin ang="5400000" scaled="1"/>
+                    </a:gradFill>
+                  </a:tcPr>
+                </a:tc>
+              </a:tr>
+              <a:tr h="171450">
+                <a:tc>
+                  <a:txBody>
+                    <a:bodyPr/>
+                    <a:lstStyle/>
+                    <a:p>
+                      <a:pPr algn="r" fontAlgn="ctr"/>
+                      <a:endParaRPr lang="en-US" sz="1100" b="0" i="0" u="none" strike="noStrike">
+                        <a:solidFill>
+                          <a:srgbClr val="000000"/>
+                        </a:solidFill>
+                        <a:effectLst/>
+                        <a:latin typeface="宋体" panose="02010600030101010101" pitchFamily="2" charset="-122"/>
+                        <a:ea typeface="宋体" panose="02010600030101010101" pitchFamily="2" charset="-122"/>
+                      </a:endParaRPr>
+                    </a:p>
+                  </a:txBody>
+                  <a:tcPr marL="9525" marR="9525" marT="9525" marB="0" anchor="ctr">
+                    <a:gradFill>
+                      <a:gsLst>
+                        <a:gs pos="0">
+                          <a:schemeClr val="accent1">
+                            <a:lumMod val="5000"/>
+                            <a:lumOff val="95000"/>
+                          </a:schemeClr>
+                        </a:gs>
+                        <a:gs pos="74000">
+                          <a:schemeClr val="accent1">
+                            <a:lumMod val="45000"/>
+                            <a:lumOff val="55000"/>
+                          </a:schemeClr>
+                        </a:gs>
+                        <a:gs pos="83000">
+                          <a:schemeClr val="accent1">
+                            <a:lumMod val="45000"/>
+                            <a:lumOff val="55000"/>
+                          </a:schemeClr>
+                        </a:gs>
+                        <a:gs pos="100000">
+                          <a:schemeClr val="accent1">
+                            <a:lumMod val="30000"/>
+                            <a:lumOff val="70000"/>
+                          </a:schemeClr>
+                        </a:gs>
+                      </a:gsLst>
+                      <a:lin ang="5400000" scaled="1"/>
+                    </a:gradFill>
+                  </a:tcPr>
+                </a:tc>
+              </a:tr>
+              <a:tr h="171450">
+                <a:tc>
+                  <a:txBody>
+                    <a:bodyPr/>
+                    <a:lstStyle/>
+                    <a:p>
+                      <a:pPr algn="r" fontAlgn="ctr"/>
+                      <a:endParaRPr lang="en-US" altLang="zh-CN" sz="1100" b="0" i="0" u="none" strike="noStrike">
+                        <a:solidFill>
+                          <a:srgbClr val="000000"/>
+                        </a:solidFill>
+                        <a:effectLst/>
+                        <a:latin typeface="宋体" panose="02010600030101010101" pitchFamily="2" charset="-122"/>
+                        <a:ea typeface="宋体" panose="02010600030101010101" pitchFamily="2" charset="-122"/>
+                      </a:endParaRPr>
+                    </a:p>
+                  </a:txBody>
+                  <a:tcPr marL="9525" marR="9525" marT="9525" marB="0" anchor="ctr">
+                    <a:gradFill>
+                      <a:gsLst>
+                        <a:gs pos="0">
+                          <a:schemeClr val="accent1">
+                            <a:lumMod val="5000"/>
+                            <a:lumOff val="95000"/>
+                          </a:schemeClr>
+                        </a:gs>
+                        <a:gs pos="74000">
+                          <a:schemeClr val="accent1">
+                            <a:lumMod val="45000"/>
+                            <a:lumOff val="55000"/>
+                          </a:schemeClr>
+                        </a:gs>
+                        <a:gs pos="83000">
+                          <a:schemeClr val="accent1">
+                            <a:lumMod val="45000"/>
+                            <a:lumOff val="55000"/>
+                          </a:schemeClr>
+                        </a:gs>
+                        <a:gs pos="100000">
+                          <a:schemeClr val="accent1">
+                            <a:lumMod val="30000"/>
+                            <a:lumOff val="70000"/>
+                          </a:schemeClr>
+                        </a:gs>
+                      </a:gsLst>
+                      <a:lin ang="5400000" scaled="1"/>
+                    </a:gradFill>
+                  </a:tcPr>
+                </a:tc>
+              </a:tr>
+              <a:tr h="171450">
+                <a:tc>
+                  <a:txBody>
+                    <a:bodyPr/>
+                    <a:lstStyle/>
+                    <a:p>
+                      <a:pPr algn="r" fontAlgn="ctr"/>
+                      <a:endParaRPr lang="en-US" sz="1100" b="0" i="0" u="none" strike="noStrike" dirty="0">
+                        <a:solidFill>
+                          <a:srgbClr val="000000"/>
+                        </a:solidFill>
+                        <a:effectLst/>
+                        <a:latin typeface="宋体" panose="02010600030101010101" pitchFamily="2" charset="-122"/>
+                        <a:ea typeface="宋体" panose="02010600030101010101" pitchFamily="2" charset="-122"/>
+                      </a:endParaRPr>
+                    </a:p>
+                  </a:txBody>
+                  <a:tcPr marL="9525" marR="9525" marT="9525" marB="0" anchor="ctr">
+                    <a:gradFill>
+                      <a:gsLst>
+                        <a:gs pos="0">
+                          <a:schemeClr val="accent1">
+                            <a:lumMod val="5000"/>
+                            <a:lumOff val="95000"/>
+                          </a:schemeClr>
+                        </a:gs>
+                        <a:gs pos="74000">
+                          <a:schemeClr val="accent1">
+                            <a:lumMod val="45000"/>
+                            <a:lumOff val="55000"/>
+                          </a:schemeClr>
+                        </a:gs>
+                        <a:gs pos="83000">
+                          <a:schemeClr val="accent1">
+                            <a:lumMod val="45000"/>
+                            <a:lumOff val="55000"/>
+                          </a:schemeClr>
+                        </a:gs>
+                        <a:gs pos="100000">
+                          <a:schemeClr val="accent1">
+                            <a:lumMod val="30000"/>
+                            <a:lumOff val="70000"/>
+                          </a:schemeClr>
+                        </a:gs>
+                      </a:gsLst>
+                      <a:lin ang="5400000" scaled="1"/>
+                    </a:gradFill>
+                  </a:tcPr>
+                </a:tc>
+              </a:tr>
+            </a:tbl>
+          </a:graphicData>
+        </a:graphic>
+      </p:graphicFrame>
+      <p:graphicFrame>
+        <p:nvGraphicFramePr>
+          <p:cNvPr id="21" name="表格 20"/>
+          <p:cNvGraphicFramePr>
+            <a:graphicFrameLocks noGrp="1"/>
+          </p:cNvGraphicFramePr>
+          <p:nvPr>
+            <p:extLst/>
+          </p:nvPr>
+        </p:nvGraphicFramePr>
+        <p:xfrm>
+          <a:off x="827584" y="3501008"/>
+          <a:ext cx="228600" cy="1080120"/>
+        </p:xfrm>
+        <a:graphic>
+          <a:graphicData uri="http://schemas.openxmlformats.org/drawingml/2006/table">
+            <a:tbl>
+              <a:tblPr>
+                <a:tableStyleId>{5C22544A-7EE6-4342-B048-85BDC9FD1C3A}</a:tableStyleId>
+              </a:tblPr>
+              <a:tblGrid>
+                <a:gridCol w="228600"/>
+              </a:tblGrid>
+              <a:tr h="171450">
+                <a:tc>
+                  <a:txBody>
+                    <a:bodyPr/>
+                    <a:lstStyle/>
+                    <a:p>
+                      <a:pPr algn="r" fontAlgn="ctr"/>
+                      <a:endParaRPr lang="en-US" sz="1100" b="0" i="0" u="none" strike="noStrike" dirty="0">
+                        <a:solidFill>
+                          <a:srgbClr val="000000"/>
+                        </a:solidFill>
+                        <a:effectLst/>
+                        <a:latin typeface="宋体" panose="02010600030101010101" pitchFamily="2" charset="-122"/>
+                        <a:ea typeface="宋体" panose="02010600030101010101" pitchFamily="2" charset="-122"/>
+                      </a:endParaRPr>
+                    </a:p>
+                  </a:txBody>
+                  <a:tcPr marL="9525" marR="9525" marT="9525" marB="0" anchor="ctr">
+                    <a:gradFill>
+                      <a:gsLst>
+                        <a:gs pos="0">
+                          <a:schemeClr val="accent1">
+                            <a:lumMod val="5000"/>
+                            <a:lumOff val="95000"/>
+                          </a:schemeClr>
+                        </a:gs>
+                        <a:gs pos="74000">
+                          <a:schemeClr val="accent1">
+                            <a:lumMod val="45000"/>
+                            <a:lumOff val="55000"/>
+                          </a:schemeClr>
+                        </a:gs>
+                        <a:gs pos="83000">
+                          <a:schemeClr val="accent1">
+                            <a:lumMod val="45000"/>
+                            <a:lumOff val="55000"/>
+                          </a:schemeClr>
+                        </a:gs>
+                        <a:gs pos="100000">
+                          <a:schemeClr val="accent1">
+                            <a:lumMod val="30000"/>
+                            <a:lumOff val="70000"/>
+                          </a:schemeClr>
+                        </a:gs>
+                      </a:gsLst>
+                      <a:lin ang="5400000" scaled="1"/>
+                    </a:gradFill>
+                  </a:tcPr>
+                </a:tc>
+              </a:tr>
+              <a:tr h="171450">
+                <a:tc>
+                  <a:txBody>
+                    <a:bodyPr/>
+                    <a:lstStyle/>
+                    <a:p>
+                      <a:pPr algn="r" fontAlgn="ctr"/>
+                      <a:endParaRPr lang="en-US" sz="1100" b="0" i="0" u="none" strike="noStrike" dirty="0">
+                        <a:solidFill>
+                          <a:srgbClr val="000000"/>
+                        </a:solidFill>
+                        <a:effectLst/>
+                        <a:latin typeface="宋体" panose="02010600030101010101" pitchFamily="2" charset="-122"/>
+                        <a:ea typeface="宋体" panose="02010600030101010101" pitchFamily="2" charset="-122"/>
+                      </a:endParaRPr>
+                    </a:p>
+                  </a:txBody>
+                  <a:tcPr marL="9525" marR="9525" marT="9525" marB="0" anchor="ctr">
+                    <a:gradFill>
+                      <a:gsLst>
+                        <a:gs pos="0">
+                          <a:schemeClr val="accent1">
+                            <a:lumMod val="5000"/>
+                            <a:lumOff val="95000"/>
+                          </a:schemeClr>
+                        </a:gs>
+                        <a:gs pos="74000">
+                          <a:schemeClr val="accent1">
+                            <a:lumMod val="45000"/>
+                            <a:lumOff val="55000"/>
+                          </a:schemeClr>
+                        </a:gs>
+                        <a:gs pos="83000">
+                          <a:schemeClr val="accent1">
+                            <a:lumMod val="45000"/>
+                            <a:lumOff val="55000"/>
+                          </a:schemeClr>
+                        </a:gs>
+                        <a:gs pos="100000">
+                          <a:schemeClr val="accent1">
+                            <a:lumMod val="30000"/>
+                            <a:lumOff val="70000"/>
+                          </a:schemeClr>
+                        </a:gs>
+                      </a:gsLst>
+                      <a:lin ang="5400000" scaled="1"/>
+                    </a:gradFill>
+                  </a:tcPr>
+                </a:tc>
+              </a:tr>
+              <a:tr h="171450">
+                <a:tc>
+                  <a:txBody>
+                    <a:bodyPr/>
+                    <a:lstStyle/>
+                    <a:p>
+                      <a:pPr algn="r" fontAlgn="ctr"/>
+                      <a:endParaRPr lang="en-US" sz="1100" b="0" i="0" u="none" strike="noStrike" dirty="0">
+                        <a:solidFill>
+                          <a:srgbClr val="000000"/>
+                        </a:solidFill>
+                        <a:effectLst/>
+                        <a:latin typeface="宋体" panose="02010600030101010101" pitchFamily="2" charset="-122"/>
+                        <a:ea typeface="宋体" panose="02010600030101010101" pitchFamily="2" charset="-122"/>
+                      </a:endParaRPr>
+                    </a:p>
+                  </a:txBody>
+                  <a:tcPr marL="9525" marR="9525" marT="9525" marB="0" anchor="ctr">
+                    <a:gradFill>
+                      <a:gsLst>
+                        <a:gs pos="0">
+                          <a:schemeClr val="accent1">
+                            <a:lumMod val="5000"/>
+                            <a:lumOff val="95000"/>
+                          </a:schemeClr>
+                        </a:gs>
+                        <a:gs pos="74000">
+                          <a:schemeClr val="accent1">
+                            <a:lumMod val="45000"/>
+                            <a:lumOff val="55000"/>
+                          </a:schemeClr>
+                        </a:gs>
+                        <a:gs pos="83000">
+                          <a:schemeClr val="accent1">
+                            <a:lumMod val="45000"/>
+                            <a:lumOff val="55000"/>
+                          </a:schemeClr>
+                        </a:gs>
+                        <a:gs pos="100000">
+                          <a:schemeClr val="accent1">
+                            <a:lumMod val="30000"/>
+                            <a:lumOff val="70000"/>
+                          </a:schemeClr>
+                        </a:gs>
+                      </a:gsLst>
+                      <a:lin ang="5400000" scaled="1"/>
+                    </a:gradFill>
+                  </a:tcPr>
+                </a:tc>
+              </a:tr>
+              <a:tr h="171450">
+                <a:tc>
+                  <a:txBody>
+                    <a:bodyPr/>
+                    <a:lstStyle/>
+                    <a:p>
+                      <a:pPr algn="r" fontAlgn="ctr"/>
+                      <a:endParaRPr lang="en-US" sz="1100" b="0" i="0" u="none" strike="noStrike" dirty="0">
+                        <a:solidFill>
+                          <a:srgbClr val="000000"/>
+                        </a:solidFill>
+                        <a:effectLst/>
+                        <a:latin typeface="宋体" panose="02010600030101010101" pitchFamily="2" charset="-122"/>
+                        <a:ea typeface="宋体" panose="02010600030101010101" pitchFamily="2" charset="-122"/>
+                      </a:endParaRPr>
+                    </a:p>
+                  </a:txBody>
+                  <a:tcPr marL="9525" marR="9525" marT="9525" marB="0" anchor="ctr">
+                    <a:gradFill>
+                      <a:gsLst>
+                        <a:gs pos="0">
+                          <a:schemeClr val="accent1">
+                            <a:lumMod val="5000"/>
+                            <a:lumOff val="95000"/>
+                          </a:schemeClr>
+                        </a:gs>
+                        <a:gs pos="74000">
+                          <a:schemeClr val="accent1">
+                            <a:lumMod val="45000"/>
+                            <a:lumOff val="55000"/>
+                          </a:schemeClr>
+                        </a:gs>
+                        <a:gs pos="83000">
+                          <a:schemeClr val="accent1">
+                            <a:lumMod val="45000"/>
+                            <a:lumOff val="55000"/>
+                          </a:schemeClr>
+                        </a:gs>
+                        <a:gs pos="100000">
+                          <a:schemeClr val="accent1">
+                            <a:lumMod val="30000"/>
+                            <a:lumOff val="70000"/>
+                          </a:schemeClr>
+                        </a:gs>
+                      </a:gsLst>
+                      <a:lin ang="5400000" scaled="1"/>
+                    </a:gradFill>
+                  </a:tcPr>
+                </a:tc>
+              </a:tr>
+              <a:tr h="171450">
+                <a:tc>
+                  <a:txBody>
+                    <a:bodyPr/>
+                    <a:lstStyle/>
+                    <a:p>
+                      <a:pPr algn="r" fontAlgn="ctr"/>
+                      <a:endParaRPr lang="en-US" sz="1100" b="0" i="0" u="none" strike="noStrike" dirty="0">
+                        <a:solidFill>
+                          <a:srgbClr val="000000"/>
+                        </a:solidFill>
+                        <a:effectLst/>
+                        <a:latin typeface="宋体" panose="02010600030101010101" pitchFamily="2" charset="-122"/>
+                        <a:ea typeface="宋体" panose="02010600030101010101" pitchFamily="2" charset="-122"/>
+                      </a:endParaRPr>
+                    </a:p>
+                  </a:txBody>
+                  <a:tcPr marL="9525" marR="9525" marT="9525" marB="0" anchor="ctr">
+                    <a:gradFill>
+                      <a:gsLst>
+                        <a:gs pos="0">
+                          <a:schemeClr val="accent1">
+                            <a:lumMod val="5000"/>
+                            <a:lumOff val="95000"/>
+                          </a:schemeClr>
+                        </a:gs>
+                        <a:gs pos="74000">
+                          <a:schemeClr val="accent1">
+                            <a:lumMod val="45000"/>
+                            <a:lumOff val="55000"/>
+                          </a:schemeClr>
+                        </a:gs>
+                        <a:gs pos="83000">
+                          <a:schemeClr val="accent1">
+                            <a:lumMod val="45000"/>
+                            <a:lumOff val="55000"/>
+                          </a:schemeClr>
+                        </a:gs>
+                        <a:gs pos="100000">
+                          <a:schemeClr val="accent1">
+                            <a:lumMod val="30000"/>
+                            <a:lumOff val="70000"/>
+                          </a:schemeClr>
+                        </a:gs>
+                      </a:gsLst>
+                      <a:lin ang="5400000" scaled="1"/>
+                    </a:gradFill>
+                  </a:tcPr>
+                </a:tc>
+              </a:tr>
+              <a:tr h="194295">
+                <a:tc>
+                  <a:txBody>
+                    <a:bodyPr/>
+                    <a:lstStyle/>
+                    <a:p>
+                      <a:pPr algn="r" fontAlgn="ctr"/>
+                      <a:endParaRPr lang="en-US" altLang="zh-CN" sz="1100" b="0" i="0" u="none" strike="noStrike" dirty="0">
+                        <a:solidFill>
+                          <a:srgbClr val="000000"/>
+                        </a:solidFill>
+                        <a:effectLst/>
+                        <a:latin typeface="宋体" panose="02010600030101010101" pitchFamily="2" charset="-122"/>
+                        <a:ea typeface="宋体" panose="02010600030101010101" pitchFamily="2" charset="-122"/>
+                      </a:endParaRPr>
+                    </a:p>
+                  </a:txBody>
+                  <a:tcPr marL="9525" marR="9525" marT="9525" marB="0" anchor="ctr">
+                    <a:gradFill>
+                      <a:gsLst>
+                        <a:gs pos="0">
+                          <a:schemeClr val="accent1">
+                            <a:lumMod val="5000"/>
+                            <a:lumOff val="95000"/>
+                          </a:schemeClr>
+                        </a:gs>
+                        <a:gs pos="74000">
+                          <a:schemeClr val="accent1">
+                            <a:lumMod val="45000"/>
+                            <a:lumOff val="55000"/>
+                          </a:schemeClr>
+                        </a:gs>
+                        <a:gs pos="83000">
+                          <a:schemeClr val="accent1">
+                            <a:lumMod val="45000"/>
+                            <a:lumOff val="55000"/>
+                          </a:schemeClr>
+                        </a:gs>
+                        <a:gs pos="100000">
+                          <a:schemeClr val="accent1">
+                            <a:lumMod val="30000"/>
+                            <a:lumOff val="70000"/>
+                          </a:schemeClr>
+                        </a:gs>
+                      </a:gsLst>
+                      <a:lin ang="5400000" scaled="1"/>
+                    </a:gradFill>
+                  </a:tcPr>
+                </a:tc>
+              </a:tr>
+            </a:tbl>
+          </a:graphicData>
+        </a:graphic>
+      </p:graphicFrame>
+      <p:sp>
+        <p:nvSpPr>
+          <p:cNvPr id="30" name="文本框 29"/>
+          <p:cNvSpPr txBox="1"/>
+          <p:nvPr/>
+        </p:nvSpPr>
+        <p:spPr>
+          <a:xfrm>
+            <a:off x="683568" y="2658641"/>
+            <a:ext cx="1381944" cy="276999"/>
+          </a:xfrm>
+          <a:prstGeom prst="rect">
+            <a:avLst/>
+          </a:prstGeom>
+          <a:noFill/>
+        </p:spPr>
+        <p:txBody>
+          <a:bodyPr wrap="square" rtlCol="0">
+            <a:spAutoFit/>
+          </a:bodyPr>
+          <a:lstStyle/>
+          <a:p>
+            <a:r>
+              <a:rPr lang="en-US" altLang="zh-CN" sz="1200" dirty="0">
                 <a:solidFill>
                   <a:srgbClr val="FF0000"/>
                 </a:solidFill>
               </a:rPr>
-              <a:t>后期工作</a:t>
-            </a:r>
-            <a:r>
-              <a:rPr lang="zh-CN" altLang="en-US" sz="2400" dirty="0" smtClean="0">
+              <a:t>r</a:t>
+            </a:r>
+            <a:r>
+              <a:rPr lang="en-US" altLang="zh-CN" sz="1200" dirty="0" smtClean="0">
                 <a:solidFill>
                   <a:srgbClr val="FF0000"/>
                 </a:solidFill>
               </a:rPr>
-              <a:t>安排</a:t>
-            </a:r>
-            <a:endParaRPr lang="en-US" altLang="zh-CN" sz="2400" dirty="0">
+              <a:t>ename table</a:t>
+            </a:r>
+            <a:endParaRPr lang="zh-CN" altLang="en-US" sz="1200" dirty="0">
               <a:solidFill>
                 <a:srgbClr val="FF0000"/>
               </a:solidFill>
+            </a:endParaRPr>
+          </a:p>
+        </p:txBody>
+      </p:sp>
+      <p:sp>
+        <p:nvSpPr>
+          <p:cNvPr id="31" name="文本框 30"/>
+          <p:cNvSpPr txBox="1"/>
+          <p:nvPr/>
+        </p:nvSpPr>
+        <p:spPr>
+          <a:xfrm>
+            <a:off x="1982032" y="3007985"/>
+            <a:ext cx="1797880" cy="276999"/>
+          </a:xfrm>
+          <a:prstGeom prst="rect">
+            <a:avLst/>
+          </a:prstGeom>
+          <a:noFill/>
+        </p:spPr>
+        <p:txBody>
+          <a:bodyPr wrap="square" rtlCol="0">
+            <a:spAutoFit/>
+          </a:bodyPr>
+          <a:lstStyle/>
+          <a:p>
+            <a:r>
+              <a:rPr lang="en-US" altLang="zh-CN" sz="1200" dirty="0">
+                <a:solidFill>
+                  <a:srgbClr val="FF0000"/>
+                </a:solidFill>
+              </a:rPr>
+              <a:t>p</a:t>
+            </a:r>
+            <a:r>
+              <a:rPr lang="en-US" altLang="zh-CN" sz="1200" dirty="0" smtClean="0">
+                <a:solidFill>
+                  <a:srgbClr val="FF0000"/>
+                </a:solidFill>
+              </a:rPr>
+              <a:t>hysical register file</a:t>
+            </a:r>
+            <a:endParaRPr lang="zh-CN" altLang="en-US" sz="1200" dirty="0">
+              <a:solidFill>
+                <a:srgbClr val="FF0000"/>
+              </a:solidFill>
+            </a:endParaRPr>
+          </a:p>
+        </p:txBody>
+      </p:sp>
+      <p:sp>
+        <p:nvSpPr>
+          <p:cNvPr id="32" name="文本框 31"/>
+          <p:cNvSpPr txBox="1"/>
+          <p:nvPr/>
+        </p:nvSpPr>
+        <p:spPr>
+          <a:xfrm>
+            <a:off x="3638216" y="3007985"/>
+            <a:ext cx="861776" cy="276999"/>
+          </a:xfrm>
+          <a:prstGeom prst="rect">
+            <a:avLst/>
+          </a:prstGeom>
+          <a:noFill/>
+        </p:spPr>
+        <p:txBody>
+          <a:bodyPr wrap="square" rtlCol="0">
+            <a:spAutoFit/>
+          </a:bodyPr>
+          <a:lstStyle/>
+          <a:p>
+            <a:r>
+              <a:rPr lang="en-US" altLang="zh-CN" sz="1200" dirty="0">
+                <a:solidFill>
+                  <a:srgbClr val="FF0000"/>
+                </a:solidFill>
+              </a:rPr>
+              <a:t>f</a:t>
+            </a:r>
+            <a:r>
+              <a:rPr lang="en-US" altLang="zh-CN" sz="1200" dirty="0" smtClean="0">
+                <a:solidFill>
+                  <a:srgbClr val="FF0000"/>
+                </a:solidFill>
+              </a:rPr>
+              <a:t>ree list</a:t>
+            </a:r>
+            <a:endParaRPr lang="zh-CN" altLang="en-US" sz="1200" dirty="0">
+              <a:solidFill>
+                <a:srgbClr val="FF0000"/>
+              </a:solidFill>
+            </a:endParaRPr>
+          </a:p>
+        </p:txBody>
+      </p:sp>
+      <p:sp>
+        <p:nvSpPr>
+          <p:cNvPr id="33" name="文本框 32"/>
+          <p:cNvSpPr txBox="1"/>
+          <p:nvPr/>
+        </p:nvSpPr>
+        <p:spPr>
+          <a:xfrm>
+            <a:off x="7409746" y="2935977"/>
+            <a:ext cx="898940" cy="276999"/>
+          </a:xfrm>
+          <a:prstGeom prst="rect">
+            <a:avLst/>
+          </a:prstGeom>
+          <a:noFill/>
+        </p:spPr>
+        <p:txBody>
+          <a:bodyPr wrap="square" rtlCol="0">
+            <a:spAutoFit/>
+          </a:bodyPr>
+          <a:lstStyle/>
+          <a:p>
+            <a:r>
+              <a:rPr lang="en-US" altLang="zh-CN" sz="1200" dirty="0" err="1" smtClean="0">
+                <a:solidFill>
+                  <a:srgbClr val="FF0000"/>
+                </a:solidFill>
+              </a:rPr>
+              <a:t>alloc</a:t>
+            </a:r>
+            <a:r>
+              <a:rPr lang="en-US" altLang="zh-CN" sz="1200" dirty="0" smtClean="0">
+                <a:solidFill>
+                  <a:srgbClr val="FF0000"/>
+                </a:solidFill>
+              </a:rPr>
+              <a:t> list</a:t>
+            </a:r>
+            <a:endParaRPr lang="zh-CN" altLang="en-US" sz="1200" dirty="0">
+              <a:solidFill>
+                <a:srgbClr val="FF0000"/>
+              </a:solidFill>
+            </a:endParaRPr>
+          </a:p>
+        </p:txBody>
+      </p:sp>
+      <p:sp>
+        <p:nvSpPr>
+          <p:cNvPr id="34" name="文本框 33"/>
+          <p:cNvSpPr txBox="1"/>
+          <p:nvPr/>
+        </p:nvSpPr>
+        <p:spPr>
+          <a:xfrm>
+            <a:off x="5868144" y="2669674"/>
+            <a:ext cx="1728192" cy="276999"/>
+          </a:xfrm>
+          <a:prstGeom prst="rect">
+            <a:avLst/>
+          </a:prstGeom>
+          <a:noFill/>
+        </p:spPr>
+        <p:txBody>
+          <a:bodyPr wrap="square" rtlCol="0">
+            <a:spAutoFit/>
+          </a:bodyPr>
+          <a:lstStyle/>
+          <a:p>
+            <a:r>
+              <a:rPr lang="en-US" altLang="zh-CN" sz="1200" dirty="0">
+                <a:solidFill>
+                  <a:srgbClr val="FF0000"/>
+                </a:solidFill>
+              </a:rPr>
+              <a:t>r</a:t>
+            </a:r>
+            <a:r>
+              <a:rPr lang="en-US" altLang="zh-CN" sz="1200" dirty="0" smtClean="0">
+                <a:solidFill>
+                  <a:srgbClr val="FF0000"/>
+                </a:solidFill>
+              </a:rPr>
+              <a:t>ename table copy</a:t>
+            </a:r>
+            <a:endParaRPr lang="zh-CN" altLang="en-US" sz="1200" dirty="0">
+              <a:solidFill>
+                <a:srgbClr val="FF0000"/>
+              </a:solidFill>
+            </a:endParaRPr>
+          </a:p>
+        </p:txBody>
+      </p:sp>
+      <p:sp>
+        <p:nvSpPr>
+          <p:cNvPr id="35" name="文本框 34"/>
+          <p:cNvSpPr txBox="1"/>
+          <p:nvPr/>
+        </p:nvSpPr>
+        <p:spPr>
+          <a:xfrm>
+            <a:off x="611560" y="4581128"/>
+            <a:ext cx="898940" cy="276999"/>
+          </a:xfrm>
+          <a:prstGeom prst="rect">
+            <a:avLst/>
+          </a:prstGeom>
+          <a:noFill/>
+        </p:spPr>
+        <p:txBody>
+          <a:bodyPr wrap="square" rtlCol="0">
+            <a:spAutoFit/>
+          </a:bodyPr>
+          <a:lstStyle/>
+          <a:p>
+            <a:r>
+              <a:rPr lang="en-US" altLang="zh-CN" sz="1200" dirty="0" smtClean="0">
+                <a:solidFill>
+                  <a:srgbClr val="FF0000"/>
+                </a:solidFill>
+              </a:rPr>
+              <a:t>PC file</a:t>
+            </a:r>
+            <a:endParaRPr lang="zh-CN" altLang="en-US" sz="1200" dirty="0">
+              <a:solidFill>
+                <a:srgbClr val="FF0000"/>
+              </a:solidFill>
+            </a:endParaRPr>
+          </a:p>
+        </p:txBody>
+      </p:sp>
+      <p:sp>
+        <p:nvSpPr>
+          <p:cNvPr id="36" name="文本框 35"/>
+          <p:cNvSpPr txBox="1"/>
+          <p:nvPr/>
+        </p:nvSpPr>
+        <p:spPr>
+          <a:xfrm>
+            <a:off x="3275856" y="4581128"/>
+            <a:ext cx="898940" cy="276999"/>
+          </a:xfrm>
+          <a:prstGeom prst="rect">
+            <a:avLst/>
+          </a:prstGeom>
+          <a:noFill/>
+        </p:spPr>
+        <p:txBody>
+          <a:bodyPr wrap="square" rtlCol="0">
+            <a:spAutoFit/>
+          </a:bodyPr>
+          <a:lstStyle/>
+          <a:p>
+            <a:r>
+              <a:rPr lang="en-US" altLang="zh-CN" sz="1200" dirty="0" smtClean="0">
+                <a:solidFill>
+                  <a:srgbClr val="FF0000"/>
+                </a:solidFill>
+              </a:rPr>
+              <a:t>ROB</a:t>
+            </a:r>
+            <a:endParaRPr lang="zh-CN" altLang="en-US" sz="1200" dirty="0">
+              <a:solidFill>
+                <a:srgbClr val="FF0000"/>
+              </a:solidFill>
+            </a:endParaRPr>
+          </a:p>
+        </p:txBody>
+      </p:sp>
+      <p:graphicFrame>
+        <p:nvGraphicFramePr>
+          <p:cNvPr id="37" name="表格 36"/>
+          <p:cNvGraphicFramePr>
+            <a:graphicFrameLocks noGrp="1"/>
+          </p:cNvGraphicFramePr>
+          <p:nvPr>
+            <p:extLst/>
+          </p:nvPr>
+        </p:nvGraphicFramePr>
+        <p:xfrm>
+          <a:off x="7164288" y="3573016"/>
+          <a:ext cx="685800" cy="885825"/>
+        </p:xfrm>
+        <a:graphic>
+          <a:graphicData uri="http://schemas.openxmlformats.org/drawingml/2006/table">
+            <a:tbl>
+              <a:tblPr>
+                <a:tableStyleId>{5C22544A-7EE6-4342-B048-85BDC9FD1C3A}</a:tableStyleId>
+              </a:tblPr>
+              <a:tblGrid>
+                <a:gridCol w="685800"/>
+              </a:tblGrid>
+              <a:tr h="171450">
+                <a:tc>
+                  <a:txBody>
+                    <a:bodyPr/>
+                    <a:lstStyle/>
+                    <a:p>
+                      <a:pPr algn="l" fontAlgn="ctr"/>
+                      <a:endParaRPr lang="zh-CN" altLang="en-US" sz="1100" b="0" i="0" u="none" strike="noStrike" dirty="0">
+                        <a:solidFill>
+                          <a:srgbClr val="000000"/>
+                        </a:solidFill>
+                        <a:effectLst/>
+                        <a:latin typeface="宋体" panose="02010600030101010101" pitchFamily="2" charset="-122"/>
+                        <a:ea typeface="宋体" panose="02010600030101010101" pitchFamily="2" charset="-122"/>
+                      </a:endParaRPr>
+                    </a:p>
+                  </a:txBody>
+                  <a:tcPr marL="9525" marR="9525" marT="9525" marB="0" anchor="ctr">
+                    <a:gradFill>
+                      <a:gsLst>
+                        <a:gs pos="0">
+                          <a:schemeClr val="accent1">
+                            <a:lumMod val="5000"/>
+                            <a:lumOff val="95000"/>
+                          </a:schemeClr>
+                        </a:gs>
+                        <a:gs pos="74000">
+                          <a:schemeClr val="accent1">
+                            <a:lumMod val="45000"/>
+                            <a:lumOff val="55000"/>
+                          </a:schemeClr>
+                        </a:gs>
+                        <a:gs pos="83000">
+                          <a:schemeClr val="accent1">
+                            <a:lumMod val="45000"/>
+                            <a:lumOff val="55000"/>
+                          </a:schemeClr>
+                        </a:gs>
+                        <a:gs pos="100000">
+                          <a:schemeClr val="accent1">
+                            <a:lumMod val="30000"/>
+                            <a:lumOff val="70000"/>
+                          </a:schemeClr>
+                        </a:gs>
+                      </a:gsLst>
+                      <a:lin ang="5400000" scaled="1"/>
+                    </a:gradFill>
+                  </a:tcPr>
+                </a:tc>
+              </a:tr>
+              <a:tr h="171450">
+                <a:tc>
+                  <a:txBody>
+                    <a:bodyPr/>
+                    <a:lstStyle/>
+                    <a:p>
+                      <a:pPr algn="l" fontAlgn="ctr"/>
+                      <a:endParaRPr lang="zh-CN" altLang="en-US" sz="1100" b="0" i="0" u="none" strike="noStrike">
+                        <a:solidFill>
+                          <a:srgbClr val="000000"/>
+                        </a:solidFill>
+                        <a:effectLst/>
+                        <a:latin typeface="宋体" panose="02010600030101010101" pitchFamily="2" charset="-122"/>
+                        <a:ea typeface="宋体" panose="02010600030101010101" pitchFamily="2" charset="-122"/>
+                      </a:endParaRPr>
+                    </a:p>
+                  </a:txBody>
+                  <a:tcPr marL="9525" marR="9525" marT="9525" marB="0" anchor="ctr">
+                    <a:gradFill>
+                      <a:gsLst>
+                        <a:gs pos="0">
+                          <a:schemeClr val="accent1">
+                            <a:lumMod val="5000"/>
+                            <a:lumOff val="95000"/>
+                          </a:schemeClr>
+                        </a:gs>
+                        <a:gs pos="74000">
+                          <a:schemeClr val="accent1">
+                            <a:lumMod val="45000"/>
+                            <a:lumOff val="55000"/>
+                          </a:schemeClr>
+                        </a:gs>
+                        <a:gs pos="83000">
+                          <a:schemeClr val="accent1">
+                            <a:lumMod val="45000"/>
+                            <a:lumOff val="55000"/>
+                          </a:schemeClr>
+                        </a:gs>
+                        <a:gs pos="100000">
+                          <a:schemeClr val="accent1">
+                            <a:lumMod val="30000"/>
+                            <a:lumOff val="70000"/>
+                          </a:schemeClr>
+                        </a:gs>
+                      </a:gsLst>
+                      <a:lin ang="5400000" scaled="1"/>
+                    </a:gradFill>
+                  </a:tcPr>
+                </a:tc>
+              </a:tr>
+              <a:tr h="171450">
+                <a:tc>
+                  <a:txBody>
+                    <a:bodyPr/>
+                    <a:lstStyle/>
+                    <a:p>
+                      <a:pPr algn="l" fontAlgn="ctr"/>
+                      <a:endParaRPr lang="zh-CN" altLang="en-US" sz="1100" b="0" i="0" u="none" strike="noStrike">
+                        <a:solidFill>
+                          <a:srgbClr val="000000"/>
+                        </a:solidFill>
+                        <a:effectLst/>
+                        <a:latin typeface="宋体" panose="02010600030101010101" pitchFamily="2" charset="-122"/>
+                        <a:ea typeface="宋体" panose="02010600030101010101" pitchFamily="2" charset="-122"/>
+                      </a:endParaRPr>
+                    </a:p>
+                  </a:txBody>
+                  <a:tcPr marL="9525" marR="9525" marT="9525" marB="0" anchor="ctr">
+                    <a:gradFill>
+                      <a:gsLst>
+                        <a:gs pos="0">
+                          <a:schemeClr val="accent1">
+                            <a:lumMod val="5000"/>
+                            <a:lumOff val="95000"/>
+                          </a:schemeClr>
+                        </a:gs>
+                        <a:gs pos="74000">
+                          <a:schemeClr val="accent1">
+                            <a:lumMod val="45000"/>
+                            <a:lumOff val="55000"/>
+                          </a:schemeClr>
+                        </a:gs>
+                        <a:gs pos="83000">
+                          <a:schemeClr val="accent1">
+                            <a:lumMod val="45000"/>
+                            <a:lumOff val="55000"/>
+                          </a:schemeClr>
+                        </a:gs>
+                        <a:gs pos="100000">
+                          <a:schemeClr val="accent1">
+                            <a:lumMod val="30000"/>
+                            <a:lumOff val="70000"/>
+                          </a:schemeClr>
+                        </a:gs>
+                      </a:gsLst>
+                      <a:lin ang="5400000" scaled="1"/>
+                    </a:gradFill>
+                  </a:tcPr>
+                </a:tc>
+              </a:tr>
+              <a:tr h="171450">
+                <a:tc>
+                  <a:txBody>
+                    <a:bodyPr/>
+                    <a:lstStyle/>
+                    <a:p>
+                      <a:pPr algn="l" fontAlgn="ctr"/>
+                      <a:endParaRPr lang="zh-CN" altLang="en-US" sz="1100" b="0" i="0" u="none" strike="noStrike">
+                        <a:solidFill>
+                          <a:srgbClr val="000000"/>
+                        </a:solidFill>
+                        <a:effectLst/>
+                        <a:latin typeface="宋体" panose="02010600030101010101" pitchFamily="2" charset="-122"/>
+                        <a:ea typeface="宋体" panose="02010600030101010101" pitchFamily="2" charset="-122"/>
+                      </a:endParaRPr>
+                    </a:p>
+                  </a:txBody>
+                  <a:tcPr marL="9525" marR="9525" marT="9525" marB="0" anchor="ctr">
+                    <a:gradFill>
+                      <a:gsLst>
+                        <a:gs pos="0">
+                          <a:schemeClr val="accent1">
+                            <a:lumMod val="5000"/>
+                            <a:lumOff val="95000"/>
+                          </a:schemeClr>
+                        </a:gs>
+                        <a:gs pos="74000">
+                          <a:schemeClr val="accent1">
+                            <a:lumMod val="45000"/>
+                            <a:lumOff val="55000"/>
+                          </a:schemeClr>
+                        </a:gs>
+                        <a:gs pos="83000">
+                          <a:schemeClr val="accent1">
+                            <a:lumMod val="45000"/>
+                            <a:lumOff val="55000"/>
+                          </a:schemeClr>
+                        </a:gs>
+                        <a:gs pos="100000">
+                          <a:schemeClr val="accent1">
+                            <a:lumMod val="30000"/>
+                            <a:lumOff val="70000"/>
+                          </a:schemeClr>
+                        </a:gs>
+                      </a:gsLst>
+                      <a:lin ang="5400000" scaled="1"/>
+                    </a:gradFill>
+                  </a:tcPr>
+                </a:tc>
+              </a:tr>
+              <a:tr h="171450">
+                <a:tc>
+                  <a:txBody>
+                    <a:bodyPr/>
+                    <a:lstStyle/>
+                    <a:p>
+                      <a:pPr algn="l" fontAlgn="ctr"/>
+                      <a:endParaRPr lang="zh-CN" altLang="en-US" sz="1100" b="0" i="0" u="none" strike="noStrike" dirty="0">
+                        <a:solidFill>
+                          <a:srgbClr val="000000"/>
+                        </a:solidFill>
+                        <a:effectLst/>
+                        <a:latin typeface="宋体" panose="02010600030101010101" pitchFamily="2" charset="-122"/>
+                        <a:ea typeface="宋体" panose="02010600030101010101" pitchFamily="2" charset="-122"/>
+                      </a:endParaRPr>
+                    </a:p>
+                  </a:txBody>
+                  <a:tcPr marL="9525" marR="9525" marT="9525" marB="0" anchor="ctr">
+                    <a:gradFill>
+                      <a:gsLst>
+                        <a:gs pos="0">
+                          <a:schemeClr val="accent1">
+                            <a:lumMod val="5000"/>
+                            <a:lumOff val="95000"/>
+                          </a:schemeClr>
+                        </a:gs>
+                        <a:gs pos="74000">
+                          <a:schemeClr val="accent1">
+                            <a:lumMod val="45000"/>
+                            <a:lumOff val="55000"/>
+                          </a:schemeClr>
+                        </a:gs>
+                        <a:gs pos="83000">
+                          <a:schemeClr val="accent1">
+                            <a:lumMod val="45000"/>
+                            <a:lumOff val="55000"/>
+                          </a:schemeClr>
+                        </a:gs>
+                        <a:gs pos="100000">
+                          <a:schemeClr val="accent1">
+                            <a:lumMod val="30000"/>
+                            <a:lumOff val="70000"/>
+                          </a:schemeClr>
+                        </a:gs>
+                      </a:gsLst>
+                      <a:lin ang="5400000" scaled="1"/>
+                    </a:gradFill>
+                  </a:tcPr>
+                </a:tc>
+              </a:tr>
+            </a:tbl>
+          </a:graphicData>
+        </a:graphic>
+      </p:graphicFrame>
+      <p:sp>
+        <p:nvSpPr>
+          <p:cNvPr id="38" name="文本框 37"/>
+          <p:cNvSpPr txBox="1"/>
+          <p:nvPr/>
+        </p:nvSpPr>
+        <p:spPr>
+          <a:xfrm>
+            <a:off x="7057718" y="4530848"/>
+            <a:ext cx="1402714" cy="276999"/>
+          </a:xfrm>
+          <a:prstGeom prst="rect">
+            <a:avLst/>
+          </a:prstGeom>
+          <a:noFill/>
+        </p:spPr>
+        <p:txBody>
+          <a:bodyPr wrap="square" rtlCol="0">
+            <a:spAutoFit/>
+          </a:bodyPr>
+          <a:lstStyle/>
+          <a:p>
+            <a:r>
+              <a:rPr lang="en-US" altLang="zh-CN" sz="1200" dirty="0">
+                <a:solidFill>
+                  <a:srgbClr val="FF0000"/>
+                </a:solidFill>
+              </a:rPr>
+              <a:t>i</a:t>
+            </a:r>
+            <a:r>
+              <a:rPr lang="en-US" altLang="zh-CN" sz="1200" dirty="0" smtClean="0">
+                <a:solidFill>
+                  <a:srgbClr val="FF0000"/>
+                </a:solidFill>
+              </a:rPr>
+              <a:t>ssue window</a:t>
+            </a:r>
+            <a:endParaRPr lang="zh-CN" altLang="en-US" sz="1200" dirty="0">
+              <a:solidFill>
+                <a:srgbClr val="FF0000"/>
+              </a:solidFill>
+            </a:endParaRPr>
+          </a:p>
+        </p:txBody>
+      </p:sp>
+      <p:sp>
+        <p:nvSpPr>
+          <p:cNvPr id="41" name="云形 40"/>
+          <p:cNvSpPr/>
+          <p:nvPr/>
+        </p:nvSpPr>
+        <p:spPr bwMode="auto">
+          <a:xfrm>
+            <a:off x="6876256" y="5157192"/>
+            <a:ext cx="1307926" cy="843320"/>
+          </a:xfrm>
+          <a:prstGeom prst="cloud">
+            <a:avLst/>
+          </a:prstGeom>
+          <a:gradFill rotWithShape="1">
+            <a:gsLst>
+              <a:gs pos="0">
+                <a:schemeClr val="accent1"/>
+              </a:gs>
+              <a:gs pos="100000">
+                <a:schemeClr val="bg1">
+                  <a:alpha val="98000"/>
+                </a:schemeClr>
+              </a:gs>
+            </a:gsLst>
+            <a:lin ang="5400000" scaled="1"/>
+          </a:gradFill>
+          <a:ln w="25400" cap="flat" cmpd="sng" algn="ctr">
+            <a:solidFill>
+              <a:schemeClr val="tx1"/>
+            </a:solidFill>
+            <a:prstDash val="solid"/>
+            <a:round/>
+            <a:headEnd type="none" w="med" len="med"/>
+            <a:tailEnd type="none" w="med" len="med"/>
+          </a:ln>
+          <a:effectLst/>
+        </p:spPr>
+        <p:txBody>
+          <a:bodyPr vert="horz" wrap="none" lIns="0" tIns="0" rIns="0" bIns="0" numCol="1" rtlCol="0" anchor="ctr" anchorCtr="0" compatLnSpc="1">
+            <a:prstTxWarp prst="textNoShape">
+              <a:avLst/>
+            </a:prstTxWarp>
+            <a:spAutoFit/>
+          </a:bodyPr>
+          <a:lstStyle/>
+          <a:p>
+            <a:pPr marL="0" marR="0" indent="0" algn="ctr" defTabSz="914400" rtl="0" eaLnBrk="0" fontAlgn="base" latinLnBrk="0" hangingPunct="0">
+              <a:lnSpc>
+                <a:spcPct val="100000"/>
+              </a:lnSpc>
+              <a:spcBef>
+                <a:spcPct val="0"/>
+              </a:spcBef>
+              <a:spcAft>
+                <a:spcPct val="0"/>
+              </a:spcAft>
+              <a:buClrTx/>
+              <a:buSzTx/>
+              <a:buFontTx/>
+              <a:buNone/>
+              <a:tabLst/>
+            </a:pPr>
+            <a:r>
+              <a:rPr kumimoji="0" lang="en-US" altLang="zh-CN" sz="1800" b="1" i="0" u="none" strike="noStrike" cap="none" normalizeH="0" baseline="0" dirty="0" smtClean="0">
+                <a:ln>
+                  <a:noFill/>
+                </a:ln>
+                <a:solidFill>
+                  <a:schemeClr val="tx1"/>
+                </a:solidFill>
+                <a:effectLst/>
+                <a:latin typeface="Arial" pitchFamily="34" charset="0"/>
+                <a:ea typeface="宋体" pitchFamily="2" charset="-122"/>
+              </a:rPr>
+              <a:t>Branch </a:t>
+            </a:r>
+          </a:p>
+          <a:p>
+            <a:pPr marL="0" marR="0" indent="0" algn="ctr" defTabSz="914400" rtl="0" eaLnBrk="0" fontAlgn="base" latinLnBrk="0" hangingPunct="0">
+              <a:lnSpc>
+                <a:spcPct val="100000"/>
+              </a:lnSpc>
+              <a:spcBef>
+                <a:spcPct val="0"/>
+              </a:spcBef>
+              <a:spcAft>
+                <a:spcPct val="0"/>
+              </a:spcAft>
+              <a:buClrTx/>
+              <a:buSzTx/>
+              <a:buFontTx/>
+              <a:buNone/>
+              <a:tabLst/>
+            </a:pPr>
+            <a:r>
+              <a:rPr kumimoji="0" lang="en-US" altLang="zh-CN" sz="1800" b="1" i="0" u="none" strike="noStrike" cap="none" normalizeH="0" baseline="0" dirty="0" smtClean="0">
+                <a:ln>
+                  <a:noFill/>
+                </a:ln>
+                <a:solidFill>
+                  <a:schemeClr val="tx1"/>
+                </a:solidFill>
+                <a:effectLst/>
+                <a:latin typeface="Arial" pitchFamily="34" charset="0"/>
+                <a:ea typeface="宋体" pitchFamily="2" charset="-122"/>
+              </a:rPr>
+              <a:t>Unit</a:t>
+            </a:r>
+            <a:endParaRPr kumimoji="0" lang="zh-CN" altLang="en-US" sz="1800" b="1" i="0" u="none" strike="noStrike" cap="none" normalizeH="0" baseline="0" dirty="0" smtClean="0">
+              <a:ln>
+                <a:noFill/>
+              </a:ln>
+              <a:solidFill>
+                <a:schemeClr val="tx1"/>
+              </a:solidFill>
+              <a:effectLst/>
+              <a:latin typeface="Arial" pitchFamily="34" charset="0"/>
+              <a:ea typeface="宋体" pitchFamily="2" charset="-122"/>
             </a:endParaRPr>
           </a:p>
         </p:txBody>
@@ -14374,7 +20565,7 @@
     </p:spTree>
     <p:extLst>
       <p:ext uri="{BB962C8B-B14F-4D97-AF65-F5344CB8AC3E}">
-        <p14:creationId xmlns:p14="http://schemas.microsoft.com/office/powerpoint/2010/main" val="4146109188"/>
+        <p14:creationId xmlns:p14="http://schemas.microsoft.com/office/powerpoint/2010/main" val="1969125783"/>
       </p:ext>
     </p:extLst>
   </p:cSld>
@@ -14425,6 +20616,170 @@
           <a:p>
             <a:r>
               <a:rPr lang="zh-CN" altLang="en-US" dirty="0" smtClean="0"/>
+              <a:t>主要内容</a:t>
+            </a:r>
+            <a:endParaRPr lang="zh-CN" altLang="en-US" dirty="0"/>
+          </a:p>
+        </p:txBody>
+      </p:sp>
+      <p:sp>
+        <p:nvSpPr>
+          <p:cNvPr id="3" name="内容占位符 2"/>
+          <p:cNvSpPr>
+            <a:spLocks noGrp="1"/>
+          </p:cNvSpPr>
+          <p:nvPr>
+            <p:ph idx="1"/>
+          </p:nvPr>
+        </p:nvSpPr>
+        <p:spPr/>
+        <p:txBody>
+          <a:bodyPr/>
+          <a:lstStyle/>
+          <a:p>
+            <a:r>
+              <a:rPr lang="en-US" altLang="zh-CN" sz="2400" dirty="0" smtClean="0"/>
+              <a:t>Introduction &amp; Overview</a:t>
+            </a:r>
+          </a:p>
+          <a:p>
+            <a:r>
+              <a:rPr lang="en-US" altLang="zh-CN" sz="2400" dirty="0" smtClean="0"/>
+              <a:t>Instruction Fetch</a:t>
+            </a:r>
+            <a:endParaRPr lang="zh-CN" altLang="en-US" sz="2400" dirty="0"/>
+          </a:p>
+          <a:p>
+            <a:r>
+              <a:rPr lang="en-US" altLang="zh-CN" sz="2400" dirty="0"/>
+              <a:t>Unified Physical Register </a:t>
+            </a:r>
+            <a:r>
+              <a:rPr lang="en-US" altLang="zh-CN" sz="2400" dirty="0" smtClean="0"/>
+              <a:t>File</a:t>
+            </a:r>
+          </a:p>
+          <a:p>
+            <a:r>
+              <a:rPr lang="en-US" altLang="zh-CN" sz="2400" dirty="0" smtClean="0"/>
+              <a:t>The Decode Stage</a:t>
+            </a:r>
+          </a:p>
+          <a:p>
+            <a:r>
+              <a:rPr lang="en-US" altLang="zh-CN" sz="2400" dirty="0" smtClean="0"/>
+              <a:t>The Rename Stage</a:t>
+            </a:r>
+          </a:p>
+          <a:p>
+            <a:r>
+              <a:rPr lang="en-US" altLang="zh-CN" sz="2400" dirty="0" smtClean="0"/>
+              <a:t>ROB &amp; The Dispatch Stage </a:t>
+            </a:r>
+          </a:p>
+          <a:p>
+            <a:r>
+              <a:rPr lang="en-US" altLang="zh-CN" sz="2400" dirty="0" smtClean="0"/>
+              <a:t>The Issue Unit</a:t>
+            </a:r>
+          </a:p>
+          <a:p>
+            <a:r>
+              <a:rPr lang="en-US" altLang="zh-CN" sz="2400" dirty="0" smtClean="0"/>
+              <a:t>The Register File and Bypass</a:t>
+            </a:r>
+          </a:p>
+          <a:p>
+            <a:r>
+              <a:rPr lang="en-US" altLang="zh-CN" sz="2400" dirty="0" smtClean="0"/>
+              <a:t>The Execute Pipeline</a:t>
+            </a:r>
+          </a:p>
+          <a:p>
+            <a:r>
+              <a:rPr lang="en-US" altLang="zh-CN" sz="2400" dirty="0" smtClean="0"/>
+              <a:t>The Load/Store Unit</a:t>
+            </a:r>
+          </a:p>
+          <a:p>
+            <a:r>
+              <a:rPr lang="zh-CN" altLang="en-US" sz="2400" dirty="0">
+                <a:solidFill>
+                  <a:srgbClr val="FF0000"/>
+                </a:solidFill>
+              </a:rPr>
+              <a:t>后期工作</a:t>
+            </a:r>
+            <a:r>
+              <a:rPr lang="zh-CN" altLang="en-US" sz="2400" dirty="0" smtClean="0">
+                <a:solidFill>
+                  <a:srgbClr val="FF0000"/>
+                </a:solidFill>
+              </a:rPr>
+              <a:t>安排</a:t>
+            </a:r>
+            <a:endParaRPr lang="en-US" altLang="zh-CN" sz="2400" dirty="0">
+              <a:solidFill>
+                <a:srgbClr val="FF0000"/>
+              </a:solidFill>
+            </a:endParaRPr>
+          </a:p>
+        </p:txBody>
+      </p:sp>
+    </p:spTree>
+    <p:extLst>
+      <p:ext uri="{BB962C8B-B14F-4D97-AF65-F5344CB8AC3E}">
+        <p14:creationId xmlns:p14="http://schemas.microsoft.com/office/powerpoint/2010/main" val="4146109188"/>
+      </p:ext>
+    </p:extLst>
+  </p:cSld>
+  <p:clrMapOvr>
+    <a:masterClrMapping/>
+  </p:clrMapOvr>
+  <p:timing>
+    <p:tnLst>
+      <p:par>
+        <p:cTn id="1" dur="indefinite" restart="never" nodeType="tmRoot"/>
+      </p:par>
+    </p:tnLst>
+  </p:timing>
+</p:sld>
+</file>
+
+<file path=ppt/slides/slide36.xml><?xml version="1.0" encoding="utf-8"?>
+<p:sld xmlns:a="http://schemas.openxmlformats.org/drawingml/2006/main" xmlns:r="http://schemas.openxmlformats.org/officeDocument/2006/relationships" xmlns:p="http://schemas.openxmlformats.org/presentationml/2006/main">
+  <p:cSld>
+    <p:spTree>
+      <p:nvGrpSpPr>
+        <p:cNvPr id="1" name=""/>
+        <p:cNvGrpSpPr/>
+        <p:nvPr/>
+      </p:nvGrpSpPr>
+      <p:grpSpPr>
+        <a:xfrm>
+          <a:off x="0" y="0"/>
+          <a:ext cx="0" cy="0"/>
+          <a:chOff x="0" y="0"/>
+          <a:chExt cx="0" cy="0"/>
+        </a:xfrm>
+      </p:grpSpPr>
+      <p:sp>
+        <p:nvSpPr>
+          <p:cNvPr id="2" name="标题 1"/>
+          <p:cNvSpPr>
+            <a:spLocks noGrp="1"/>
+          </p:cNvSpPr>
+          <p:nvPr>
+            <p:ph type="title"/>
+          </p:nvPr>
+        </p:nvSpPr>
+        <p:spPr/>
+        <p:txBody>
+          <a:bodyPr/>
+          <a:lstStyle/>
+          <a:p>
+            <a:r>
+              <a:rPr lang="zh-CN" altLang="en-US" dirty="0" smtClean="0"/>
               <a:t>后期工作安排</a:t>
             </a:r>
             <a:endParaRPr lang="zh-CN" altLang="en-US" dirty="0"/>
@@ -14460,42 +20815,42 @@
                 <a:gridCol w="1017901">
                   <a:extLst>
                     <a:ext uri="{9D8B030D-6E8A-4147-A177-3AD203B41FA5}">
-                      <a16:colId xmlns:a16="http://schemas.microsoft.com/office/drawing/2014/main" val="20000"/>
+                      <a16:colId xmlns="" xmlns:a16="http://schemas.microsoft.com/office/drawing/2014/main" val="20000"/>
                     </a:ext>
                   </a:extLst>
                 </a:gridCol>
                 <a:gridCol w="2337867">
                   <a:extLst>
                     <a:ext uri="{9D8B030D-6E8A-4147-A177-3AD203B41FA5}">
-                      <a16:colId xmlns:a16="http://schemas.microsoft.com/office/drawing/2014/main" val="20001"/>
+                      <a16:colId xmlns="" xmlns:a16="http://schemas.microsoft.com/office/drawing/2014/main" val="20001"/>
                     </a:ext>
                   </a:extLst>
                 </a:gridCol>
                 <a:gridCol w="621172">
                   <a:extLst>
                     <a:ext uri="{9D8B030D-6E8A-4147-A177-3AD203B41FA5}">
-                      <a16:colId xmlns:a16="http://schemas.microsoft.com/office/drawing/2014/main" val="20002"/>
+                      <a16:colId xmlns="" xmlns:a16="http://schemas.microsoft.com/office/drawing/2014/main" val="20002"/>
                     </a:ext>
                   </a:extLst>
                 </a:gridCol>
                 <a:gridCol w="1942575">
                   <a:extLst>
                     <a:ext uri="{9D8B030D-6E8A-4147-A177-3AD203B41FA5}">
-                      <a16:colId xmlns:a16="http://schemas.microsoft.com/office/drawing/2014/main" val="20003"/>
+                      <a16:colId xmlns="" xmlns:a16="http://schemas.microsoft.com/office/drawing/2014/main" val="20003"/>
                     </a:ext>
                   </a:extLst>
                 </a:gridCol>
                 <a:gridCol w="1727988">
                   <a:extLst>
                     <a:ext uri="{9D8B030D-6E8A-4147-A177-3AD203B41FA5}">
-                      <a16:colId xmlns:a16="http://schemas.microsoft.com/office/drawing/2014/main" val="20004"/>
+                      <a16:colId xmlns="" xmlns:a16="http://schemas.microsoft.com/office/drawing/2014/main" val="20004"/>
                     </a:ext>
                   </a:extLst>
                 </a:gridCol>
                 <a:gridCol w="1007993">
                   <a:extLst>
                     <a:ext uri="{9D8B030D-6E8A-4147-A177-3AD203B41FA5}">
-                      <a16:colId xmlns:a16="http://schemas.microsoft.com/office/drawing/2014/main" val="20005"/>
+                      <a16:colId xmlns="" xmlns:a16="http://schemas.microsoft.com/office/drawing/2014/main" val="20005"/>
                     </a:ext>
                   </a:extLst>
                 </a:gridCol>
@@ -14665,7 +21020,7 @@
                 </a:tc>
                 <a:extLst>
                   <a:ext uri="{0D108BD9-81ED-4DB2-BD59-A6C34878D82A}">
-                    <a16:rowId xmlns:a16="http://schemas.microsoft.com/office/drawing/2014/main" val="10000"/>
+                    <a16:rowId xmlns="" xmlns:a16="http://schemas.microsoft.com/office/drawing/2014/main" val="10000"/>
                   </a:ext>
                 </a:extLst>
               </a:tr>
@@ -14828,7 +21183,7 @@
                 </a:tc>
                 <a:extLst>
                   <a:ext uri="{0D108BD9-81ED-4DB2-BD59-A6C34878D82A}">
-                    <a16:rowId xmlns:a16="http://schemas.microsoft.com/office/drawing/2014/main" val="10001"/>
+                    <a16:rowId xmlns="" xmlns:a16="http://schemas.microsoft.com/office/drawing/2014/main" val="10001"/>
                   </a:ext>
                 </a:extLst>
               </a:tr>
@@ -14977,7 +21332,7 @@
                 </a:tc>
                 <a:extLst>
                   <a:ext uri="{0D108BD9-81ED-4DB2-BD59-A6C34878D82A}">
-                    <a16:rowId xmlns:a16="http://schemas.microsoft.com/office/drawing/2014/main" val="10002"/>
+                    <a16:rowId xmlns="" xmlns:a16="http://schemas.microsoft.com/office/drawing/2014/main" val="10002"/>
                   </a:ext>
                 </a:extLst>
               </a:tr>
@@ -15138,7 +21493,7 @@
                 </a:tc>
                 <a:extLst>
                   <a:ext uri="{0D108BD9-81ED-4DB2-BD59-A6C34878D82A}">
-                    <a16:rowId xmlns:a16="http://schemas.microsoft.com/office/drawing/2014/main" val="10003"/>
+                    <a16:rowId xmlns="" xmlns:a16="http://schemas.microsoft.com/office/drawing/2014/main" val="10003"/>
                   </a:ext>
                 </a:extLst>
               </a:tr>
@@ -15287,7 +21642,7 @@
                 </a:tc>
                 <a:extLst>
                   <a:ext uri="{0D108BD9-81ED-4DB2-BD59-A6C34878D82A}">
-                    <a16:rowId xmlns:a16="http://schemas.microsoft.com/office/drawing/2014/main" val="10004"/>
+                    <a16:rowId xmlns="" xmlns:a16="http://schemas.microsoft.com/office/drawing/2014/main" val="10004"/>
                   </a:ext>
                 </a:extLst>
               </a:tr>
@@ -15450,7 +21805,7 @@
                 </a:tc>
                 <a:extLst>
                   <a:ext uri="{0D108BD9-81ED-4DB2-BD59-A6C34878D82A}">
-                    <a16:rowId xmlns:a16="http://schemas.microsoft.com/office/drawing/2014/main" val="10005"/>
+                    <a16:rowId xmlns="" xmlns:a16="http://schemas.microsoft.com/office/drawing/2014/main" val="10005"/>
                   </a:ext>
                 </a:extLst>
               </a:tr>
@@ -15599,7 +21954,7 @@
                 </a:tc>
                 <a:extLst>
                   <a:ext uri="{0D108BD9-81ED-4DB2-BD59-A6C34878D82A}">
-                    <a16:rowId xmlns:a16="http://schemas.microsoft.com/office/drawing/2014/main" val="10006"/>
+                    <a16:rowId xmlns="" xmlns:a16="http://schemas.microsoft.com/office/drawing/2014/main" val="10006"/>
                   </a:ext>
                 </a:extLst>
               </a:tr>
@@ -15778,7 +22133,7 @@
                 </a:tc>
                 <a:extLst>
                   <a:ext uri="{0D108BD9-81ED-4DB2-BD59-A6C34878D82A}">
-                    <a16:rowId xmlns:a16="http://schemas.microsoft.com/office/drawing/2014/main" val="10007"/>
+                    <a16:rowId xmlns="" xmlns:a16="http://schemas.microsoft.com/office/drawing/2014/main" val="10007"/>
                   </a:ext>
                 </a:extLst>
               </a:tr>
@@ -15939,7 +22294,7 @@
                 </a:tc>
                 <a:extLst>
                   <a:ext uri="{0D108BD9-81ED-4DB2-BD59-A6C34878D82A}">
-                    <a16:rowId xmlns:a16="http://schemas.microsoft.com/office/drawing/2014/main" val="10008"/>
+                    <a16:rowId xmlns="" xmlns:a16="http://schemas.microsoft.com/office/drawing/2014/main" val="10008"/>
                   </a:ext>
                 </a:extLst>
               </a:tr>
@@ -15967,7 +22322,7 @@
 </p:sld>
 </file>
 
-<file path=ppt/slides/slide36.xml><?xml version="1.0" encoding="utf-8"?>
+<file path=ppt/slides/slide37.xml><?xml version="1.0" encoding="utf-8"?>
 <p:sld xmlns:a="http://schemas.openxmlformats.org/drawingml/2006/main" xmlns:r="http://schemas.openxmlformats.org/officeDocument/2006/relationships" xmlns:p="http://schemas.openxmlformats.org/presentationml/2006/main">
   <p:cSld>
     <p:spTree>
@@ -16031,71 +22386,108 @@
           <a:lstStyle/>
           <a:p>
             <a:r>
-              <a:rPr lang="zh-CN" altLang="en-US" dirty="0" smtClean="0"/>
+              <a:rPr lang="zh-CN" altLang="en-US" sz="2800" dirty="0" smtClean="0"/>
               <a:t>阅读</a:t>
             </a:r>
             <a:r>
-              <a:rPr lang="zh-CN" altLang="en-US" dirty="0"/>
+              <a:rPr lang="zh-CN" altLang="en-US" sz="2800" dirty="0"/>
               <a:t>文档和熟悉代码，了解</a:t>
             </a:r>
             <a:r>
-              <a:rPr lang="en-US" altLang="zh-CN" dirty="0"/>
+              <a:rPr lang="en-US" altLang="zh-CN" sz="2800" dirty="0"/>
               <a:t>Boom</a:t>
             </a:r>
             <a:r>
-              <a:rPr lang="zh-CN" altLang="en-US" dirty="0"/>
-              <a:t>的整体架构，重点掌握各位负责的子模块的功能和对外连接情况。（</a:t>
-            </a:r>
-            <a:r>
-              <a:rPr lang="en-US" altLang="zh-CN" dirty="0"/>
-              <a:t>1</a:t>
-            </a:r>
-            <a:r>
-              <a:rPr lang="zh-CN" altLang="en-US" dirty="0"/>
-              <a:t>周）</a:t>
-            </a:r>
-          </a:p>
-          <a:p>
-            <a:r>
-              <a:rPr lang="zh-CN" altLang="en-US" dirty="0" smtClean="0"/>
+              <a:rPr lang="zh-CN" altLang="en-US" sz="2800" dirty="0"/>
+              <a:t>的整体架构，重点掌握各位负责的子模块的功能和对外连接</a:t>
+            </a:r>
+            <a:r>
+              <a:rPr lang="zh-CN" altLang="en-US" sz="2800" dirty="0" smtClean="0"/>
+              <a:t>情况</a:t>
+            </a:r>
+            <a:endParaRPr lang="en-US" altLang="zh-CN" sz="2800" dirty="0" smtClean="0"/>
+          </a:p>
+          <a:p>
+            <a:pPr lvl="1"/>
+            <a:r>
+              <a:rPr lang="en-US" altLang="zh-CN" sz="2400" dirty="0" smtClean="0"/>
+              <a:t>3</a:t>
+            </a:r>
+            <a:r>
+              <a:rPr lang="en-US" altLang="zh-CN" sz="2400" dirty="0" smtClean="0"/>
+              <a:t>/10-3/14</a:t>
+            </a:r>
+            <a:r>
+              <a:rPr lang="zh-CN" altLang="en-US" sz="2400" dirty="0" smtClean="0"/>
+              <a:t>：阅读文档，熟悉各模块</a:t>
+            </a:r>
+            <a:endParaRPr lang="en-US" altLang="zh-CN" sz="2400" dirty="0" smtClean="0"/>
+          </a:p>
+          <a:p>
+            <a:pPr lvl="1"/>
+            <a:r>
+              <a:rPr lang="en-US" altLang="zh-CN" sz="2400" dirty="0" smtClean="0"/>
+              <a:t>3</a:t>
+            </a:r>
+            <a:r>
+              <a:rPr lang="en-US" altLang="zh-CN" sz="2400" dirty="0" smtClean="0"/>
+              <a:t>/15-3/21</a:t>
+            </a:r>
+            <a:r>
+              <a:rPr lang="zh-CN" altLang="en-US" sz="2400" dirty="0" smtClean="0"/>
+              <a:t>：书写</a:t>
+            </a:r>
+            <a:r>
+              <a:rPr lang="en-US" altLang="zh-CN" sz="2400" dirty="0" smtClean="0"/>
+              <a:t>SPEC</a:t>
+            </a:r>
+            <a:r>
+              <a:rPr lang="zh-CN" altLang="en-US" sz="2400" dirty="0" smtClean="0"/>
+              <a:t>文档（基本功能、对外接口）</a:t>
+            </a:r>
+            <a:endParaRPr lang="zh-CN" altLang="en-US" sz="2400" dirty="0"/>
+          </a:p>
+          <a:p>
+            <a:r>
+              <a:rPr lang="zh-CN" altLang="en-US" sz="2800" dirty="0" smtClean="0"/>
               <a:t>阅读</a:t>
             </a:r>
             <a:r>
-              <a:rPr lang="zh-CN" altLang="en-US" dirty="0"/>
+              <a:rPr lang="zh-CN" altLang="en-US" sz="2800" dirty="0"/>
               <a:t>文档和代码，探索各子模块的设计方案</a:t>
             </a:r>
             <a:r>
-              <a:rPr lang="zh-CN" altLang="en-US" dirty="0" smtClean="0"/>
+              <a:rPr lang="zh-CN" altLang="en-US" sz="2800" dirty="0" smtClean="0"/>
               <a:t>（</a:t>
             </a:r>
             <a:r>
-              <a:rPr lang="en-US" altLang="zh-CN" dirty="0"/>
+              <a:rPr lang="en-US" altLang="zh-CN" sz="2800" dirty="0"/>
               <a:t>4</a:t>
             </a:r>
             <a:r>
-              <a:rPr lang="zh-CN" altLang="en-US" dirty="0" smtClean="0"/>
+              <a:rPr lang="zh-CN" altLang="en-US" sz="2800" dirty="0" smtClean="0"/>
               <a:t>周</a:t>
             </a:r>
             <a:r>
-              <a:rPr lang="zh-CN" altLang="en-US" dirty="0"/>
+              <a:rPr lang="zh-CN" altLang="en-US" sz="2800" dirty="0"/>
               <a:t>）</a:t>
             </a:r>
           </a:p>
           <a:p>
             <a:r>
-              <a:rPr lang="zh-CN" altLang="en-US" dirty="0" smtClean="0"/>
+              <a:rPr lang="zh-CN" altLang="en-US" sz="2800" dirty="0" smtClean="0"/>
               <a:t>书写</a:t>
             </a:r>
             <a:r>
-              <a:rPr lang="zh-CN" altLang="en-US" dirty="0"/>
+              <a:rPr lang="zh-CN" altLang="en-US" sz="2800" dirty="0"/>
               <a:t>详细设计文档（</a:t>
             </a:r>
             <a:r>
-              <a:rPr lang="en-US" altLang="zh-CN" dirty="0"/>
+              <a:rPr lang="en-US" altLang="zh-CN" sz="2800" dirty="0"/>
               <a:t>2</a:t>
             </a:r>
             <a:r>
-              <a:rPr lang="zh-CN" altLang="en-US" dirty="0"/>
+              <a:rPr lang="zh-CN" altLang="en-US" sz="2800" dirty="0"/>
               <a:t>周）</a:t>
             </a:r>
           </a:p>
@@ -16121,7 +22513,7 @@
 </p:sld>
 </file>
 
-<file path=ppt/slides/slide37.xml><?xml version="1.0" encoding="utf-8"?>
+<file path=ppt/slides/slide38.xml><?xml version="1.0" encoding="utf-8"?>
 <p:sld xmlns:a="http://schemas.openxmlformats.org/drawingml/2006/main" xmlns:r="http://schemas.openxmlformats.org/officeDocument/2006/relationships" xmlns:p="http://schemas.openxmlformats.org/presentationml/2006/main">
   <p:cSld>
     <p:spTree>
